--- a/examples/pipeline_overview.pptx
+++ b/examples/pipeline_overview.pptx
@@ -4907,7 +4907,7 @@
               </a:p>
               <a:p>
                 <a:r>
-                  <a:rPr kumimoji="1" lang="en-US" altLang="ko-KR" sz="1200" b="1" dirty="0" smtClean="0">
+                  <a:rPr kumimoji="1" lang="en-US" altLang="ko-KR" sz="1200" dirty="0" smtClean="0">
                     <a:solidFill>
                       <a:srgbClr val="0070C0"/>
                     </a:solidFill>
@@ -6335,58 +6335,26 @@
                     <a:ea typeface="PT Sans Narrow" charset="-52"/>
                     <a:cs typeface="PT Sans Narrow" charset="-52"/>
                   </a:rPr>
-                  <a:t>SKIP THIS </a:t>
+                  <a:t>SKIP THIS (b</a:t>
                 </a:r>
                 <a:r>
                   <a:rPr kumimoji="1" lang="en-US" altLang="ko-KR" sz="1200" b="1" dirty="0" smtClean="0">
-                    <a:solidFill>
-                      <a:schemeClr val="tx1">
-                        <a:lumMod val="50000"/>
-                        <a:lumOff val="50000"/>
-                      </a:schemeClr>
-                    </a:solidFill>
-                    <a:latin typeface="PT Sans Narrow" charset="-52"/>
-                    <a:ea typeface="PT Sans Narrow" charset="-52"/>
-                    <a:cs typeface="PT Sans Narrow" charset="-52"/>
-                  </a:rPr>
-                  <a:t>(b</a:t>
+                    <a:latin typeface="PT Sans Narrow" charset="-52"/>
+                    <a:ea typeface="PT Sans Narrow" charset="-52"/>
+                    <a:cs typeface="PT Sans Narrow" charset="-52"/>
+                  </a:rPr>
+                  <a:t>7: </a:t>
+                </a:r>
+                <a:r>
+                  <a:rPr kumimoji="1" lang="en-US" altLang="ko-KR" sz="1200" b="1" dirty="0" err="1" smtClean="0">
+                    <a:latin typeface="PT Sans Narrow" charset="-52"/>
+                    <a:ea typeface="PT Sans Narrow" charset="-52"/>
+                    <a:cs typeface="PT Sans Narrow" charset="-52"/>
+                  </a:rPr>
+                  <a:t>coregistration</a:t>
                 </a:r>
                 <a:r>
                   <a:rPr kumimoji="1" lang="en-US" altLang="ko-KR" sz="1200" b="1" dirty="0" smtClean="0">
-                    <a:solidFill>
-                      <a:schemeClr val="tx1">
-                        <a:lumMod val="50000"/>
-                        <a:lumOff val="50000"/>
-                      </a:schemeClr>
-                    </a:solidFill>
-                    <a:latin typeface="PT Sans Narrow" charset="-52"/>
-                    <a:ea typeface="PT Sans Narrow" charset="-52"/>
-                    <a:cs typeface="PT Sans Narrow" charset="-52"/>
-                  </a:rPr>
-                  <a:t>7: </a:t>
-                </a:r>
-                <a:r>
-                  <a:rPr kumimoji="1" lang="en-US" altLang="ko-KR" sz="1200" b="1" dirty="0" err="1" smtClean="0">
-                    <a:solidFill>
-                      <a:schemeClr val="tx1">
-                        <a:lumMod val="50000"/>
-                        <a:lumOff val="50000"/>
-                      </a:schemeClr>
-                    </a:solidFill>
-                    <a:latin typeface="PT Sans Narrow" charset="-52"/>
-                    <a:ea typeface="PT Sans Narrow" charset="-52"/>
-                    <a:cs typeface="PT Sans Narrow" charset="-52"/>
-                  </a:rPr>
-                  <a:t>coregistration</a:t>
-                </a:r>
-                <a:r>
-                  <a:rPr kumimoji="1" lang="en-US" altLang="ko-KR" sz="1200" b="1" dirty="0" smtClean="0">
-                    <a:solidFill>
-                      <a:schemeClr val="tx1">
-                        <a:lumMod val="50000"/>
-                        <a:lumOff val="50000"/>
-                      </a:schemeClr>
-                    </a:solidFill>
                     <a:latin typeface="PT Sans Narrow" charset="-52"/>
                     <a:ea typeface="PT Sans Narrow" charset="-52"/>
                     <a:cs typeface="PT Sans Narrow" charset="-52"/>
@@ -6670,7 +6638,7 @@
               </a:p>
               <a:p>
                 <a:r>
-                  <a:rPr kumimoji="1" lang="en-US" altLang="ko-KR" sz="1200" b="1" dirty="0" smtClean="0">
+                  <a:rPr kumimoji="1" lang="en-US" altLang="ko-KR" sz="1200" dirty="0" smtClean="0">
                     <a:solidFill>
                       <a:srgbClr val="0070C0"/>
                     </a:solidFill>

--- a/examples/pipeline_overview.pptx
+++ b/examples/pipeline_overview.pptx
@@ -5,11 +5,12 @@
     <p:sldMasterId id="2147483648" r:id="rId1"/>
   </p:sldMasterIdLst>
   <p:notesMasterIdLst>
-    <p:notesMasterId r:id="rId4"/>
+    <p:notesMasterId r:id="rId5"/>
   </p:notesMasterIdLst>
   <p:sldIdLst>
     <p:sldId id="256" r:id="rId2"/>
     <p:sldId id="257" r:id="rId3"/>
+    <p:sldId id="258" r:id="rId4"/>
   </p:sldIdLst>
   <p:sldSz cx="12192000" cy="6858000"/>
   <p:notesSz cx="6858000" cy="9144000"/>
@@ -108,6 +109,11 @@
       </a:defRPr>
     </a:lvl9pPr>
   </p:defaultTextStyle>
+  <p:extLst>
+    <p:ext uri="{EFAFB233-063F-42B5-8137-9DF3F51BA10A}">
+      <p15:sldGuideLst xmlns:p15="http://schemas.microsoft.com/office/powerpoint/2012/main"/>
+    </p:ext>
+  </p:extLst>
 </p:presentation>
 </file>
 
@@ -4273,15 +4279,7 @@
                     <a:ea typeface="PT Sans Narrow" charset="-52"/>
                     <a:cs typeface="PT Sans Narrow" charset="-52"/>
                   </a:rPr>
-                  <a:t>It </a:t>
-                </a:r>
-                <a:r>
-                  <a:rPr kumimoji="1" lang="en-US" altLang="ko-KR" sz="1200" dirty="0" smtClean="0">
-                    <a:latin typeface="PT Sans Narrow" charset="-52"/>
-                    <a:ea typeface="PT Sans Narrow" charset="-52"/>
-                    <a:cs typeface="PT Sans Narrow" charset="-52"/>
-                  </a:rPr>
-                  <a:t>reads the actual acquisition timing from </a:t>
+                  <a:t>It reads the actual acquisition timing from </a:t>
                 </a:r>
                 <a:r>
                   <a:rPr kumimoji="1" lang="en-US" altLang="ko-KR" sz="1200" dirty="0" err="1" smtClean="0">
@@ -4333,15 +4331,7 @@
                     <a:ea typeface="PT Sans Narrow" charset="-52"/>
                     <a:cs typeface="PT Sans Narrow" charset="-52"/>
                   </a:rPr>
-                  <a:t>It uses </a:t>
-                </a:r>
-                <a:r>
-                  <a:rPr kumimoji="1" lang="en-US" altLang="ko-KR" sz="1200" dirty="0" smtClean="0">
-                    <a:latin typeface="PT Sans Narrow" charset="-52"/>
-                    <a:ea typeface="PT Sans Narrow" charset="-52"/>
-                    <a:cs typeface="PT Sans Narrow" charset="-52"/>
-                  </a:rPr>
-                  <a:t>the first functional image or </a:t>
+                  <a:t>It uses the first functional image or </a:t>
                 </a:r>
                 <a:r>
                   <a:rPr kumimoji="1" lang="en-US" altLang="ko-KR" sz="1200" dirty="0" err="1" smtClean="0">
@@ -4373,11 +4363,6 @@
                   </a:rPr>
                   <a:t>It saves 6 movement parameters for each run</a:t>
                 </a:r>
-                <a:endParaRPr kumimoji="1" lang="en-US" altLang="ko-KR" sz="1200" dirty="0" smtClean="0">
-                  <a:latin typeface="PT Sans Narrow" charset="-52"/>
-                  <a:ea typeface="PT Sans Narrow" charset="-52"/>
-                  <a:cs typeface="PT Sans Narrow" charset="-52"/>
-                </a:endParaRPr>
               </a:p>
             </p:txBody>
           </p:sp>
@@ -4553,15 +4538,7 @@
                     <a:ea typeface="PT Sans Narrow" charset="-52"/>
                     <a:cs typeface="PT Sans Narrow" charset="-52"/>
                   </a:rPr>
-                  <a:t>b</a:t>
-                </a:r>
-                <a:r>
-                  <a:rPr kumimoji="1" lang="en-US" altLang="ko-KR" sz="1200" b="1" dirty="0" smtClean="0">
-                    <a:latin typeface="PT Sans Narrow" charset="-52"/>
-                    <a:ea typeface="PT Sans Narrow" charset="-52"/>
-                    <a:cs typeface="PT Sans Narrow" charset="-52"/>
-                  </a:rPr>
-                  <a:t>7: </a:t>
+                  <a:t>b7: </a:t>
                 </a:r>
                 <a:r>
                   <a:rPr kumimoji="1" lang="en-US" altLang="ko-KR" sz="1200" b="1" dirty="0" err="1" smtClean="0">
@@ -4698,11 +4675,6 @@
                   </a:rPr>
                   <a:t>)</a:t>
                 </a:r>
-                <a:endParaRPr kumimoji="1" lang="en-US" altLang="ko-KR" sz="1200" dirty="0" smtClean="0">
-                  <a:latin typeface="PT Sans Narrow" charset="-52"/>
-                  <a:ea typeface="PT Sans Narrow" charset="-52"/>
-                  <a:cs typeface="PT Sans Narrow" charset="-52"/>
-                </a:endParaRPr>
               </a:p>
               <a:p>
                 <a:pPr marL="171450" lvl="1" indent="-171450">
@@ -5035,11 +5007,6 @@
                   </a:rPr>
                   <a:t>/ICA-AROMA</a:t>
                 </a:r>
-                <a:endParaRPr kumimoji="1" lang="en-US" altLang="ko-KR" sz="1200" dirty="0" smtClean="0">
-                  <a:latin typeface="PT Sans Narrow" charset="-52"/>
-                  <a:ea typeface="PT Sans Narrow" charset="-52"/>
-                  <a:cs typeface="PT Sans Narrow" charset="-52"/>
-                </a:endParaRPr>
               </a:p>
             </p:txBody>
           </p:sp>
@@ -6066,15 +6033,7 @@
                     <a:ea typeface="PT Sans Narrow" charset="-52"/>
                     <a:cs typeface="PT Sans Narrow" charset="-52"/>
                   </a:rPr>
-                  <a:t>It </a:t>
-                </a:r>
-                <a:r>
-                  <a:rPr kumimoji="1" lang="en-US" altLang="ko-KR" sz="1200" dirty="0" smtClean="0">
-                    <a:latin typeface="PT Sans Narrow" charset="-52"/>
-                    <a:ea typeface="PT Sans Narrow" charset="-52"/>
-                    <a:cs typeface="PT Sans Narrow" charset="-52"/>
-                  </a:rPr>
-                  <a:t>reads the actual acquisition timing from </a:t>
+                  <a:t>It reads the actual acquisition timing from </a:t>
                 </a:r>
                 <a:r>
                   <a:rPr kumimoji="1" lang="en-US" altLang="ko-KR" sz="1200" dirty="0" err="1" smtClean="0">
@@ -6126,15 +6085,7 @@
                     <a:ea typeface="PT Sans Narrow" charset="-52"/>
                     <a:cs typeface="PT Sans Narrow" charset="-52"/>
                   </a:rPr>
-                  <a:t>It uses </a:t>
-                </a:r>
-                <a:r>
-                  <a:rPr kumimoji="1" lang="en-US" altLang="ko-KR" sz="1200" dirty="0" smtClean="0">
-                    <a:latin typeface="PT Sans Narrow" charset="-52"/>
-                    <a:ea typeface="PT Sans Narrow" charset="-52"/>
-                    <a:cs typeface="PT Sans Narrow" charset="-52"/>
-                  </a:rPr>
-                  <a:t>the first functional image or </a:t>
+                  <a:t>It uses the first functional image or </a:t>
                 </a:r>
                 <a:r>
                   <a:rPr kumimoji="1" lang="en-US" altLang="ko-KR" sz="1200" dirty="0" err="1" smtClean="0">
@@ -6166,11 +6117,6 @@
                   </a:rPr>
                   <a:t>It saves 6 movement parameters for each run</a:t>
                 </a:r>
-                <a:endParaRPr kumimoji="1" lang="en-US" altLang="ko-KR" sz="1200" dirty="0" smtClean="0">
-                  <a:latin typeface="PT Sans Narrow" charset="-52"/>
-                  <a:ea typeface="PT Sans Narrow" charset="-52"/>
-                  <a:cs typeface="PT Sans Narrow" charset="-52"/>
-                </a:endParaRPr>
               </a:p>
             </p:txBody>
           </p:sp>
@@ -6335,15 +6281,7 @@
                     <a:ea typeface="PT Sans Narrow" charset="-52"/>
                     <a:cs typeface="PT Sans Narrow" charset="-52"/>
                   </a:rPr>
-                  <a:t>SKIP THIS (b</a:t>
-                </a:r>
-                <a:r>
-                  <a:rPr kumimoji="1" lang="en-US" altLang="ko-KR" sz="1200" b="1" dirty="0" smtClean="0">
-                    <a:latin typeface="PT Sans Narrow" charset="-52"/>
-                    <a:ea typeface="PT Sans Narrow" charset="-52"/>
-                    <a:cs typeface="PT Sans Narrow" charset="-52"/>
-                  </a:rPr>
-                  <a:t>7: </a:t>
+                  <a:t>SKIP THIS (b7: </a:t>
                 </a:r>
                 <a:r>
                   <a:rPr kumimoji="1" lang="en-US" altLang="ko-KR" sz="1200" b="1" dirty="0" err="1" smtClean="0">
@@ -6419,7 +6357,15 @@
                     <a:ea typeface="PT Sans Narrow" charset="-52"/>
                     <a:cs typeface="PT Sans Narrow" charset="-52"/>
                   </a:rPr>
-                  <a:t>egmentation of the </a:t>
+                  <a:t>egmentation of the realigned functional images using SPM12’s tissue probability map (</a:t>
+                </a:r>
+                <a:r>
+                  <a:rPr kumimoji="1" lang="en-US" altLang="ko-KR" sz="1200" dirty="0" err="1" smtClean="0">
+                    <a:latin typeface="PT Sans Narrow" charset="-52"/>
+                    <a:ea typeface="PT Sans Narrow" charset="-52"/>
+                    <a:cs typeface="PT Sans Narrow" charset="-52"/>
+                  </a:rPr>
+                  <a:t>TPM.nii</a:t>
                 </a:r>
                 <a:r>
                   <a:rPr kumimoji="1" lang="en-US" altLang="ko-KR" sz="1200" dirty="0" smtClean="0">
@@ -6427,29 +6373,8 @@
                     <a:ea typeface="PT Sans Narrow" charset="-52"/>
                     <a:cs typeface="PT Sans Narrow" charset="-52"/>
                   </a:rPr>
-                  <a:t>realigned functional images using SPM12’s tissue probability map (</a:t>
-                </a:r>
-                <a:r>
-                  <a:rPr kumimoji="1" lang="en-US" altLang="ko-KR" sz="1200" dirty="0" err="1" smtClean="0">
-                    <a:latin typeface="PT Sans Narrow" charset="-52"/>
-                    <a:ea typeface="PT Sans Narrow" charset="-52"/>
-                    <a:cs typeface="PT Sans Narrow" charset="-52"/>
-                  </a:rPr>
-                  <a:t>TPM.nii</a:t>
-                </a:r>
-                <a:r>
-                  <a:rPr kumimoji="1" lang="en-US" altLang="ko-KR" sz="1200" dirty="0" smtClean="0">
-                    <a:latin typeface="PT Sans Narrow" charset="-52"/>
-                    <a:ea typeface="PT Sans Narrow" charset="-52"/>
-                    <a:cs typeface="PT Sans Narrow" charset="-52"/>
-                  </a:rPr>
                   <a:t>)</a:t>
                 </a:r>
-                <a:endParaRPr kumimoji="1" lang="en-US" altLang="ko-KR" sz="1200" dirty="0" smtClean="0">
-                  <a:latin typeface="PT Sans Narrow" charset="-52"/>
-                  <a:ea typeface="PT Sans Narrow" charset="-52"/>
-                  <a:cs typeface="PT Sans Narrow" charset="-52"/>
-                </a:endParaRPr>
               </a:p>
               <a:p>
                 <a:pPr marL="171450" lvl="1" indent="-171450">
@@ -6766,11 +6691,6 @@
                   </a:rPr>
                   <a:t>/ICA-AROMA</a:t>
                 </a:r>
-                <a:endParaRPr kumimoji="1" lang="en-US" altLang="ko-KR" sz="1200" dirty="0" smtClean="0">
-                  <a:latin typeface="PT Sans Narrow" charset="-52"/>
-                  <a:ea typeface="PT Sans Narrow" charset="-52"/>
-                  <a:cs typeface="PT Sans Narrow" charset="-52"/>
-                </a:endParaRPr>
               </a:p>
             </p:txBody>
           </p:sp>
@@ -6816,6 +6736,728 @@
     <p:extLst>
       <p:ext uri="{BB962C8B-B14F-4D97-AF65-F5344CB8AC3E}">
         <p14:creationId xmlns:p14="http://schemas.microsoft.com/office/powerpoint/2010/main" val="1751780129"/>
+      </p:ext>
+    </p:extLst>
+  </p:cSld>
+  <p:clrMapOvr>
+    <a:masterClrMapping/>
+  </p:clrMapOvr>
+</p:sld>
+</file>
+
+<file path=ppt/slides/slide3.xml><?xml version="1.0" encoding="utf-8"?>
+<p:sld xmlns:a="http://schemas.openxmlformats.org/drawingml/2006/main" xmlns:r="http://schemas.openxmlformats.org/officeDocument/2006/relationships" xmlns:p="http://schemas.openxmlformats.org/presentationml/2006/main">
+  <p:cSld>
+    <p:spTree>
+      <p:nvGrpSpPr>
+        <p:cNvPr id="1" name=""/>
+        <p:cNvGrpSpPr/>
+        <p:nvPr/>
+      </p:nvGrpSpPr>
+      <p:grpSpPr>
+        <a:xfrm>
+          <a:off x="0" y="0"/>
+          <a:ext cx="0" cy="0"/>
+          <a:chOff x="0" y="0"/>
+          <a:chExt cx="0" cy="0"/>
+        </a:xfrm>
+      </p:grpSpPr>
+      <p:grpSp>
+        <p:nvGrpSpPr>
+          <p:cNvPr id="43" name="그룹 42"/>
+          <p:cNvGrpSpPr/>
+          <p:nvPr/>
+        </p:nvGrpSpPr>
+        <p:grpSpPr>
+          <a:xfrm>
+            <a:off x="0" y="132522"/>
+            <a:ext cx="12383329" cy="7818270"/>
+            <a:chOff x="0" y="132522"/>
+            <a:chExt cx="12383329" cy="7818270"/>
+          </a:xfrm>
+        </p:grpSpPr>
+        <p:sp>
+          <p:nvSpPr>
+            <p:cNvPr id="42" name="직사각형 41"/>
+            <p:cNvSpPr/>
+            <p:nvPr/>
+          </p:nvSpPr>
+          <p:spPr>
+            <a:xfrm>
+              <a:off x="13253" y="132522"/>
+              <a:ext cx="12370076" cy="7816838"/>
+            </a:xfrm>
+            <a:prstGeom prst="rect">
+              <a:avLst/>
+            </a:prstGeom>
+            <a:solidFill>
+              <a:schemeClr val="bg1"/>
+            </a:solidFill>
+            <a:ln>
+              <a:noFill/>
+            </a:ln>
+          </p:spPr>
+          <p:style>
+            <a:lnRef idx="2">
+              <a:schemeClr val="accent1">
+                <a:shade val="50000"/>
+              </a:schemeClr>
+            </a:lnRef>
+            <a:fillRef idx="1">
+              <a:schemeClr val="accent1"/>
+            </a:fillRef>
+            <a:effectRef idx="0">
+              <a:schemeClr val="accent1"/>
+            </a:effectRef>
+            <a:fontRef idx="minor">
+              <a:schemeClr val="lt1"/>
+            </a:fontRef>
+          </p:style>
+          <p:txBody>
+            <a:bodyPr rtlCol="0" anchor="ctr"/>
+            <a:lstStyle/>
+            <a:p>
+              <a:pPr algn="ctr"/>
+              <a:endParaRPr kumimoji="1" lang="ko-KR" altLang="en-US"/>
+            </a:p>
+          </p:txBody>
+        </p:sp>
+        <p:pic>
+          <p:nvPicPr>
+            <p:cNvPr id="3" name="그림 2"/>
+            <p:cNvPicPr>
+              <a:picLocks noChangeAspect="1"/>
+            </p:cNvPicPr>
+            <p:nvPr/>
+          </p:nvPicPr>
+          <p:blipFill>
+            <a:blip r:embed="rId2">
+              <a:extLst>
+                <a:ext uri="{28A0092B-C50C-407E-A947-70E740481C1C}">
+                  <a14:useLocalDpi xmlns:a14="http://schemas.microsoft.com/office/drawing/2010/main" val="0"/>
+                </a:ext>
+              </a:extLst>
+            </a:blip>
+            <a:stretch>
+              <a:fillRect/>
+            </a:stretch>
+          </p:blipFill>
+          <p:spPr>
+            <a:xfrm>
+              <a:off x="0" y="1003853"/>
+              <a:ext cx="4465983" cy="3349487"/>
+            </a:xfrm>
+            <a:prstGeom prst="rect">
+              <a:avLst/>
+            </a:prstGeom>
+          </p:spPr>
+        </p:pic>
+        <p:sp>
+          <p:nvSpPr>
+            <p:cNvPr id="29" name="텍스트 상자 28"/>
+            <p:cNvSpPr txBox="1"/>
+            <p:nvPr/>
+          </p:nvSpPr>
+          <p:spPr>
+            <a:xfrm>
+              <a:off x="453295" y="726854"/>
+              <a:ext cx="1609736" cy="276999"/>
+            </a:xfrm>
+            <a:prstGeom prst="rect">
+              <a:avLst/>
+            </a:prstGeom>
+            <a:solidFill>
+              <a:schemeClr val="bg1"/>
+            </a:solidFill>
+          </p:spPr>
+          <p:txBody>
+            <a:bodyPr wrap="none" rtlCol="0">
+              <a:spAutoFit/>
+            </a:bodyPr>
+            <a:lstStyle/>
+            <a:p>
+              <a:pPr algn="ctr"/>
+              <a:r>
+                <a:rPr kumimoji="1" lang="en-US" altLang="ko-KR" sz="1200" dirty="0" err="1" smtClean="0">
+                  <a:latin typeface="PT Sans Narrow" charset="-52"/>
+                  <a:ea typeface="PT Sans Narrow" charset="-52"/>
+                  <a:cs typeface="PT Sans Narrow" charset="-52"/>
+                </a:rPr>
+                <a:t>mean_before_preproc.png</a:t>
+              </a:r>
+              <a:endParaRPr kumimoji="1" lang="en-US" altLang="ko-KR" sz="1200" dirty="0" smtClean="0">
+                <a:latin typeface="PT Sans Narrow" charset="-52"/>
+                <a:ea typeface="PT Sans Narrow" charset="-52"/>
+                <a:cs typeface="PT Sans Narrow" charset="-52"/>
+              </a:endParaRPr>
+            </a:p>
+          </p:txBody>
+        </p:sp>
+        <p:pic>
+          <p:nvPicPr>
+            <p:cNvPr id="14" name="그림 13"/>
+            <p:cNvPicPr>
+              <a:picLocks noChangeAspect="1"/>
+            </p:cNvPicPr>
+            <p:nvPr/>
+          </p:nvPicPr>
+          <p:blipFill>
+            <a:blip r:embed="rId3">
+              <a:extLst>
+                <a:ext uri="{28A0092B-C50C-407E-A947-70E740481C1C}">
+                  <a14:useLocalDpi xmlns:a14="http://schemas.microsoft.com/office/drawing/2010/main" val="0"/>
+                </a:ext>
+              </a:extLst>
+            </a:blip>
+            <a:stretch>
+              <a:fillRect/>
+            </a:stretch>
+          </p:blipFill>
+          <p:spPr>
+            <a:xfrm>
+              <a:off x="4141368" y="1003853"/>
+              <a:ext cx="4728688" cy="3349487"/>
+            </a:xfrm>
+            <a:prstGeom prst="rect">
+              <a:avLst/>
+            </a:prstGeom>
+          </p:spPr>
+        </p:pic>
+        <p:sp>
+          <p:nvSpPr>
+            <p:cNvPr id="30" name="텍스트 상자 29"/>
+            <p:cNvSpPr txBox="1"/>
+            <p:nvPr/>
+          </p:nvSpPr>
+          <p:spPr>
+            <a:xfrm>
+              <a:off x="4698058" y="726854"/>
+              <a:ext cx="1402948" cy="276999"/>
+            </a:xfrm>
+            <a:prstGeom prst="rect">
+              <a:avLst/>
+            </a:prstGeom>
+            <a:solidFill>
+              <a:schemeClr val="bg1"/>
+            </a:solidFill>
+          </p:spPr>
+          <p:txBody>
+            <a:bodyPr wrap="none" rtlCol="0">
+              <a:spAutoFit/>
+            </a:bodyPr>
+            <a:lstStyle/>
+            <a:p>
+              <a:pPr algn="ctr"/>
+              <a:r>
+                <a:rPr kumimoji="1" lang="en-US" altLang="ko-KR" sz="1200" dirty="0" err="1" smtClean="0">
+                  <a:latin typeface="PT Sans Narrow" charset="-52"/>
+                  <a:ea typeface="PT Sans Narrow" charset="-52"/>
+                  <a:cs typeface="PT Sans Narrow" charset="-52"/>
+                </a:rPr>
+                <a:t>dc_func_sbref_files.png</a:t>
+              </a:r>
+              <a:endParaRPr kumimoji="1" lang="en-US" altLang="ko-KR" sz="1200" dirty="0" smtClean="0">
+                <a:latin typeface="PT Sans Narrow" charset="-52"/>
+                <a:ea typeface="PT Sans Narrow" charset="-52"/>
+                <a:cs typeface="PT Sans Narrow" charset="-52"/>
+              </a:endParaRPr>
+            </a:p>
+          </p:txBody>
+        </p:sp>
+        <p:grpSp>
+          <p:nvGrpSpPr>
+            <p:cNvPr id="35" name="그룹 34"/>
+            <p:cNvGrpSpPr/>
+            <p:nvPr/>
+          </p:nvGrpSpPr>
+          <p:grpSpPr>
+            <a:xfrm>
+              <a:off x="13252" y="4326836"/>
+              <a:ext cx="4254388" cy="3622524"/>
+              <a:chOff x="8607351" y="730816"/>
+              <a:chExt cx="4254388" cy="3622524"/>
+            </a:xfrm>
+          </p:grpSpPr>
+          <p:pic>
+            <p:nvPicPr>
+              <p:cNvPr id="15" name="그림 14"/>
+              <p:cNvPicPr>
+                <a:picLocks noChangeAspect="1"/>
+              </p:cNvPicPr>
+              <p:nvPr/>
+            </p:nvPicPr>
+            <p:blipFill>
+              <a:blip r:embed="rId4">
+                <a:extLst>
+                  <a:ext uri="{28A0092B-C50C-407E-A947-70E740481C1C}">
+                    <a14:useLocalDpi xmlns:a14="http://schemas.microsoft.com/office/drawing/2010/main" val="0"/>
+                  </a:ext>
+                </a:extLst>
+              </a:blip>
+              <a:stretch>
+                <a:fillRect/>
+              </a:stretch>
+            </p:blipFill>
+            <p:spPr>
+              <a:xfrm>
+                <a:off x="8607351" y="1003853"/>
+                <a:ext cx="4254388" cy="3349487"/>
+              </a:xfrm>
+              <a:prstGeom prst="rect">
+                <a:avLst/>
+              </a:prstGeom>
+            </p:spPr>
+          </p:pic>
+          <p:sp>
+            <p:nvSpPr>
+              <p:cNvPr id="31" name="텍스트 상자 30"/>
+              <p:cNvSpPr txBox="1"/>
+              <p:nvPr/>
+            </p:nvSpPr>
+            <p:spPr>
+              <a:xfrm>
+                <a:off x="9055017" y="730816"/>
+                <a:ext cx="1452642" cy="276999"/>
+              </a:xfrm>
+              <a:prstGeom prst="rect">
+                <a:avLst/>
+              </a:prstGeom>
+              <a:solidFill>
+                <a:schemeClr val="bg1"/>
+              </a:solidFill>
+            </p:spPr>
+            <p:txBody>
+              <a:bodyPr wrap="none" rtlCol="0">
+                <a:spAutoFit/>
+              </a:bodyPr>
+              <a:lstStyle/>
+              <a:p>
+                <a:pPr algn="ctr"/>
+                <a:r>
+                  <a:rPr kumimoji="1" lang="en-US" altLang="ko-KR" sz="1200" dirty="0" err="1" smtClean="0">
+                    <a:latin typeface="PT Sans Narrow" charset="-52"/>
+                    <a:ea typeface="PT Sans Narrow" charset="-52"/>
+                    <a:cs typeface="PT Sans Narrow" charset="-52"/>
+                  </a:rPr>
+                  <a:t>mean_wr_func_bold.png</a:t>
+                </a:r>
+                <a:endParaRPr kumimoji="1" lang="en-US" altLang="ko-KR" sz="1200" dirty="0" smtClean="0">
+                  <a:latin typeface="PT Sans Narrow" charset="-52"/>
+                  <a:ea typeface="PT Sans Narrow" charset="-52"/>
+                  <a:cs typeface="PT Sans Narrow" charset="-52"/>
+                </a:endParaRPr>
+              </a:p>
+            </p:txBody>
+          </p:sp>
+        </p:grpSp>
+        <p:grpSp>
+          <p:nvGrpSpPr>
+            <p:cNvPr id="34" name="그룹 33"/>
+            <p:cNvGrpSpPr/>
+            <p:nvPr/>
+          </p:nvGrpSpPr>
+          <p:grpSpPr>
+            <a:xfrm>
+              <a:off x="4141367" y="4353340"/>
+              <a:ext cx="4730708" cy="3597452"/>
+              <a:chOff x="-1" y="4454026"/>
+              <a:chExt cx="4730708" cy="3597452"/>
+            </a:xfrm>
+          </p:grpSpPr>
+          <p:pic>
+            <p:nvPicPr>
+              <p:cNvPr id="32" name="그림 31"/>
+              <p:cNvPicPr>
+                <a:picLocks noChangeAspect="1"/>
+              </p:cNvPicPr>
+              <p:nvPr/>
+            </p:nvPicPr>
+            <p:blipFill>
+              <a:blip r:embed="rId5">
+                <a:extLst>
+                  <a:ext uri="{28A0092B-C50C-407E-A947-70E740481C1C}">
+                    <a14:useLocalDpi xmlns:a14="http://schemas.microsoft.com/office/drawing/2010/main" val="0"/>
+                  </a:ext>
+                </a:extLst>
+              </a:blip>
+              <a:stretch>
+                <a:fillRect/>
+              </a:stretch>
+            </p:blipFill>
+            <p:spPr>
+              <a:xfrm>
+                <a:off x="-1" y="4700559"/>
+                <a:ext cx="4730708" cy="3350919"/>
+              </a:xfrm>
+              <a:prstGeom prst="rect">
+                <a:avLst/>
+              </a:prstGeom>
+            </p:spPr>
+          </p:pic>
+          <p:sp>
+            <p:nvSpPr>
+              <p:cNvPr id="33" name="텍스트 상자 32"/>
+              <p:cNvSpPr txBox="1"/>
+              <p:nvPr/>
+            </p:nvSpPr>
+            <p:spPr>
+              <a:xfrm>
+                <a:off x="479691" y="4454026"/>
+                <a:ext cx="1503938" cy="276999"/>
+              </a:xfrm>
+              <a:prstGeom prst="rect">
+                <a:avLst/>
+              </a:prstGeom>
+              <a:solidFill>
+                <a:schemeClr val="bg1"/>
+              </a:solidFill>
+            </p:spPr>
+            <p:txBody>
+              <a:bodyPr wrap="none" rtlCol="0">
+                <a:spAutoFit/>
+              </a:bodyPr>
+              <a:lstStyle/>
+              <a:p>
+                <a:pPr algn="ctr"/>
+                <a:r>
+                  <a:rPr kumimoji="1" lang="en-US" altLang="ko-KR" sz="1200" smtClean="0">
+                    <a:latin typeface="PT Sans Narrow" charset="-52"/>
+                    <a:ea typeface="PT Sans Narrow" charset="-52"/>
+                    <a:cs typeface="PT Sans Narrow" charset="-52"/>
+                  </a:rPr>
+                  <a:t>mean_swr_func_bold.png</a:t>
+                </a:r>
+                <a:endParaRPr kumimoji="1" lang="en-US" altLang="ko-KR" sz="1200" dirty="0" smtClean="0">
+                  <a:latin typeface="PT Sans Narrow" charset="-52"/>
+                  <a:ea typeface="PT Sans Narrow" charset="-52"/>
+                  <a:cs typeface="PT Sans Narrow" charset="-52"/>
+                </a:endParaRPr>
+              </a:p>
+            </p:txBody>
+          </p:sp>
+        </p:grpSp>
+        <p:sp>
+          <p:nvSpPr>
+            <p:cNvPr id="37" name="직사각형 36"/>
+            <p:cNvSpPr/>
+            <p:nvPr/>
+          </p:nvSpPr>
+          <p:spPr>
+            <a:xfrm>
+              <a:off x="8793169" y="1328977"/>
+              <a:ext cx="3404340" cy="1461939"/>
+            </a:xfrm>
+            <a:prstGeom prst="rect">
+              <a:avLst/>
+            </a:prstGeom>
+          </p:spPr>
+          <p:txBody>
+            <a:bodyPr wrap="square">
+              <a:spAutoFit/>
+            </a:bodyPr>
+            <a:lstStyle/>
+            <a:p>
+              <a:r>
+                <a:rPr lang="en-US" altLang="ko-KR" sz="1200" dirty="0" smtClean="0">
+                  <a:latin typeface="PT Sans Narrow" charset="-52"/>
+                  <a:ea typeface="PT Sans Narrow" charset="-52"/>
+                  <a:cs typeface="PT Sans Narrow" charset="-52"/>
+                </a:rPr>
+                <a:t>qc_diary_dc_sub-caps003_task-CAPS_run-01_bold.txt</a:t>
+              </a:r>
+              <a:endParaRPr lang="en-US" altLang="ko-KR" sz="1200" dirty="0">
+                <a:latin typeface="PT Sans Narrow" charset="-52"/>
+                <a:ea typeface="PT Sans Narrow" charset="-52"/>
+                <a:cs typeface="PT Sans Narrow" charset="-52"/>
+              </a:endParaRPr>
+            </a:p>
+            <a:p>
+              <a:endParaRPr lang="en-US" altLang="ko-KR" sz="1100" dirty="0">
+                <a:latin typeface="PT Sans Narrow" charset="-52"/>
+                <a:ea typeface="PT Sans Narrow" charset="-52"/>
+                <a:cs typeface="PT Sans Narrow" charset="-52"/>
+              </a:endParaRPr>
+            </a:p>
+            <a:p>
+              <a:r>
+                <a:rPr lang="ko-KR" altLang="en-US" sz="1100" dirty="0" smtClean="0">
+                  <a:solidFill>
+                    <a:schemeClr val="tx1">
+                      <a:lumMod val="50000"/>
+                      <a:lumOff val="50000"/>
+                    </a:schemeClr>
+                  </a:solidFill>
+                  <a:latin typeface="PT Sans Narrow" charset="-52"/>
+                  <a:ea typeface="PT Sans Narrow" charset="-52"/>
+                  <a:cs typeface="PT Sans Narrow" charset="-52"/>
+                </a:rPr>
+                <a:t>Session   </a:t>
+              </a:r>
+              <a:r>
+                <a:rPr lang="ko-KR" altLang="en-US" sz="1100" dirty="0">
+                  <a:solidFill>
+                    <a:schemeClr val="tx1">
+                      <a:lumMod val="50000"/>
+                      <a:lumOff val="50000"/>
+                    </a:schemeClr>
+                  </a:solidFill>
+                  <a:latin typeface="PT Sans Narrow" charset="-52"/>
+                  <a:ea typeface="PT Sans Narrow" charset="-52"/>
+                  <a:cs typeface="PT Sans Narrow" charset="-52"/>
+                </a:rPr>
+                <a:t>1:  72 Potential outliers	</a:t>
+              </a:r>
+              <a:endParaRPr lang="en-US" altLang="ko-KR" sz="1100" dirty="0" smtClean="0">
+                <a:solidFill>
+                  <a:schemeClr val="tx1">
+                    <a:lumMod val="50000"/>
+                    <a:lumOff val="50000"/>
+                  </a:schemeClr>
+                </a:solidFill>
+                <a:latin typeface="PT Sans Narrow" charset="-52"/>
+                <a:ea typeface="PT Sans Narrow" charset="-52"/>
+                <a:cs typeface="PT Sans Narrow" charset="-52"/>
+              </a:endParaRPr>
+            </a:p>
+            <a:p>
+              <a:r>
+                <a:rPr lang="ko-KR" altLang="en-US" sz="1100" dirty="0" smtClean="0">
+                  <a:solidFill>
+                    <a:schemeClr val="tx1">
+                      <a:lumMod val="50000"/>
+                      <a:lumOff val="50000"/>
+                    </a:schemeClr>
+                  </a:solidFill>
+                  <a:latin typeface="PT Sans Narrow" charset="-52"/>
+                  <a:ea typeface="PT Sans Narrow" charset="-52"/>
+                  <a:cs typeface="PT Sans Narrow" charset="-52"/>
+                </a:rPr>
+                <a:t>%</a:t>
+              </a:r>
+              <a:r>
+                <a:rPr lang="ko-KR" altLang="en-US" sz="1100" dirty="0">
+                  <a:solidFill>
+                    <a:schemeClr val="tx1">
+                      <a:lumMod val="50000"/>
+                      <a:lumOff val="50000"/>
+                    </a:schemeClr>
+                  </a:solidFill>
+                  <a:latin typeface="PT Sans Narrow" charset="-52"/>
+                  <a:ea typeface="PT Sans Narrow" charset="-52"/>
+                  <a:cs typeface="PT Sans Narrow" charset="-52"/>
+                </a:rPr>
+                <a:t>Spikes: 2.78	</a:t>
+              </a:r>
+              <a:endParaRPr lang="en-US" altLang="ko-KR" sz="1100" dirty="0" smtClean="0">
+                <a:solidFill>
+                  <a:schemeClr val="tx1">
+                    <a:lumMod val="50000"/>
+                    <a:lumOff val="50000"/>
+                  </a:schemeClr>
+                </a:solidFill>
+                <a:latin typeface="PT Sans Narrow" charset="-52"/>
+                <a:ea typeface="PT Sans Narrow" charset="-52"/>
+                <a:cs typeface="PT Sans Narrow" charset="-52"/>
+              </a:endParaRPr>
+            </a:p>
+            <a:p>
+              <a:r>
+                <a:rPr lang="ko-KR" altLang="en-US" sz="1100" dirty="0" smtClean="0">
+                  <a:solidFill>
+                    <a:schemeClr val="tx1">
+                      <a:lumMod val="50000"/>
+                      <a:lumOff val="50000"/>
+                    </a:schemeClr>
+                  </a:solidFill>
+                  <a:latin typeface="PT Sans Narrow" charset="-52"/>
+                  <a:ea typeface="PT Sans Narrow" charset="-52"/>
+                  <a:cs typeface="PT Sans Narrow" charset="-52"/>
+                </a:rPr>
+                <a:t>Global </a:t>
+              </a:r>
+              <a:r>
+                <a:rPr lang="ko-KR" altLang="en-US" sz="1100" dirty="0">
+                  <a:solidFill>
+                    <a:schemeClr val="tx1">
+                      <a:lumMod val="50000"/>
+                      <a:lumOff val="50000"/>
+                    </a:schemeClr>
+                  </a:solidFill>
+                  <a:latin typeface="PT Sans Narrow" charset="-52"/>
+                  <a:ea typeface="PT Sans Narrow" charset="-52"/>
+                  <a:cs typeface="PT Sans Narrow" charset="-52"/>
+                </a:rPr>
+                <a:t>SNR (Mean/STD): </a:t>
+              </a:r>
+              <a:r>
+                <a:rPr lang="ko-KR" altLang="en-US" sz="1100" dirty="0" smtClean="0">
+                  <a:solidFill>
+                    <a:schemeClr val="tx1">
+                      <a:lumMod val="50000"/>
+                      <a:lumOff val="50000"/>
+                    </a:schemeClr>
+                  </a:solidFill>
+                  <a:latin typeface="PT Sans Narrow" charset="-52"/>
+                  <a:ea typeface="PT Sans Narrow" charset="-52"/>
+                  <a:cs typeface="PT Sans Narrow" charset="-52"/>
+                </a:rPr>
+                <a:t>299.12</a:t>
+              </a:r>
+              <a:endParaRPr lang="en-US" altLang="ko-KR" sz="1100" dirty="0" smtClean="0">
+                <a:solidFill>
+                  <a:schemeClr val="tx1">
+                    <a:lumMod val="50000"/>
+                    <a:lumOff val="50000"/>
+                  </a:schemeClr>
+                </a:solidFill>
+                <a:latin typeface="PT Sans Narrow" charset="-52"/>
+                <a:ea typeface="PT Sans Narrow" charset="-52"/>
+                <a:cs typeface="PT Sans Narrow" charset="-52"/>
+              </a:endParaRPr>
+            </a:p>
+            <a:p>
+              <a:r>
+                <a:rPr lang="ko-KR" altLang="en-US" sz="1100" dirty="0" smtClean="0">
+                  <a:solidFill>
+                    <a:schemeClr val="tx1">
+                      <a:lumMod val="50000"/>
+                      <a:lumOff val="50000"/>
+                    </a:schemeClr>
+                  </a:solidFill>
+                  <a:latin typeface="PT Sans Narrow" charset="-52"/>
+                  <a:ea typeface="PT Sans Narrow" charset="-52"/>
+                  <a:cs typeface="PT Sans Narrow" charset="-52"/>
+                </a:rPr>
+                <a:t>Added  </a:t>
+              </a:r>
+              <a:r>
+                <a:rPr lang="ko-KR" altLang="en-US" sz="1100" dirty="0">
+                  <a:solidFill>
+                    <a:schemeClr val="tx1">
+                      <a:lumMod val="50000"/>
+                      <a:lumOff val="50000"/>
+                    </a:schemeClr>
+                  </a:solidFill>
+                  <a:latin typeface="PT Sans Narrow" charset="-52"/>
+                  <a:ea typeface="PT Sans Narrow" charset="-52"/>
+                  <a:cs typeface="PT Sans Narrow" charset="-52"/>
+                </a:rPr>
+                <a:t>72 global/mahal outlier covariates to covariates field.Added  72 global/mahal outlier covariates to covariates field.Outliers in RMSSD images:   0%, 59 imgs.</a:t>
+              </a:r>
+            </a:p>
+          </p:txBody>
+        </p:sp>
+        <p:pic>
+          <p:nvPicPr>
+            <p:cNvPr id="38" name="그림 37"/>
+            <p:cNvPicPr>
+              <a:picLocks noChangeAspect="1"/>
+            </p:cNvPicPr>
+            <p:nvPr/>
+          </p:nvPicPr>
+          <p:blipFill>
+            <a:blip r:embed="rId6">
+              <a:extLst>
+                <a:ext uri="{28A0092B-C50C-407E-A947-70E740481C1C}">
+                  <a14:useLocalDpi xmlns:a14="http://schemas.microsoft.com/office/drawing/2010/main" val="0"/>
+                </a:ext>
+              </a:extLst>
+            </a:blip>
+            <a:stretch>
+              <a:fillRect/>
+            </a:stretch>
+          </p:blipFill>
+          <p:spPr>
+            <a:xfrm>
+              <a:off x="8607351" y="3937384"/>
+              <a:ext cx="3775977" cy="4011976"/>
+            </a:xfrm>
+            <a:prstGeom prst="rect">
+              <a:avLst/>
+            </a:prstGeom>
+          </p:spPr>
+        </p:pic>
+        <p:sp>
+          <p:nvSpPr>
+            <p:cNvPr id="39" name="직사각형 38"/>
+            <p:cNvSpPr/>
+            <p:nvPr/>
+          </p:nvSpPr>
+          <p:spPr>
+            <a:xfrm>
+              <a:off x="8787660" y="3660385"/>
+              <a:ext cx="3073277" cy="276999"/>
+            </a:xfrm>
+            <a:prstGeom prst="rect">
+              <a:avLst/>
+            </a:prstGeom>
+          </p:spPr>
+          <p:txBody>
+            <a:bodyPr wrap="none">
+              <a:spAutoFit/>
+            </a:bodyPr>
+            <a:lstStyle/>
+            <a:p>
+              <a:r>
+                <a:rPr lang="ko-KR" altLang="en-US" sz="1200" dirty="0">
+                  <a:latin typeface="PT Sans Narrow" charset="-52"/>
+                  <a:ea typeface="PT Sans Narrow" charset="-52"/>
+                  <a:cs typeface="PT Sans Narrow" charset="-52"/>
+                </a:rPr>
+                <a:t>qc_spike_plot_dc_sub-caps003_task-CAPS_run-01_bold</a:t>
+              </a:r>
+            </a:p>
+          </p:txBody>
+        </p:sp>
+        <p:sp>
+          <p:nvSpPr>
+            <p:cNvPr id="40" name="텍스트 상자 39"/>
+            <p:cNvSpPr txBox="1"/>
+            <p:nvPr/>
+          </p:nvSpPr>
+          <p:spPr>
+            <a:xfrm>
+              <a:off x="223993" y="241810"/>
+              <a:ext cx="1622560" cy="338554"/>
+            </a:xfrm>
+            <a:prstGeom prst="rect">
+              <a:avLst/>
+            </a:prstGeom>
+            <a:noFill/>
+          </p:spPr>
+          <p:txBody>
+            <a:bodyPr wrap="none" rtlCol="0">
+              <a:spAutoFit/>
+            </a:bodyPr>
+            <a:lstStyle/>
+            <a:p>
+              <a:r>
+                <a:rPr kumimoji="1" lang="en-US" altLang="ko-KR" sz="1600" b="1" dirty="0" smtClean="0">
+                  <a:solidFill>
+                    <a:srgbClr val="C00000"/>
+                  </a:solidFill>
+                  <a:latin typeface="PT Sans Narrow" charset="-52"/>
+                  <a:ea typeface="PT Sans Narrow" charset="-52"/>
+                  <a:cs typeface="PT Sans Narrow" charset="-52"/>
+                </a:rPr>
+                <a:t>Example QC images</a:t>
+              </a:r>
+              <a:endParaRPr kumimoji="1" lang="ko-KR" altLang="en-US" sz="1600" b="1" dirty="0">
+                <a:solidFill>
+                  <a:srgbClr val="C00000"/>
+                </a:solidFill>
+                <a:latin typeface="PT Sans Narrow" charset="-52"/>
+                <a:ea typeface="PT Sans Narrow" charset="-52"/>
+                <a:cs typeface="PT Sans Narrow" charset="-52"/>
+              </a:endParaRPr>
+            </a:p>
+          </p:txBody>
+        </p:sp>
+      </p:grpSp>
+    </p:spTree>
+    <p:extLst>
+      <p:ext uri="{BB962C8B-B14F-4D97-AF65-F5344CB8AC3E}">
+        <p14:creationId xmlns:p14="http://schemas.microsoft.com/office/powerpoint/2010/main" val="570061883"/>
       </p:ext>
     </p:extLst>
   </p:cSld>

--- a/examples/pipeline_overview.pptx
+++ b/examples/pipeline_overview.pptx
@@ -199,7 +199,7 @@
           <a:p>
             <a:fld id="{53E3C55D-FE94-A249-A4BC-495CB77FE910}" type="datetimeFigureOut">
               <a:rPr kumimoji="1" lang="ko-KR" altLang="en-US" smtClean="0"/>
-              <a:t>2018. 1. 20.</a:t>
+              <a:t>2018. 1. 21.</a:t>
             </a:fld>
             <a:endParaRPr kumimoji="1" lang="ko-KR" altLang="en-US"/>
           </a:p>
@@ -598,7 +598,7 @@
           <a:p>
             <a:fld id="{BEF40D4A-EFF6-0849-AFD9-F7808A588F67}" type="datetimeFigureOut">
               <a:rPr kumimoji="1" lang="ko-KR" altLang="en-US" smtClean="0"/>
-              <a:t>2018. 1. 20.</a:t>
+              <a:t>2018. 1. 21.</a:t>
             </a:fld>
             <a:endParaRPr kumimoji="1" lang="ko-KR" altLang="en-US"/>
           </a:p>
@@ -768,7 +768,7 @@
           <a:p>
             <a:fld id="{BEF40D4A-EFF6-0849-AFD9-F7808A588F67}" type="datetimeFigureOut">
               <a:rPr kumimoji="1" lang="ko-KR" altLang="en-US" smtClean="0"/>
-              <a:t>2018. 1. 20.</a:t>
+              <a:t>2018. 1. 21.</a:t>
             </a:fld>
             <a:endParaRPr kumimoji="1" lang="ko-KR" altLang="en-US"/>
           </a:p>
@@ -948,7 +948,7 @@
           <a:p>
             <a:fld id="{BEF40D4A-EFF6-0849-AFD9-F7808A588F67}" type="datetimeFigureOut">
               <a:rPr kumimoji="1" lang="ko-KR" altLang="en-US" smtClean="0"/>
-              <a:t>2018. 1. 20.</a:t>
+              <a:t>2018. 1. 21.</a:t>
             </a:fld>
             <a:endParaRPr kumimoji="1" lang="ko-KR" altLang="en-US"/>
           </a:p>
@@ -1118,7 +1118,7 @@
           <a:p>
             <a:fld id="{BEF40D4A-EFF6-0849-AFD9-F7808A588F67}" type="datetimeFigureOut">
               <a:rPr kumimoji="1" lang="ko-KR" altLang="en-US" smtClean="0"/>
-              <a:t>2018. 1. 20.</a:t>
+              <a:t>2018. 1. 21.</a:t>
             </a:fld>
             <a:endParaRPr kumimoji="1" lang="ko-KR" altLang="en-US"/>
           </a:p>
@@ -1364,7 +1364,7 @@
           <a:p>
             <a:fld id="{BEF40D4A-EFF6-0849-AFD9-F7808A588F67}" type="datetimeFigureOut">
               <a:rPr kumimoji="1" lang="ko-KR" altLang="en-US" smtClean="0"/>
-              <a:t>2018. 1. 20.</a:t>
+              <a:t>2018. 1. 21.</a:t>
             </a:fld>
             <a:endParaRPr kumimoji="1" lang="ko-KR" altLang="en-US"/>
           </a:p>
@@ -1596,7 +1596,7 @@
           <a:p>
             <a:fld id="{BEF40D4A-EFF6-0849-AFD9-F7808A588F67}" type="datetimeFigureOut">
               <a:rPr kumimoji="1" lang="ko-KR" altLang="en-US" smtClean="0"/>
-              <a:t>2018. 1. 20.</a:t>
+              <a:t>2018. 1. 21.</a:t>
             </a:fld>
             <a:endParaRPr kumimoji="1" lang="ko-KR" altLang="en-US"/>
           </a:p>
@@ -1963,7 +1963,7 @@
           <a:p>
             <a:fld id="{BEF40D4A-EFF6-0849-AFD9-F7808A588F67}" type="datetimeFigureOut">
               <a:rPr kumimoji="1" lang="ko-KR" altLang="en-US" smtClean="0"/>
-              <a:t>2018. 1. 20.</a:t>
+              <a:t>2018. 1. 21.</a:t>
             </a:fld>
             <a:endParaRPr kumimoji="1" lang="ko-KR" altLang="en-US"/>
           </a:p>
@@ -2081,7 +2081,7 @@
           <a:p>
             <a:fld id="{BEF40D4A-EFF6-0849-AFD9-F7808A588F67}" type="datetimeFigureOut">
               <a:rPr kumimoji="1" lang="ko-KR" altLang="en-US" smtClean="0"/>
-              <a:t>2018. 1. 20.</a:t>
+              <a:t>2018. 1. 21.</a:t>
             </a:fld>
             <a:endParaRPr kumimoji="1" lang="ko-KR" altLang="en-US"/>
           </a:p>
@@ -2176,7 +2176,7 @@
           <a:p>
             <a:fld id="{BEF40D4A-EFF6-0849-AFD9-F7808A588F67}" type="datetimeFigureOut">
               <a:rPr kumimoji="1" lang="ko-KR" altLang="en-US" smtClean="0"/>
-              <a:t>2018. 1. 20.</a:t>
+              <a:t>2018. 1. 21.</a:t>
             </a:fld>
             <a:endParaRPr kumimoji="1" lang="ko-KR" altLang="en-US"/>
           </a:p>
@@ -2453,7 +2453,7 @@
           <a:p>
             <a:fld id="{BEF40D4A-EFF6-0849-AFD9-F7808A588F67}" type="datetimeFigureOut">
               <a:rPr kumimoji="1" lang="ko-KR" altLang="en-US" smtClean="0"/>
-              <a:t>2018. 1. 20.</a:t>
+              <a:t>2018. 1. 21.</a:t>
             </a:fld>
             <a:endParaRPr kumimoji="1" lang="ko-KR" altLang="en-US"/>
           </a:p>
@@ -2706,7 +2706,7 @@
           <a:p>
             <a:fld id="{BEF40D4A-EFF6-0849-AFD9-F7808A588F67}" type="datetimeFigureOut">
               <a:rPr kumimoji="1" lang="ko-KR" altLang="en-US" smtClean="0"/>
-              <a:t>2018. 1. 20.</a:t>
+              <a:t>2018. 1. 21.</a:t>
             </a:fld>
             <a:endParaRPr kumimoji="1" lang="ko-KR" altLang="en-US"/>
           </a:p>
@@ -2919,7 +2919,7 @@
           <a:p>
             <a:fld id="{BEF40D4A-EFF6-0849-AFD9-F7808A588F67}" type="datetimeFigureOut">
               <a:rPr kumimoji="1" lang="ko-KR" altLang="en-US" smtClean="0"/>
-              <a:t>2018. 1. 20.</a:t>
+              <a:t>2018. 1. 21.</a:t>
             </a:fld>
             <a:endParaRPr kumimoji="1" lang="ko-KR" altLang="en-US"/>
           </a:p>
@@ -6764,7 +6764,7 @@
       </p:grpSpPr>
       <p:grpSp>
         <p:nvGrpSpPr>
-          <p:cNvPr id="43" name="그룹 42"/>
+          <p:cNvPr id="4" name="그룹 3"/>
           <p:cNvGrpSpPr/>
           <p:nvPr/>
         </p:nvGrpSpPr>
@@ -6776,218 +6776,76 @@
             <a:chExt cx="12383329" cy="7818270"/>
           </a:xfrm>
         </p:grpSpPr>
-        <p:sp>
-          <p:nvSpPr>
-            <p:cNvPr id="42" name="직사각형 41"/>
-            <p:cNvSpPr/>
-            <p:nvPr/>
-          </p:nvSpPr>
-          <p:spPr>
-            <a:xfrm>
-              <a:off x="13253" y="132522"/>
-              <a:ext cx="12370076" cy="7816838"/>
-            </a:xfrm>
-            <a:prstGeom prst="rect">
-              <a:avLst/>
-            </a:prstGeom>
-            <a:solidFill>
-              <a:schemeClr val="bg1"/>
-            </a:solidFill>
-            <a:ln>
-              <a:noFill/>
-            </a:ln>
-          </p:spPr>
-          <p:style>
-            <a:lnRef idx="2">
-              <a:schemeClr val="accent1">
-                <a:shade val="50000"/>
-              </a:schemeClr>
-            </a:lnRef>
-            <a:fillRef idx="1">
-              <a:schemeClr val="accent1"/>
-            </a:fillRef>
-            <a:effectRef idx="0">
-              <a:schemeClr val="accent1"/>
-            </a:effectRef>
-            <a:fontRef idx="minor">
-              <a:schemeClr val="lt1"/>
-            </a:fontRef>
-          </p:style>
-          <p:txBody>
-            <a:bodyPr rtlCol="0" anchor="ctr"/>
-            <a:lstStyle/>
-            <a:p>
-              <a:pPr algn="ctr"/>
-              <a:endParaRPr kumimoji="1" lang="ko-KR" altLang="en-US"/>
-            </a:p>
-          </p:txBody>
-        </p:sp>
-        <p:pic>
-          <p:nvPicPr>
-            <p:cNvPr id="3" name="그림 2"/>
-            <p:cNvPicPr>
-              <a:picLocks noChangeAspect="1"/>
-            </p:cNvPicPr>
-            <p:nvPr/>
-          </p:nvPicPr>
-          <p:blipFill>
-            <a:blip r:embed="rId2">
-              <a:extLst>
-                <a:ext uri="{28A0092B-C50C-407E-A947-70E740481C1C}">
-                  <a14:useLocalDpi xmlns:a14="http://schemas.microsoft.com/office/drawing/2010/main" val="0"/>
-                </a:ext>
-              </a:extLst>
-            </a:blip>
-            <a:stretch>
-              <a:fillRect/>
-            </a:stretch>
-          </p:blipFill>
-          <p:spPr>
-            <a:xfrm>
-              <a:off x="0" y="1003853"/>
-              <a:ext cx="4465983" cy="3349487"/>
-            </a:xfrm>
-            <a:prstGeom prst="rect">
-              <a:avLst/>
-            </a:prstGeom>
-          </p:spPr>
-        </p:pic>
-        <p:sp>
-          <p:nvSpPr>
-            <p:cNvPr id="29" name="텍스트 상자 28"/>
-            <p:cNvSpPr txBox="1"/>
-            <p:nvPr/>
-          </p:nvSpPr>
-          <p:spPr>
-            <a:xfrm>
-              <a:off x="453295" y="726854"/>
-              <a:ext cx="1609736" cy="276999"/>
-            </a:xfrm>
-            <a:prstGeom prst="rect">
-              <a:avLst/>
-            </a:prstGeom>
-            <a:solidFill>
-              <a:schemeClr val="bg1"/>
-            </a:solidFill>
-          </p:spPr>
-          <p:txBody>
-            <a:bodyPr wrap="none" rtlCol="0">
-              <a:spAutoFit/>
-            </a:bodyPr>
-            <a:lstStyle/>
-            <a:p>
-              <a:pPr algn="ctr"/>
-              <a:r>
-                <a:rPr kumimoji="1" lang="en-US" altLang="ko-KR" sz="1200" dirty="0" err="1" smtClean="0">
-                  <a:latin typeface="PT Sans Narrow" charset="-52"/>
-                  <a:ea typeface="PT Sans Narrow" charset="-52"/>
-                  <a:cs typeface="PT Sans Narrow" charset="-52"/>
-                </a:rPr>
-                <a:t>mean_before_preproc.png</a:t>
-              </a:r>
-              <a:endParaRPr kumimoji="1" lang="en-US" altLang="ko-KR" sz="1200" dirty="0" smtClean="0">
-                <a:latin typeface="PT Sans Narrow" charset="-52"/>
-                <a:ea typeface="PT Sans Narrow" charset="-52"/>
-                <a:cs typeface="PT Sans Narrow" charset="-52"/>
-              </a:endParaRPr>
-            </a:p>
-          </p:txBody>
-        </p:sp>
-        <p:pic>
-          <p:nvPicPr>
-            <p:cNvPr id="14" name="그림 13"/>
-            <p:cNvPicPr>
-              <a:picLocks noChangeAspect="1"/>
-            </p:cNvPicPr>
-            <p:nvPr/>
-          </p:nvPicPr>
-          <p:blipFill>
-            <a:blip r:embed="rId3">
-              <a:extLst>
-                <a:ext uri="{28A0092B-C50C-407E-A947-70E740481C1C}">
-                  <a14:useLocalDpi xmlns:a14="http://schemas.microsoft.com/office/drawing/2010/main" val="0"/>
-                </a:ext>
-              </a:extLst>
-            </a:blip>
-            <a:stretch>
-              <a:fillRect/>
-            </a:stretch>
-          </p:blipFill>
-          <p:spPr>
-            <a:xfrm>
-              <a:off x="4141368" y="1003853"/>
-              <a:ext cx="4728688" cy="3349487"/>
-            </a:xfrm>
-            <a:prstGeom prst="rect">
-              <a:avLst/>
-            </a:prstGeom>
-          </p:spPr>
-        </p:pic>
-        <p:sp>
-          <p:nvSpPr>
-            <p:cNvPr id="30" name="텍스트 상자 29"/>
-            <p:cNvSpPr txBox="1"/>
-            <p:nvPr/>
-          </p:nvSpPr>
-          <p:spPr>
-            <a:xfrm>
-              <a:off x="4698058" y="726854"/>
-              <a:ext cx="1402948" cy="276999"/>
-            </a:xfrm>
-            <a:prstGeom prst="rect">
-              <a:avLst/>
-            </a:prstGeom>
-            <a:solidFill>
-              <a:schemeClr val="bg1"/>
-            </a:solidFill>
-          </p:spPr>
-          <p:txBody>
-            <a:bodyPr wrap="none" rtlCol="0">
-              <a:spAutoFit/>
-            </a:bodyPr>
-            <a:lstStyle/>
-            <a:p>
-              <a:pPr algn="ctr"/>
-              <a:r>
-                <a:rPr kumimoji="1" lang="en-US" altLang="ko-KR" sz="1200" dirty="0" err="1" smtClean="0">
-                  <a:latin typeface="PT Sans Narrow" charset="-52"/>
-                  <a:ea typeface="PT Sans Narrow" charset="-52"/>
-                  <a:cs typeface="PT Sans Narrow" charset="-52"/>
-                </a:rPr>
-                <a:t>dc_func_sbref_files.png</a:t>
-              </a:r>
-              <a:endParaRPr kumimoji="1" lang="en-US" altLang="ko-KR" sz="1200" dirty="0" smtClean="0">
-                <a:latin typeface="PT Sans Narrow" charset="-52"/>
-                <a:ea typeface="PT Sans Narrow" charset="-52"/>
-                <a:cs typeface="PT Sans Narrow" charset="-52"/>
-              </a:endParaRPr>
-            </a:p>
-          </p:txBody>
-        </p:sp>
         <p:grpSp>
           <p:nvGrpSpPr>
-            <p:cNvPr id="35" name="그룹 34"/>
+            <p:cNvPr id="43" name="그룹 42"/>
             <p:cNvGrpSpPr/>
             <p:nvPr/>
           </p:nvGrpSpPr>
           <p:grpSpPr>
             <a:xfrm>
-              <a:off x="13252" y="4326836"/>
-              <a:ext cx="4254388" cy="3622524"/>
-              <a:chOff x="8607351" y="730816"/>
-              <a:chExt cx="4254388" cy="3622524"/>
+              <a:off x="0" y="132522"/>
+              <a:ext cx="12383329" cy="7818270"/>
+              <a:chOff x="0" y="132522"/>
+              <a:chExt cx="12383329" cy="7818270"/>
             </a:xfrm>
           </p:grpSpPr>
+          <p:sp>
+            <p:nvSpPr>
+              <p:cNvPr id="42" name="직사각형 41"/>
+              <p:cNvSpPr/>
+              <p:nvPr/>
+            </p:nvSpPr>
+            <p:spPr>
+              <a:xfrm>
+                <a:off x="13253" y="132522"/>
+                <a:ext cx="12370076" cy="7816838"/>
+              </a:xfrm>
+              <a:prstGeom prst="rect">
+                <a:avLst/>
+              </a:prstGeom>
+              <a:solidFill>
+                <a:schemeClr val="bg1"/>
+              </a:solidFill>
+              <a:ln>
+                <a:noFill/>
+              </a:ln>
+            </p:spPr>
+            <p:style>
+              <a:lnRef idx="2">
+                <a:schemeClr val="accent1">
+                  <a:shade val="50000"/>
+                </a:schemeClr>
+              </a:lnRef>
+              <a:fillRef idx="1">
+                <a:schemeClr val="accent1"/>
+              </a:fillRef>
+              <a:effectRef idx="0">
+                <a:schemeClr val="accent1"/>
+              </a:effectRef>
+              <a:fontRef idx="minor">
+                <a:schemeClr val="lt1"/>
+              </a:fontRef>
+            </p:style>
+            <p:txBody>
+              <a:bodyPr rtlCol="0" anchor="ctr"/>
+              <a:lstStyle/>
+              <a:p>
+                <a:pPr algn="ctr"/>
+                <a:endParaRPr kumimoji="1" lang="ko-KR" altLang="en-US"/>
+              </a:p>
+            </p:txBody>
+          </p:sp>
           <p:pic>
             <p:nvPicPr>
-              <p:cNvPr id="15" name="그림 14"/>
+              <p:cNvPr id="3" name="그림 2"/>
               <p:cNvPicPr>
                 <a:picLocks noChangeAspect="1"/>
               </p:cNvPicPr>
               <p:nvPr/>
             </p:nvPicPr>
             <p:blipFill>
-              <a:blip r:embed="rId4">
+              <a:blip r:embed="rId2">
                 <a:extLst>
                   <a:ext uri="{28A0092B-C50C-407E-A947-70E740481C1C}">
                     <a14:useLocalDpi xmlns:a14="http://schemas.microsoft.com/office/drawing/2010/main" val="0"/>
@@ -7000,8 +6858,8 @@
             </p:blipFill>
             <p:spPr>
               <a:xfrm>
-                <a:off x="8607351" y="1003853"/>
-                <a:ext cx="4254388" cy="3349487"/>
+                <a:off x="0" y="1003853"/>
+                <a:ext cx="4465983" cy="3349487"/>
               </a:xfrm>
               <a:prstGeom prst="rect">
                 <a:avLst/>
@@ -7010,14 +6868,14 @@
           </p:pic>
           <p:sp>
             <p:nvSpPr>
-              <p:cNvPr id="31" name="텍스트 상자 30"/>
+              <p:cNvPr id="29" name="텍스트 상자 28"/>
               <p:cNvSpPr txBox="1"/>
               <p:nvPr/>
             </p:nvSpPr>
             <p:spPr>
               <a:xfrm>
-                <a:off x="9055017" y="730816"/>
-                <a:ext cx="1452642" cy="276999"/>
+                <a:off x="453295" y="726854"/>
+                <a:ext cx="1609736" cy="276999"/>
               </a:xfrm>
               <a:prstGeom prst="rect">
                 <a:avLst/>
@@ -7039,7 +6897,7 @@
                     <a:ea typeface="PT Sans Narrow" charset="-52"/>
                     <a:cs typeface="PT Sans Narrow" charset="-52"/>
                   </a:rPr>
-                  <a:t>mean_wr_func_bold.png</a:t>
+                  <a:t>mean_before_preproc.png</a:t>
                 </a:r>
                 <a:endParaRPr kumimoji="1" lang="en-US" altLang="ko-KR" sz="1200" dirty="0" smtClean="0">
                   <a:latin typeface="PT Sans Narrow" charset="-52"/>
@@ -7049,24 +6907,426 @@
               </a:p>
             </p:txBody>
           </p:sp>
-        </p:grpSp>
-        <p:grpSp>
-          <p:nvGrpSpPr>
-            <p:cNvPr id="34" name="그룹 33"/>
-            <p:cNvGrpSpPr/>
-            <p:nvPr/>
-          </p:nvGrpSpPr>
-          <p:grpSpPr>
-            <a:xfrm>
-              <a:off x="4141367" y="4353340"/>
-              <a:ext cx="4730708" cy="3597452"/>
-              <a:chOff x="-1" y="4454026"/>
-              <a:chExt cx="4730708" cy="3597452"/>
-            </a:xfrm>
-          </p:grpSpPr>
           <p:pic>
             <p:nvPicPr>
-              <p:cNvPr id="32" name="그림 31"/>
+              <p:cNvPr id="14" name="그림 13"/>
+              <p:cNvPicPr>
+                <a:picLocks noChangeAspect="1"/>
+              </p:cNvPicPr>
+              <p:nvPr/>
+            </p:nvPicPr>
+            <p:blipFill>
+              <a:blip r:embed="rId3">
+                <a:extLst>
+                  <a:ext uri="{28A0092B-C50C-407E-A947-70E740481C1C}">
+                    <a14:useLocalDpi xmlns:a14="http://schemas.microsoft.com/office/drawing/2010/main" val="0"/>
+                  </a:ext>
+                </a:extLst>
+              </a:blip>
+              <a:stretch>
+                <a:fillRect/>
+              </a:stretch>
+            </p:blipFill>
+            <p:spPr>
+              <a:xfrm>
+                <a:off x="4141368" y="1003853"/>
+                <a:ext cx="4728688" cy="3349487"/>
+              </a:xfrm>
+              <a:prstGeom prst="rect">
+                <a:avLst/>
+              </a:prstGeom>
+            </p:spPr>
+          </p:pic>
+          <p:sp>
+            <p:nvSpPr>
+              <p:cNvPr id="30" name="텍스트 상자 29"/>
+              <p:cNvSpPr txBox="1"/>
+              <p:nvPr/>
+            </p:nvSpPr>
+            <p:spPr>
+              <a:xfrm>
+                <a:off x="4698058" y="726854"/>
+                <a:ext cx="1402948" cy="276999"/>
+              </a:xfrm>
+              <a:prstGeom prst="rect">
+                <a:avLst/>
+              </a:prstGeom>
+              <a:solidFill>
+                <a:schemeClr val="bg1"/>
+              </a:solidFill>
+            </p:spPr>
+            <p:txBody>
+              <a:bodyPr wrap="none" rtlCol="0">
+                <a:spAutoFit/>
+              </a:bodyPr>
+              <a:lstStyle/>
+              <a:p>
+                <a:pPr algn="ctr"/>
+                <a:r>
+                  <a:rPr kumimoji="1" lang="en-US" altLang="ko-KR" sz="1200" dirty="0" err="1" smtClean="0">
+                    <a:latin typeface="PT Sans Narrow" charset="-52"/>
+                    <a:ea typeface="PT Sans Narrow" charset="-52"/>
+                    <a:cs typeface="PT Sans Narrow" charset="-52"/>
+                  </a:rPr>
+                  <a:t>dc_func_sbref_files.png</a:t>
+                </a:r>
+                <a:endParaRPr kumimoji="1" lang="en-US" altLang="ko-KR" sz="1200" dirty="0" smtClean="0">
+                  <a:latin typeface="PT Sans Narrow" charset="-52"/>
+                  <a:ea typeface="PT Sans Narrow" charset="-52"/>
+                  <a:cs typeface="PT Sans Narrow" charset="-52"/>
+                </a:endParaRPr>
+              </a:p>
+            </p:txBody>
+          </p:sp>
+          <p:sp>
+            <p:nvSpPr>
+              <p:cNvPr id="31" name="텍스트 상자 30"/>
+              <p:cNvSpPr txBox="1"/>
+              <p:nvPr/>
+            </p:nvSpPr>
+            <p:spPr>
+              <a:xfrm>
+                <a:off x="488700" y="4326836"/>
+                <a:ext cx="1132041" cy="276999"/>
+              </a:xfrm>
+              <a:prstGeom prst="rect">
+                <a:avLst/>
+              </a:prstGeom>
+              <a:solidFill>
+                <a:schemeClr val="bg1"/>
+              </a:solidFill>
+            </p:spPr>
+            <p:txBody>
+              <a:bodyPr wrap="none" rtlCol="0">
+                <a:spAutoFit/>
+              </a:bodyPr>
+              <a:lstStyle/>
+              <a:p>
+                <a:pPr algn="ctr"/>
+                <a:r>
+                  <a:rPr kumimoji="1" lang="en-US" altLang="ko-KR" sz="1200">
+                    <a:latin typeface="PT Sans Narrow" charset="-52"/>
+                    <a:ea typeface="PT Sans Narrow" charset="-52"/>
+                    <a:cs typeface="PT Sans Narrow" charset="-52"/>
+                  </a:rPr>
+                  <a:t>s</a:t>
+                </a:r>
+                <a:r>
+                  <a:rPr kumimoji="1" lang="en-US" altLang="ko-KR" sz="1200" smtClean="0">
+                    <a:latin typeface="PT Sans Narrow" charset="-52"/>
+                    <a:ea typeface="PT Sans Narrow" charset="-52"/>
+                    <a:cs typeface="PT Sans Narrow" charset="-52"/>
+                  </a:rPr>
+                  <a:t>egmentation.png</a:t>
+                </a:r>
+                <a:endParaRPr kumimoji="1" lang="en-US" altLang="ko-KR" sz="1200" dirty="0" smtClean="0">
+                  <a:latin typeface="PT Sans Narrow" charset="-52"/>
+                  <a:ea typeface="PT Sans Narrow" charset="-52"/>
+                  <a:cs typeface="PT Sans Narrow" charset="-52"/>
+                </a:endParaRPr>
+              </a:p>
+            </p:txBody>
+          </p:sp>
+          <p:grpSp>
+            <p:nvGrpSpPr>
+              <p:cNvPr id="34" name="그룹 33"/>
+              <p:cNvGrpSpPr/>
+              <p:nvPr/>
+            </p:nvGrpSpPr>
+            <p:grpSpPr>
+              <a:xfrm>
+                <a:off x="4141367" y="4353340"/>
+                <a:ext cx="4730708" cy="3597452"/>
+                <a:chOff x="-1" y="4454026"/>
+                <a:chExt cx="4730708" cy="3597452"/>
+              </a:xfrm>
+            </p:grpSpPr>
+            <p:pic>
+              <p:nvPicPr>
+                <p:cNvPr id="32" name="그림 31"/>
+                <p:cNvPicPr>
+                  <a:picLocks noChangeAspect="1"/>
+                </p:cNvPicPr>
+                <p:nvPr/>
+              </p:nvPicPr>
+              <p:blipFill>
+                <a:blip r:embed="rId4">
+                  <a:extLst>
+                    <a:ext uri="{28A0092B-C50C-407E-A947-70E740481C1C}">
+                      <a14:useLocalDpi xmlns:a14="http://schemas.microsoft.com/office/drawing/2010/main" val="0"/>
+                    </a:ext>
+                  </a:extLst>
+                </a:blip>
+                <a:stretch>
+                  <a:fillRect/>
+                </a:stretch>
+              </p:blipFill>
+              <p:spPr>
+                <a:xfrm>
+                  <a:off x="-1" y="4700559"/>
+                  <a:ext cx="4730708" cy="3350919"/>
+                </a:xfrm>
+                <a:prstGeom prst="rect">
+                  <a:avLst/>
+                </a:prstGeom>
+              </p:spPr>
+            </p:pic>
+            <p:sp>
+              <p:nvSpPr>
+                <p:cNvPr id="33" name="텍스트 상자 32"/>
+                <p:cNvSpPr txBox="1"/>
+                <p:nvPr/>
+              </p:nvSpPr>
+              <p:spPr>
+                <a:xfrm>
+                  <a:off x="479691" y="4454026"/>
+                  <a:ext cx="1503938" cy="276999"/>
+                </a:xfrm>
+                <a:prstGeom prst="rect">
+                  <a:avLst/>
+                </a:prstGeom>
+                <a:solidFill>
+                  <a:schemeClr val="bg1"/>
+                </a:solidFill>
+              </p:spPr>
+              <p:txBody>
+                <a:bodyPr wrap="none" rtlCol="0">
+                  <a:spAutoFit/>
+                </a:bodyPr>
+                <a:lstStyle/>
+                <a:p>
+                  <a:pPr algn="ctr"/>
+                  <a:r>
+                    <a:rPr kumimoji="1" lang="en-US" altLang="ko-KR" sz="1200" smtClean="0">
+                      <a:latin typeface="PT Sans Narrow" charset="-52"/>
+                      <a:ea typeface="PT Sans Narrow" charset="-52"/>
+                      <a:cs typeface="PT Sans Narrow" charset="-52"/>
+                    </a:rPr>
+                    <a:t>mean_swr_func_bold.png</a:t>
+                  </a:r>
+                  <a:endParaRPr kumimoji="1" lang="en-US" altLang="ko-KR" sz="1200" dirty="0" smtClean="0">
+                    <a:latin typeface="PT Sans Narrow" charset="-52"/>
+                    <a:ea typeface="PT Sans Narrow" charset="-52"/>
+                    <a:cs typeface="PT Sans Narrow" charset="-52"/>
+                  </a:endParaRPr>
+                </a:p>
+              </p:txBody>
+            </p:sp>
+          </p:grpSp>
+          <p:sp>
+            <p:nvSpPr>
+              <p:cNvPr id="37" name="직사각형 36"/>
+              <p:cNvSpPr/>
+              <p:nvPr/>
+            </p:nvSpPr>
+            <p:spPr>
+              <a:xfrm>
+                <a:off x="8793169" y="1328977"/>
+                <a:ext cx="3404340" cy="1461939"/>
+              </a:xfrm>
+              <a:prstGeom prst="rect">
+                <a:avLst/>
+              </a:prstGeom>
+            </p:spPr>
+            <p:txBody>
+              <a:bodyPr wrap="square">
+                <a:spAutoFit/>
+              </a:bodyPr>
+              <a:lstStyle/>
+              <a:p>
+                <a:r>
+                  <a:rPr lang="en-US" altLang="ko-KR" sz="1200" dirty="0" smtClean="0">
+                    <a:latin typeface="PT Sans Narrow" charset="-52"/>
+                    <a:ea typeface="PT Sans Narrow" charset="-52"/>
+                    <a:cs typeface="PT Sans Narrow" charset="-52"/>
+                  </a:rPr>
+                  <a:t>qc_diary_dc_sub-caps003_task-CAPS_run-01_bold.txt</a:t>
+                </a:r>
+                <a:endParaRPr lang="en-US" altLang="ko-KR" sz="1200" dirty="0">
+                  <a:latin typeface="PT Sans Narrow" charset="-52"/>
+                  <a:ea typeface="PT Sans Narrow" charset="-52"/>
+                  <a:cs typeface="PT Sans Narrow" charset="-52"/>
+                </a:endParaRPr>
+              </a:p>
+              <a:p>
+                <a:endParaRPr lang="en-US" altLang="ko-KR" sz="1100" dirty="0">
+                  <a:latin typeface="PT Sans Narrow" charset="-52"/>
+                  <a:ea typeface="PT Sans Narrow" charset="-52"/>
+                  <a:cs typeface="PT Sans Narrow" charset="-52"/>
+                </a:endParaRPr>
+              </a:p>
+              <a:p>
+                <a:r>
+                  <a:rPr lang="ko-KR" altLang="en-US" sz="1100" dirty="0" smtClean="0">
+                    <a:solidFill>
+                      <a:schemeClr val="tx1">
+                        <a:lumMod val="50000"/>
+                        <a:lumOff val="50000"/>
+                      </a:schemeClr>
+                    </a:solidFill>
+                    <a:latin typeface="PT Sans Narrow" charset="-52"/>
+                    <a:ea typeface="PT Sans Narrow" charset="-52"/>
+                    <a:cs typeface="PT Sans Narrow" charset="-52"/>
+                  </a:rPr>
+                  <a:t>Session   </a:t>
+                </a:r>
+                <a:r>
+                  <a:rPr lang="ko-KR" altLang="en-US" sz="1100" dirty="0">
+                    <a:solidFill>
+                      <a:schemeClr val="tx1">
+                        <a:lumMod val="50000"/>
+                        <a:lumOff val="50000"/>
+                      </a:schemeClr>
+                    </a:solidFill>
+                    <a:latin typeface="PT Sans Narrow" charset="-52"/>
+                    <a:ea typeface="PT Sans Narrow" charset="-52"/>
+                    <a:cs typeface="PT Sans Narrow" charset="-52"/>
+                  </a:rPr>
+                  <a:t>1:  72 Potential outliers	</a:t>
+                </a:r>
+                <a:endParaRPr lang="en-US" altLang="ko-KR" sz="1100" dirty="0" smtClean="0">
+                  <a:solidFill>
+                    <a:schemeClr val="tx1">
+                      <a:lumMod val="50000"/>
+                      <a:lumOff val="50000"/>
+                    </a:schemeClr>
+                  </a:solidFill>
+                  <a:latin typeface="PT Sans Narrow" charset="-52"/>
+                  <a:ea typeface="PT Sans Narrow" charset="-52"/>
+                  <a:cs typeface="PT Sans Narrow" charset="-52"/>
+                </a:endParaRPr>
+              </a:p>
+              <a:p>
+                <a:r>
+                  <a:rPr lang="ko-KR" altLang="en-US" sz="1100" dirty="0" smtClean="0">
+                    <a:solidFill>
+                      <a:schemeClr val="tx1">
+                        <a:lumMod val="50000"/>
+                        <a:lumOff val="50000"/>
+                      </a:schemeClr>
+                    </a:solidFill>
+                    <a:latin typeface="PT Sans Narrow" charset="-52"/>
+                    <a:ea typeface="PT Sans Narrow" charset="-52"/>
+                    <a:cs typeface="PT Sans Narrow" charset="-52"/>
+                  </a:rPr>
+                  <a:t>%</a:t>
+                </a:r>
+                <a:r>
+                  <a:rPr lang="ko-KR" altLang="en-US" sz="1100" dirty="0">
+                    <a:solidFill>
+                      <a:schemeClr val="tx1">
+                        <a:lumMod val="50000"/>
+                        <a:lumOff val="50000"/>
+                      </a:schemeClr>
+                    </a:solidFill>
+                    <a:latin typeface="PT Sans Narrow" charset="-52"/>
+                    <a:ea typeface="PT Sans Narrow" charset="-52"/>
+                    <a:cs typeface="PT Sans Narrow" charset="-52"/>
+                  </a:rPr>
+                  <a:t>Spikes: 2.78	</a:t>
+                </a:r>
+                <a:endParaRPr lang="en-US" altLang="ko-KR" sz="1100" dirty="0" smtClean="0">
+                  <a:solidFill>
+                    <a:schemeClr val="tx1">
+                      <a:lumMod val="50000"/>
+                      <a:lumOff val="50000"/>
+                    </a:schemeClr>
+                  </a:solidFill>
+                  <a:latin typeface="PT Sans Narrow" charset="-52"/>
+                  <a:ea typeface="PT Sans Narrow" charset="-52"/>
+                  <a:cs typeface="PT Sans Narrow" charset="-52"/>
+                </a:endParaRPr>
+              </a:p>
+              <a:p>
+                <a:r>
+                  <a:rPr lang="ko-KR" altLang="en-US" sz="1100" dirty="0" smtClean="0">
+                    <a:solidFill>
+                      <a:schemeClr val="tx1">
+                        <a:lumMod val="50000"/>
+                        <a:lumOff val="50000"/>
+                      </a:schemeClr>
+                    </a:solidFill>
+                    <a:latin typeface="PT Sans Narrow" charset="-52"/>
+                    <a:ea typeface="PT Sans Narrow" charset="-52"/>
+                    <a:cs typeface="PT Sans Narrow" charset="-52"/>
+                  </a:rPr>
+                  <a:t>Global </a:t>
+                </a:r>
+                <a:r>
+                  <a:rPr lang="ko-KR" altLang="en-US" sz="1100" dirty="0">
+                    <a:solidFill>
+                      <a:schemeClr val="tx1">
+                        <a:lumMod val="50000"/>
+                        <a:lumOff val="50000"/>
+                      </a:schemeClr>
+                    </a:solidFill>
+                    <a:latin typeface="PT Sans Narrow" charset="-52"/>
+                    <a:ea typeface="PT Sans Narrow" charset="-52"/>
+                    <a:cs typeface="PT Sans Narrow" charset="-52"/>
+                  </a:rPr>
+                  <a:t>SNR (Mean/STD): </a:t>
+                </a:r>
+                <a:r>
+                  <a:rPr lang="ko-KR" altLang="en-US" sz="1100" dirty="0" smtClean="0">
+                    <a:solidFill>
+                      <a:schemeClr val="tx1">
+                        <a:lumMod val="50000"/>
+                        <a:lumOff val="50000"/>
+                      </a:schemeClr>
+                    </a:solidFill>
+                    <a:latin typeface="PT Sans Narrow" charset="-52"/>
+                    <a:ea typeface="PT Sans Narrow" charset="-52"/>
+                    <a:cs typeface="PT Sans Narrow" charset="-52"/>
+                  </a:rPr>
+                  <a:t>299.12</a:t>
+                </a:r>
+                <a:endParaRPr lang="en-US" altLang="ko-KR" sz="1100" dirty="0" smtClean="0">
+                  <a:solidFill>
+                    <a:schemeClr val="tx1">
+                      <a:lumMod val="50000"/>
+                      <a:lumOff val="50000"/>
+                    </a:schemeClr>
+                  </a:solidFill>
+                  <a:latin typeface="PT Sans Narrow" charset="-52"/>
+                  <a:ea typeface="PT Sans Narrow" charset="-52"/>
+                  <a:cs typeface="PT Sans Narrow" charset="-52"/>
+                </a:endParaRPr>
+              </a:p>
+              <a:p>
+                <a:r>
+                  <a:rPr lang="ko-KR" altLang="en-US" sz="1100" dirty="0" smtClean="0">
+                    <a:solidFill>
+                      <a:schemeClr val="tx1">
+                        <a:lumMod val="50000"/>
+                        <a:lumOff val="50000"/>
+                      </a:schemeClr>
+                    </a:solidFill>
+                    <a:latin typeface="PT Sans Narrow" charset="-52"/>
+                    <a:ea typeface="PT Sans Narrow" charset="-52"/>
+                    <a:cs typeface="PT Sans Narrow" charset="-52"/>
+                  </a:rPr>
+                  <a:t>Added  </a:t>
+                </a:r>
+                <a:r>
+                  <a:rPr lang="ko-KR" altLang="en-US" sz="1100" dirty="0">
+                    <a:solidFill>
+                      <a:schemeClr val="tx1">
+                        <a:lumMod val="50000"/>
+                        <a:lumOff val="50000"/>
+                      </a:schemeClr>
+                    </a:solidFill>
+                    <a:latin typeface="PT Sans Narrow" charset="-52"/>
+                    <a:ea typeface="PT Sans Narrow" charset="-52"/>
+                    <a:cs typeface="PT Sans Narrow" charset="-52"/>
+                  </a:rPr>
+                  <a:t>72 global/mahal outlier covariates to covariates field.Added  72 global/mahal outlier covariates to covariates field.Outliers in RMSSD images:   0%, 59 imgs.</a:t>
+                </a:r>
+              </a:p>
+            </p:txBody>
+          </p:sp>
+          <p:pic>
+            <p:nvPicPr>
+              <p:cNvPr id="38" name="그림 37"/>
               <p:cNvPicPr>
                 <a:picLocks noChangeAspect="1"/>
               </p:cNvPicPr>
@@ -7086,8 +7346,8 @@
             </p:blipFill>
             <p:spPr>
               <a:xfrm>
-                <a:off x="-1" y="4700559"/>
-                <a:ext cx="4730708" cy="3350919"/>
+                <a:off x="8607351" y="3937384"/>
+                <a:ext cx="3775977" cy="4011976"/>
               </a:xfrm>
               <a:prstGeom prst="rect">
                 <a:avLst/>
@@ -7096,21 +7356,51 @@
           </p:pic>
           <p:sp>
             <p:nvSpPr>
-              <p:cNvPr id="33" name="텍스트 상자 32"/>
+              <p:cNvPr id="39" name="직사각형 38"/>
+              <p:cNvSpPr/>
+              <p:nvPr/>
+            </p:nvSpPr>
+            <p:spPr>
+              <a:xfrm>
+                <a:off x="8787660" y="3660385"/>
+                <a:ext cx="3073277" cy="276999"/>
+              </a:xfrm>
+              <a:prstGeom prst="rect">
+                <a:avLst/>
+              </a:prstGeom>
+            </p:spPr>
+            <p:txBody>
+              <a:bodyPr wrap="none">
+                <a:spAutoFit/>
+              </a:bodyPr>
+              <a:lstStyle/>
+              <a:p>
+                <a:r>
+                  <a:rPr lang="ko-KR" altLang="en-US" sz="1200" dirty="0">
+                    <a:latin typeface="PT Sans Narrow" charset="-52"/>
+                    <a:ea typeface="PT Sans Narrow" charset="-52"/>
+                    <a:cs typeface="PT Sans Narrow" charset="-52"/>
+                  </a:rPr>
+                  <a:t>qc_spike_plot_dc_sub-caps003_task-CAPS_run-01_bold</a:t>
+                </a:r>
+              </a:p>
+            </p:txBody>
+          </p:sp>
+          <p:sp>
+            <p:nvSpPr>
+              <p:cNvPr id="40" name="텍스트 상자 39"/>
               <p:cNvSpPr txBox="1"/>
               <p:nvPr/>
             </p:nvSpPr>
             <p:spPr>
               <a:xfrm>
-                <a:off x="479691" y="4454026"/>
-                <a:ext cx="1503938" cy="276999"/>
+                <a:off x="223993" y="241810"/>
+                <a:ext cx="1622560" cy="338554"/>
               </a:xfrm>
               <a:prstGeom prst="rect">
                 <a:avLst/>
               </a:prstGeom>
-              <a:solidFill>
-                <a:schemeClr val="bg1"/>
-              </a:solidFill>
+              <a:noFill/>
             </p:spPr>
             <p:txBody>
               <a:bodyPr wrap="none" rtlCol="0">
@@ -7118,16 +7408,21 @@
               </a:bodyPr>
               <a:lstStyle/>
               <a:p>
-                <a:pPr algn="ctr"/>
-                <a:r>
-                  <a:rPr kumimoji="1" lang="en-US" altLang="ko-KR" sz="1200" smtClean="0">
-                    <a:latin typeface="PT Sans Narrow" charset="-52"/>
-                    <a:ea typeface="PT Sans Narrow" charset="-52"/>
-                    <a:cs typeface="PT Sans Narrow" charset="-52"/>
-                  </a:rPr>
-                  <a:t>mean_swr_func_bold.png</a:t>
-                </a:r>
-                <a:endParaRPr kumimoji="1" lang="en-US" altLang="ko-KR" sz="1200" dirty="0" smtClean="0">
+                <a:r>
+                  <a:rPr kumimoji="1" lang="en-US" altLang="ko-KR" sz="1600" b="1" dirty="0" smtClean="0">
+                    <a:solidFill>
+                      <a:srgbClr val="C00000"/>
+                    </a:solidFill>
+                    <a:latin typeface="PT Sans Narrow" charset="-52"/>
+                    <a:ea typeface="PT Sans Narrow" charset="-52"/>
+                    <a:cs typeface="PT Sans Narrow" charset="-52"/>
+                  </a:rPr>
+                  <a:t>Example QC images</a:t>
+                </a:r>
+                <a:endParaRPr kumimoji="1" lang="ko-KR" altLang="en-US" sz="1600" b="1" dirty="0">
+                  <a:solidFill>
+                    <a:srgbClr val="C00000"/>
+                  </a:solidFill>
                   <a:latin typeface="PT Sans Narrow" charset="-52"/>
                   <a:ea typeface="PT Sans Narrow" charset="-52"/>
                   <a:cs typeface="PT Sans Narrow" charset="-52"/>
@@ -7136,220 +7431,9 @@
             </p:txBody>
           </p:sp>
         </p:grpSp>
-        <p:sp>
-          <p:nvSpPr>
-            <p:cNvPr id="37" name="직사각형 36"/>
-            <p:cNvSpPr/>
-            <p:nvPr/>
-          </p:nvSpPr>
-          <p:spPr>
-            <a:xfrm>
-              <a:off x="8793169" y="1328977"/>
-              <a:ext cx="3404340" cy="1461939"/>
-            </a:xfrm>
-            <a:prstGeom prst="rect">
-              <a:avLst/>
-            </a:prstGeom>
-          </p:spPr>
-          <p:txBody>
-            <a:bodyPr wrap="square">
-              <a:spAutoFit/>
-            </a:bodyPr>
-            <a:lstStyle/>
-            <a:p>
-              <a:r>
-                <a:rPr lang="en-US" altLang="ko-KR" sz="1200" dirty="0" smtClean="0">
-                  <a:latin typeface="PT Sans Narrow" charset="-52"/>
-                  <a:ea typeface="PT Sans Narrow" charset="-52"/>
-                  <a:cs typeface="PT Sans Narrow" charset="-52"/>
-                </a:rPr>
-                <a:t>qc_diary_dc_sub-caps003_task-CAPS_run-01_bold.txt</a:t>
-              </a:r>
-              <a:endParaRPr lang="en-US" altLang="ko-KR" sz="1200" dirty="0">
-                <a:latin typeface="PT Sans Narrow" charset="-52"/>
-                <a:ea typeface="PT Sans Narrow" charset="-52"/>
-                <a:cs typeface="PT Sans Narrow" charset="-52"/>
-              </a:endParaRPr>
-            </a:p>
-            <a:p>
-              <a:endParaRPr lang="en-US" altLang="ko-KR" sz="1100" dirty="0">
-                <a:latin typeface="PT Sans Narrow" charset="-52"/>
-                <a:ea typeface="PT Sans Narrow" charset="-52"/>
-                <a:cs typeface="PT Sans Narrow" charset="-52"/>
-              </a:endParaRPr>
-            </a:p>
-            <a:p>
-              <a:r>
-                <a:rPr lang="ko-KR" altLang="en-US" sz="1100" dirty="0" smtClean="0">
-                  <a:solidFill>
-                    <a:schemeClr val="tx1">
-                      <a:lumMod val="50000"/>
-                      <a:lumOff val="50000"/>
-                    </a:schemeClr>
-                  </a:solidFill>
-                  <a:latin typeface="PT Sans Narrow" charset="-52"/>
-                  <a:ea typeface="PT Sans Narrow" charset="-52"/>
-                  <a:cs typeface="PT Sans Narrow" charset="-52"/>
-                </a:rPr>
-                <a:t>Session   </a:t>
-              </a:r>
-              <a:r>
-                <a:rPr lang="ko-KR" altLang="en-US" sz="1100" dirty="0">
-                  <a:solidFill>
-                    <a:schemeClr val="tx1">
-                      <a:lumMod val="50000"/>
-                      <a:lumOff val="50000"/>
-                    </a:schemeClr>
-                  </a:solidFill>
-                  <a:latin typeface="PT Sans Narrow" charset="-52"/>
-                  <a:ea typeface="PT Sans Narrow" charset="-52"/>
-                  <a:cs typeface="PT Sans Narrow" charset="-52"/>
-                </a:rPr>
-                <a:t>1:  72 Potential outliers	</a:t>
-              </a:r>
-              <a:endParaRPr lang="en-US" altLang="ko-KR" sz="1100" dirty="0" smtClean="0">
-                <a:solidFill>
-                  <a:schemeClr val="tx1">
-                    <a:lumMod val="50000"/>
-                    <a:lumOff val="50000"/>
-                  </a:schemeClr>
-                </a:solidFill>
-                <a:latin typeface="PT Sans Narrow" charset="-52"/>
-                <a:ea typeface="PT Sans Narrow" charset="-52"/>
-                <a:cs typeface="PT Sans Narrow" charset="-52"/>
-              </a:endParaRPr>
-            </a:p>
-            <a:p>
-              <a:r>
-                <a:rPr lang="ko-KR" altLang="en-US" sz="1100" dirty="0" smtClean="0">
-                  <a:solidFill>
-                    <a:schemeClr val="tx1">
-                      <a:lumMod val="50000"/>
-                      <a:lumOff val="50000"/>
-                    </a:schemeClr>
-                  </a:solidFill>
-                  <a:latin typeface="PT Sans Narrow" charset="-52"/>
-                  <a:ea typeface="PT Sans Narrow" charset="-52"/>
-                  <a:cs typeface="PT Sans Narrow" charset="-52"/>
-                </a:rPr>
-                <a:t>%</a:t>
-              </a:r>
-              <a:r>
-                <a:rPr lang="ko-KR" altLang="en-US" sz="1100" dirty="0">
-                  <a:solidFill>
-                    <a:schemeClr val="tx1">
-                      <a:lumMod val="50000"/>
-                      <a:lumOff val="50000"/>
-                    </a:schemeClr>
-                  </a:solidFill>
-                  <a:latin typeface="PT Sans Narrow" charset="-52"/>
-                  <a:ea typeface="PT Sans Narrow" charset="-52"/>
-                  <a:cs typeface="PT Sans Narrow" charset="-52"/>
-                </a:rPr>
-                <a:t>Spikes: 2.78	</a:t>
-              </a:r>
-              <a:endParaRPr lang="en-US" altLang="ko-KR" sz="1100" dirty="0" smtClean="0">
-                <a:solidFill>
-                  <a:schemeClr val="tx1">
-                    <a:lumMod val="50000"/>
-                    <a:lumOff val="50000"/>
-                  </a:schemeClr>
-                </a:solidFill>
-                <a:latin typeface="PT Sans Narrow" charset="-52"/>
-                <a:ea typeface="PT Sans Narrow" charset="-52"/>
-                <a:cs typeface="PT Sans Narrow" charset="-52"/>
-              </a:endParaRPr>
-            </a:p>
-            <a:p>
-              <a:r>
-                <a:rPr lang="ko-KR" altLang="en-US" sz="1100" dirty="0" smtClean="0">
-                  <a:solidFill>
-                    <a:schemeClr val="tx1">
-                      <a:lumMod val="50000"/>
-                      <a:lumOff val="50000"/>
-                    </a:schemeClr>
-                  </a:solidFill>
-                  <a:latin typeface="PT Sans Narrow" charset="-52"/>
-                  <a:ea typeface="PT Sans Narrow" charset="-52"/>
-                  <a:cs typeface="PT Sans Narrow" charset="-52"/>
-                </a:rPr>
-                <a:t>Global </a:t>
-              </a:r>
-              <a:r>
-                <a:rPr lang="ko-KR" altLang="en-US" sz="1100" dirty="0">
-                  <a:solidFill>
-                    <a:schemeClr val="tx1">
-                      <a:lumMod val="50000"/>
-                      <a:lumOff val="50000"/>
-                    </a:schemeClr>
-                  </a:solidFill>
-                  <a:latin typeface="PT Sans Narrow" charset="-52"/>
-                  <a:ea typeface="PT Sans Narrow" charset="-52"/>
-                  <a:cs typeface="PT Sans Narrow" charset="-52"/>
-                </a:rPr>
-                <a:t>SNR (Mean/STD): </a:t>
-              </a:r>
-              <a:r>
-                <a:rPr lang="ko-KR" altLang="en-US" sz="1100" dirty="0" smtClean="0">
-                  <a:solidFill>
-                    <a:schemeClr val="tx1">
-                      <a:lumMod val="50000"/>
-                      <a:lumOff val="50000"/>
-                    </a:schemeClr>
-                  </a:solidFill>
-                  <a:latin typeface="PT Sans Narrow" charset="-52"/>
-                  <a:ea typeface="PT Sans Narrow" charset="-52"/>
-                  <a:cs typeface="PT Sans Narrow" charset="-52"/>
-                </a:rPr>
-                <a:t>299.12</a:t>
-              </a:r>
-              <a:endParaRPr lang="en-US" altLang="ko-KR" sz="1100" dirty="0" smtClean="0">
-                <a:solidFill>
-                  <a:schemeClr val="tx1">
-                    <a:lumMod val="50000"/>
-                    <a:lumOff val="50000"/>
-                  </a:schemeClr>
-                </a:solidFill>
-                <a:latin typeface="PT Sans Narrow" charset="-52"/>
-                <a:ea typeface="PT Sans Narrow" charset="-52"/>
-                <a:cs typeface="PT Sans Narrow" charset="-52"/>
-              </a:endParaRPr>
-            </a:p>
-            <a:p>
-              <a:r>
-                <a:rPr lang="ko-KR" altLang="en-US" sz="1100" dirty="0" smtClean="0">
-                  <a:solidFill>
-                    <a:schemeClr val="tx1">
-                      <a:lumMod val="50000"/>
-                      <a:lumOff val="50000"/>
-                    </a:schemeClr>
-                  </a:solidFill>
-                  <a:latin typeface="PT Sans Narrow" charset="-52"/>
-                  <a:ea typeface="PT Sans Narrow" charset="-52"/>
-                  <a:cs typeface="PT Sans Narrow" charset="-52"/>
-                </a:rPr>
-                <a:t>Added  </a:t>
-              </a:r>
-              <a:r>
-                <a:rPr lang="ko-KR" altLang="en-US" sz="1100" dirty="0">
-                  <a:solidFill>
-                    <a:schemeClr val="tx1">
-                      <a:lumMod val="50000"/>
-                      <a:lumOff val="50000"/>
-                    </a:schemeClr>
-                  </a:solidFill>
-                  <a:latin typeface="PT Sans Narrow" charset="-52"/>
-                  <a:ea typeface="PT Sans Narrow" charset="-52"/>
-                  <a:cs typeface="PT Sans Narrow" charset="-52"/>
-                </a:rPr>
-                <a:t>72 global/mahal outlier covariates to covariates field.Added  72 global/mahal outlier covariates to covariates field.Outliers in RMSSD images:   0%, 59 imgs.</a:t>
-              </a:r>
-            </a:p>
-          </p:txBody>
-        </p:sp>
         <p:pic>
           <p:nvPicPr>
-            <p:cNvPr id="38" name="그림 37"/>
+            <p:cNvPr id="2" name="그림 1"/>
             <p:cNvPicPr>
               <a:picLocks noChangeAspect="1"/>
             </p:cNvPicPr>
@@ -7369,90 +7453,14 @@
           </p:blipFill>
           <p:spPr>
             <a:xfrm>
-              <a:off x="8607351" y="3937384"/>
-              <a:ext cx="3775977" cy="4011976"/>
+              <a:off x="223993" y="4599873"/>
+              <a:ext cx="3365232" cy="3311815"/>
             </a:xfrm>
             <a:prstGeom prst="rect">
               <a:avLst/>
             </a:prstGeom>
           </p:spPr>
         </p:pic>
-        <p:sp>
-          <p:nvSpPr>
-            <p:cNvPr id="39" name="직사각형 38"/>
-            <p:cNvSpPr/>
-            <p:nvPr/>
-          </p:nvSpPr>
-          <p:spPr>
-            <a:xfrm>
-              <a:off x="8787660" y="3660385"/>
-              <a:ext cx="3073277" cy="276999"/>
-            </a:xfrm>
-            <a:prstGeom prst="rect">
-              <a:avLst/>
-            </a:prstGeom>
-          </p:spPr>
-          <p:txBody>
-            <a:bodyPr wrap="none">
-              <a:spAutoFit/>
-            </a:bodyPr>
-            <a:lstStyle/>
-            <a:p>
-              <a:r>
-                <a:rPr lang="ko-KR" altLang="en-US" sz="1200" dirty="0">
-                  <a:latin typeface="PT Sans Narrow" charset="-52"/>
-                  <a:ea typeface="PT Sans Narrow" charset="-52"/>
-                  <a:cs typeface="PT Sans Narrow" charset="-52"/>
-                </a:rPr>
-                <a:t>qc_spike_plot_dc_sub-caps003_task-CAPS_run-01_bold</a:t>
-              </a:r>
-            </a:p>
-          </p:txBody>
-        </p:sp>
-        <p:sp>
-          <p:nvSpPr>
-            <p:cNvPr id="40" name="텍스트 상자 39"/>
-            <p:cNvSpPr txBox="1"/>
-            <p:nvPr/>
-          </p:nvSpPr>
-          <p:spPr>
-            <a:xfrm>
-              <a:off x="223993" y="241810"/>
-              <a:ext cx="1622560" cy="338554"/>
-            </a:xfrm>
-            <a:prstGeom prst="rect">
-              <a:avLst/>
-            </a:prstGeom>
-            <a:noFill/>
-          </p:spPr>
-          <p:txBody>
-            <a:bodyPr wrap="none" rtlCol="0">
-              <a:spAutoFit/>
-            </a:bodyPr>
-            <a:lstStyle/>
-            <a:p>
-              <a:r>
-                <a:rPr kumimoji="1" lang="en-US" altLang="ko-KR" sz="1600" b="1" dirty="0" smtClean="0">
-                  <a:solidFill>
-                    <a:srgbClr val="C00000"/>
-                  </a:solidFill>
-                  <a:latin typeface="PT Sans Narrow" charset="-52"/>
-                  <a:ea typeface="PT Sans Narrow" charset="-52"/>
-                  <a:cs typeface="PT Sans Narrow" charset="-52"/>
-                </a:rPr>
-                <a:t>Example QC images</a:t>
-              </a:r>
-              <a:endParaRPr kumimoji="1" lang="ko-KR" altLang="en-US" sz="1600" b="1" dirty="0">
-                <a:solidFill>
-                  <a:srgbClr val="C00000"/>
-                </a:solidFill>
-                <a:latin typeface="PT Sans Narrow" charset="-52"/>
-                <a:ea typeface="PT Sans Narrow" charset="-52"/>
-                <a:cs typeface="PT Sans Narrow" charset="-52"/>
-              </a:endParaRPr>
-            </a:p>
-          </p:txBody>
-        </p:sp>
       </p:grpSp>
     </p:spTree>
     <p:extLst>

--- a/examples/pipeline_overview.pptx
+++ b/examples/pipeline_overview.pptx
@@ -199,7 +199,7 @@
           <a:p>
             <a:fld id="{53E3C55D-FE94-A249-A4BC-495CB77FE910}" type="datetimeFigureOut">
               <a:rPr kumimoji="1" lang="ko-KR" altLang="en-US" smtClean="0"/>
-              <a:t>2018. 1. 21.</a:t>
+              <a:t>2018. 3. 20.</a:t>
             </a:fld>
             <a:endParaRPr kumimoji="1" lang="ko-KR" altLang="en-US"/>
           </a:p>
@@ -263,38 +263,37 @@
           <a:p>
             <a:pPr lvl="0"/>
             <a:r>
-              <a:rPr kumimoji="1" lang="ko-KR" altLang="en-US" smtClean="0"/>
+              <a:rPr kumimoji="1" lang="ko-KR" altLang="en-US"/>
               <a:t>마스터 텍스트 스타일을 편집하려면 클릭</a:t>
             </a:r>
           </a:p>
           <a:p>
             <a:pPr lvl="1"/>
             <a:r>
-              <a:rPr kumimoji="1" lang="ko-KR" altLang="en-US" smtClean="0"/>
+              <a:rPr kumimoji="1" lang="ko-KR" altLang="en-US"/>
               <a:t>두 번째 수준</a:t>
             </a:r>
           </a:p>
           <a:p>
             <a:pPr lvl="2"/>
             <a:r>
-              <a:rPr kumimoji="1" lang="ko-KR" altLang="en-US" smtClean="0"/>
+              <a:rPr kumimoji="1" lang="ko-KR" altLang="en-US"/>
               <a:t>세 번째 수준</a:t>
             </a:r>
           </a:p>
           <a:p>
             <a:pPr lvl="3"/>
             <a:r>
-              <a:rPr kumimoji="1" lang="ko-KR" altLang="en-US" smtClean="0"/>
+              <a:rPr kumimoji="1" lang="ko-KR" altLang="en-US"/>
               <a:t>네 번째 수준</a:t>
             </a:r>
           </a:p>
           <a:p>
             <a:pPr lvl="4"/>
             <a:r>
-              <a:rPr kumimoji="1" lang="ko-KR" altLang="en-US" smtClean="0"/>
+              <a:rPr kumimoji="1" lang="ko-KR" altLang="en-US"/>
               <a:t>다섯 번째 수준</a:t>
             </a:r>
-            <a:endParaRPr kumimoji="1" lang="ko-KR" altLang="en-US"/>
           </a:p>
         </p:txBody>
       </p:sp>
@@ -509,10 +508,9 @@
           </a:lstStyle>
           <a:p>
             <a:r>
-              <a:rPr kumimoji="1" lang="ko-KR" altLang="en-US" smtClean="0"/>
+              <a:rPr kumimoji="1" lang="ko-KR" altLang="en-US"/>
               <a:t>마스터 제목 스타일 편집</a:t>
             </a:r>
-            <a:endParaRPr kumimoji="1" lang="ko-KR" altLang="en-US"/>
           </a:p>
         </p:txBody>
       </p:sp>
@@ -574,10 +572,9 @@
           </a:lstStyle>
           <a:p>
             <a:r>
-              <a:rPr kumimoji="1" lang="ko-KR" altLang="en-US" smtClean="0"/>
+              <a:rPr kumimoji="1" lang="ko-KR" altLang="en-US"/>
               <a:t>마스터 부제목 스타일 편집</a:t>
             </a:r>
-            <a:endParaRPr kumimoji="1" lang="ko-KR" altLang="en-US"/>
           </a:p>
         </p:txBody>
       </p:sp>
@@ -598,7 +595,7 @@
           <a:p>
             <a:fld id="{BEF40D4A-EFF6-0849-AFD9-F7808A588F67}" type="datetimeFigureOut">
               <a:rPr kumimoji="1" lang="ko-KR" altLang="en-US" smtClean="0"/>
-              <a:t>2018. 1. 21.</a:t>
+              <a:t>2018. 3. 20.</a:t>
             </a:fld>
             <a:endParaRPr kumimoji="1" lang="ko-KR" altLang="en-US"/>
           </a:p>
@@ -692,10 +689,9 @@
           <a:lstStyle/>
           <a:p>
             <a:r>
-              <a:rPr kumimoji="1" lang="ko-KR" altLang="en-US" smtClean="0"/>
+              <a:rPr kumimoji="1" lang="ko-KR" altLang="en-US"/>
               <a:t>마스터 제목 스타일 편집</a:t>
             </a:r>
-            <a:endParaRPr kumimoji="1" lang="ko-KR" altLang="en-US"/>
           </a:p>
         </p:txBody>
       </p:sp>
@@ -716,38 +712,37 @@
           <a:p>
             <a:pPr lvl="0"/>
             <a:r>
-              <a:rPr kumimoji="1" lang="ko-KR" altLang="en-US" smtClean="0"/>
+              <a:rPr kumimoji="1" lang="ko-KR" altLang="en-US"/>
               <a:t>마스터 텍스트 스타일을 편집하려면 클릭</a:t>
             </a:r>
           </a:p>
           <a:p>
             <a:pPr lvl="1"/>
             <a:r>
-              <a:rPr kumimoji="1" lang="ko-KR" altLang="en-US" smtClean="0"/>
+              <a:rPr kumimoji="1" lang="ko-KR" altLang="en-US"/>
               <a:t>두 번째 수준</a:t>
             </a:r>
           </a:p>
           <a:p>
             <a:pPr lvl="2"/>
             <a:r>
-              <a:rPr kumimoji="1" lang="ko-KR" altLang="en-US" smtClean="0"/>
+              <a:rPr kumimoji="1" lang="ko-KR" altLang="en-US"/>
               <a:t>세 번째 수준</a:t>
             </a:r>
           </a:p>
           <a:p>
             <a:pPr lvl="3"/>
             <a:r>
-              <a:rPr kumimoji="1" lang="ko-KR" altLang="en-US" smtClean="0"/>
+              <a:rPr kumimoji="1" lang="ko-KR" altLang="en-US"/>
               <a:t>네 번째 수준</a:t>
             </a:r>
           </a:p>
           <a:p>
             <a:pPr lvl="4"/>
             <a:r>
-              <a:rPr kumimoji="1" lang="ko-KR" altLang="en-US" smtClean="0"/>
+              <a:rPr kumimoji="1" lang="ko-KR" altLang="en-US"/>
               <a:t>다섯 번째 수준</a:t>
             </a:r>
-            <a:endParaRPr kumimoji="1" lang="ko-KR" altLang="en-US"/>
           </a:p>
         </p:txBody>
       </p:sp>
@@ -768,7 +763,7 @@
           <a:p>
             <a:fld id="{BEF40D4A-EFF6-0849-AFD9-F7808A588F67}" type="datetimeFigureOut">
               <a:rPr kumimoji="1" lang="ko-KR" altLang="en-US" smtClean="0"/>
-              <a:t>2018. 1. 21.</a:t>
+              <a:t>2018. 3. 20.</a:t>
             </a:fld>
             <a:endParaRPr kumimoji="1" lang="ko-KR" altLang="en-US"/>
           </a:p>
@@ -867,10 +862,9 @@
           <a:lstStyle/>
           <a:p>
             <a:r>
-              <a:rPr kumimoji="1" lang="ko-KR" altLang="en-US" smtClean="0"/>
+              <a:rPr kumimoji="1" lang="ko-KR" altLang="en-US"/>
               <a:t>마스터 제목 스타일 편집</a:t>
             </a:r>
-            <a:endParaRPr kumimoji="1" lang="ko-KR" altLang="en-US"/>
           </a:p>
         </p:txBody>
       </p:sp>
@@ -896,38 +890,37 @@
           <a:p>
             <a:pPr lvl="0"/>
             <a:r>
-              <a:rPr kumimoji="1" lang="ko-KR" altLang="en-US" smtClean="0"/>
+              <a:rPr kumimoji="1" lang="ko-KR" altLang="en-US"/>
               <a:t>마스터 텍스트 스타일을 편집하려면 클릭</a:t>
             </a:r>
           </a:p>
           <a:p>
             <a:pPr lvl="1"/>
             <a:r>
-              <a:rPr kumimoji="1" lang="ko-KR" altLang="en-US" smtClean="0"/>
+              <a:rPr kumimoji="1" lang="ko-KR" altLang="en-US"/>
               <a:t>두 번째 수준</a:t>
             </a:r>
           </a:p>
           <a:p>
             <a:pPr lvl="2"/>
             <a:r>
-              <a:rPr kumimoji="1" lang="ko-KR" altLang="en-US" smtClean="0"/>
+              <a:rPr kumimoji="1" lang="ko-KR" altLang="en-US"/>
               <a:t>세 번째 수준</a:t>
             </a:r>
           </a:p>
           <a:p>
             <a:pPr lvl="3"/>
             <a:r>
-              <a:rPr kumimoji="1" lang="ko-KR" altLang="en-US" smtClean="0"/>
+              <a:rPr kumimoji="1" lang="ko-KR" altLang="en-US"/>
               <a:t>네 번째 수준</a:t>
             </a:r>
           </a:p>
           <a:p>
             <a:pPr lvl="4"/>
             <a:r>
-              <a:rPr kumimoji="1" lang="ko-KR" altLang="en-US" smtClean="0"/>
+              <a:rPr kumimoji="1" lang="ko-KR" altLang="en-US"/>
               <a:t>다섯 번째 수준</a:t>
             </a:r>
-            <a:endParaRPr kumimoji="1" lang="ko-KR" altLang="en-US"/>
           </a:p>
         </p:txBody>
       </p:sp>
@@ -948,7 +941,7 @@
           <a:p>
             <a:fld id="{BEF40D4A-EFF6-0849-AFD9-F7808A588F67}" type="datetimeFigureOut">
               <a:rPr kumimoji="1" lang="ko-KR" altLang="en-US" smtClean="0"/>
-              <a:t>2018. 1. 21.</a:t>
+              <a:t>2018. 3. 20.</a:t>
             </a:fld>
             <a:endParaRPr kumimoji="1" lang="ko-KR" altLang="en-US"/>
           </a:p>
@@ -1042,10 +1035,9 @@
           <a:lstStyle/>
           <a:p>
             <a:r>
-              <a:rPr kumimoji="1" lang="ko-KR" altLang="en-US" smtClean="0"/>
+              <a:rPr kumimoji="1" lang="ko-KR" altLang="en-US"/>
               <a:t>마스터 제목 스타일 편집</a:t>
             </a:r>
-            <a:endParaRPr kumimoji="1" lang="ko-KR" altLang="en-US"/>
           </a:p>
         </p:txBody>
       </p:sp>
@@ -1066,38 +1058,37 @@
           <a:p>
             <a:pPr lvl="0"/>
             <a:r>
-              <a:rPr kumimoji="1" lang="ko-KR" altLang="en-US" smtClean="0"/>
+              <a:rPr kumimoji="1" lang="ko-KR" altLang="en-US"/>
               <a:t>마스터 텍스트 스타일을 편집하려면 클릭</a:t>
             </a:r>
           </a:p>
           <a:p>
             <a:pPr lvl="1"/>
             <a:r>
-              <a:rPr kumimoji="1" lang="ko-KR" altLang="en-US" smtClean="0"/>
+              <a:rPr kumimoji="1" lang="ko-KR" altLang="en-US"/>
               <a:t>두 번째 수준</a:t>
             </a:r>
           </a:p>
           <a:p>
             <a:pPr lvl="2"/>
             <a:r>
-              <a:rPr kumimoji="1" lang="ko-KR" altLang="en-US" smtClean="0"/>
+              <a:rPr kumimoji="1" lang="ko-KR" altLang="en-US"/>
               <a:t>세 번째 수준</a:t>
             </a:r>
           </a:p>
           <a:p>
             <a:pPr lvl="3"/>
             <a:r>
-              <a:rPr kumimoji="1" lang="ko-KR" altLang="en-US" smtClean="0"/>
+              <a:rPr kumimoji="1" lang="ko-KR" altLang="en-US"/>
               <a:t>네 번째 수준</a:t>
             </a:r>
           </a:p>
           <a:p>
             <a:pPr lvl="4"/>
             <a:r>
-              <a:rPr kumimoji="1" lang="ko-KR" altLang="en-US" smtClean="0"/>
+              <a:rPr kumimoji="1" lang="ko-KR" altLang="en-US"/>
               <a:t>다섯 번째 수준</a:t>
             </a:r>
-            <a:endParaRPr kumimoji="1" lang="ko-KR" altLang="en-US"/>
           </a:p>
         </p:txBody>
       </p:sp>
@@ -1118,7 +1109,7 @@
           <a:p>
             <a:fld id="{BEF40D4A-EFF6-0849-AFD9-F7808A588F67}" type="datetimeFigureOut">
               <a:rPr kumimoji="1" lang="ko-KR" altLang="en-US" smtClean="0"/>
-              <a:t>2018. 1. 21.</a:t>
+              <a:t>2018. 3. 20.</a:t>
             </a:fld>
             <a:endParaRPr kumimoji="1" lang="ko-KR" altLang="en-US"/>
           </a:p>
@@ -1221,10 +1212,9 @@
           </a:lstStyle>
           <a:p>
             <a:r>
-              <a:rPr kumimoji="1" lang="ko-KR" altLang="en-US" smtClean="0"/>
+              <a:rPr kumimoji="1" lang="ko-KR" altLang="en-US"/>
               <a:t>마스터 제목 스타일 편집</a:t>
             </a:r>
-            <a:endParaRPr kumimoji="1" lang="ko-KR" altLang="en-US"/>
           </a:p>
         </p:txBody>
       </p:sp>
@@ -1341,7 +1331,7 @@
           <a:p>
             <a:pPr lvl="0"/>
             <a:r>
-              <a:rPr kumimoji="1" lang="ko-KR" altLang="en-US" smtClean="0"/>
+              <a:rPr kumimoji="1" lang="ko-KR" altLang="en-US"/>
               <a:t>마스터 텍스트 스타일을 편집하려면 클릭</a:t>
             </a:r>
           </a:p>
@@ -1364,7 +1354,7 @@
           <a:p>
             <a:fld id="{BEF40D4A-EFF6-0849-AFD9-F7808A588F67}" type="datetimeFigureOut">
               <a:rPr kumimoji="1" lang="ko-KR" altLang="en-US" smtClean="0"/>
-              <a:t>2018. 1. 21.</a:t>
+              <a:t>2018. 3. 20.</a:t>
             </a:fld>
             <a:endParaRPr kumimoji="1" lang="ko-KR" altLang="en-US"/>
           </a:p>
@@ -1458,10 +1448,9 @@
           <a:lstStyle/>
           <a:p>
             <a:r>
-              <a:rPr kumimoji="1" lang="ko-KR" altLang="en-US" smtClean="0"/>
+              <a:rPr kumimoji="1" lang="ko-KR" altLang="en-US"/>
               <a:t>마스터 제목 스타일 편집</a:t>
             </a:r>
-            <a:endParaRPr kumimoji="1" lang="ko-KR" altLang="en-US"/>
           </a:p>
         </p:txBody>
       </p:sp>
@@ -1487,38 +1476,37 @@
           <a:p>
             <a:pPr lvl="0"/>
             <a:r>
-              <a:rPr kumimoji="1" lang="ko-KR" altLang="en-US" smtClean="0"/>
+              <a:rPr kumimoji="1" lang="ko-KR" altLang="en-US"/>
               <a:t>마스터 텍스트 스타일을 편집하려면 클릭</a:t>
             </a:r>
           </a:p>
           <a:p>
             <a:pPr lvl="1"/>
             <a:r>
-              <a:rPr kumimoji="1" lang="ko-KR" altLang="en-US" smtClean="0"/>
+              <a:rPr kumimoji="1" lang="ko-KR" altLang="en-US"/>
               <a:t>두 번째 수준</a:t>
             </a:r>
           </a:p>
           <a:p>
             <a:pPr lvl="2"/>
             <a:r>
-              <a:rPr kumimoji="1" lang="ko-KR" altLang="en-US" smtClean="0"/>
+              <a:rPr kumimoji="1" lang="ko-KR" altLang="en-US"/>
               <a:t>세 번째 수준</a:t>
             </a:r>
           </a:p>
           <a:p>
             <a:pPr lvl="3"/>
             <a:r>
-              <a:rPr kumimoji="1" lang="ko-KR" altLang="en-US" smtClean="0"/>
+              <a:rPr kumimoji="1" lang="ko-KR" altLang="en-US"/>
               <a:t>네 번째 수준</a:t>
             </a:r>
           </a:p>
           <a:p>
             <a:pPr lvl="4"/>
             <a:r>
-              <a:rPr kumimoji="1" lang="ko-KR" altLang="en-US" smtClean="0"/>
+              <a:rPr kumimoji="1" lang="ko-KR" altLang="en-US"/>
               <a:t>다섯 번째 수준</a:t>
             </a:r>
-            <a:endParaRPr kumimoji="1" lang="ko-KR" altLang="en-US"/>
           </a:p>
         </p:txBody>
       </p:sp>
@@ -1544,38 +1532,37 @@
           <a:p>
             <a:pPr lvl="0"/>
             <a:r>
-              <a:rPr kumimoji="1" lang="ko-KR" altLang="en-US" smtClean="0"/>
+              <a:rPr kumimoji="1" lang="ko-KR" altLang="en-US"/>
               <a:t>마스터 텍스트 스타일을 편집하려면 클릭</a:t>
             </a:r>
           </a:p>
           <a:p>
             <a:pPr lvl="1"/>
             <a:r>
-              <a:rPr kumimoji="1" lang="ko-KR" altLang="en-US" smtClean="0"/>
+              <a:rPr kumimoji="1" lang="ko-KR" altLang="en-US"/>
               <a:t>두 번째 수준</a:t>
             </a:r>
           </a:p>
           <a:p>
             <a:pPr lvl="2"/>
             <a:r>
-              <a:rPr kumimoji="1" lang="ko-KR" altLang="en-US" smtClean="0"/>
+              <a:rPr kumimoji="1" lang="ko-KR" altLang="en-US"/>
               <a:t>세 번째 수준</a:t>
             </a:r>
           </a:p>
           <a:p>
             <a:pPr lvl="3"/>
             <a:r>
-              <a:rPr kumimoji="1" lang="ko-KR" altLang="en-US" smtClean="0"/>
+              <a:rPr kumimoji="1" lang="ko-KR" altLang="en-US"/>
               <a:t>네 번째 수준</a:t>
             </a:r>
           </a:p>
           <a:p>
             <a:pPr lvl="4"/>
             <a:r>
-              <a:rPr kumimoji="1" lang="ko-KR" altLang="en-US" smtClean="0"/>
+              <a:rPr kumimoji="1" lang="ko-KR" altLang="en-US"/>
               <a:t>다섯 번째 수준</a:t>
             </a:r>
-            <a:endParaRPr kumimoji="1" lang="ko-KR" altLang="en-US"/>
           </a:p>
         </p:txBody>
       </p:sp>
@@ -1596,7 +1583,7 @@
           <a:p>
             <a:fld id="{BEF40D4A-EFF6-0849-AFD9-F7808A588F67}" type="datetimeFigureOut">
               <a:rPr kumimoji="1" lang="ko-KR" altLang="en-US" smtClean="0"/>
-              <a:t>2018. 1. 21.</a:t>
+              <a:t>2018. 3. 20.</a:t>
             </a:fld>
             <a:endParaRPr kumimoji="1" lang="ko-KR" altLang="en-US"/>
           </a:p>
@@ -1695,10 +1682,9 @@
           <a:lstStyle/>
           <a:p>
             <a:r>
-              <a:rPr kumimoji="1" lang="ko-KR" altLang="en-US" smtClean="0"/>
+              <a:rPr kumimoji="1" lang="ko-KR" altLang="en-US"/>
               <a:t>마스터 제목 스타일 편집</a:t>
             </a:r>
-            <a:endParaRPr kumimoji="1" lang="ko-KR" altLang="en-US"/>
           </a:p>
         </p:txBody>
       </p:sp>
@@ -1761,7 +1747,7 @@
           <a:p>
             <a:pPr lvl="0"/>
             <a:r>
-              <a:rPr kumimoji="1" lang="ko-KR" altLang="en-US" smtClean="0"/>
+              <a:rPr kumimoji="1" lang="ko-KR" altLang="en-US"/>
               <a:t>마스터 텍스트 스타일을 편집하려면 클릭</a:t>
             </a:r>
           </a:p>
@@ -1789,38 +1775,37 @@
           <a:p>
             <a:pPr lvl="0"/>
             <a:r>
-              <a:rPr kumimoji="1" lang="ko-KR" altLang="en-US" smtClean="0"/>
+              <a:rPr kumimoji="1" lang="ko-KR" altLang="en-US"/>
               <a:t>마스터 텍스트 스타일을 편집하려면 클릭</a:t>
             </a:r>
           </a:p>
           <a:p>
             <a:pPr lvl="1"/>
             <a:r>
-              <a:rPr kumimoji="1" lang="ko-KR" altLang="en-US" smtClean="0"/>
+              <a:rPr kumimoji="1" lang="ko-KR" altLang="en-US"/>
               <a:t>두 번째 수준</a:t>
             </a:r>
           </a:p>
           <a:p>
             <a:pPr lvl="2"/>
             <a:r>
-              <a:rPr kumimoji="1" lang="ko-KR" altLang="en-US" smtClean="0"/>
+              <a:rPr kumimoji="1" lang="ko-KR" altLang="en-US"/>
               <a:t>세 번째 수준</a:t>
             </a:r>
           </a:p>
           <a:p>
             <a:pPr lvl="3"/>
             <a:r>
-              <a:rPr kumimoji="1" lang="ko-KR" altLang="en-US" smtClean="0"/>
+              <a:rPr kumimoji="1" lang="ko-KR" altLang="en-US"/>
               <a:t>네 번째 수준</a:t>
             </a:r>
           </a:p>
           <a:p>
             <a:pPr lvl="4"/>
             <a:r>
-              <a:rPr kumimoji="1" lang="ko-KR" altLang="en-US" smtClean="0"/>
+              <a:rPr kumimoji="1" lang="ko-KR" altLang="en-US"/>
               <a:t>다섯 번째 수준</a:t>
             </a:r>
-            <a:endParaRPr kumimoji="1" lang="ko-KR" altLang="en-US"/>
           </a:p>
         </p:txBody>
       </p:sp>
@@ -1883,7 +1868,7 @@
           <a:p>
             <a:pPr lvl="0"/>
             <a:r>
-              <a:rPr kumimoji="1" lang="ko-KR" altLang="en-US" smtClean="0"/>
+              <a:rPr kumimoji="1" lang="ko-KR" altLang="en-US"/>
               <a:t>마스터 텍스트 스타일을 편집하려면 클릭</a:t>
             </a:r>
           </a:p>
@@ -1911,38 +1896,37 @@
           <a:p>
             <a:pPr lvl="0"/>
             <a:r>
-              <a:rPr kumimoji="1" lang="ko-KR" altLang="en-US" smtClean="0"/>
+              <a:rPr kumimoji="1" lang="ko-KR" altLang="en-US"/>
               <a:t>마스터 텍스트 스타일을 편집하려면 클릭</a:t>
             </a:r>
           </a:p>
           <a:p>
             <a:pPr lvl="1"/>
             <a:r>
-              <a:rPr kumimoji="1" lang="ko-KR" altLang="en-US" smtClean="0"/>
+              <a:rPr kumimoji="1" lang="ko-KR" altLang="en-US"/>
               <a:t>두 번째 수준</a:t>
             </a:r>
           </a:p>
           <a:p>
             <a:pPr lvl="2"/>
             <a:r>
-              <a:rPr kumimoji="1" lang="ko-KR" altLang="en-US" smtClean="0"/>
+              <a:rPr kumimoji="1" lang="ko-KR" altLang="en-US"/>
               <a:t>세 번째 수준</a:t>
             </a:r>
           </a:p>
           <a:p>
             <a:pPr lvl="3"/>
             <a:r>
-              <a:rPr kumimoji="1" lang="ko-KR" altLang="en-US" smtClean="0"/>
+              <a:rPr kumimoji="1" lang="ko-KR" altLang="en-US"/>
               <a:t>네 번째 수준</a:t>
             </a:r>
           </a:p>
           <a:p>
             <a:pPr lvl="4"/>
             <a:r>
-              <a:rPr kumimoji="1" lang="ko-KR" altLang="en-US" smtClean="0"/>
+              <a:rPr kumimoji="1" lang="ko-KR" altLang="en-US"/>
               <a:t>다섯 번째 수준</a:t>
             </a:r>
-            <a:endParaRPr kumimoji="1" lang="ko-KR" altLang="en-US"/>
           </a:p>
         </p:txBody>
       </p:sp>
@@ -1963,7 +1947,7 @@
           <a:p>
             <a:fld id="{BEF40D4A-EFF6-0849-AFD9-F7808A588F67}" type="datetimeFigureOut">
               <a:rPr kumimoji="1" lang="ko-KR" altLang="en-US" smtClean="0"/>
-              <a:t>2018. 1. 21.</a:t>
+              <a:t>2018. 3. 20.</a:t>
             </a:fld>
             <a:endParaRPr kumimoji="1" lang="ko-KR" altLang="en-US"/>
           </a:p>
@@ -2057,10 +2041,9 @@
           <a:lstStyle/>
           <a:p>
             <a:r>
-              <a:rPr kumimoji="1" lang="ko-KR" altLang="en-US" smtClean="0"/>
+              <a:rPr kumimoji="1" lang="ko-KR" altLang="en-US"/>
               <a:t>마스터 제목 스타일 편집</a:t>
             </a:r>
-            <a:endParaRPr kumimoji="1" lang="ko-KR" altLang="en-US"/>
           </a:p>
         </p:txBody>
       </p:sp>
@@ -2081,7 +2064,7 @@
           <a:p>
             <a:fld id="{BEF40D4A-EFF6-0849-AFD9-F7808A588F67}" type="datetimeFigureOut">
               <a:rPr kumimoji="1" lang="ko-KR" altLang="en-US" smtClean="0"/>
-              <a:t>2018. 1. 21.</a:t>
+              <a:t>2018. 3. 20.</a:t>
             </a:fld>
             <a:endParaRPr kumimoji="1" lang="ko-KR" altLang="en-US"/>
           </a:p>
@@ -2176,7 +2159,7 @@
           <a:p>
             <a:fld id="{BEF40D4A-EFF6-0849-AFD9-F7808A588F67}" type="datetimeFigureOut">
               <a:rPr kumimoji="1" lang="ko-KR" altLang="en-US" smtClean="0"/>
-              <a:t>2018. 1. 21.</a:t>
+              <a:t>2018. 3. 20.</a:t>
             </a:fld>
             <a:endParaRPr kumimoji="1" lang="ko-KR" altLang="en-US"/>
           </a:p>
@@ -2279,10 +2262,9 @@
           </a:lstStyle>
           <a:p>
             <a:r>
-              <a:rPr kumimoji="1" lang="ko-KR" altLang="en-US" smtClean="0"/>
+              <a:rPr kumimoji="1" lang="ko-KR" altLang="en-US"/>
               <a:t>마스터 제목 스타일 편집</a:t>
             </a:r>
-            <a:endParaRPr kumimoji="1" lang="ko-KR" altLang="en-US"/>
           </a:p>
         </p:txBody>
       </p:sp>
@@ -2336,38 +2318,37 @@
           <a:p>
             <a:pPr lvl="0"/>
             <a:r>
-              <a:rPr kumimoji="1" lang="ko-KR" altLang="en-US" smtClean="0"/>
+              <a:rPr kumimoji="1" lang="ko-KR" altLang="en-US"/>
               <a:t>마스터 텍스트 스타일을 편집하려면 클릭</a:t>
             </a:r>
           </a:p>
           <a:p>
             <a:pPr lvl="1"/>
             <a:r>
-              <a:rPr kumimoji="1" lang="ko-KR" altLang="en-US" smtClean="0"/>
+              <a:rPr kumimoji="1" lang="ko-KR" altLang="en-US"/>
               <a:t>두 번째 수준</a:t>
             </a:r>
           </a:p>
           <a:p>
             <a:pPr lvl="2"/>
             <a:r>
-              <a:rPr kumimoji="1" lang="ko-KR" altLang="en-US" smtClean="0"/>
+              <a:rPr kumimoji="1" lang="ko-KR" altLang="en-US"/>
               <a:t>세 번째 수준</a:t>
             </a:r>
           </a:p>
           <a:p>
             <a:pPr lvl="3"/>
             <a:r>
-              <a:rPr kumimoji="1" lang="ko-KR" altLang="en-US" smtClean="0"/>
+              <a:rPr kumimoji="1" lang="ko-KR" altLang="en-US"/>
               <a:t>네 번째 수준</a:t>
             </a:r>
           </a:p>
           <a:p>
             <a:pPr lvl="4"/>
             <a:r>
-              <a:rPr kumimoji="1" lang="ko-KR" altLang="en-US" smtClean="0"/>
+              <a:rPr kumimoji="1" lang="ko-KR" altLang="en-US"/>
               <a:t>다섯 번째 수준</a:t>
             </a:r>
-            <a:endParaRPr kumimoji="1" lang="ko-KR" altLang="en-US"/>
           </a:p>
         </p:txBody>
       </p:sp>
@@ -2430,7 +2411,7 @@
           <a:p>
             <a:pPr lvl="0"/>
             <a:r>
-              <a:rPr kumimoji="1" lang="ko-KR" altLang="en-US" smtClean="0"/>
+              <a:rPr kumimoji="1" lang="ko-KR" altLang="en-US"/>
               <a:t>마스터 텍스트 스타일을 편집하려면 클릭</a:t>
             </a:r>
           </a:p>
@@ -2453,7 +2434,7 @@
           <a:p>
             <a:fld id="{BEF40D4A-EFF6-0849-AFD9-F7808A588F67}" type="datetimeFigureOut">
               <a:rPr kumimoji="1" lang="ko-KR" altLang="en-US" smtClean="0"/>
-              <a:t>2018. 1. 21.</a:t>
+              <a:t>2018. 3. 20.</a:t>
             </a:fld>
             <a:endParaRPr kumimoji="1" lang="ko-KR" altLang="en-US"/>
           </a:p>
@@ -2556,10 +2537,9 @@
           </a:lstStyle>
           <a:p>
             <a:r>
-              <a:rPr kumimoji="1" lang="ko-KR" altLang="en-US" smtClean="0"/>
+              <a:rPr kumimoji="1" lang="ko-KR" altLang="en-US"/>
               <a:t>마스터 제목 스타일 편집</a:t>
             </a:r>
-            <a:endParaRPr kumimoji="1" lang="ko-KR" altLang="en-US"/>
           </a:p>
         </p:txBody>
       </p:sp>
@@ -2683,7 +2663,7 @@
           <a:p>
             <a:pPr lvl="0"/>
             <a:r>
-              <a:rPr kumimoji="1" lang="ko-KR" altLang="en-US" smtClean="0"/>
+              <a:rPr kumimoji="1" lang="ko-KR" altLang="en-US"/>
               <a:t>마스터 텍스트 스타일을 편집하려면 클릭</a:t>
             </a:r>
           </a:p>
@@ -2706,7 +2686,7 @@
           <a:p>
             <a:fld id="{BEF40D4A-EFF6-0849-AFD9-F7808A588F67}" type="datetimeFigureOut">
               <a:rPr kumimoji="1" lang="ko-KR" altLang="en-US" smtClean="0"/>
-              <a:t>2018. 1. 21.</a:t>
+              <a:t>2018. 3. 20.</a:t>
             </a:fld>
             <a:endParaRPr kumimoji="1" lang="ko-KR" altLang="en-US"/>
           </a:p>
@@ -2815,10 +2795,9 @@
           <a:lstStyle/>
           <a:p>
             <a:r>
-              <a:rPr kumimoji="1" lang="ko-KR" altLang="en-US" smtClean="0"/>
+              <a:rPr kumimoji="1" lang="ko-KR" altLang="en-US"/>
               <a:t>마스터 제목 스타일 편집</a:t>
             </a:r>
-            <a:endParaRPr kumimoji="1" lang="ko-KR" altLang="en-US"/>
           </a:p>
         </p:txBody>
       </p:sp>
@@ -2849,38 +2828,37 @@
           <a:p>
             <a:pPr lvl="0"/>
             <a:r>
-              <a:rPr kumimoji="1" lang="ko-KR" altLang="en-US" smtClean="0"/>
+              <a:rPr kumimoji="1" lang="ko-KR" altLang="en-US"/>
               <a:t>마스터 텍스트 스타일을 편집하려면 클릭</a:t>
             </a:r>
           </a:p>
           <a:p>
             <a:pPr lvl="1"/>
             <a:r>
-              <a:rPr kumimoji="1" lang="ko-KR" altLang="en-US" smtClean="0"/>
+              <a:rPr kumimoji="1" lang="ko-KR" altLang="en-US"/>
               <a:t>두 번째 수준</a:t>
             </a:r>
           </a:p>
           <a:p>
             <a:pPr lvl="2"/>
             <a:r>
-              <a:rPr kumimoji="1" lang="ko-KR" altLang="en-US" smtClean="0"/>
+              <a:rPr kumimoji="1" lang="ko-KR" altLang="en-US"/>
               <a:t>세 번째 수준</a:t>
             </a:r>
           </a:p>
           <a:p>
             <a:pPr lvl="3"/>
             <a:r>
-              <a:rPr kumimoji="1" lang="ko-KR" altLang="en-US" smtClean="0"/>
+              <a:rPr kumimoji="1" lang="ko-KR" altLang="en-US"/>
               <a:t>네 번째 수준</a:t>
             </a:r>
           </a:p>
           <a:p>
             <a:pPr lvl="4"/>
             <a:r>
-              <a:rPr kumimoji="1" lang="ko-KR" altLang="en-US" smtClean="0"/>
+              <a:rPr kumimoji="1" lang="ko-KR" altLang="en-US"/>
               <a:t>다섯 번째 수준</a:t>
             </a:r>
-            <a:endParaRPr kumimoji="1" lang="ko-KR" altLang="en-US"/>
           </a:p>
         </p:txBody>
       </p:sp>
@@ -2919,7 +2897,7 @@
           <a:p>
             <a:fld id="{BEF40D4A-EFF6-0849-AFD9-F7808A588F67}" type="datetimeFigureOut">
               <a:rPr kumimoji="1" lang="ko-KR" altLang="en-US" smtClean="0"/>
-              <a:t>2018. 1. 21.</a:t>
+              <a:t>2018. 3. 20.</a:t>
             </a:fld>
             <a:endParaRPr kumimoji="1" lang="ko-KR" altLang="en-US"/>
           </a:p>
@@ -3350,16 +3328,22 @@
       </p:pic>
       <p:grpSp>
         <p:nvGrpSpPr>
-          <p:cNvPr id="29" name="그룹 28"/>
+          <p:cNvPr id="2" name="그룹 1">
+            <a:extLst>
+              <a:ext uri="{FF2B5EF4-FFF2-40B4-BE49-F238E27FC236}">
+                <a16:creationId xmlns:a16="http://schemas.microsoft.com/office/drawing/2014/main" id="{90E4CD0F-2B2A-7743-8A69-7EC5B41C5FB6}"/>
+              </a:ext>
+            </a:extLst>
+          </p:cNvPr>
           <p:cNvGrpSpPr/>
           <p:nvPr/>
         </p:nvGrpSpPr>
         <p:grpSpPr>
           <a:xfrm>
             <a:off x="197489" y="106016"/>
-            <a:ext cx="9052529" cy="7779027"/>
+            <a:ext cx="9052529" cy="7418411"/>
             <a:chOff x="197489" y="106016"/>
-            <a:chExt cx="9052529" cy="7779027"/>
+            <a:chExt cx="9052529" cy="7418411"/>
           </a:xfrm>
         </p:grpSpPr>
         <p:sp>
@@ -3371,7 +3355,7 @@
           <p:spPr>
             <a:xfrm>
               <a:off x="197489" y="106016"/>
-              <a:ext cx="9052529" cy="7779027"/>
+              <a:ext cx="9052529" cy="7418411"/>
             </a:xfrm>
             <a:prstGeom prst="rect">
               <a:avLst/>
@@ -3431,7 +3415,7 @@
             <a:lstStyle/>
             <a:p>
               <a:r>
-                <a:rPr kumimoji="1" lang="en-US" altLang="ko-KR" sz="1600" dirty="0" smtClean="0">
+                <a:rPr kumimoji="1" lang="en-US" altLang="ko-KR" sz="1600" dirty="0">
                   <a:solidFill>
                     <a:srgbClr val="C00000"/>
                   </a:solidFill>
@@ -3442,7 +3426,7 @@
                 <a:t>Option 1 (default).  </a:t>
               </a:r>
               <a:r>
-                <a:rPr kumimoji="1" lang="en-US" altLang="ko-KR" sz="1600" b="1" dirty="0" smtClean="0">
+                <a:rPr kumimoji="1" lang="en-US" altLang="ko-KR" sz="1600" b="1" dirty="0">
                   <a:solidFill>
                     <a:srgbClr val="C00000"/>
                   </a:solidFill>
@@ -3549,7 +3533,7 @@
               <a:lstStyle/>
               <a:p>
                 <a:r>
-                  <a:rPr kumimoji="1" lang="en-US" altLang="ko-KR" sz="1200" b="1" dirty="0" smtClean="0">
+                  <a:rPr kumimoji="1" lang="en-US" altLang="ko-KR" sz="1200" b="1" dirty="0">
                     <a:solidFill>
                       <a:srgbClr val="0070C0"/>
                     </a:solidFill>
@@ -3562,7 +3546,7 @@
               </a:p>
               <a:p>
                 <a:r>
-                  <a:rPr kumimoji="1" lang="en-US" altLang="ko-KR" sz="1200" dirty="0" smtClean="0">
+                  <a:rPr kumimoji="1" lang="en-US" altLang="ko-KR" sz="1200" dirty="0">
                     <a:solidFill>
                       <a:srgbClr val="0070C0"/>
                     </a:solidFill>
@@ -3574,7 +3558,7 @@
                 </a:r>
               </a:p>
               <a:p>
-                <a:endParaRPr kumimoji="1" lang="en-US" altLang="ko-KR" sz="800" dirty="0" smtClean="0">
+                <a:endParaRPr kumimoji="1" lang="en-US" altLang="ko-KR" sz="800" dirty="0">
                   <a:latin typeface="PT Sans Narrow" charset="-52"/>
                   <a:ea typeface="PT Sans Narrow" charset="-52"/>
                   <a:cs typeface="PT Sans Narrow" charset="-52"/>
@@ -3591,15 +3575,7 @@
                     <a:ea typeface="PT Sans Narrow" charset="-52"/>
                     <a:cs typeface="PT Sans Narrow" charset="-52"/>
                   </a:rPr>
-                  <a:t>a</a:t>
-                </a:r>
-                <a:r>
-                  <a:rPr kumimoji="1" lang="en-US" altLang="ko-KR" sz="1200" dirty="0" smtClean="0">
-                    <a:latin typeface="PT Sans Narrow" charset="-52"/>
-                    <a:ea typeface="PT Sans Narrow" charset="-52"/>
-                    <a:cs typeface="PT Sans Narrow" charset="-52"/>
-                  </a:rPr>
-                  <a:t>1: make directory</a:t>
+                  <a:t>a1: make directory</a:t>
                 </a:r>
               </a:p>
               <a:p>
@@ -3613,15 +3589,7 @@
                     <a:ea typeface="PT Sans Narrow" charset="-52"/>
                     <a:cs typeface="PT Sans Narrow" charset="-52"/>
                   </a:rPr>
-                  <a:t>a</a:t>
-                </a:r>
-                <a:r>
-                  <a:rPr kumimoji="1" lang="en-US" altLang="ko-KR" sz="1200" dirty="0" smtClean="0">
-                    <a:latin typeface="PT Sans Narrow" charset="-52"/>
-                    <a:ea typeface="PT Sans Narrow" charset="-52"/>
-                    <a:cs typeface="PT Sans Narrow" charset="-52"/>
-                  </a:rPr>
-                  <a:t>2: Structural</a:t>
+                  <a:t>a2: Structural</a:t>
                 </a:r>
               </a:p>
               <a:p>
@@ -3635,15 +3603,7 @@
                     <a:ea typeface="PT Sans Narrow" charset="-52"/>
                     <a:cs typeface="PT Sans Narrow" charset="-52"/>
                   </a:rPr>
-                  <a:t>a</a:t>
-                </a:r>
-                <a:r>
-                  <a:rPr kumimoji="1" lang="en-US" altLang="ko-KR" sz="1200" dirty="0" smtClean="0">
-                    <a:latin typeface="PT Sans Narrow" charset="-52"/>
-                    <a:ea typeface="PT Sans Narrow" charset="-52"/>
-                    <a:cs typeface="PT Sans Narrow" charset="-52"/>
-                  </a:rPr>
-                  <a:t>3: Functional</a:t>
+                  <a:t>a3: Functional</a:t>
                 </a:r>
               </a:p>
               <a:p>
@@ -3657,25 +3617,17 @@
                     <a:ea typeface="PT Sans Narrow" charset="-52"/>
                     <a:cs typeface="PT Sans Narrow" charset="-52"/>
                   </a:rPr>
-                  <a:t>a</a:t>
-                </a:r>
-                <a:r>
-                  <a:rPr kumimoji="1" lang="en-US" altLang="ko-KR" sz="1200" dirty="0" smtClean="0">
-                    <a:latin typeface="PT Sans Narrow" charset="-52"/>
-                    <a:ea typeface="PT Sans Narrow" charset="-52"/>
-                    <a:cs typeface="PT Sans Narrow" charset="-52"/>
-                  </a:rPr>
-                  <a:t>4: </a:t>
-                </a:r>
-                <a:r>
-                  <a:rPr kumimoji="1" lang="en-US" altLang="ko-KR" sz="1200" dirty="0" err="1" smtClean="0">
+                  <a:t>a4: </a:t>
+                </a:r>
+                <a:r>
+                  <a:rPr kumimoji="1" lang="en-US" altLang="ko-KR" sz="1200" dirty="0" err="1">
                     <a:latin typeface="PT Sans Narrow" charset="-52"/>
                     <a:ea typeface="PT Sans Narrow" charset="-52"/>
                     <a:cs typeface="PT Sans Narrow" charset="-52"/>
                   </a:rPr>
                   <a:t>Fieldmap</a:t>
                 </a:r>
-                <a:endParaRPr kumimoji="1" lang="en-US" altLang="ko-KR" sz="1200" dirty="0" smtClean="0">
+                <a:endParaRPr kumimoji="1" lang="en-US" altLang="ko-KR" sz="1200" dirty="0">
                   <a:latin typeface="PT Sans Narrow" charset="-52"/>
                   <a:ea typeface="PT Sans Narrow" charset="-52"/>
                   <a:cs typeface="PT Sans Narrow" charset="-52"/>
@@ -3716,7 +3668,7 @@
               <a:p>
                 <a:pPr algn="ctr"/>
                 <a:r>
-                  <a:rPr kumimoji="1" lang="en-US" altLang="ko-KR" sz="1200" b="1" dirty="0" smtClean="0">
+                  <a:rPr kumimoji="1" lang="en-US" altLang="ko-KR" sz="1200" b="1" dirty="0">
                     <a:latin typeface="PT Sans Narrow" charset="-52"/>
                     <a:ea typeface="PT Sans Narrow" charset="-52"/>
                     <a:cs typeface="PT Sans Narrow" charset="-52"/>
@@ -3736,9 +3688,9 @@
           <p:grpSpPr>
             <a:xfrm>
               <a:off x="2263498" y="664935"/>
-              <a:ext cx="3165528" cy="3852201"/>
+              <a:ext cx="3165528" cy="3494228"/>
               <a:chOff x="393192" y="664935"/>
-              <a:chExt cx="3165528" cy="3852201"/>
+              <a:chExt cx="3165528" cy="3494228"/>
             </a:xfrm>
           </p:grpSpPr>
           <p:sp>
@@ -3750,7 +3702,7 @@
             <p:spPr>
               <a:xfrm>
                 <a:off x="393192" y="795528"/>
-                <a:ext cx="3165528" cy="3721608"/>
+                <a:ext cx="3165528" cy="3363635"/>
               </a:xfrm>
               <a:prstGeom prst="rect">
                 <a:avLst/>
@@ -3799,7 +3751,7 @@
             <p:spPr>
               <a:xfrm>
                 <a:off x="509599" y="998691"/>
-                <a:ext cx="2914426" cy="3416320"/>
+                <a:ext cx="2914426" cy="3046988"/>
               </a:xfrm>
               <a:prstGeom prst="rect">
                 <a:avLst/>
@@ -3813,7 +3765,7 @@
               <a:lstStyle/>
               <a:p>
                 <a:r>
-                  <a:rPr kumimoji="1" lang="en-US" altLang="ko-KR" sz="1200" b="1" dirty="0" smtClean="0">
+                  <a:rPr kumimoji="1" lang="en-US" altLang="ko-KR" sz="1200" b="1" dirty="0">
                     <a:solidFill>
                       <a:srgbClr val="0070C0"/>
                     </a:solidFill>
@@ -3826,7 +3778,7 @@
               </a:p>
               <a:p>
                 <a:r>
-                  <a:rPr kumimoji="1" lang="en-US" altLang="ko-KR" sz="1200" dirty="0" smtClean="0">
+                  <a:rPr kumimoji="1" lang="en-US" altLang="ko-KR" sz="1200" dirty="0">
                     <a:solidFill>
                       <a:srgbClr val="0070C0"/>
                     </a:solidFill>
@@ -3834,7 +3786,7 @@
                     <a:ea typeface="PT Sans Narrow" charset="-52"/>
                     <a:cs typeface="PT Sans Narrow" charset="-52"/>
                   </a:rPr>
-                  <a:t>Distortion correction and QC (outlier detection)</a:t>
+                  <a:t>QC (outlier detection)</a:t>
                 </a:r>
               </a:p>
               <a:p>
@@ -3846,7 +3798,7 @@
               </a:p>
               <a:p>
                 <a:r>
-                  <a:rPr kumimoji="1" lang="en-US" altLang="ko-KR" sz="1200" b="1" dirty="0" smtClean="0">
+                  <a:rPr kumimoji="1" lang="en-US" altLang="ko-KR" sz="1200" b="1" dirty="0">
                     <a:latin typeface="PT Sans Narrow" charset="-52"/>
                     <a:ea typeface="PT Sans Narrow" charset="-52"/>
                     <a:cs typeface="PT Sans Narrow" charset="-52"/>
@@ -3854,21 +3806,21 @@
                   <a:t>b1: </a:t>
                 </a:r>
                 <a:r>
-                  <a:rPr kumimoji="1" lang="en-US" altLang="ko-KR" sz="1200" dirty="0" smtClean="0">
+                  <a:rPr kumimoji="1" lang="en-US" altLang="ko-KR" sz="1200" dirty="0">
                     <a:latin typeface="PT Sans Narrow" charset="-52"/>
                     <a:ea typeface="PT Sans Narrow" charset="-52"/>
                     <a:cs typeface="PT Sans Narrow" charset="-52"/>
                   </a:rPr>
                   <a:t>Make directories</a:t>
                 </a:r>
-                <a:endParaRPr kumimoji="1" lang="ko-KR" altLang="en-US" sz="1200" dirty="0" smtClean="0">
+                <a:endParaRPr kumimoji="1" lang="ko-KR" altLang="en-US" sz="1200" dirty="0">
                   <a:latin typeface="PT Sans Narrow" charset="-52"/>
                   <a:ea typeface="PT Sans Narrow" charset="-52"/>
                   <a:cs typeface="PT Sans Narrow" charset="-52"/>
                 </a:endParaRPr>
               </a:p>
               <a:p>
-                <a:endParaRPr kumimoji="1" lang="en-US" altLang="ko-KR" sz="1200" b="1" dirty="0" smtClean="0">
+                <a:endParaRPr kumimoji="1" lang="en-US" altLang="ko-KR" sz="1200" dirty="0">
                   <a:latin typeface="PT Sans Narrow" charset="-52"/>
                   <a:ea typeface="PT Sans Narrow" charset="-52"/>
                   <a:cs typeface="PT Sans Narrow" charset="-52"/>
@@ -3876,36 +3828,88 @@
               </a:p>
               <a:p>
                 <a:r>
-                  <a:rPr kumimoji="1" lang="en-US" altLang="ko-KR" sz="1200" b="1" dirty="0" smtClean="0">
-                    <a:latin typeface="PT Sans Narrow" charset="-52"/>
-                    <a:ea typeface="PT Sans Narrow" charset="-52"/>
-                    <a:cs typeface="PT Sans Narrow" charset="-52"/>
-                  </a:rPr>
-                  <a:t>b2: </a:t>
-                </a:r>
-                <a:r>
-                  <a:rPr kumimoji="1" lang="en-US" altLang="ko-KR" sz="1200" dirty="0" smtClean="0">
-                    <a:latin typeface="PT Sans Narrow" charset="-52"/>
-                    <a:ea typeface="PT Sans Narrow" charset="-52"/>
-                    <a:cs typeface="PT Sans Narrow" charset="-52"/>
-                  </a:rPr>
-                  <a:t>distortion correction (using FSL’s </a:t>
-                </a:r>
-                <a:r>
-                  <a:rPr kumimoji="1" lang="en-US" altLang="ko-KR" sz="1200" dirty="0" err="1" smtClean="0">
-                    <a:latin typeface="PT Sans Narrow" charset="-52"/>
-                    <a:ea typeface="PT Sans Narrow" charset="-52"/>
-                    <a:cs typeface="PT Sans Narrow" charset="-52"/>
-                  </a:rPr>
-                  <a:t>topup</a:t>
-                </a:r>
-                <a:r>
-                  <a:rPr kumimoji="1" lang="en-US" altLang="ko-KR" sz="1200" dirty="0" smtClean="0">
-                    <a:latin typeface="PT Sans Narrow" charset="-52"/>
-                    <a:ea typeface="PT Sans Narrow" charset="-52"/>
-                    <a:cs typeface="PT Sans Narrow" charset="-52"/>
-                  </a:rPr>
-                  <a:t>)</a:t>
+                  <a:rPr kumimoji="1" lang="en-US" altLang="ko-KR" sz="1200" b="1" dirty="0">
+                    <a:latin typeface="PT Sans Narrow" charset="-52"/>
+                    <a:ea typeface="PT Sans Narrow" charset="-52"/>
+                    <a:cs typeface="PT Sans Narrow" charset="-52"/>
+                  </a:rPr>
+                  <a:t>b2: implicit mask and mean images</a:t>
+                </a:r>
+              </a:p>
+              <a:p>
+                <a:pPr marL="180975" lvl="1" indent="-173038">
+                  <a:buFont typeface="Arial" charset="0"/>
+                  <a:buChar char="•"/>
+                </a:pPr>
+                <a:r>
+                  <a:rPr kumimoji="1" lang="en-US" altLang="ko-KR" sz="1200" dirty="0">
+                    <a:latin typeface="PT Sans Narrow" charset="-52"/>
+                    <a:ea typeface="PT Sans Narrow" charset="-52"/>
+                    <a:cs typeface="PT Sans Narrow" charset="-52"/>
+                  </a:rPr>
+                  <a:t>create an implicit mask image</a:t>
+                </a:r>
+              </a:p>
+              <a:p>
+                <a:pPr marL="180975" lvl="1" indent="-173038">
+                  <a:buFont typeface="Arial" charset="0"/>
+                  <a:buChar char="•"/>
+                </a:pPr>
+                <a:r>
+                  <a:rPr kumimoji="1" lang="en-US" altLang="ko-KR" sz="1200" dirty="0">
+                    <a:latin typeface="PT Sans Narrow" charset="-52"/>
+                    <a:ea typeface="PT Sans Narrow" charset="-52"/>
+                    <a:cs typeface="PT Sans Narrow" charset="-52"/>
+                  </a:rPr>
+                  <a:t>save mean images and </a:t>
+                </a:r>
+                <a:r>
+                  <a:rPr kumimoji="1" lang="en-US" altLang="ko-KR" sz="1200" dirty="0" err="1">
+                    <a:latin typeface="PT Sans Narrow" charset="-52"/>
+                    <a:ea typeface="PT Sans Narrow" charset="-52"/>
+                    <a:cs typeface="PT Sans Narrow" charset="-52"/>
+                  </a:rPr>
+                  <a:t>SBRef</a:t>
+                </a:r>
+                <a:r>
+                  <a:rPr kumimoji="1" lang="en-US" altLang="ko-KR" sz="1200" dirty="0">
+                    <a:latin typeface="PT Sans Narrow" charset="-52"/>
+                    <a:ea typeface="PT Sans Narrow" charset="-52"/>
+                    <a:cs typeface="PT Sans Narrow" charset="-52"/>
+                  </a:rPr>
+                  <a:t> (before </a:t>
+                </a:r>
+                <a:r>
+                  <a:rPr kumimoji="1" lang="en-US" altLang="ko-KR" sz="1200" dirty="0" err="1">
+                    <a:latin typeface="PT Sans Narrow" charset="-52"/>
+                    <a:ea typeface="PT Sans Narrow" charset="-52"/>
+                    <a:cs typeface="PT Sans Narrow" charset="-52"/>
+                  </a:rPr>
+                  <a:t>preproc</a:t>
+                </a:r>
+                <a:r>
+                  <a:rPr kumimoji="1" lang="en-US" altLang="ko-KR" sz="1200" dirty="0">
+                    <a:latin typeface="PT Sans Narrow" charset="-52"/>
+                    <a:ea typeface="PT Sans Narrow" charset="-52"/>
+                    <a:cs typeface="PT Sans Narrow" charset="-52"/>
+                  </a:rPr>
+                  <a:t>) as </a:t>
+                </a:r>
+                <a:r>
+                  <a:rPr kumimoji="1" lang="en-US" altLang="ko-KR" sz="1200" dirty="0" err="1">
+                    <a:latin typeface="PT Sans Narrow" charset="-52"/>
+                    <a:ea typeface="PT Sans Narrow" charset="-52"/>
+                    <a:cs typeface="PT Sans Narrow" charset="-52"/>
+                  </a:rPr>
+                  <a:t>png</a:t>
+                </a:r>
+                <a:r>
+                  <a:rPr kumimoji="1" lang="en-US" altLang="ko-KR" sz="1200" dirty="0">
+                    <a:latin typeface="PT Sans Narrow" charset="-52"/>
+                    <a:ea typeface="PT Sans Narrow" charset="-52"/>
+                    <a:cs typeface="PT Sans Narrow" charset="-52"/>
+                  </a:rPr>
+                  <a:t> in qc directories</a:t>
                 </a:r>
               </a:p>
               <a:p>
@@ -3913,7 +3917,7 @@
                   <a:buFont typeface="Arial" charset="0"/>
                   <a:buChar char="•"/>
                 </a:pPr>
-                <a:endParaRPr kumimoji="1" lang="en-US" altLang="ko-KR" sz="1200" dirty="0" smtClean="0">
+                <a:endParaRPr kumimoji="1" lang="en-US" altLang="ko-KR" sz="1200" dirty="0">
                   <a:latin typeface="PT Sans Narrow" charset="-52"/>
                   <a:ea typeface="PT Sans Narrow" charset="-52"/>
                   <a:cs typeface="PT Sans Narrow" charset="-52"/>
@@ -3921,12 +3925,12 @@
               </a:p>
               <a:p>
                 <a:r>
-                  <a:rPr kumimoji="1" lang="en-US" altLang="ko-KR" sz="1200" b="1" dirty="0" smtClean="0">
-                    <a:latin typeface="PT Sans Narrow" charset="-52"/>
-                    <a:ea typeface="PT Sans Narrow" charset="-52"/>
-                    <a:cs typeface="PT Sans Narrow" charset="-52"/>
-                  </a:rPr>
-                  <a:t>b3: implicit mask and mean images</a:t>
+                  <a:rPr kumimoji="1" lang="en-US" altLang="ko-KR" sz="1200" b="1" dirty="0">
+                    <a:latin typeface="PT Sans Narrow" charset="-52"/>
+                    <a:ea typeface="PT Sans Narrow" charset="-52"/>
+                    <a:cs typeface="PT Sans Narrow" charset="-52"/>
+                  </a:rPr>
+                  <a:t>b3: outlier detection</a:t>
                 </a:r>
               </a:p>
               <a:p>
@@ -3935,120 +3939,15 @@
                   <a:buChar char="•"/>
                 </a:pPr>
                 <a:r>
-                  <a:rPr kumimoji="1" lang="en-US" altLang="ko-KR" sz="1200" dirty="0" smtClean="0">
-                    <a:latin typeface="PT Sans Narrow" charset="-52"/>
-                    <a:ea typeface="PT Sans Narrow" charset="-52"/>
-                    <a:cs typeface="PT Sans Narrow" charset="-52"/>
-                  </a:rPr>
-                  <a:t>create an implicit mask image</a:t>
-                </a:r>
-              </a:p>
-              <a:p>
-                <a:pPr marL="180975" lvl="1" indent="-173038">
-                  <a:buFont typeface="Arial" charset="0"/>
-                  <a:buChar char="•"/>
-                </a:pPr>
-                <a:r>
-                  <a:rPr kumimoji="1" lang="en-US" altLang="ko-KR" sz="1200" dirty="0" smtClean="0">
-                    <a:latin typeface="PT Sans Narrow" charset="-52"/>
-                    <a:ea typeface="PT Sans Narrow" charset="-52"/>
-                    <a:cs typeface="PT Sans Narrow" charset="-52"/>
-                  </a:rPr>
-                  <a:t>save mean images and </a:t>
-                </a:r>
-                <a:r>
-                  <a:rPr kumimoji="1" lang="en-US" altLang="ko-KR" sz="1200" dirty="0" err="1" smtClean="0">
-                    <a:latin typeface="PT Sans Narrow" charset="-52"/>
-                    <a:ea typeface="PT Sans Narrow" charset="-52"/>
-                    <a:cs typeface="PT Sans Narrow" charset="-52"/>
-                  </a:rPr>
-                  <a:t>SBRef</a:t>
-                </a:r>
-                <a:r>
-                  <a:rPr kumimoji="1" lang="en-US" altLang="ko-KR" sz="1200" dirty="0" smtClean="0">
-                    <a:latin typeface="PT Sans Narrow" charset="-52"/>
-                    <a:ea typeface="PT Sans Narrow" charset="-52"/>
-                    <a:cs typeface="PT Sans Narrow" charset="-52"/>
-                  </a:rPr>
-                  <a:t> (before </a:t>
-                </a:r>
-                <a:r>
-                  <a:rPr kumimoji="1" lang="en-US" altLang="ko-KR" sz="1200" dirty="0" err="1" smtClean="0">
-                    <a:latin typeface="PT Sans Narrow" charset="-52"/>
-                    <a:ea typeface="PT Sans Narrow" charset="-52"/>
-                    <a:cs typeface="PT Sans Narrow" charset="-52"/>
-                  </a:rPr>
-                  <a:t>preproc</a:t>
-                </a:r>
-                <a:r>
-                  <a:rPr kumimoji="1" lang="en-US" altLang="ko-KR" sz="1200" dirty="0" smtClean="0">
-                    <a:latin typeface="PT Sans Narrow" charset="-52"/>
-                    <a:ea typeface="PT Sans Narrow" charset="-52"/>
-                    <a:cs typeface="PT Sans Narrow" charset="-52"/>
-                  </a:rPr>
-                  <a:t>) as </a:t>
-                </a:r>
-                <a:r>
-                  <a:rPr kumimoji="1" lang="en-US" altLang="ko-KR" sz="1200" dirty="0" err="1" smtClean="0">
-                    <a:latin typeface="PT Sans Narrow" charset="-52"/>
-                    <a:ea typeface="PT Sans Narrow" charset="-52"/>
-                    <a:cs typeface="PT Sans Narrow" charset="-52"/>
-                  </a:rPr>
-                  <a:t>png</a:t>
-                </a:r>
-                <a:r>
-                  <a:rPr kumimoji="1" lang="en-US" altLang="ko-KR" sz="1200" dirty="0" smtClean="0">
-                    <a:latin typeface="PT Sans Narrow" charset="-52"/>
-                    <a:ea typeface="PT Sans Narrow" charset="-52"/>
-                    <a:cs typeface="PT Sans Narrow" charset="-52"/>
-                  </a:rPr>
-                  <a:t> in qc directories</a:t>
-                </a:r>
-              </a:p>
-              <a:p>
-                <a:pPr marL="171450" indent="-171450">
-                  <a:buFont typeface="Arial" charset="0"/>
-                  <a:buChar char="•"/>
-                </a:pPr>
-                <a:endParaRPr kumimoji="1" lang="en-US" altLang="ko-KR" sz="1200" dirty="0" smtClean="0">
-                  <a:latin typeface="PT Sans Narrow" charset="-52"/>
-                  <a:ea typeface="PT Sans Narrow" charset="-52"/>
-                  <a:cs typeface="PT Sans Narrow" charset="-52"/>
-                </a:endParaRPr>
-              </a:p>
-              <a:p>
-                <a:r>
-                  <a:rPr kumimoji="1" lang="en-US" altLang="ko-KR" sz="1200" b="1" dirty="0" smtClean="0">
-                    <a:latin typeface="PT Sans Narrow" charset="-52"/>
-                    <a:ea typeface="PT Sans Narrow" charset="-52"/>
-                    <a:cs typeface="PT Sans Narrow" charset="-52"/>
-                  </a:rPr>
-                  <a:t>b4: outlier detection</a:t>
-                </a:r>
-              </a:p>
-              <a:p>
-                <a:pPr marL="180975" lvl="1" indent="-173038">
-                  <a:buFont typeface="Arial" charset="0"/>
-                  <a:buChar char="•"/>
-                </a:pPr>
-                <a:r>
                   <a:rPr kumimoji="1" lang="en-US" altLang="ko-KR" sz="1200" dirty="0">
                     <a:latin typeface="PT Sans Narrow" charset="-52"/>
                     <a:ea typeface="PT Sans Narrow" charset="-52"/>
                     <a:cs typeface="PT Sans Narrow" charset="-52"/>
                   </a:rPr>
-                  <a:t>o</a:t>
-                </a:r>
-                <a:r>
-                  <a:rPr kumimoji="1" lang="en-US" altLang="ko-KR" sz="1200" dirty="0" smtClean="0">
-                    <a:latin typeface="PT Sans Narrow" charset="-52"/>
-                    <a:ea typeface="PT Sans Narrow" charset="-52"/>
-                    <a:cs typeface="PT Sans Narrow" charset="-52"/>
-                  </a:rPr>
-                  <a:t>utlier detection based on 1) </a:t>
-                </a:r>
-                <a:r>
-                  <a:rPr kumimoji="1" lang="en-US" altLang="ko-KR" sz="1200" dirty="0" err="1" smtClean="0">
+                  <a:t>outlier detection based on 1) </a:t>
+                </a:r>
+                <a:r>
+                  <a:rPr kumimoji="1" lang="en-US" altLang="ko-KR" sz="1200" dirty="0" err="1">
                     <a:latin typeface="PT Sans Narrow" charset="-52"/>
                     <a:ea typeface="PT Sans Narrow" charset="-52"/>
                     <a:cs typeface="PT Sans Narrow" charset="-52"/>
@@ -4056,7 +3955,7 @@
                   <a:t>mahalanobis</a:t>
                 </a:r>
                 <a:r>
-                  <a:rPr kumimoji="1" lang="en-US" altLang="ko-KR" sz="1200" dirty="0" smtClean="0">
+                  <a:rPr kumimoji="1" lang="en-US" altLang="ko-KR" sz="1200" dirty="0">
                     <a:latin typeface="PT Sans Narrow" charset="-52"/>
                     <a:ea typeface="PT Sans Narrow" charset="-52"/>
                     <a:cs typeface="PT Sans Narrow" charset="-52"/>
@@ -4064,7 +3963,7 @@
                   <a:t> distance across global mean for slices and spatial STD for slices, as in </a:t>
                 </a:r>
                 <a:r>
-                  <a:rPr kumimoji="1" lang="en-US" altLang="ko-KR" sz="1200" dirty="0" err="1" smtClean="0">
+                  <a:rPr kumimoji="1" lang="en-US" altLang="ko-KR" sz="1200" dirty="0" err="1">
                     <a:latin typeface="PT Sans Narrow" charset="-52"/>
                     <a:ea typeface="PT Sans Narrow" charset="-52"/>
                     <a:cs typeface="PT Sans Narrow" charset="-52"/>
@@ -4072,7 +3971,7 @@
                   <a:t>scn_session_spike_id.m</a:t>
                 </a:r>
                 <a:r>
-                  <a:rPr kumimoji="1" lang="en-US" altLang="ko-KR" sz="1200" dirty="0" smtClean="0">
+                  <a:rPr kumimoji="1" lang="en-US" altLang="ko-KR" sz="1200" dirty="0">
                     <a:latin typeface="PT Sans Narrow" charset="-52"/>
                     <a:ea typeface="PT Sans Narrow" charset="-52"/>
                     <a:cs typeface="PT Sans Narrow" charset="-52"/>
@@ -4090,8 +3989,8 @@
             </p:nvSpPr>
             <p:spPr>
               <a:xfrm>
-                <a:off x="601546" y="664935"/>
-                <a:ext cx="1101199" cy="276999"/>
+                <a:off x="620782" y="664935"/>
+                <a:ext cx="1062728" cy="276999"/>
               </a:xfrm>
               <a:prstGeom prst="rect">
                 <a:avLst/>
@@ -4108,12 +4007,12 @@
               <a:p>
                 <a:pPr algn="ctr"/>
                 <a:r>
-                  <a:rPr kumimoji="1" lang="en-US" altLang="ko-KR" sz="1200" b="1" dirty="0" smtClean="0">
-                    <a:latin typeface="PT Sans Narrow" charset="-52"/>
-                    <a:ea typeface="PT Sans Narrow" charset="-52"/>
-                    <a:cs typeface="PT Sans Narrow" charset="-52"/>
-                  </a:rPr>
-                  <a:t>PART 2 (b1-b4) </a:t>
+                  <a:rPr kumimoji="1" lang="en-US" altLang="ko-KR" sz="1200" b="1" dirty="0">
+                    <a:latin typeface="PT Sans Narrow" charset="-52"/>
+                    <a:ea typeface="PT Sans Narrow" charset="-52"/>
+                    <a:cs typeface="PT Sans Narrow" charset="-52"/>
+                  </a:rPr>
+                  <a:t>PART 2 (b1-b3) </a:t>
                 </a:r>
               </a:p>
             </p:txBody>
@@ -4127,10 +4026,10 @@
           </p:nvGrpSpPr>
           <p:grpSpPr>
             <a:xfrm>
-              <a:off x="2263498" y="4894794"/>
-              <a:ext cx="3165528" cy="2764065"/>
+              <a:off x="2263498" y="4297894"/>
+              <a:ext cx="3165528" cy="3061755"/>
               <a:chOff x="393192" y="664935"/>
-              <a:chExt cx="3165528" cy="2764065"/>
+              <a:chExt cx="3165528" cy="3061755"/>
             </a:xfrm>
           </p:grpSpPr>
           <p:sp>
@@ -4141,8 +4040,8 @@
             </p:nvSpPr>
             <p:spPr>
               <a:xfrm>
-                <a:off x="393192" y="795528"/>
-                <a:ext cx="3165528" cy="2633472"/>
+                <a:off x="393192" y="795527"/>
+                <a:ext cx="3165528" cy="2931163"/>
               </a:xfrm>
               <a:prstGeom prst="rect">
                 <a:avLst/>
@@ -4191,7 +4090,7 @@
             <p:spPr>
               <a:xfrm>
                 <a:off x="509599" y="998691"/>
-                <a:ext cx="2914426" cy="2308324"/>
+                <a:ext cx="2914426" cy="2677656"/>
               </a:xfrm>
               <a:prstGeom prst="rect">
                 <a:avLst/>
@@ -4205,7 +4104,7 @@
               <a:lstStyle/>
               <a:p>
                 <a:r>
-                  <a:rPr kumimoji="1" lang="en-US" altLang="ko-KR" sz="1200" b="1" dirty="0" smtClean="0">
+                  <a:rPr kumimoji="1" lang="en-US" altLang="ko-KR" sz="1200" b="1" dirty="0">
                     <a:solidFill>
                       <a:srgbClr val="0070C0"/>
                     </a:solidFill>
@@ -4218,7 +4117,7 @@
               </a:p>
               <a:p>
                 <a:r>
-                  <a:rPr kumimoji="1" lang="en-US" altLang="ko-KR" sz="1200" dirty="0" smtClean="0">
+                  <a:rPr kumimoji="1" lang="en-US" altLang="ko-KR" sz="1200" dirty="0">
                     <a:solidFill>
                       <a:srgbClr val="0070C0"/>
                     </a:solidFill>
@@ -4226,7 +4125,7 @@
                     <a:ea typeface="PT Sans Narrow" charset="-52"/>
                     <a:cs typeface="PT Sans Narrow" charset="-52"/>
                   </a:rPr>
-                  <a:t>Slice timing and motion correction</a:t>
+                  <a:t>Slice timing, motion, distortion correction</a:t>
                 </a:r>
               </a:p>
               <a:p>
@@ -4238,15 +4137,15 @@
               </a:p>
               <a:p>
                 <a:r>
-                  <a:rPr kumimoji="1" lang="en-US" altLang="ko-KR" sz="1200" b="1" dirty="0" smtClean="0">
-                    <a:latin typeface="PT Sans Narrow" charset="-52"/>
-                    <a:ea typeface="PT Sans Narrow" charset="-52"/>
-                    <a:cs typeface="PT Sans Narrow" charset="-52"/>
-                  </a:rPr>
-                  <a:t>b5: slice timing correction</a:t>
-                </a:r>
-                <a:r>
-                  <a:rPr kumimoji="1" lang="en-US" altLang="ko-KR" sz="1200" dirty="0" smtClean="0">
+                  <a:rPr kumimoji="1" lang="en-US" altLang="ko-KR" sz="1200" b="1" dirty="0">
+                    <a:latin typeface="PT Sans Narrow" charset="-52"/>
+                    <a:ea typeface="PT Sans Narrow" charset="-52"/>
+                    <a:cs typeface="PT Sans Narrow" charset="-52"/>
+                  </a:rPr>
+                  <a:t>b4: slice timing correction</a:t>
+                </a:r>
+                <a:r>
+                  <a:rPr kumimoji="1" lang="en-US" altLang="ko-KR" sz="1200" dirty="0">
                     <a:latin typeface="PT Sans Narrow" charset="-52"/>
                     <a:ea typeface="PT Sans Narrow" charset="-52"/>
                     <a:cs typeface="PT Sans Narrow" charset="-52"/>
@@ -4260,7 +4159,7 @@
                   <a:buChar char="•"/>
                 </a:pPr>
                 <a:r>
-                  <a:rPr kumimoji="1" lang="en-US" altLang="ko-KR" sz="1200" dirty="0" smtClean="0">
+                  <a:rPr kumimoji="1" lang="en-US" altLang="ko-KR" sz="1200" dirty="0">
                     <a:latin typeface="PT Sans Narrow" charset="-52"/>
                     <a:ea typeface="PT Sans Narrow" charset="-52"/>
                     <a:cs typeface="PT Sans Narrow" charset="-52"/>
@@ -4274,7 +4173,7 @@
                   <a:buChar char="•"/>
                 </a:pPr>
                 <a:r>
-                  <a:rPr kumimoji="1" lang="en-US" altLang="ko-KR" sz="1200" dirty="0" smtClean="0">
+                  <a:rPr kumimoji="1" lang="en-US" altLang="ko-KR" sz="1200" dirty="0">
                     <a:latin typeface="PT Sans Narrow" charset="-52"/>
                     <a:ea typeface="PT Sans Narrow" charset="-52"/>
                     <a:cs typeface="PT Sans Narrow" charset="-52"/>
@@ -4282,7 +4181,7 @@
                   <a:t>It reads the actual acquisition timing from </a:t>
                 </a:r>
                 <a:r>
-                  <a:rPr kumimoji="1" lang="en-US" altLang="ko-KR" sz="1200" dirty="0" err="1" smtClean="0">
+                  <a:rPr kumimoji="1" lang="en-US" altLang="ko-KR" sz="1200" dirty="0" err="1">
                     <a:latin typeface="PT Sans Narrow" charset="-52"/>
                     <a:ea typeface="PT Sans Narrow" charset="-52"/>
                     <a:cs typeface="PT Sans Narrow" charset="-52"/>
@@ -4290,21 +4189,21 @@
                   <a:t>dicom</a:t>
                 </a:r>
                 <a:r>
-                  <a:rPr kumimoji="1" lang="en-US" altLang="ko-KR" sz="1200" dirty="0" smtClean="0">
+                  <a:rPr kumimoji="1" lang="en-US" altLang="ko-KR" sz="1200" dirty="0">
                     <a:latin typeface="PT Sans Narrow" charset="-52"/>
                     <a:ea typeface="PT Sans Narrow" charset="-52"/>
                     <a:cs typeface="PT Sans Narrow" charset="-52"/>
                   </a:rPr>
                   <a:t> header.</a:t>
                 </a:r>
-                <a:endParaRPr kumimoji="1" lang="en-US" altLang="ko-KR" sz="1200" b="1" dirty="0" smtClean="0">
+                <a:endParaRPr kumimoji="1" lang="en-US" altLang="ko-KR" sz="1200" b="1" dirty="0">
                   <a:latin typeface="PT Sans Narrow" charset="-52"/>
                   <a:ea typeface="PT Sans Narrow" charset="-52"/>
                   <a:cs typeface="PT Sans Narrow" charset="-52"/>
                 </a:endParaRPr>
               </a:p>
               <a:p>
-                <a:endParaRPr kumimoji="1" lang="en-US" altLang="ko-KR" sz="1200" b="1" dirty="0" smtClean="0">
+                <a:endParaRPr kumimoji="1" lang="en-US" altLang="ko-KR" sz="1200" b="1" dirty="0">
                   <a:latin typeface="PT Sans Narrow" charset="-52"/>
                   <a:ea typeface="PT Sans Narrow" charset="-52"/>
                   <a:cs typeface="PT Sans Narrow" charset="-52"/>
@@ -4312,12 +4211,12 @@
               </a:p>
               <a:p>
                 <a:r>
-                  <a:rPr kumimoji="1" lang="en-US" altLang="ko-KR" sz="1200" b="1" dirty="0" smtClean="0">
-                    <a:latin typeface="PT Sans Narrow" charset="-52"/>
-                    <a:ea typeface="PT Sans Narrow" charset="-52"/>
-                    <a:cs typeface="PT Sans Narrow" charset="-52"/>
-                  </a:rPr>
-                  <a:t>b6: motion correction (realignment)</a:t>
+                  <a:rPr kumimoji="1" lang="en-US" altLang="ko-KR" sz="1200" b="1" dirty="0">
+                    <a:latin typeface="PT Sans Narrow" charset="-52"/>
+                    <a:ea typeface="PT Sans Narrow" charset="-52"/>
+                    <a:cs typeface="PT Sans Narrow" charset="-52"/>
+                  </a:rPr>
+                  <a:t>b5: motion correction (realignment)</a:t>
                 </a:r>
               </a:p>
               <a:p>
@@ -4326,7 +4225,7 @@
                   <a:buChar char="•"/>
                 </a:pPr>
                 <a:r>
-                  <a:rPr kumimoji="1" lang="en-US" altLang="ko-KR" sz="1200" dirty="0" smtClean="0">
+                  <a:rPr kumimoji="1" lang="en-US" altLang="ko-KR" sz="1200" dirty="0">
                     <a:latin typeface="PT Sans Narrow" charset="-52"/>
                     <a:ea typeface="PT Sans Narrow" charset="-52"/>
                     <a:cs typeface="PT Sans Narrow" charset="-52"/>
@@ -4334,7 +4233,7 @@
                   <a:t>It uses the first functional image or </a:t>
                 </a:r>
                 <a:r>
-                  <a:rPr kumimoji="1" lang="en-US" altLang="ko-KR" sz="1200" dirty="0" err="1" smtClean="0">
+                  <a:rPr kumimoji="1" lang="en-US" altLang="ko-KR" sz="1200" dirty="0" err="1">
                     <a:latin typeface="PT Sans Narrow" charset="-52"/>
                     <a:ea typeface="PT Sans Narrow" charset="-52"/>
                     <a:cs typeface="PT Sans Narrow" charset="-52"/>
@@ -4342,7 +4241,7 @@
                   <a:t>SBRef</a:t>
                 </a:r>
                 <a:r>
-                  <a:rPr kumimoji="1" lang="en-US" altLang="ko-KR" sz="1200" dirty="0" smtClean="0">
+                  <a:rPr kumimoji="1" lang="en-US" altLang="ko-KR" sz="1200" dirty="0">
                     <a:latin typeface="PT Sans Narrow" charset="-52"/>
                     <a:ea typeface="PT Sans Narrow" charset="-52"/>
                     <a:cs typeface="PT Sans Narrow" charset="-52"/>
@@ -4356,12 +4255,58 @@
                   <a:buChar char="•"/>
                 </a:pPr>
                 <a:r>
-                  <a:rPr kumimoji="1" lang="en-US" altLang="ko-KR" sz="1200" dirty="0" smtClean="0">
+                  <a:rPr kumimoji="1" lang="en-US" altLang="ko-KR" sz="1200" dirty="0">
                     <a:latin typeface="PT Sans Narrow" charset="-52"/>
                     <a:ea typeface="PT Sans Narrow" charset="-52"/>
                     <a:cs typeface="PT Sans Narrow" charset="-52"/>
                   </a:rPr>
                   <a:t>It saves 6 movement parameters for each run</a:t>
+                </a:r>
+              </a:p>
+              <a:p>
+                <a:pPr marL="171450" lvl="1" indent="-171450">
+                  <a:buFont typeface="Arial" charset="0"/>
+                  <a:buChar char="•"/>
+                </a:pPr>
+                <a:endParaRPr kumimoji="1" lang="en-US" altLang="ko-KR" sz="1200" dirty="0">
+                  <a:latin typeface="PT Sans Narrow" charset="-52"/>
+                  <a:ea typeface="PT Sans Narrow" charset="-52"/>
+                  <a:cs typeface="PT Sans Narrow" charset="-52"/>
+                </a:endParaRPr>
+              </a:p>
+              <a:p>
+                <a:pPr marL="0" lvl="1"/>
+                <a:r>
+                  <a:rPr kumimoji="1" lang="en-US" altLang="ko-KR" sz="1200" b="1" dirty="0">
+                    <a:latin typeface="PT Sans Narrow" charset="-52"/>
+                    <a:ea typeface="PT Sans Narrow" charset="-52"/>
+                    <a:cs typeface="PT Sans Narrow" charset="-52"/>
+                  </a:rPr>
+                  <a:t>b6: distortion correction </a:t>
+                </a:r>
+                <a:r>
+                  <a:rPr kumimoji="1" lang="en-US" altLang="ko-KR" sz="1200" dirty="0">
+                    <a:latin typeface="PT Sans Narrow" charset="-52"/>
+                    <a:ea typeface="PT Sans Narrow" charset="-52"/>
+                    <a:cs typeface="PT Sans Narrow" charset="-52"/>
+                  </a:rPr>
+                  <a:t>(using FSL’s </a:t>
+                </a:r>
+                <a:r>
+                  <a:rPr kumimoji="1" lang="en-US" altLang="ko-KR" sz="1200" dirty="0" err="1">
+                    <a:latin typeface="PT Sans Narrow" charset="-52"/>
+                    <a:ea typeface="PT Sans Narrow" charset="-52"/>
+                    <a:cs typeface="PT Sans Narrow" charset="-52"/>
+                  </a:rPr>
+                  <a:t>topup</a:t>
+                </a:r>
+                <a:r>
+                  <a:rPr kumimoji="1" lang="en-US" altLang="ko-KR" sz="1200" dirty="0">
+                    <a:latin typeface="PT Sans Narrow" charset="-52"/>
+                    <a:ea typeface="PT Sans Narrow" charset="-52"/>
+                    <a:cs typeface="PT Sans Narrow" charset="-52"/>
+                  </a:rPr>
+                  <a:t>)</a:t>
                 </a:r>
               </a:p>
             </p:txBody>
@@ -4392,12 +4337,12 @@
               <a:p>
                 <a:pPr algn="ctr"/>
                 <a:r>
-                  <a:rPr kumimoji="1" lang="en-US" altLang="ko-KR" sz="1200" b="1" dirty="0" smtClean="0">
-                    <a:latin typeface="PT Sans Narrow" charset="-52"/>
-                    <a:ea typeface="PT Sans Narrow" charset="-52"/>
-                    <a:cs typeface="PT Sans Narrow" charset="-52"/>
-                  </a:rPr>
-                  <a:t>PART 3 (b5-b6) </a:t>
+                  <a:rPr kumimoji="1" lang="en-US" altLang="ko-KR" sz="1200" b="1" dirty="0">
+                    <a:latin typeface="PT Sans Narrow" charset="-52"/>
+                    <a:ea typeface="PT Sans Narrow" charset="-52"/>
+                    <a:cs typeface="PT Sans Narrow" charset="-52"/>
+                  </a:rPr>
+                  <a:t>PART 3 (b4-b6) </a:t>
                 </a:r>
               </a:p>
             </p:txBody>
@@ -4489,7 +4434,7 @@
               <a:lstStyle/>
               <a:p>
                 <a:r>
-                  <a:rPr kumimoji="1" lang="en-US" altLang="ko-KR" sz="1200" b="1" dirty="0" smtClean="0">
+                  <a:rPr kumimoji="1" lang="en-US" altLang="ko-KR" sz="1200" b="1" dirty="0">
                     <a:solidFill>
                       <a:srgbClr val="0070C0"/>
                     </a:solidFill>
@@ -4502,7 +4447,7 @@
               </a:p>
               <a:p>
                 <a:r>
-                  <a:rPr kumimoji="1" lang="en-US" altLang="ko-KR" sz="1200" dirty="0" err="1" smtClean="0">
+                  <a:rPr kumimoji="1" lang="en-US" altLang="ko-KR" sz="1200" dirty="0" err="1">
                     <a:solidFill>
                       <a:srgbClr val="0070C0"/>
                     </a:solidFill>
@@ -4513,7 +4458,7 @@
                   <a:t>Coregistration</a:t>
                 </a:r>
                 <a:r>
-                  <a:rPr kumimoji="1" lang="en-US" altLang="ko-KR" sz="1200" dirty="0" smtClean="0">
+                  <a:rPr kumimoji="1" lang="en-US" altLang="ko-KR" sz="1200" dirty="0">
                     <a:solidFill>
                       <a:srgbClr val="0070C0"/>
                     </a:solidFill>
@@ -4533,7 +4478,7 @@
               </a:p>
               <a:p>
                 <a:r>
-                  <a:rPr kumimoji="1" lang="en-US" altLang="ko-KR" sz="1200" b="1" dirty="0" smtClean="0">
+                  <a:rPr kumimoji="1" lang="en-US" altLang="ko-KR" sz="1200" b="1" dirty="0">
                     <a:latin typeface="PT Sans Narrow" charset="-52"/>
                     <a:ea typeface="PT Sans Narrow" charset="-52"/>
                     <a:cs typeface="PT Sans Narrow" charset="-52"/>
@@ -4541,14 +4486,14 @@
                   <a:t>b7: </a:t>
                 </a:r>
                 <a:r>
-                  <a:rPr kumimoji="1" lang="en-US" altLang="ko-KR" sz="1200" b="1" dirty="0" err="1" smtClean="0">
+                  <a:rPr kumimoji="1" lang="en-US" altLang="ko-KR" sz="1200" b="1" dirty="0" err="1">
                     <a:latin typeface="PT Sans Narrow" charset="-52"/>
                     <a:ea typeface="PT Sans Narrow" charset="-52"/>
                     <a:cs typeface="PT Sans Narrow" charset="-52"/>
                   </a:rPr>
                   <a:t>coregistration</a:t>
                 </a:r>
-                <a:endParaRPr kumimoji="1" lang="en-US" altLang="ko-KR" sz="1200" b="1" dirty="0" smtClean="0">
+                <a:endParaRPr kumimoji="1" lang="en-US" altLang="ko-KR" sz="1200" b="1" dirty="0">
                   <a:latin typeface="PT Sans Narrow" charset="-52"/>
                   <a:ea typeface="PT Sans Narrow" charset="-52"/>
                   <a:cs typeface="PT Sans Narrow" charset="-52"/>
@@ -4565,18 +4510,10 @@
                     <a:ea typeface="PT Sans Narrow" charset="-52"/>
                     <a:cs typeface="PT Sans Narrow" charset="-52"/>
                   </a:rPr>
-                  <a:t>c</a:t>
-                </a:r>
-                <a:r>
-                  <a:rPr kumimoji="1" lang="en-US" altLang="ko-KR" sz="1200" dirty="0" err="1" smtClean="0">
-                    <a:latin typeface="PT Sans Narrow" charset="-52"/>
-                    <a:ea typeface="PT Sans Narrow" charset="-52"/>
-                    <a:cs typeface="PT Sans Narrow" charset="-52"/>
-                  </a:rPr>
-                  <a:t>oregistration</a:t>
-                </a:r>
-                <a:r>
-                  <a:rPr kumimoji="1" lang="en-US" altLang="ko-KR" sz="1200" dirty="0" smtClean="0">
+                  <a:t>coregistration</a:t>
+                </a:r>
+                <a:r>
+                  <a:rPr kumimoji="1" lang="en-US" altLang="ko-KR" sz="1200" dirty="0">
                     <a:latin typeface="PT Sans Narrow" charset="-52"/>
                     <a:ea typeface="PT Sans Narrow" charset="-52"/>
                     <a:cs typeface="PT Sans Narrow" charset="-52"/>
@@ -4584,7 +4521,7 @@
                   <a:t> between T1 and mean functional images or </a:t>
                 </a:r>
                 <a:r>
-                  <a:rPr kumimoji="1" lang="en-US" altLang="ko-KR" sz="1200" dirty="0" err="1" smtClean="0">
+                  <a:rPr kumimoji="1" lang="en-US" altLang="ko-KR" sz="1200" dirty="0" err="1">
                     <a:latin typeface="PT Sans Narrow" charset="-52"/>
                     <a:ea typeface="PT Sans Narrow" charset="-52"/>
                     <a:cs typeface="PT Sans Narrow" charset="-52"/>
@@ -4592,7 +4529,7 @@
                   <a:t>SBRef</a:t>
                 </a:r>
                 <a:r>
-                  <a:rPr kumimoji="1" lang="en-US" altLang="ko-KR" sz="1200" dirty="0" smtClean="0">
+                  <a:rPr kumimoji="1" lang="en-US" altLang="ko-KR" sz="1200" dirty="0">
                     <a:latin typeface="PT Sans Narrow" charset="-52"/>
                     <a:ea typeface="PT Sans Narrow" charset="-52"/>
                     <a:cs typeface="PT Sans Narrow" charset="-52"/>
@@ -4601,7 +4538,7 @@
                 </a:r>
               </a:p>
               <a:p>
-                <a:endParaRPr kumimoji="1" lang="en-US" altLang="ko-KR" sz="1200" b="1" dirty="0" smtClean="0">
+                <a:endParaRPr kumimoji="1" lang="en-US" altLang="ko-KR" sz="1200" b="1" dirty="0">
                   <a:latin typeface="PT Sans Narrow" charset="-52"/>
                   <a:ea typeface="PT Sans Narrow" charset="-52"/>
                   <a:cs typeface="PT Sans Narrow" charset="-52"/>
@@ -4609,14 +4546,14 @@
               </a:p>
               <a:p>
                 <a:r>
-                  <a:rPr kumimoji="1" lang="en-US" altLang="ko-KR" sz="1200" b="1" dirty="0" smtClean="0">
+                  <a:rPr kumimoji="1" lang="en-US" altLang="ko-KR" sz="1200" b="1" dirty="0">
                     <a:latin typeface="PT Sans Narrow" charset="-52"/>
                     <a:ea typeface="PT Sans Narrow" charset="-52"/>
                     <a:cs typeface="PT Sans Narrow" charset="-52"/>
                   </a:rPr>
                   <a:t>b8: normalization</a:t>
                 </a:r>
-                <a:endParaRPr kumimoji="1" lang="en-US" altLang="ko-KR" sz="1200" dirty="0" smtClean="0">
+                <a:endParaRPr kumimoji="1" lang="en-US" altLang="ko-KR" sz="1200" dirty="0">
                   <a:latin typeface="PT Sans Narrow" charset="-52"/>
                   <a:ea typeface="PT Sans Narrow" charset="-52"/>
                   <a:cs typeface="PT Sans Narrow" charset="-52"/>
@@ -4633,18 +4570,10 @@
                     <a:ea typeface="PT Sans Narrow" charset="-52"/>
                     <a:cs typeface="PT Sans Narrow" charset="-52"/>
                   </a:rPr>
-                  <a:t>s</a:t>
-                </a:r>
-                <a:r>
-                  <a:rPr kumimoji="1" lang="en-US" altLang="ko-KR" sz="1200" dirty="0" smtClean="0">
-                    <a:latin typeface="PT Sans Narrow" charset="-52"/>
-                    <a:ea typeface="PT Sans Narrow" charset="-52"/>
-                    <a:cs typeface="PT Sans Narrow" charset="-52"/>
-                  </a:rPr>
-                  <a:t>egmentation of the </a:t>
-                </a:r>
-                <a:r>
-                  <a:rPr kumimoji="1" lang="en-US" altLang="ko-KR" sz="1200" dirty="0" err="1" smtClean="0">
+                  <a:t>segmentation of the </a:t>
+                </a:r>
+                <a:r>
+                  <a:rPr kumimoji="1" lang="en-US" altLang="ko-KR" sz="1200" dirty="0" err="1">
                     <a:latin typeface="PT Sans Narrow" charset="-52"/>
                     <a:ea typeface="PT Sans Narrow" charset="-52"/>
                     <a:cs typeface="PT Sans Narrow" charset="-52"/>
@@ -4652,7 +4581,7 @@
                   <a:t>coregistered</a:t>
                 </a:r>
                 <a:r>
-                  <a:rPr kumimoji="1" lang="en-US" altLang="ko-KR" sz="1200" dirty="0" smtClean="0">
+                  <a:rPr kumimoji="1" lang="en-US" altLang="ko-KR" sz="1200" dirty="0">
                     <a:latin typeface="PT Sans Narrow" charset="-52"/>
                     <a:ea typeface="PT Sans Narrow" charset="-52"/>
                     <a:cs typeface="PT Sans Narrow" charset="-52"/>
@@ -4660,7 +4589,7 @@
                   <a:t> T1 image using SPM12’s tissue probability map (</a:t>
                 </a:r>
                 <a:r>
-                  <a:rPr kumimoji="1" lang="en-US" altLang="ko-KR" sz="1200" dirty="0" err="1" smtClean="0">
+                  <a:rPr kumimoji="1" lang="en-US" altLang="ko-KR" sz="1200" dirty="0" err="1">
                     <a:latin typeface="PT Sans Narrow" charset="-52"/>
                     <a:ea typeface="PT Sans Narrow" charset="-52"/>
                     <a:cs typeface="PT Sans Narrow" charset="-52"/>
@@ -4668,7 +4597,7 @@
                   <a:t>TPM.nii</a:t>
                 </a:r>
                 <a:r>
-                  <a:rPr kumimoji="1" lang="en-US" altLang="ko-KR" sz="1200" dirty="0" smtClean="0">
+                  <a:rPr kumimoji="1" lang="en-US" altLang="ko-KR" sz="1200" dirty="0">
                     <a:latin typeface="PT Sans Narrow" charset="-52"/>
                     <a:ea typeface="PT Sans Narrow" charset="-52"/>
                     <a:cs typeface="PT Sans Narrow" charset="-52"/>
@@ -4687,18 +4616,10 @@
                     <a:ea typeface="PT Sans Narrow" charset="-52"/>
                     <a:cs typeface="PT Sans Narrow" charset="-52"/>
                   </a:rPr>
-                  <a:t>w</a:t>
-                </a:r>
-                <a:r>
-                  <a:rPr kumimoji="1" lang="en-US" altLang="ko-KR" sz="1200" dirty="0" smtClean="0">
-                    <a:latin typeface="PT Sans Narrow" charset="-52"/>
-                    <a:ea typeface="PT Sans Narrow" charset="-52"/>
-                    <a:cs typeface="PT Sans Narrow" charset="-52"/>
-                  </a:rPr>
-                  <a:t>arping segmented (and </a:t>
-                </a:r>
-                <a:r>
-                  <a:rPr kumimoji="1" lang="en-US" altLang="ko-KR" sz="1200" dirty="0" err="1" smtClean="0">
+                  <a:t>warping segmented (and </a:t>
+                </a:r>
+                <a:r>
+                  <a:rPr kumimoji="1" lang="en-US" altLang="ko-KR" sz="1200" dirty="0" err="1">
                     <a:latin typeface="PT Sans Narrow" charset="-52"/>
                     <a:ea typeface="PT Sans Narrow" charset="-52"/>
                     <a:cs typeface="PT Sans Narrow" charset="-52"/>
@@ -4706,7 +4627,7 @@
                   <a:t>coregistered</a:t>
                 </a:r>
                 <a:r>
-                  <a:rPr kumimoji="1" lang="en-US" altLang="ko-KR" sz="1200" dirty="0" smtClean="0">
+                  <a:rPr kumimoji="1" lang="en-US" altLang="ko-KR" sz="1200" dirty="0">
                     <a:latin typeface="PT Sans Narrow" charset="-52"/>
                     <a:ea typeface="PT Sans Narrow" charset="-52"/>
                     <a:cs typeface="PT Sans Narrow" charset="-52"/>
@@ -4725,21 +4646,8 @@
                     <a:ea typeface="PT Sans Narrow" charset="-52"/>
                     <a:cs typeface="PT Sans Narrow" charset="-52"/>
                   </a:rPr>
-                  <a:t>a</a:t>
-                </a:r>
-                <a:r>
-                  <a:rPr kumimoji="1" lang="en-US" altLang="ko-KR" sz="1200" dirty="0" smtClean="0">
-                    <a:latin typeface="PT Sans Narrow" charset="-52"/>
-                    <a:ea typeface="PT Sans Narrow" charset="-52"/>
-                    <a:cs typeface="PT Sans Narrow" charset="-52"/>
-                  </a:rPr>
-                  <a:t>pplying the warping parameter to the functional images</a:t>
-                </a:r>
-                <a:endParaRPr kumimoji="1" lang="en-US" altLang="ko-KR" sz="1200" dirty="0">
-                  <a:latin typeface="PT Sans Narrow" charset="-52"/>
-                  <a:ea typeface="PT Sans Narrow" charset="-52"/>
-                  <a:cs typeface="PT Sans Narrow" charset="-52"/>
-                </a:endParaRPr>
+                  <a:t>applying the warping parameter to the functional images</a:t>
+                </a:r>
               </a:p>
             </p:txBody>
           </p:sp>
@@ -4769,7 +4677,7 @@
               <a:p>
                 <a:pPr algn="ctr"/>
                 <a:r>
-                  <a:rPr kumimoji="1" lang="en-US" altLang="ko-KR" sz="1200" b="1" dirty="0" smtClean="0">
+                  <a:rPr kumimoji="1" lang="en-US" altLang="ko-KR" sz="1200" b="1" dirty="0">
                     <a:latin typeface="PT Sans Narrow" charset="-52"/>
                     <a:ea typeface="PT Sans Narrow" charset="-52"/>
                     <a:cs typeface="PT Sans Narrow" charset="-52"/>
@@ -4866,7 +4774,7 @@
               <a:lstStyle/>
               <a:p>
                 <a:r>
-                  <a:rPr kumimoji="1" lang="en-US" altLang="ko-KR" sz="1200" b="1" dirty="0" smtClean="0">
+                  <a:rPr kumimoji="1" lang="en-US" altLang="ko-KR" sz="1200" b="1" dirty="0">
                     <a:solidFill>
                       <a:srgbClr val="0070C0"/>
                     </a:solidFill>
@@ -4879,7 +4787,7 @@
               </a:p>
               <a:p>
                 <a:r>
-                  <a:rPr kumimoji="1" lang="en-US" altLang="ko-KR" sz="1200" dirty="0" smtClean="0">
+                  <a:rPr kumimoji="1" lang="en-US" altLang="ko-KR" sz="1200" dirty="0">
                     <a:solidFill>
                       <a:srgbClr val="0070C0"/>
                     </a:solidFill>
@@ -4892,7 +4800,7 @@
               </a:p>
               <a:p>
                 <a:pPr marL="0" lvl="1"/>
-                <a:endParaRPr kumimoji="1" lang="en-US" altLang="ko-KR" sz="1200" dirty="0" smtClean="0">
+                <a:endParaRPr kumimoji="1" lang="en-US" altLang="ko-KR" sz="1200" dirty="0">
                   <a:latin typeface="PT Sans Narrow" charset="-52"/>
                   <a:ea typeface="PT Sans Narrow" charset="-52"/>
                   <a:cs typeface="PT Sans Narrow" charset="-52"/>
@@ -4901,7 +4809,7 @@
               <a:p>
                 <a:pPr marL="0" lvl="1"/>
                 <a:r>
-                  <a:rPr kumimoji="1" lang="en-US" altLang="ko-KR" sz="1200" b="1" dirty="0" smtClean="0">
+                  <a:rPr kumimoji="1" lang="en-US" altLang="ko-KR" sz="1200" b="1" dirty="0">
                     <a:latin typeface="PT Sans Narrow" charset="-52"/>
                     <a:ea typeface="PT Sans Narrow" charset="-52"/>
                     <a:cs typeface="PT Sans Narrow" charset="-52"/>
@@ -4915,7 +4823,7 @@
                   <a:buChar char="•"/>
                 </a:pPr>
                 <a:r>
-                  <a:rPr kumimoji="1" lang="en-US" altLang="ko-KR" sz="1200" dirty="0" smtClean="0">
+                  <a:rPr kumimoji="1" lang="en-US" altLang="ko-KR" sz="1200" dirty="0">
                     <a:latin typeface="PT Sans Narrow" charset="-52"/>
                     <a:ea typeface="PT Sans Narrow" charset="-52"/>
                     <a:cs typeface="PT Sans Narrow" charset="-52"/>
@@ -4924,7 +4832,7 @@
                 </a:r>
               </a:p>
               <a:p>
-                <a:endParaRPr kumimoji="1" lang="en-US" altLang="ko-KR" sz="1200" b="1" dirty="0" smtClean="0">
+                <a:endParaRPr kumimoji="1" lang="en-US" altLang="ko-KR" sz="1200" b="1" dirty="0">
                   <a:latin typeface="PT Sans Narrow" charset="-52"/>
                   <a:ea typeface="PT Sans Narrow" charset="-52"/>
                   <a:cs typeface="PT Sans Narrow" charset="-52"/>
@@ -4937,15 +4845,7 @@
                     <a:ea typeface="PT Sans Narrow" charset="-52"/>
                     <a:cs typeface="PT Sans Narrow" charset="-52"/>
                   </a:rPr>
-                  <a:t>b</a:t>
-                </a:r>
-                <a:r>
-                  <a:rPr kumimoji="1" lang="en-US" altLang="ko-KR" sz="1200" b="1" dirty="0" smtClean="0">
-                    <a:latin typeface="PT Sans Narrow" charset="-52"/>
-                    <a:ea typeface="PT Sans Narrow" charset="-52"/>
-                    <a:cs typeface="PT Sans Narrow" charset="-52"/>
-                  </a:rPr>
-                  <a:t>10: ICA-AROMA</a:t>
+                  <a:t>b10: ICA-AROMA</a:t>
                 </a:r>
               </a:p>
               <a:p>
@@ -4954,7 +4854,7 @@
                   <a:buChar char="•"/>
                 </a:pPr>
                 <a:r>
-                  <a:rPr kumimoji="1" lang="en-US" altLang="ko-KR" sz="1200" dirty="0" smtClean="0">
+                  <a:rPr kumimoji="1" lang="en-US" altLang="ko-KR" sz="1200" dirty="0">
                     <a:latin typeface="PT Sans Narrow" charset="-52"/>
                     <a:ea typeface="PT Sans Narrow" charset="-52"/>
                     <a:cs typeface="PT Sans Narrow" charset="-52"/>
@@ -4968,7 +4868,7 @@
                   <a:buChar char="•"/>
                 </a:pPr>
                 <a:r>
-                  <a:rPr kumimoji="1" lang="en-US" altLang="ko-KR" sz="1200" dirty="0" smtClean="0">
+                  <a:rPr kumimoji="1" lang="en-US" altLang="ko-KR" sz="1200" dirty="0">
                     <a:latin typeface="PT Sans Narrow" charset="-52"/>
                     <a:ea typeface="PT Sans Narrow" charset="-52"/>
                     <a:cs typeface="PT Sans Narrow" charset="-52"/>
@@ -4976,7 +4876,7 @@
                   <a:t>https://</a:t>
                 </a:r>
                 <a:r>
-                  <a:rPr kumimoji="1" lang="en-US" altLang="ko-KR" sz="1200" dirty="0" err="1" smtClean="0">
+                  <a:rPr kumimoji="1" lang="en-US" altLang="ko-KR" sz="1200" dirty="0" err="1">
                     <a:latin typeface="PT Sans Narrow" charset="-52"/>
                     <a:ea typeface="PT Sans Narrow" charset="-52"/>
                     <a:cs typeface="PT Sans Narrow" charset="-52"/>
@@ -4984,7 +4884,7 @@
                   <a:t>github.com</a:t>
                 </a:r>
                 <a:r>
-                  <a:rPr kumimoji="1" lang="en-US" altLang="ko-KR" sz="1200" dirty="0" smtClean="0">
+                  <a:rPr kumimoji="1" lang="en-US" altLang="ko-KR" sz="1200" dirty="0">
                     <a:latin typeface="PT Sans Narrow" charset="-52"/>
                     <a:ea typeface="PT Sans Narrow" charset="-52"/>
                     <a:cs typeface="PT Sans Narrow" charset="-52"/>
@@ -4992,7 +4892,7 @@
                   <a:t>/</a:t>
                 </a:r>
                 <a:r>
-                  <a:rPr kumimoji="1" lang="en-US" altLang="ko-KR" sz="1200" dirty="0" err="1" smtClean="0">
+                  <a:rPr kumimoji="1" lang="en-US" altLang="ko-KR" sz="1200" dirty="0" err="1">
                     <a:latin typeface="PT Sans Narrow" charset="-52"/>
                     <a:ea typeface="PT Sans Narrow" charset="-52"/>
                     <a:cs typeface="PT Sans Narrow" charset="-52"/>
@@ -5000,7 +4900,7 @@
                   <a:t>rhr-pruim</a:t>
                 </a:r>
                 <a:r>
-                  <a:rPr kumimoji="1" lang="en-US" altLang="ko-KR" sz="1200" dirty="0" smtClean="0">
+                  <a:rPr kumimoji="1" lang="en-US" altLang="ko-KR" sz="1200" dirty="0">
                     <a:latin typeface="PT Sans Narrow" charset="-52"/>
                     <a:ea typeface="PT Sans Narrow" charset="-52"/>
                     <a:cs typeface="PT Sans Narrow" charset="-52"/>
@@ -5036,7 +4936,7 @@
               <a:p>
                 <a:pPr algn="ctr"/>
                 <a:r>
-                  <a:rPr kumimoji="1" lang="en-US" altLang="ko-KR" sz="1200" b="1" dirty="0" smtClean="0">
+                  <a:rPr kumimoji="1" lang="en-US" altLang="ko-KR" sz="1200" b="1" dirty="0">
                     <a:latin typeface="PT Sans Narrow" charset="-52"/>
                     <a:ea typeface="PT Sans Narrow" charset="-52"/>
                     <a:cs typeface="PT Sans Narrow" charset="-52"/>
@@ -5102,39 +5002,143 @@
           </a:prstGeom>
         </p:spPr>
       </p:pic>
+      <p:sp>
+        <p:nvSpPr>
+          <p:cNvPr id="28" name="직사각형 27"/>
+          <p:cNvSpPr/>
+          <p:nvPr/>
+        </p:nvSpPr>
+        <p:spPr>
+          <a:xfrm>
+            <a:off x="197489" y="106017"/>
+            <a:ext cx="9052529" cy="7426160"/>
+          </a:xfrm>
+          <a:prstGeom prst="rect">
+            <a:avLst/>
+          </a:prstGeom>
+          <a:solidFill>
+            <a:schemeClr val="bg1"/>
+          </a:solidFill>
+          <a:ln>
+            <a:noFill/>
+          </a:ln>
+        </p:spPr>
+        <p:style>
+          <a:lnRef idx="2">
+            <a:schemeClr val="accent1">
+              <a:shade val="50000"/>
+            </a:schemeClr>
+          </a:lnRef>
+          <a:fillRef idx="1">
+            <a:schemeClr val="accent1"/>
+          </a:fillRef>
+          <a:effectRef idx="0">
+            <a:schemeClr val="accent1"/>
+          </a:effectRef>
+          <a:fontRef idx="minor">
+            <a:schemeClr val="lt1"/>
+          </a:fontRef>
+        </p:style>
+        <p:txBody>
+          <a:bodyPr rtlCol="0" anchor="ctr"/>
+          <a:lstStyle/>
+          <a:p>
+            <a:pPr algn="ctr"/>
+            <a:endParaRPr kumimoji="1" lang="ko-KR" altLang="en-US" dirty="0"/>
+          </a:p>
+        </p:txBody>
+      </p:sp>
+      <p:sp>
+        <p:nvSpPr>
+          <p:cNvPr id="4" name="텍스트 상자 3"/>
+          <p:cNvSpPr txBox="1"/>
+          <p:nvPr/>
+        </p:nvSpPr>
+        <p:spPr>
+          <a:xfrm>
+            <a:off x="223993" y="175550"/>
+            <a:ext cx="2195729" cy="338554"/>
+          </a:xfrm>
+          <a:prstGeom prst="rect">
+            <a:avLst/>
+          </a:prstGeom>
+          <a:noFill/>
+        </p:spPr>
+        <p:txBody>
+          <a:bodyPr wrap="none" rtlCol="0">
+            <a:spAutoFit/>
+          </a:bodyPr>
+          <a:lstStyle/>
+          <a:p>
+            <a:r>
+              <a:rPr kumimoji="1" lang="en-US" altLang="ko-KR" sz="1600" dirty="0">
+                <a:solidFill>
+                  <a:srgbClr val="C00000"/>
+                </a:solidFill>
+                <a:latin typeface="PT Sans Narrow" charset="-52"/>
+                <a:ea typeface="PT Sans Narrow" charset="-52"/>
+                <a:cs typeface="PT Sans Narrow" charset="-52"/>
+              </a:rPr>
+              <a:t>Option 2.  </a:t>
+            </a:r>
+            <a:r>
+              <a:rPr kumimoji="1" lang="en-US" altLang="ko-KR" sz="1600" b="1" dirty="0">
+                <a:solidFill>
+                  <a:srgbClr val="C00000"/>
+                </a:solidFill>
+                <a:latin typeface="PT Sans Narrow" charset="-52"/>
+                <a:ea typeface="PT Sans Narrow" charset="-52"/>
+                <a:cs typeface="PT Sans Narrow" charset="-52"/>
+              </a:rPr>
+              <a:t>EPI normalization</a:t>
+            </a:r>
+            <a:endParaRPr kumimoji="1" lang="ko-KR" altLang="en-US" sz="1600" b="1" dirty="0">
+              <a:solidFill>
+                <a:srgbClr val="C00000"/>
+              </a:solidFill>
+              <a:latin typeface="PT Sans Narrow" charset="-52"/>
+              <a:ea typeface="PT Sans Narrow" charset="-52"/>
+              <a:cs typeface="PT Sans Narrow" charset="-52"/>
+            </a:endParaRPr>
+          </a:p>
+        </p:txBody>
+      </p:sp>
       <p:grpSp>
         <p:nvGrpSpPr>
-          <p:cNvPr id="2" name="그룹 1"/>
+          <p:cNvPr id="9" name="그룹 8"/>
           <p:cNvGrpSpPr/>
           <p:nvPr/>
         </p:nvGrpSpPr>
         <p:grpSpPr>
           <a:xfrm>
-            <a:off x="197489" y="106016"/>
-            <a:ext cx="9052529" cy="7779027"/>
-            <a:chOff x="197489" y="106016"/>
-            <a:chExt cx="9052529" cy="7779027"/>
+            <a:off x="393192" y="664935"/>
+            <a:ext cx="1517904" cy="1841861"/>
+            <a:chOff x="393192" y="664935"/>
+            <a:chExt cx="1517904" cy="1841861"/>
           </a:xfrm>
         </p:grpSpPr>
         <p:sp>
           <p:nvSpPr>
-            <p:cNvPr id="28" name="직사각형 27"/>
+            <p:cNvPr id="7" name="직사각형 6"/>
             <p:cNvSpPr/>
             <p:nvPr/>
           </p:nvSpPr>
           <p:spPr>
             <a:xfrm>
-              <a:off x="197489" y="106016"/>
-              <a:ext cx="9052529" cy="7779027"/>
+              <a:off x="393192" y="795528"/>
+              <a:ext cx="1517904" cy="1609344"/>
             </a:xfrm>
             <a:prstGeom prst="rect">
               <a:avLst/>
             </a:prstGeom>
-            <a:solidFill>
-              <a:schemeClr val="bg1"/>
-            </a:solidFill>
-            <a:ln>
-              <a:noFill/>
+            <a:noFill/>
+            <a:ln w="19050">
+              <a:solidFill>
+                <a:schemeClr val="tx1">
+                  <a:lumMod val="65000"/>
+                  <a:lumOff val="35000"/>
+                </a:schemeClr>
+              </a:solidFill>
             </a:ln>
           </p:spPr>
           <p:style>
@@ -5164,14 +5168,14 @@
         </p:sp>
         <p:sp>
           <p:nvSpPr>
-            <p:cNvPr id="4" name="텍스트 상자 3"/>
+            <p:cNvPr id="8" name="텍스트 상자 7"/>
             <p:cNvSpPr txBox="1"/>
             <p:nvPr/>
           </p:nvSpPr>
           <p:spPr>
             <a:xfrm>
-              <a:off x="223993" y="175550"/>
-              <a:ext cx="2195729" cy="338554"/>
+              <a:off x="457290" y="998691"/>
+              <a:ext cx="1444662" cy="1508105"/>
             </a:xfrm>
             <a:prstGeom prst="rect">
               <a:avLst/>
@@ -5179,37 +5183,114 @@
             <a:noFill/>
           </p:spPr>
           <p:txBody>
-            <a:bodyPr wrap="none" rtlCol="0">
+            <a:bodyPr wrap="square" rtlCol="0">
               <a:spAutoFit/>
             </a:bodyPr>
             <a:lstStyle/>
             <a:p>
               <a:r>
-                <a:rPr kumimoji="1" lang="en-US" altLang="ko-KR" sz="1600" dirty="0" smtClean="0">
+                <a:rPr kumimoji="1" lang="en-US" altLang="ko-KR" sz="1200" b="1" dirty="0">
                   <a:solidFill>
-                    <a:srgbClr val="C00000"/>
+                    <a:srgbClr val="0070C0"/>
                   </a:solidFill>
                   <a:latin typeface="PT Sans Narrow" charset="-52"/>
                   <a:ea typeface="PT Sans Narrow" charset="-52"/>
                   <a:cs typeface="PT Sans Narrow" charset="-52"/>
                 </a:rPr>
-                <a:t>Option 2.  </a:t>
+                <a:t>DICOM to NIFTI </a:t>
+              </a:r>
+            </a:p>
+            <a:p>
+              <a:r>
+                <a:rPr kumimoji="1" lang="en-US" altLang="ko-KR" sz="1200" dirty="0">
+                  <a:solidFill>
+                    <a:srgbClr val="0070C0"/>
+                  </a:solidFill>
+                  <a:latin typeface="PT Sans Narrow" charset="-52"/>
+                  <a:ea typeface="PT Sans Narrow" charset="-52"/>
+                  <a:cs typeface="PT Sans Narrow" charset="-52"/>
+                </a:rPr>
+                <a:t>in a BIDS format</a:t>
+              </a:r>
+            </a:p>
+            <a:p>
+              <a:endParaRPr kumimoji="1" lang="en-US" altLang="ko-KR" sz="800" dirty="0">
+                <a:latin typeface="PT Sans Narrow" charset="-52"/>
+                <a:ea typeface="PT Sans Narrow" charset="-52"/>
+                <a:cs typeface="PT Sans Narrow" charset="-52"/>
+              </a:endParaRPr>
+            </a:p>
+            <a:p>
+              <a:pPr marL="171450" indent="-171450">
+                <a:buFont typeface="Arial" charset="0"/>
+                <a:buChar char="•"/>
+              </a:pPr>
+              <a:r>
+                <a:rPr kumimoji="1" lang="en-US" altLang="ko-KR" sz="1200" dirty="0">
+                  <a:latin typeface="PT Sans Narrow" charset="-52"/>
+                  <a:ea typeface="PT Sans Narrow" charset="-52"/>
+                  <a:cs typeface="PT Sans Narrow" charset="-52"/>
+                </a:rPr>
+                <a:t>a1: make directory</a:t>
+              </a:r>
+            </a:p>
+            <a:p>
+              <a:pPr marL="171450" indent="-171450">
+                <a:buFont typeface="Arial" charset="0"/>
+                <a:buChar char="•"/>
+              </a:pPr>
+              <a:r>
+                <a:rPr kumimoji="1" lang="en-US" altLang="ko-KR" sz="1200" dirty="0">
+                  <a:latin typeface="PT Sans Narrow" charset="-52"/>
+                  <a:ea typeface="PT Sans Narrow" charset="-52"/>
+                  <a:cs typeface="PT Sans Narrow" charset="-52"/>
+                </a:rPr>
+                <a:t>a2: Structural</a:t>
+              </a:r>
+            </a:p>
+            <a:p>
+              <a:pPr marL="171450" indent="-171450">
+                <a:buFont typeface="Arial" charset="0"/>
+                <a:buChar char="•"/>
+              </a:pPr>
+              <a:r>
+                <a:rPr kumimoji="1" lang="en-US" altLang="ko-KR" sz="1200" dirty="0">
+                  <a:latin typeface="PT Sans Narrow" charset="-52"/>
+                  <a:ea typeface="PT Sans Narrow" charset="-52"/>
+                  <a:cs typeface="PT Sans Narrow" charset="-52"/>
+                </a:rPr>
+                <a:t>a3: Functional</a:t>
+              </a:r>
+            </a:p>
+            <a:p>
+              <a:pPr marL="171450" indent="-171450">
+                <a:buFont typeface="Arial" charset="0"/>
+                <a:buChar char="•"/>
+              </a:pPr>
+              <a:r>
+                <a:rPr kumimoji="1" lang="en-US" altLang="ko-KR" sz="1200" dirty="0">
+                  <a:latin typeface="PT Sans Narrow" charset="-52"/>
+                  <a:ea typeface="PT Sans Narrow" charset="-52"/>
+                  <a:cs typeface="PT Sans Narrow" charset="-52"/>
+                </a:rPr>
+                <a:t>a4: </a:t>
               </a:r>
               <a:r>
-                <a:rPr kumimoji="1" lang="en-US" altLang="ko-KR" sz="1600" b="1" dirty="0" smtClean="0">
-                  <a:solidFill>
-                    <a:srgbClr val="C00000"/>
-                  </a:solidFill>
+                <a:rPr kumimoji="1" lang="en-US" altLang="ko-KR" sz="1200" dirty="0" err="1">
                   <a:latin typeface="PT Sans Narrow" charset="-52"/>
                   <a:ea typeface="PT Sans Narrow" charset="-52"/>
                   <a:cs typeface="PT Sans Narrow" charset="-52"/>
                 </a:rPr>
-                <a:t>EPI normalization</a:t>
+                <a:t>Fieldmap</a:t>
               </a:r>
-              <a:endParaRPr kumimoji="1" lang="ko-KR" altLang="en-US" sz="1600" b="1" dirty="0">
-                <a:solidFill>
-                  <a:srgbClr val="C00000"/>
-                </a:solidFill>
+              <a:endParaRPr kumimoji="1" lang="en-US" altLang="ko-KR" sz="1200" dirty="0">
+                <a:latin typeface="PT Sans Narrow" charset="-52"/>
+                <a:ea typeface="PT Sans Narrow" charset="-52"/>
+                <a:cs typeface="PT Sans Narrow" charset="-52"/>
+              </a:endParaRPr>
+            </a:p>
+            <a:p>
+              <a:endParaRPr kumimoji="1" lang="ko-KR" altLang="en-US" sz="1200" dirty="0">
                 <a:latin typeface="PT Sans Narrow" charset="-52"/>
                 <a:ea typeface="PT Sans Narrow" charset="-52"/>
                 <a:cs typeface="PT Sans Narrow" charset="-52"/>
@@ -5217,1520 +5298,1259 @@
             </a:p>
           </p:txBody>
         </p:sp>
-        <p:grpSp>
-          <p:nvGrpSpPr>
-            <p:cNvPr id="9" name="그룹 8"/>
-            <p:cNvGrpSpPr/>
+        <p:sp>
+          <p:nvSpPr>
+            <p:cNvPr id="5" name="텍스트 상자 4"/>
+            <p:cNvSpPr txBox="1"/>
             <p:nvPr/>
-          </p:nvGrpSpPr>
-          <p:grpSpPr>
+          </p:nvSpPr>
+          <p:spPr>
             <a:xfrm>
-              <a:off x="393192" y="664935"/>
-              <a:ext cx="1517904" cy="1841861"/>
-              <a:chOff x="393192" y="664935"/>
-              <a:chExt cx="1517904" cy="1841861"/>
+              <a:off x="641619" y="664935"/>
+              <a:ext cx="1021050" cy="276999"/>
             </a:xfrm>
-          </p:grpSpPr>
-          <p:sp>
-            <p:nvSpPr>
-              <p:cNvPr id="7" name="직사각형 6"/>
-              <p:cNvSpPr/>
-              <p:nvPr/>
-            </p:nvSpPr>
-            <p:spPr>
-              <a:xfrm>
-                <a:off x="393192" y="795528"/>
-                <a:ext cx="1517904" cy="1609344"/>
-              </a:xfrm>
-              <a:prstGeom prst="rect">
-                <a:avLst/>
-              </a:prstGeom>
-              <a:noFill/>
-              <a:ln w="19050">
-                <a:solidFill>
-                  <a:schemeClr val="tx1">
-                    <a:lumMod val="65000"/>
-                    <a:lumOff val="35000"/>
-                  </a:schemeClr>
-                </a:solidFill>
-              </a:ln>
-            </p:spPr>
-            <p:style>
-              <a:lnRef idx="2">
-                <a:schemeClr val="accent1">
-                  <a:shade val="50000"/>
+            <a:prstGeom prst="rect">
+              <a:avLst/>
+            </a:prstGeom>
+            <a:solidFill>
+              <a:schemeClr val="bg1"/>
+            </a:solidFill>
+          </p:spPr>
+          <p:txBody>
+            <a:bodyPr wrap="none" rtlCol="0">
+              <a:spAutoFit/>
+            </a:bodyPr>
+            <a:lstStyle/>
+            <a:p>
+              <a:pPr algn="ctr"/>
+              <a:r>
+                <a:rPr kumimoji="1" lang="en-US" altLang="ko-KR" sz="1200" b="1" dirty="0">
+                  <a:latin typeface="PT Sans Narrow" charset="-52"/>
+                  <a:ea typeface="PT Sans Narrow" charset="-52"/>
+                  <a:cs typeface="PT Sans Narrow" charset="-52"/>
+                </a:rPr>
+                <a:t>PART 1 (a1-a4)</a:t>
+              </a:r>
+            </a:p>
+          </p:txBody>
+        </p:sp>
+      </p:grpSp>
+      <p:grpSp>
+        <p:nvGrpSpPr>
+          <p:cNvPr id="10" name="그룹 9"/>
+          <p:cNvGrpSpPr/>
+          <p:nvPr/>
+        </p:nvGrpSpPr>
+        <p:grpSpPr>
+          <a:xfrm>
+            <a:off x="2263498" y="664935"/>
+            <a:ext cx="3165528" cy="3444098"/>
+            <a:chOff x="393192" y="664935"/>
+            <a:chExt cx="3165528" cy="3444098"/>
+          </a:xfrm>
+        </p:grpSpPr>
+        <p:sp>
+          <p:nvSpPr>
+            <p:cNvPr id="11" name="직사각형 10"/>
+            <p:cNvSpPr/>
+            <p:nvPr/>
+          </p:nvSpPr>
+          <p:spPr>
+            <a:xfrm>
+              <a:off x="393192" y="795528"/>
+              <a:ext cx="3165528" cy="3313505"/>
+            </a:xfrm>
+            <a:prstGeom prst="rect">
+              <a:avLst/>
+            </a:prstGeom>
+            <a:noFill/>
+            <a:ln w="19050">
+              <a:solidFill>
+                <a:schemeClr val="tx1">
+                  <a:lumMod val="65000"/>
+                  <a:lumOff val="35000"/>
                 </a:schemeClr>
-              </a:lnRef>
-              <a:fillRef idx="1">
-                <a:schemeClr val="accent1"/>
-              </a:fillRef>
-              <a:effectRef idx="0">
-                <a:schemeClr val="accent1"/>
-              </a:effectRef>
-              <a:fontRef idx="minor">
-                <a:schemeClr val="lt1"/>
-              </a:fontRef>
-            </p:style>
-            <p:txBody>
-              <a:bodyPr rtlCol="0" anchor="ctr"/>
-              <a:lstStyle/>
-              <a:p>
-                <a:pPr algn="ctr"/>
-                <a:endParaRPr kumimoji="1" lang="ko-KR" altLang="en-US"/>
-              </a:p>
-            </p:txBody>
-          </p:sp>
-          <p:sp>
-            <p:nvSpPr>
-              <p:cNvPr id="8" name="텍스트 상자 7"/>
-              <p:cNvSpPr txBox="1"/>
-              <p:nvPr/>
-            </p:nvSpPr>
-            <p:spPr>
-              <a:xfrm>
-                <a:off x="457290" y="998691"/>
-                <a:ext cx="1444662" cy="1508105"/>
-              </a:xfrm>
-              <a:prstGeom prst="rect">
-                <a:avLst/>
-              </a:prstGeom>
-              <a:noFill/>
-            </p:spPr>
-            <p:txBody>
-              <a:bodyPr wrap="square" rtlCol="0">
-                <a:spAutoFit/>
-              </a:bodyPr>
-              <a:lstStyle/>
-              <a:p>
-                <a:r>
-                  <a:rPr kumimoji="1" lang="en-US" altLang="ko-KR" sz="1200" b="1" dirty="0" smtClean="0">
-                    <a:solidFill>
-                      <a:srgbClr val="0070C0"/>
-                    </a:solidFill>
-                    <a:latin typeface="PT Sans Narrow" charset="-52"/>
-                    <a:ea typeface="PT Sans Narrow" charset="-52"/>
-                    <a:cs typeface="PT Sans Narrow" charset="-52"/>
-                  </a:rPr>
-                  <a:t>DICOM to NIFTI </a:t>
-                </a:r>
-              </a:p>
-              <a:p>
-                <a:r>
-                  <a:rPr kumimoji="1" lang="en-US" altLang="ko-KR" sz="1200" dirty="0" smtClean="0">
-                    <a:solidFill>
-                      <a:srgbClr val="0070C0"/>
-                    </a:solidFill>
-                    <a:latin typeface="PT Sans Narrow" charset="-52"/>
-                    <a:ea typeface="PT Sans Narrow" charset="-52"/>
-                    <a:cs typeface="PT Sans Narrow" charset="-52"/>
-                  </a:rPr>
-                  <a:t>in a BIDS format</a:t>
-                </a:r>
-              </a:p>
-              <a:p>
-                <a:endParaRPr kumimoji="1" lang="en-US" altLang="ko-KR" sz="800" dirty="0" smtClean="0">
-                  <a:latin typeface="PT Sans Narrow" charset="-52"/>
-                  <a:ea typeface="PT Sans Narrow" charset="-52"/>
-                  <a:cs typeface="PT Sans Narrow" charset="-52"/>
-                </a:endParaRPr>
-              </a:p>
-              <a:p>
-                <a:pPr marL="171450" indent="-171450">
-                  <a:buFont typeface="Arial" charset="0"/>
-                  <a:buChar char="•"/>
-                </a:pPr>
-                <a:r>
-                  <a:rPr kumimoji="1" lang="en-US" altLang="ko-KR" sz="1200" dirty="0">
-                    <a:latin typeface="PT Sans Narrow" charset="-52"/>
-                    <a:ea typeface="PT Sans Narrow" charset="-52"/>
-                    <a:cs typeface="PT Sans Narrow" charset="-52"/>
-                  </a:rPr>
-                  <a:t>a</a:t>
-                </a:r>
-                <a:r>
-                  <a:rPr kumimoji="1" lang="en-US" altLang="ko-KR" sz="1200" dirty="0" smtClean="0">
-                    <a:latin typeface="PT Sans Narrow" charset="-52"/>
-                    <a:ea typeface="PT Sans Narrow" charset="-52"/>
-                    <a:cs typeface="PT Sans Narrow" charset="-52"/>
-                  </a:rPr>
-                  <a:t>1: make directory</a:t>
-                </a:r>
-              </a:p>
-              <a:p>
-                <a:pPr marL="171450" indent="-171450">
-                  <a:buFont typeface="Arial" charset="0"/>
-                  <a:buChar char="•"/>
-                </a:pPr>
-                <a:r>
-                  <a:rPr kumimoji="1" lang="en-US" altLang="ko-KR" sz="1200" dirty="0">
-                    <a:latin typeface="PT Sans Narrow" charset="-52"/>
-                    <a:ea typeface="PT Sans Narrow" charset="-52"/>
-                    <a:cs typeface="PT Sans Narrow" charset="-52"/>
-                  </a:rPr>
-                  <a:t>a</a:t>
-                </a:r>
-                <a:r>
-                  <a:rPr kumimoji="1" lang="en-US" altLang="ko-KR" sz="1200" dirty="0" smtClean="0">
-                    <a:latin typeface="PT Sans Narrow" charset="-52"/>
-                    <a:ea typeface="PT Sans Narrow" charset="-52"/>
-                    <a:cs typeface="PT Sans Narrow" charset="-52"/>
-                  </a:rPr>
-                  <a:t>2: Structural</a:t>
-                </a:r>
-              </a:p>
-              <a:p>
-                <a:pPr marL="171450" indent="-171450">
-                  <a:buFont typeface="Arial" charset="0"/>
-                  <a:buChar char="•"/>
-                </a:pPr>
-                <a:r>
-                  <a:rPr kumimoji="1" lang="en-US" altLang="ko-KR" sz="1200" dirty="0">
-                    <a:latin typeface="PT Sans Narrow" charset="-52"/>
-                    <a:ea typeface="PT Sans Narrow" charset="-52"/>
-                    <a:cs typeface="PT Sans Narrow" charset="-52"/>
-                  </a:rPr>
-                  <a:t>a</a:t>
-                </a:r>
-                <a:r>
-                  <a:rPr kumimoji="1" lang="en-US" altLang="ko-KR" sz="1200" dirty="0" smtClean="0">
-                    <a:latin typeface="PT Sans Narrow" charset="-52"/>
-                    <a:ea typeface="PT Sans Narrow" charset="-52"/>
-                    <a:cs typeface="PT Sans Narrow" charset="-52"/>
-                  </a:rPr>
-                  <a:t>3: Functional</a:t>
-                </a:r>
-              </a:p>
-              <a:p>
-                <a:pPr marL="171450" indent="-171450">
-                  <a:buFont typeface="Arial" charset="0"/>
-                  <a:buChar char="•"/>
-                </a:pPr>
-                <a:r>
-                  <a:rPr kumimoji="1" lang="en-US" altLang="ko-KR" sz="1200" dirty="0">
-                    <a:latin typeface="PT Sans Narrow" charset="-52"/>
-                    <a:ea typeface="PT Sans Narrow" charset="-52"/>
-                    <a:cs typeface="PT Sans Narrow" charset="-52"/>
-                  </a:rPr>
-                  <a:t>a</a:t>
-                </a:r>
-                <a:r>
-                  <a:rPr kumimoji="1" lang="en-US" altLang="ko-KR" sz="1200" dirty="0" smtClean="0">
-                    <a:latin typeface="PT Sans Narrow" charset="-52"/>
-                    <a:ea typeface="PT Sans Narrow" charset="-52"/>
-                    <a:cs typeface="PT Sans Narrow" charset="-52"/>
-                  </a:rPr>
-                  <a:t>4: </a:t>
-                </a:r>
-                <a:r>
-                  <a:rPr kumimoji="1" lang="en-US" altLang="ko-KR" sz="1200" dirty="0" err="1" smtClean="0">
-                    <a:latin typeface="PT Sans Narrow" charset="-52"/>
-                    <a:ea typeface="PT Sans Narrow" charset="-52"/>
-                    <a:cs typeface="PT Sans Narrow" charset="-52"/>
-                  </a:rPr>
-                  <a:t>Fieldmap</a:t>
-                </a:r>
-                <a:endParaRPr kumimoji="1" lang="en-US" altLang="ko-KR" sz="1200" dirty="0" smtClean="0">
-                  <a:latin typeface="PT Sans Narrow" charset="-52"/>
-                  <a:ea typeface="PT Sans Narrow" charset="-52"/>
-                  <a:cs typeface="PT Sans Narrow" charset="-52"/>
-                </a:endParaRPr>
-              </a:p>
-              <a:p>
-                <a:endParaRPr kumimoji="1" lang="ko-KR" altLang="en-US" sz="1200" dirty="0">
-                  <a:latin typeface="PT Sans Narrow" charset="-52"/>
-                  <a:ea typeface="PT Sans Narrow" charset="-52"/>
-                  <a:cs typeface="PT Sans Narrow" charset="-52"/>
-                </a:endParaRPr>
-              </a:p>
-            </p:txBody>
-          </p:sp>
-          <p:sp>
-            <p:nvSpPr>
-              <p:cNvPr id="5" name="텍스트 상자 4"/>
-              <p:cNvSpPr txBox="1"/>
-              <p:nvPr/>
-            </p:nvSpPr>
-            <p:spPr>
-              <a:xfrm>
-                <a:off x="641619" y="664935"/>
-                <a:ext cx="1021050" cy="276999"/>
-              </a:xfrm>
-              <a:prstGeom prst="rect">
-                <a:avLst/>
-              </a:prstGeom>
+              </a:solidFill>
+            </a:ln>
+          </p:spPr>
+          <p:style>
+            <a:lnRef idx="2">
+              <a:schemeClr val="accent1">
+                <a:shade val="50000"/>
+              </a:schemeClr>
+            </a:lnRef>
+            <a:fillRef idx="1">
+              <a:schemeClr val="accent1"/>
+            </a:fillRef>
+            <a:effectRef idx="0">
+              <a:schemeClr val="accent1"/>
+            </a:effectRef>
+            <a:fontRef idx="minor">
+              <a:schemeClr val="lt1"/>
+            </a:fontRef>
+          </p:style>
+          <p:txBody>
+            <a:bodyPr rtlCol="0" anchor="ctr"/>
+            <a:lstStyle/>
+            <a:p>
+              <a:pPr algn="ctr"/>
+              <a:endParaRPr kumimoji="1" lang="ko-KR" altLang="en-US"/>
+            </a:p>
+          </p:txBody>
+        </p:sp>
+        <p:sp>
+          <p:nvSpPr>
+            <p:cNvPr id="12" name="텍스트 상자 11"/>
+            <p:cNvSpPr txBox="1"/>
+            <p:nvPr/>
+          </p:nvSpPr>
+          <p:spPr>
+            <a:xfrm>
+              <a:off x="509599" y="998691"/>
+              <a:ext cx="2914426" cy="3046988"/>
+            </a:xfrm>
+            <a:prstGeom prst="rect">
+              <a:avLst/>
+            </a:prstGeom>
+            <a:noFill/>
+          </p:spPr>
+          <p:txBody>
+            <a:bodyPr wrap="square" rtlCol="0">
+              <a:spAutoFit/>
+            </a:bodyPr>
+            <a:lstStyle/>
+            <a:p>
+              <a:r>
+                <a:rPr kumimoji="1" lang="en-US" altLang="ko-KR" sz="1200" b="1" dirty="0">
+                  <a:solidFill>
+                    <a:srgbClr val="0070C0"/>
+                  </a:solidFill>
+                  <a:latin typeface="PT Sans Narrow" charset="-52"/>
+                  <a:ea typeface="PT Sans Narrow" charset="-52"/>
+                  <a:cs typeface="PT Sans Narrow" charset="-52"/>
+                </a:rPr>
+                <a:t>Functional images</a:t>
+              </a:r>
+            </a:p>
+            <a:p>
+              <a:r>
+                <a:rPr kumimoji="1" lang="en-US" altLang="ko-KR" sz="1200" dirty="0">
+                  <a:solidFill>
+                    <a:srgbClr val="0070C0"/>
+                  </a:solidFill>
+                  <a:latin typeface="PT Sans Narrow" charset="-52"/>
+                  <a:ea typeface="PT Sans Narrow" charset="-52"/>
+                  <a:cs typeface="PT Sans Narrow" charset="-52"/>
+                </a:rPr>
+                <a:t>QC (outlier detection)</a:t>
+              </a:r>
+            </a:p>
+            <a:p>
+              <a:endParaRPr kumimoji="1" lang="en-US" altLang="ko-KR" sz="1200" b="1" dirty="0">
+                <a:latin typeface="PT Sans Narrow" charset="-52"/>
+                <a:ea typeface="PT Sans Narrow" charset="-52"/>
+                <a:cs typeface="PT Sans Narrow" charset="-52"/>
+              </a:endParaRPr>
+            </a:p>
+            <a:p>
+              <a:r>
+                <a:rPr kumimoji="1" lang="en-US" altLang="ko-KR" sz="1200" b="1" dirty="0">
+                  <a:latin typeface="PT Sans Narrow" charset="-52"/>
+                  <a:ea typeface="PT Sans Narrow" charset="-52"/>
+                  <a:cs typeface="PT Sans Narrow" charset="-52"/>
+                </a:rPr>
+                <a:t>b1: </a:t>
+              </a:r>
+              <a:r>
+                <a:rPr kumimoji="1" lang="en-US" altLang="ko-KR" sz="1200" dirty="0">
+                  <a:latin typeface="PT Sans Narrow" charset="-52"/>
+                  <a:ea typeface="PT Sans Narrow" charset="-52"/>
+                  <a:cs typeface="PT Sans Narrow" charset="-52"/>
+                </a:rPr>
+                <a:t>Make directories</a:t>
+              </a:r>
+              <a:endParaRPr kumimoji="1" lang="ko-KR" altLang="en-US" sz="1200" dirty="0">
+                <a:latin typeface="PT Sans Narrow" charset="-52"/>
+                <a:ea typeface="PT Sans Narrow" charset="-52"/>
+                <a:cs typeface="PT Sans Narrow" charset="-52"/>
+              </a:endParaRPr>
+            </a:p>
+            <a:p>
+              <a:endParaRPr kumimoji="1" lang="en-US" altLang="ko-KR" sz="1200" dirty="0">
+                <a:latin typeface="PT Sans Narrow" charset="-52"/>
+                <a:ea typeface="PT Sans Narrow" charset="-52"/>
+                <a:cs typeface="PT Sans Narrow" charset="-52"/>
+              </a:endParaRPr>
+            </a:p>
+            <a:p>
+              <a:r>
+                <a:rPr kumimoji="1" lang="en-US" altLang="ko-KR" sz="1200" b="1" dirty="0">
+                  <a:latin typeface="PT Sans Narrow" charset="-52"/>
+                  <a:ea typeface="PT Sans Narrow" charset="-52"/>
+                  <a:cs typeface="PT Sans Narrow" charset="-52"/>
+                </a:rPr>
+                <a:t>b2: implicit mask and mean images</a:t>
+              </a:r>
+            </a:p>
+            <a:p>
+              <a:pPr marL="180975" lvl="1" indent="-173038">
+                <a:buFont typeface="Arial" charset="0"/>
+                <a:buChar char="•"/>
+              </a:pPr>
+              <a:r>
+                <a:rPr kumimoji="1" lang="en-US" altLang="ko-KR" sz="1200" dirty="0">
+                  <a:latin typeface="PT Sans Narrow" charset="-52"/>
+                  <a:ea typeface="PT Sans Narrow" charset="-52"/>
+                  <a:cs typeface="PT Sans Narrow" charset="-52"/>
+                </a:rPr>
+                <a:t>create an implicit mask image</a:t>
+              </a:r>
+            </a:p>
+            <a:p>
+              <a:pPr marL="180975" lvl="1" indent="-173038">
+                <a:buFont typeface="Arial" charset="0"/>
+                <a:buChar char="•"/>
+              </a:pPr>
+              <a:r>
+                <a:rPr kumimoji="1" lang="en-US" altLang="ko-KR" sz="1200" dirty="0">
+                  <a:latin typeface="PT Sans Narrow" charset="-52"/>
+                  <a:ea typeface="PT Sans Narrow" charset="-52"/>
+                  <a:cs typeface="PT Sans Narrow" charset="-52"/>
+                </a:rPr>
+                <a:t>save mean images and </a:t>
+              </a:r>
+              <a:r>
+                <a:rPr kumimoji="1" lang="en-US" altLang="ko-KR" sz="1200" dirty="0" err="1">
+                  <a:latin typeface="PT Sans Narrow" charset="-52"/>
+                  <a:ea typeface="PT Sans Narrow" charset="-52"/>
+                  <a:cs typeface="PT Sans Narrow" charset="-52"/>
+                </a:rPr>
+                <a:t>SBRef</a:t>
+              </a:r>
+              <a:r>
+                <a:rPr kumimoji="1" lang="en-US" altLang="ko-KR" sz="1200" dirty="0">
+                  <a:latin typeface="PT Sans Narrow" charset="-52"/>
+                  <a:ea typeface="PT Sans Narrow" charset="-52"/>
+                  <a:cs typeface="PT Sans Narrow" charset="-52"/>
+                </a:rPr>
+                <a:t> (before </a:t>
+              </a:r>
+              <a:r>
+                <a:rPr kumimoji="1" lang="en-US" altLang="ko-KR" sz="1200" dirty="0" err="1">
+                  <a:latin typeface="PT Sans Narrow" charset="-52"/>
+                  <a:ea typeface="PT Sans Narrow" charset="-52"/>
+                  <a:cs typeface="PT Sans Narrow" charset="-52"/>
+                </a:rPr>
+                <a:t>preproc</a:t>
+              </a:r>
+              <a:r>
+                <a:rPr kumimoji="1" lang="en-US" altLang="ko-KR" sz="1200" dirty="0">
+                  <a:latin typeface="PT Sans Narrow" charset="-52"/>
+                  <a:ea typeface="PT Sans Narrow" charset="-52"/>
+                  <a:cs typeface="PT Sans Narrow" charset="-52"/>
+                </a:rPr>
+                <a:t>) as </a:t>
+              </a:r>
+              <a:r>
+                <a:rPr kumimoji="1" lang="en-US" altLang="ko-KR" sz="1200" dirty="0" err="1">
+                  <a:latin typeface="PT Sans Narrow" charset="-52"/>
+                  <a:ea typeface="PT Sans Narrow" charset="-52"/>
+                  <a:cs typeface="PT Sans Narrow" charset="-52"/>
+                </a:rPr>
+                <a:t>png</a:t>
+              </a:r>
+              <a:r>
+                <a:rPr kumimoji="1" lang="en-US" altLang="ko-KR" sz="1200" dirty="0">
+                  <a:latin typeface="PT Sans Narrow" charset="-52"/>
+                  <a:ea typeface="PT Sans Narrow" charset="-52"/>
+                  <a:cs typeface="PT Sans Narrow" charset="-52"/>
+                </a:rPr>
+                <a:t> in qc directories</a:t>
+              </a:r>
+            </a:p>
+            <a:p>
+              <a:pPr marL="171450" indent="-171450">
+                <a:buFont typeface="Arial" charset="0"/>
+                <a:buChar char="•"/>
+              </a:pPr>
+              <a:endParaRPr kumimoji="1" lang="en-US" altLang="ko-KR" sz="1200" dirty="0">
+                <a:latin typeface="PT Sans Narrow" charset="-52"/>
+                <a:ea typeface="PT Sans Narrow" charset="-52"/>
+                <a:cs typeface="PT Sans Narrow" charset="-52"/>
+              </a:endParaRPr>
+            </a:p>
+            <a:p>
+              <a:r>
+                <a:rPr kumimoji="1" lang="en-US" altLang="ko-KR" sz="1200" b="1" dirty="0">
+                  <a:latin typeface="PT Sans Narrow" charset="-52"/>
+                  <a:ea typeface="PT Sans Narrow" charset="-52"/>
+                  <a:cs typeface="PT Sans Narrow" charset="-52"/>
+                </a:rPr>
+                <a:t>b3: outlier detection</a:t>
+              </a:r>
+            </a:p>
+            <a:p>
+              <a:pPr marL="180975" lvl="1" indent="-173038">
+                <a:buFont typeface="Arial" charset="0"/>
+                <a:buChar char="•"/>
+              </a:pPr>
+              <a:r>
+                <a:rPr kumimoji="1" lang="en-US" altLang="ko-KR" sz="1200" dirty="0">
+                  <a:latin typeface="PT Sans Narrow" charset="-52"/>
+                  <a:ea typeface="PT Sans Narrow" charset="-52"/>
+                  <a:cs typeface="PT Sans Narrow" charset="-52"/>
+                </a:rPr>
+                <a:t>outlier detection based on 1) </a:t>
+              </a:r>
+              <a:r>
+                <a:rPr kumimoji="1" lang="en-US" altLang="ko-KR" sz="1200" dirty="0" err="1">
+                  <a:latin typeface="PT Sans Narrow" charset="-52"/>
+                  <a:ea typeface="PT Sans Narrow" charset="-52"/>
+                  <a:cs typeface="PT Sans Narrow" charset="-52"/>
+                </a:rPr>
+                <a:t>mahalanobis</a:t>
+              </a:r>
+              <a:r>
+                <a:rPr kumimoji="1" lang="en-US" altLang="ko-KR" sz="1200" dirty="0">
+                  <a:latin typeface="PT Sans Narrow" charset="-52"/>
+                  <a:ea typeface="PT Sans Narrow" charset="-52"/>
+                  <a:cs typeface="PT Sans Narrow" charset="-52"/>
+                </a:rPr>
+                <a:t> distance across global mean for slices and spatial STD for slices, as in </a:t>
+              </a:r>
+              <a:r>
+                <a:rPr kumimoji="1" lang="en-US" altLang="ko-KR" sz="1200" dirty="0" err="1">
+                  <a:latin typeface="PT Sans Narrow" charset="-52"/>
+                  <a:ea typeface="PT Sans Narrow" charset="-52"/>
+                  <a:cs typeface="PT Sans Narrow" charset="-52"/>
+                </a:rPr>
+                <a:t>scn_session_spike_id.m</a:t>
+              </a:r>
+              <a:r>
+                <a:rPr kumimoji="1" lang="en-US" altLang="ko-KR" sz="1200" dirty="0">
+                  <a:latin typeface="PT Sans Narrow" charset="-52"/>
+                  <a:ea typeface="PT Sans Narrow" charset="-52"/>
+                  <a:cs typeface="PT Sans Narrow" charset="-52"/>
+                </a:rPr>
+                <a:t> 2) root-mean-square successive differences between images</a:t>
+              </a:r>
+            </a:p>
+          </p:txBody>
+        </p:sp>
+        <p:sp>
+          <p:nvSpPr>
+            <p:cNvPr id="13" name="텍스트 상자 12"/>
+            <p:cNvSpPr txBox="1"/>
+            <p:nvPr/>
+          </p:nvSpPr>
+          <p:spPr>
+            <a:xfrm>
+              <a:off x="620782" y="664935"/>
+              <a:ext cx="1062728" cy="276999"/>
+            </a:xfrm>
+            <a:prstGeom prst="rect">
+              <a:avLst/>
+            </a:prstGeom>
+            <a:solidFill>
+              <a:schemeClr val="bg1"/>
+            </a:solidFill>
+          </p:spPr>
+          <p:txBody>
+            <a:bodyPr wrap="none" rtlCol="0">
+              <a:spAutoFit/>
+            </a:bodyPr>
+            <a:lstStyle/>
+            <a:p>
+              <a:pPr algn="ctr"/>
+              <a:r>
+                <a:rPr kumimoji="1" lang="en-US" altLang="ko-KR" sz="1200" b="1" dirty="0">
+                  <a:latin typeface="PT Sans Narrow" charset="-52"/>
+                  <a:ea typeface="PT Sans Narrow" charset="-52"/>
+                  <a:cs typeface="PT Sans Narrow" charset="-52"/>
+                </a:rPr>
+                <a:t>PART 2 (b1-b3) </a:t>
+              </a:r>
+            </a:p>
+          </p:txBody>
+        </p:sp>
+      </p:grpSp>
+      <p:grpSp>
+        <p:nvGrpSpPr>
+          <p:cNvPr id="16" name="그룹 15"/>
+          <p:cNvGrpSpPr/>
+          <p:nvPr/>
+        </p:nvGrpSpPr>
+        <p:grpSpPr>
+          <a:xfrm>
+            <a:off x="2263498" y="4228369"/>
+            <a:ext cx="3165528" cy="3196078"/>
+            <a:chOff x="393192" y="664935"/>
+            <a:chExt cx="3165528" cy="3196078"/>
+          </a:xfrm>
+        </p:grpSpPr>
+        <p:sp>
+          <p:nvSpPr>
+            <p:cNvPr id="17" name="직사각형 16"/>
+            <p:cNvSpPr/>
+            <p:nvPr/>
+          </p:nvSpPr>
+          <p:spPr>
+            <a:xfrm>
+              <a:off x="393192" y="795527"/>
+              <a:ext cx="3165528" cy="2979485"/>
+            </a:xfrm>
+            <a:prstGeom prst="rect">
+              <a:avLst/>
+            </a:prstGeom>
+            <a:noFill/>
+            <a:ln w="19050">
               <a:solidFill>
-                <a:schemeClr val="bg1"/>
+                <a:schemeClr val="tx1">
+                  <a:lumMod val="65000"/>
+                  <a:lumOff val="35000"/>
+                </a:schemeClr>
               </a:solidFill>
-            </p:spPr>
-            <p:txBody>
-              <a:bodyPr wrap="none" rtlCol="0">
-                <a:spAutoFit/>
-              </a:bodyPr>
-              <a:lstStyle/>
-              <a:p>
-                <a:pPr algn="ctr"/>
-                <a:r>
-                  <a:rPr kumimoji="1" lang="en-US" altLang="ko-KR" sz="1200" b="1" dirty="0" smtClean="0">
-                    <a:latin typeface="PT Sans Narrow" charset="-52"/>
-                    <a:ea typeface="PT Sans Narrow" charset="-52"/>
-                    <a:cs typeface="PT Sans Narrow" charset="-52"/>
-                  </a:rPr>
-                  <a:t>PART 1 (a1-a4)</a:t>
-                </a:r>
-              </a:p>
-            </p:txBody>
-          </p:sp>
-        </p:grpSp>
-        <p:grpSp>
-          <p:nvGrpSpPr>
-            <p:cNvPr id="10" name="그룹 9"/>
-            <p:cNvGrpSpPr/>
+            </a:ln>
+          </p:spPr>
+          <p:style>
+            <a:lnRef idx="2">
+              <a:schemeClr val="accent1">
+                <a:shade val="50000"/>
+              </a:schemeClr>
+            </a:lnRef>
+            <a:fillRef idx="1">
+              <a:schemeClr val="accent1"/>
+            </a:fillRef>
+            <a:effectRef idx="0">
+              <a:schemeClr val="accent1"/>
+            </a:effectRef>
+            <a:fontRef idx="minor">
+              <a:schemeClr val="lt1"/>
+            </a:fontRef>
+          </p:style>
+          <p:txBody>
+            <a:bodyPr rtlCol="0" anchor="ctr"/>
+            <a:lstStyle/>
+            <a:p>
+              <a:pPr algn="ctr"/>
+              <a:endParaRPr kumimoji="1" lang="ko-KR" altLang="en-US"/>
+            </a:p>
+          </p:txBody>
+        </p:sp>
+        <p:sp>
+          <p:nvSpPr>
+            <p:cNvPr id="18" name="텍스트 상자 17"/>
+            <p:cNvSpPr txBox="1"/>
             <p:nvPr/>
-          </p:nvGrpSpPr>
-          <p:grpSpPr>
+          </p:nvSpPr>
+          <p:spPr>
             <a:xfrm>
-              <a:off x="2263498" y="664935"/>
-              <a:ext cx="3165528" cy="3852201"/>
-              <a:chOff x="393192" y="664935"/>
-              <a:chExt cx="3165528" cy="3852201"/>
+              <a:off x="509599" y="998691"/>
+              <a:ext cx="2914426" cy="2862322"/>
             </a:xfrm>
-          </p:grpSpPr>
-          <p:sp>
-            <p:nvSpPr>
-              <p:cNvPr id="11" name="직사각형 10"/>
-              <p:cNvSpPr/>
-              <p:nvPr/>
-            </p:nvSpPr>
-            <p:spPr>
-              <a:xfrm>
-                <a:off x="393192" y="795528"/>
-                <a:ext cx="3165528" cy="3721608"/>
-              </a:xfrm>
-              <a:prstGeom prst="rect">
-                <a:avLst/>
-              </a:prstGeom>
-              <a:noFill/>
-              <a:ln w="19050">
-                <a:solidFill>
-                  <a:schemeClr val="tx1">
-                    <a:lumMod val="65000"/>
-                    <a:lumOff val="35000"/>
-                  </a:schemeClr>
-                </a:solidFill>
-              </a:ln>
-            </p:spPr>
-            <p:style>
-              <a:lnRef idx="2">
-                <a:schemeClr val="accent1">
-                  <a:shade val="50000"/>
+            <a:prstGeom prst="rect">
+              <a:avLst/>
+            </a:prstGeom>
+            <a:noFill/>
+          </p:spPr>
+          <p:txBody>
+            <a:bodyPr wrap="square" rtlCol="0">
+              <a:spAutoFit/>
+            </a:bodyPr>
+            <a:lstStyle/>
+            <a:p>
+              <a:r>
+                <a:rPr kumimoji="1" lang="en-US" altLang="ko-KR" sz="1200" b="1" dirty="0">
+                  <a:solidFill>
+                    <a:srgbClr val="0070C0"/>
+                  </a:solidFill>
+                  <a:latin typeface="PT Sans Narrow" charset="-52"/>
+                  <a:ea typeface="PT Sans Narrow" charset="-52"/>
+                  <a:cs typeface="PT Sans Narrow" charset="-52"/>
+                </a:rPr>
+                <a:t>Functional images</a:t>
+              </a:r>
+            </a:p>
+            <a:p>
+              <a:r>
+                <a:rPr kumimoji="1" lang="en-US" altLang="ko-KR" sz="1200" dirty="0">
+                  <a:solidFill>
+                    <a:srgbClr val="0070C0"/>
+                  </a:solidFill>
+                  <a:latin typeface="PT Sans Narrow" charset="-52"/>
+                  <a:ea typeface="PT Sans Narrow" charset="-52"/>
+                  <a:cs typeface="PT Sans Narrow" charset="-52"/>
+                </a:rPr>
+                <a:t>Slice timing, motion, distortion correction</a:t>
+              </a:r>
+            </a:p>
+            <a:p>
+              <a:endParaRPr kumimoji="1" lang="en-US" altLang="ko-KR" sz="1200" b="1" dirty="0">
+                <a:latin typeface="PT Sans Narrow" charset="-52"/>
+                <a:ea typeface="PT Sans Narrow" charset="-52"/>
+                <a:cs typeface="PT Sans Narrow" charset="-52"/>
+              </a:endParaRPr>
+            </a:p>
+            <a:p>
+              <a:r>
+                <a:rPr kumimoji="1" lang="en-US" altLang="ko-KR" sz="1200" b="1" dirty="0">
+                  <a:latin typeface="PT Sans Narrow" charset="-52"/>
+                  <a:ea typeface="PT Sans Narrow" charset="-52"/>
+                  <a:cs typeface="PT Sans Narrow" charset="-52"/>
+                </a:rPr>
+                <a:t>b4: slice timing correction</a:t>
+              </a:r>
+              <a:r>
+                <a:rPr kumimoji="1" lang="en-US" altLang="ko-KR" sz="1200" dirty="0">
+                  <a:latin typeface="PT Sans Narrow" charset="-52"/>
+                  <a:ea typeface="PT Sans Narrow" charset="-52"/>
+                  <a:cs typeface="PT Sans Narrow" charset="-52"/>
+                </a:rPr>
+                <a:t> </a:t>
+              </a:r>
+            </a:p>
+            <a:p>
+              <a:pPr marL="171450" indent="-171450">
+                <a:buFont typeface="Arial" charset="0"/>
+                <a:buChar char="•"/>
+              </a:pPr>
+              <a:r>
+                <a:rPr kumimoji="1" lang="en-US" altLang="ko-KR" sz="1200" dirty="0">
+                  <a:latin typeface="PT Sans Narrow" charset="-52"/>
+                  <a:ea typeface="PT Sans Narrow" charset="-52"/>
+                  <a:cs typeface="PT Sans Narrow" charset="-52"/>
+                </a:rPr>
+                <a:t>It works with multi-band sequence</a:t>
+              </a:r>
+            </a:p>
+            <a:p>
+              <a:pPr marL="171450" indent="-171450">
+                <a:buFont typeface="Arial" charset="0"/>
+                <a:buChar char="•"/>
+              </a:pPr>
+              <a:r>
+                <a:rPr kumimoji="1" lang="en-US" altLang="ko-KR" sz="1200" dirty="0">
+                  <a:latin typeface="PT Sans Narrow" charset="-52"/>
+                  <a:ea typeface="PT Sans Narrow" charset="-52"/>
+                  <a:cs typeface="PT Sans Narrow" charset="-52"/>
+                </a:rPr>
+                <a:t>It reads the actual acquisition timing from </a:t>
+              </a:r>
+              <a:r>
+                <a:rPr kumimoji="1" lang="en-US" altLang="ko-KR" sz="1200" dirty="0" err="1">
+                  <a:latin typeface="PT Sans Narrow" charset="-52"/>
+                  <a:ea typeface="PT Sans Narrow" charset="-52"/>
+                  <a:cs typeface="PT Sans Narrow" charset="-52"/>
+                </a:rPr>
+                <a:t>dicom</a:t>
+              </a:r>
+              <a:r>
+                <a:rPr kumimoji="1" lang="en-US" altLang="ko-KR" sz="1200" dirty="0">
+                  <a:latin typeface="PT Sans Narrow" charset="-52"/>
+                  <a:ea typeface="PT Sans Narrow" charset="-52"/>
+                  <a:cs typeface="PT Sans Narrow" charset="-52"/>
+                </a:rPr>
+                <a:t> header.</a:t>
+              </a:r>
+              <a:endParaRPr kumimoji="1" lang="en-US" altLang="ko-KR" sz="1200" b="1" dirty="0">
+                <a:latin typeface="PT Sans Narrow" charset="-52"/>
+                <a:ea typeface="PT Sans Narrow" charset="-52"/>
+                <a:cs typeface="PT Sans Narrow" charset="-52"/>
+              </a:endParaRPr>
+            </a:p>
+            <a:p>
+              <a:endParaRPr kumimoji="1" lang="en-US" altLang="ko-KR" sz="1200" b="1" dirty="0">
+                <a:latin typeface="PT Sans Narrow" charset="-52"/>
+                <a:ea typeface="PT Sans Narrow" charset="-52"/>
+                <a:cs typeface="PT Sans Narrow" charset="-52"/>
+              </a:endParaRPr>
+            </a:p>
+            <a:p>
+              <a:r>
+                <a:rPr kumimoji="1" lang="en-US" altLang="ko-KR" sz="1200" b="1" dirty="0">
+                  <a:latin typeface="PT Sans Narrow" charset="-52"/>
+                  <a:ea typeface="PT Sans Narrow" charset="-52"/>
+                  <a:cs typeface="PT Sans Narrow" charset="-52"/>
+                </a:rPr>
+                <a:t>b5: motion correction (realignment)</a:t>
+              </a:r>
+            </a:p>
+            <a:p>
+              <a:pPr marL="171450" lvl="1" indent="-171450">
+                <a:buFont typeface="Arial" charset="0"/>
+                <a:buChar char="•"/>
+              </a:pPr>
+              <a:r>
+                <a:rPr kumimoji="1" lang="en-US" altLang="ko-KR" sz="1200" dirty="0">
+                  <a:latin typeface="PT Sans Narrow" charset="-52"/>
+                  <a:ea typeface="PT Sans Narrow" charset="-52"/>
+                  <a:cs typeface="PT Sans Narrow" charset="-52"/>
+                </a:rPr>
+                <a:t>It uses the first functional image or </a:t>
+              </a:r>
+              <a:r>
+                <a:rPr kumimoji="1" lang="en-US" altLang="ko-KR" sz="1200" dirty="0" err="1">
+                  <a:latin typeface="PT Sans Narrow" charset="-52"/>
+                  <a:ea typeface="PT Sans Narrow" charset="-52"/>
+                  <a:cs typeface="PT Sans Narrow" charset="-52"/>
+                </a:rPr>
+                <a:t>SBRef</a:t>
+              </a:r>
+              <a:r>
+                <a:rPr kumimoji="1" lang="en-US" altLang="ko-KR" sz="1200" dirty="0">
+                  <a:latin typeface="PT Sans Narrow" charset="-52"/>
+                  <a:ea typeface="PT Sans Narrow" charset="-52"/>
+                  <a:cs typeface="PT Sans Narrow" charset="-52"/>
+                </a:rPr>
+                <a:t> (you can choose) as a reference. </a:t>
+              </a:r>
+            </a:p>
+            <a:p>
+              <a:pPr marL="171450" lvl="1" indent="-171450">
+                <a:buFont typeface="Arial" charset="0"/>
+                <a:buChar char="•"/>
+              </a:pPr>
+              <a:r>
+                <a:rPr kumimoji="1" lang="en-US" altLang="ko-KR" sz="1200" dirty="0">
+                  <a:latin typeface="PT Sans Narrow" charset="-52"/>
+                  <a:ea typeface="PT Sans Narrow" charset="-52"/>
+                  <a:cs typeface="PT Sans Narrow" charset="-52"/>
+                </a:rPr>
+                <a:t>It saves 6 movement parameters for each run</a:t>
+              </a:r>
+            </a:p>
+            <a:p>
+              <a:pPr marL="171450" lvl="1" indent="-171450">
+                <a:buFont typeface="Arial" charset="0"/>
+                <a:buChar char="•"/>
+              </a:pPr>
+              <a:endParaRPr kumimoji="1" lang="en-US" altLang="ko-KR" sz="1200" dirty="0">
+                <a:latin typeface="PT Sans Narrow" charset="-52"/>
+                <a:ea typeface="PT Sans Narrow" charset="-52"/>
+                <a:cs typeface="PT Sans Narrow" charset="-52"/>
+              </a:endParaRPr>
+            </a:p>
+            <a:p>
+              <a:pPr marL="0" lvl="1"/>
+              <a:r>
+                <a:rPr kumimoji="1" lang="en-US" altLang="ko-KR" sz="1200" b="1" dirty="0">
+                  <a:latin typeface="PT Sans Narrow" charset="-52"/>
+                  <a:ea typeface="PT Sans Narrow" charset="-52"/>
+                  <a:cs typeface="PT Sans Narrow" charset="-52"/>
+                </a:rPr>
+                <a:t>b6: distortion correction</a:t>
+              </a:r>
+              <a:r>
+                <a:rPr kumimoji="1" lang="en-US" altLang="ko-KR" sz="1200" dirty="0">
+                  <a:latin typeface="PT Sans Narrow" charset="-52"/>
+                  <a:ea typeface="PT Sans Narrow" charset="-52"/>
+                  <a:cs typeface="PT Sans Narrow" charset="-52"/>
+                </a:rPr>
+                <a:t> (using FSL’s </a:t>
+              </a:r>
+              <a:r>
+                <a:rPr kumimoji="1" lang="en-US" altLang="ko-KR" sz="1200" dirty="0" err="1">
+                  <a:latin typeface="PT Sans Narrow" charset="-52"/>
+                  <a:ea typeface="PT Sans Narrow" charset="-52"/>
+                  <a:cs typeface="PT Sans Narrow" charset="-52"/>
+                </a:rPr>
+                <a:t>topup</a:t>
+              </a:r>
+              <a:r>
+                <a:rPr kumimoji="1" lang="en-US" altLang="ko-KR" sz="1200" dirty="0">
+                  <a:latin typeface="PT Sans Narrow" charset="-52"/>
+                  <a:ea typeface="PT Sans Narrow" charset="-52"/>
+                  <a:cs typeface="PT Sans Narrow" charset="-52"/>
+                </a:rPr>
+                <a:t>)</a:t>
+              </a:r>
+            </a:p>
+            <a:p>
+              <a:pPr marL="171450" lvl="1" indent="-171450">
+                <a:buFont typeface="Arial" charset="0"/>
+                <a:buChar char="•"/>
+              </a:pPr>
+              <a:endParaRPr kumimoji="1" lang="en-US" altLang="ko-KR" sz="1200" dirty="0">
+                <a:latin typeface="PT Sans Narrow" charset="-52"/>
+                <a:ea typeface="PT Sans Narrow" charset="-52"/>
+                <a:cs typeface="PT Sans Narrow" charset="-52"/>
+              </a:endParaRPr>
+            </a:p>
+          </p:txBody>
+        </p:sp>
+        <p:sp>
+          <p:nvSpPr>
+            <p:cNvPr id="19" name="텍스트 상자 18"/>
+            <p:cNvSpPr txBox="1"/>
+            <p:nvPr/>
+          </p:nvSpPr>
+          <p:spPr>
+            <a:xfrm>
+              <a:off x="620782" y="664935"/>
+              <a:ext cx="1062728" cy="276999"/>
+            </a:xfrm>
+            <a:prstGeom prst="rect">
+              <a:avLst/>
+            </a:prstGeom>
+            <a:solidFill>
+              <a:schemeClr val="bg1"/>
+            </a:solidFill>
+          </p:spPr>
+          <p:txBody>
+            <a:bodyPr wrap="none" rtlCol="0">
+              <a:spAutoFit/>
+            </a:bodyPr>
+            <a:lstStyle/>
+            <a:p>
+              <a:pPr algn="ctr"/>
+              <a:r>
+                <a:rPr kumimoji="1" lang="en-US" altLang="ko-KR" sz="1200" b="1" dirty="0">
+                  <a:latin typeface="PT Sans Narrow" charset="-52"/>
+                  <a:ea typeface="PT Sans Narrow" charset="-52"/>
+                  <a:cs typeface="PT Sans Narrow" charset="-52"/>
+                </a:rPr>
+                <a:t>PART 3 (b4-b6) </a:t>
+              </a:r>
+            </a:p>
+          </p:txBody>
+        </p:sp>
+      </p:grpSp>
+      <p:grpSp>
+        <p:nvGrpSpPr>
+          <p:cNvPr id="20" name="그룹 19"/>
+          <p:cNvGrpSpPr/>
+          <p:nvPr/>
+        </p:nvGrpSpPr>
+        <p:grpSpPr>
+          <a:xfrm>
+            <a:off x="5855087" y="664935"/>
+            <a:ext cx="3165528" cy="2793882"/>
+            <a:chOff x="393192" y="664935"/>
+            <a:chExt cx="3165528" cy="2793882"/>
+          </a:xfrm>
+        </p:grpSpPr>
+        <p:sp>
+          <p:nvSpPr>
+            <p:cNvPr id="21" name="직사각형 20"/>
+            <p:cNvSpPr/>
+            <p:nvPr/>
+          </p:nvSpPr>
+          <p:spPr>
+            <a:xfrm>
+              <a:off x="393192" y="795528"/>
+              <a:ext cx="3165528" cy="2663289"/>
+            </a:xfrm>
+            <a:prstGeom prst="rect">
+              <a:avLst/>
+            </a:prstGeom>
+            <a:noFill/>
+            <a:ln w="19050">
+              <a:solidFill>
+                <a:schemeClr val="tx1">
+                  <a:lumMod val="65000"/>
+                  <a:lumOff val="35000"/>
                 </a:schemeClr>
-              </a:lnRef>
-              <a:fillRef idx="1">
-                <a:schemeClr val="accent1"/>
-              </a:fillRef>
-              <a:effectRef idx="0">
-                <a:schemeClr val="accent1"/>
-              </a:effectRef>
-              <a:fontRef idx="minor">
-                <a:schemeClr val="lt1"/>
-              </a:fontRef>
-            </p:style>
-            <p:txBody>
-              <a:bodyPr rtlCol="0" anchor="ctr"/>
-              <a:lstStyle/>
-              <a:p>
-                <a:pPr algn="ctr"/>
-                <a:endParaRPr kumimoji="1" lang="ko-KR" altLang="en-US"/>
-              </a:p>
-            </p:txBody>
-          </p:sp>
-          <p:sp>
-            <p:nvSpPr>
-              <p:cNvPr id="12" name="텍스트 상자 11"/>
-              <p:cNvSpPr txBox="1"/>
-              <p:nvPr/>
-            </p:nvSpPr>
-            <p:spPr>
-              <a:xfrm>
-                <a:off x="509599" y="998691"/>
-                <a:ext cx="2914426" cy="3416320"/>
-              </a:xfrm>
-              <a:prstGeom prst="rect">
-                <a:avLst/>
-              </a:prstGeom>
-              <a:noFill/>
-            </p:spPr>
-            <p:txBody>
-              <a:bodyPr wrap="square" rtlCol="0">
-                <a:spAutoFit/>
-              </a:bodyPr>
-              <a:lstStyle/>
-              <a:p>
-                <a:r>
-                  <a:rPr kumimoji="1" lang="en-US" altLang="ko-KR" sz="1200" b="1" dirty="0" smtClean="0">
-                    <a:solidFill>
-                      <a:srgbClr val="0070C0"/>
-                    </a:solidFill>
-                    <a:latin typeface="PT Sans Narrow" charset="-52"/>
-                    <a:ea typeface="PT Sans Narrow" charset="-52"/>
-                    <a:cs typeface="PT Sans Narrow" charset="-52"/>
-                  </a:rPr>
-                  <a:t>Functional images</a:t>
-                </a:r>
-              </a:p>
-              <a:p>
-                <a:r>
-                  <a:rPr kumimoji="1" lang="en-US" altLang="ko-KR" sz="1200" dirty="0" smtClean="0">
-                    <a:solidFill>
-                      <a:srgbClr val="0070C0"/>
-                    </a:solidFill>
-                    <a:latin typeface="PT Sans Narrow" charset="-52"/>
-                    <a:ea typeface="PT Sans Narrow" charset="-52"/>
-                    <a:cs typeface="PT Sans Narrow" charset="-52"/>
-                  </a:rPr>
-                  <a:t>Distortion correction and QC (outlier detection)</a:t>
-                </a:r>
-              </a:p>
-              <a:p>
-                <a:endParaRPr kumimoji="1" lang="en-US" altLang="ko-KR" sz="1200" b="1" dirty="0">
-                  <a:latin typeface="PT Sans Narrow" charset="-52"/>
-                  <a:ea typeface="PT Sans Narrow" charset="-52"/>
-                  <a:cs typeface="PT Sans Narrow" charset="-52"/>
-                </a:endParaRPr>
-              </a:p>
-              <a:p>
-                <a:r>
-                  <a:rPr kumimoji="1" lang="en-US" altLang="ko-KR" sz="1200" b="1" dirty="0" smtClean="0">
-                    <a:latin typeface="PT Sans Narrow" charset="-52"/>
-                    <a:ea typeface="PT Sans Narrow" charset="-52"/>
-                    <a:cs typeface="PT Sans Narrow" charset="-52"/>
-                  </a:rPr>
-                  <a:t>b1: </a:t>
-                </a:r>
-                <a:r>
-                  <a:rPr kumimoji="1" lang="en-US" altLang="ko-KR" sz="1200" dirty="0" smtClean="0">
-                    <a:latin typeface="PT Sans Narrow" charset="-52"/>
-                    <a:ea typeface="PT Sans Narrow" charset="-52"/>
-                    <a:cs typeface="PT Sans Narrow" charset="-52"/>
-                  </a:rPr>
-                  <a:t>Make directories</a:t>
-                </a:r>
-                <a:endParaRPr kumimoji="1" lang="ko-KR" altLang="en-US" sz="1200" dirty="0" smtClean="0">
-                  <a:latin typeface="PT Sans Narrow" charset="-52"/>
-                  <a:ea typeface="PT Sans Narrow" charset="-52"/>
-                  <a:cs typeface="PT Sans Narrow" charset="-52"/>
-                </a:endParaRPr>
-              </a:p>
-              <a:p>
-                <a:endParaRPr kumimoji="1" lang="en-US" altLang="ko-KR" sz="1200" b="1" dirty="0" smtClean="0">
-                  <a:latin typeface="PT Sans Narrow" charset="-52"/>
-                  <a:ea typeface="PT Sans Narrow" charset="-52"/>
-                  <a:cs typeface="PT Sans Narrow" charset="-52"/>
-                </a:endParaRPr>
-              </a:p>
-              <a:p>
-                <a:r>
-                  <a:rPr kumimoji="1" lang="en-US" altLang="ko-KR" sz="1200" b="1" dirty="0" smtClean="0">
-                    <a:latin typeface="PT Sans Narrow" charset="-52"/>
-                    <a:ea typeface="PT Sans Narrow" charset="-52"/>
-                    <a:cs typeface="PT Sans Narrow" charset="-52"/>
-                  </a:rPr>
-                  <a:t>b2: </a:t>
-                </a:r>
-                <a:r>
-                  <a:rPr kumimoji="1" lang="en-US" altLang="ko-KR" sz="1200" dirty="0" smtClean="0">
-                    <a:latin typeface="PT Sans Narrow" charset="-52"/>
-                    <a:ea typeface="PT Sans Narrow" charset="-52"/>
-                    <a:cs typeface="PT Sans Narrow" charset="-52"/>
-                  </a:rPr>
-                  <a:t>distortion correction (using FSL’s </a:t>
-                </a:r>
-                <a:r>
-                  <a:rPr kumimoji="1" lang="en-US" altLang="ko-KR" sz="1200" dirty="0" err="1" smtClean="0">
-                    <a:latin typeface="PT Sans Narrow" charset="-52"/>
-                    <a:ea typeface="PT Sans Narrow" charset="-52"/>
-                    <a:cs typeface="PT Sans Narrow" charset="-52"/>
-                  </a:rPr>
-                  <a:t>topup</a:t>
-                </a:r>
-                <a:r>
-                  <a:rPr kumimoji="1" lang="en-US" altLang="ko-KR" sz="1200" dirty="0" smtClean="0">
-                    <a:latin typeface="PT Sans Narrow" charset="-52"/>
-                    <a:ea typeface="PT Sans Narrow" charset="-52"/>
-                    <a:cs typeface="PT Sans Narrow" charset="-52"/>
-                  </a:rPr>
-                  <a:t>)</a:t>
-                </a:r>
-              </a:p>
-              <a:p>
-                <a:pPr marL="171450" indent="-171450">
-                  <a:buFont typeface="Arial" charset="0"/>
-                  <a:buChar char="•"/>
-                </a:pPr>
-                <a:endParaRPr kumimoji="1" lang="en-US" altLang="ko-KR" sz="1200" dirty="0" smtClean="0">
-                  <a:latin typeface="PT Sans Narrow" charset="-52"/>
-                  <a:ea typeface="PT Sans Narrow" charset="-52"/>
-                  <a:cs typeface="PT Sans Narrow" charset="-52"/>
-                </a:endParaRPr>
-              </a:p>
-              <a:p>
-                <a:r>
-                  <a:rPr kumimoji="1" lang="en-US" altLang="ko-KR" sz="1200" b="1" dirty="0" smtClean="0">
-                    <a:latin typeface="PT Sans Narrow" charset="-52"/>
-                    <a:ea typeface="PT Sans Narrow" charset="-52"/>
-                    <a:cs typeface="PT Sans Narrow" charset="-52"/>
-                  </a:rPr>
-                  <a:t>b3: implicit mask and mean images</a:t>
-                </a:r>
-              </a:p>
-              <a:p>
-                <a:pPr marL="180975" lvl="1" indent="-173038">
-                  <a:buFont typeface="Arial" charset="0"/>
-                  <a:buChar char="•"/>
-                </a:pPr>
-                <a:r>
-                  <a:rPr kumimoji="1" lang="en-US" altLang="ko-KR" sz="1200" dirty="0" smtClean="0">
-                    <a:latin typeface="PT Sans Narrow" charset="-52"/>
-                    <a:ea typeface="PT Sans Narrow" charset="-52"/>
-                    <a:cs typeface="PT Sans Narrow" charset="-52"/>
-                  </a:rPr>
-                  <a:t>create an implicit mask image</a:t>
-                </a:r>
-              </a:p>
-              <a:p>
-                <a:pPr marL="180975" lvl="1" indent="-173038">
-                  <a:buFont typeface="Arial" charset="0"/>
-                  <a:buChar char="•"/>
-                </a:pPr>
-                <a:r>
-                  <a:rPr kumimoji="1" lang="en-US" altLang="ko-KR" sz="1200" dirty="0" smtClean="0">
-                    <a:latin typeface="PT Sans Narrow" charset="-52"/>
-                    <a:ea typeface="PT Sans Narrow" charset="-52"/>
-                    <a:cs typeface="PT Sans Narrow" charset="-52"/>
-                  </a:rPr>
-                  <a:t>save mean images and </a:t>
-                </a:r>
-                <a:r>
-                  <a:rPr kumimoji="1" lang="en-US" altLang="ko-KR" sz="1200" dirty="0" err="1" smtClean="0">
-                    <a:latin typeface="PT Sans Narrow" charset="-52"/>
-                    <a:ea typeface="PT Sans Narrow" charset="-52"/>
-                    <a:cs typeface="PT Sans Narrow" charset="-52"/>
-                  </a:rPr>
-                  <a:t>SBRef</a:t>
-                </a:r>
-                <a:r>
-                  <a:rPr kumimoji="1" lang="en-US" altLang="ko-KR" sz="1200" dirty="0" smtClean="0">
-                    <a:latin typeface="PT Sans Narrow" charset="-52"/>
-                    <a:ea typeface="PT Sans Narrow" charset="-52"/>
-                    <a:cs typeface="PT Sans Narrow" charset="-52"/>
-                  </a:rPr>
-                  <a:t> (before </a:t>
-                </a:r>
-                <a:r>
-                  <a:rPr kumimoji="1" lang="en-US" altLang="ko-KR" sz="1200" dirty="0" err="1" smtClean="0">
-                    <a:latin typeface="PT Sans Narrow" charset="-52"/>
-                    <a:ea typeface="PT Sans Narrow" charset="-52"/>
-                    <a:cs typeface="PT Sans Narrow" charset="-52"/>
-                  </a:rPr>
-                  <a:t>preproc</a:t>
-                </a:r>
-                <a:r>
-                  <a:rPr kumimoji="1" lang="en-US" altLang="ko-KR" sz="1200" dirty="0" smtClean="0">
-                    <a:latin typeface="PT Sans Narrow" charset="-52"/>
-                    <a:ea typeface="PT Sans Narrow" charset="-52"/>
-                    <a:cs typeface="PT Sans Narrow" charset="-52"/>
-                  </a:rPr>
-                  <a:t>) as </a:t>
-                </a:r>
-                <a:r>
-                  <a:rPr kumimoji="1" lang="en-US" altLang="ko-KR" sz="1200" dirty="0" err="1" smtClean="0">
-                    <a:latin typeface="PT Sans Narrow" charset="-52"/>
-                    <a:ea typeface="PT Sans Narrow" charset="-52"/>
-                    <a:cs typeface="PT Sans Narrow" charset="-52"/>
-                  </a:rPr>
-                  <a:t>png</a:t>
-                </a:r>
-                <a:r>
-                  <a:rPr kumimoji="1" lang="en-US" altLang="ko-KR" sz="1200" dirty="0" smtClean="0">
-                    <a:latin typeface="PT Sans Narrow" charset="-52"/>
-                    <a:ea typeface="PT Sans Narrow" charset="-52"/>
-                    <a:cs typeface="PT Sans Narrow" charset="-52"/>
-                  </a:rPr>
-                  <a:t> in qc directories</a:t>
-                </a:r>
-              </a:p>
-              <a:p>
-                <a:pPr marL="171450" indent="-171450">
-                  <a:buFont typeface="Arial" charset="0"/>
-                  <a:buChar char="•"/>
-                </a:pPr>
-                <a:endParaRPr kumimoji="1" lang="en-US" altLang="ko-KR" sz="1200" dirty="0" smtClean="0">
-                  <a:latin typeface="PT Sans Narrow" charset="-52"/>
-                  <a:ea typeface="PT Sans Narrow" charset="-52"/>
-                  <a:cs typeface="PT Sans Narrow" charset="-52"/>
-                </a:endParaRPr>
-              </a:p>
-              <a:p>
-                <a:r>
-                  <a:rPr kumimoji="1" lang="en-US" altLang="ko-KR" sz="1200" b="1" dirty="0" smtClean="0">
-                    <a:latin typeface="PT Sans Narrow" charset="-52"/>
-                    <a:ea typeface="PT Sans Narrow" charset="-52"/>
-                    <a:cs typeface="PT Sans Narrow" charset="-52"/>
-                  </a:rPr>
-                  <a:t>b4: outlier detection</a:t>
-                </a:r>
-              </a:p>
-              <a:p>
-                <a:pPr marL="180975" lvl="1" indent="-173038">
-                  <a:buFont typeface="Arial" charset="0"/>
-                  <a:buChar char="•"/>
-                </a:pPr>
-                <a:r>
-                  <a:rPr kumimoji="1" lang="en-US" altLang="ko-KR" sz="1200" dirty="0">
-                    <a:latin typeface="PT Sans Narrow" charset="-52"/>
-                    <a:ea typeface="PT Sans Narrow" charset="-52"/>
-                    <a:cs typeface="PT Sans Narrow" charset="-52"/>
-                  </a:rPr>
-                  <a:t>o</a:t>
-                </a:r>
-                <a:r>
-                  <a:rPr kumimoji="1" lang="en-US" altLang="ko-KR" sz="1200" dirty="0" smtClean="0">
-                    <a:latin typeface="PT Sans Narrow" charset="-52"/>
-                    <a:ea typeface="PT Sans Narrow" charset="-52"/>
-                    <a:cs typeface="PT Sans Narrow" charset="-52"/>
-                  </a:rPr>
-                  <a:t>utlier detection based on 1) </a:t>
-                </a:r>
-                <a:r>
-                  <a:rPr kumimoji="1" lang="en-US" altLang="ko-KR" sz="1200" dirty="0" err="1" smtClean="0">
-                    <a:latin typeface="PT Sans Narrow" charset="-52"/>
-                    <a:ea typeface="PT Sans Narrow" charset="-52"/>
-                    <a:cs typeface="PT Sans Narrow" charset="-52"/>
-                  </a:rPr>
-                  <a:t>mahalanobis</a:t>
-                </a:r>
-                <a:r>
-                  <a:rPr kumimoji="1" lang="en-US" altLang="ko-KR" sz="1200" dirty="0" smtClean="0">
-                    <a:latin typeface="PT Sans Narrow" charset="-52"/>
-                    <a:ea typeface="PT Sans Narrow" charset="-52"/>
-                    <a:cs typeface="PT Sans Narrow" charset="-52"/>
-                  </a:rPr>
-                  <a:t> distance across global mean for slices and spatial STD for slices, as in </a:t>
-                </a:r>
-                <a:r>
-                  <a:rPr kumimoji="1" lang="en-US" altLang="ko-KR" sz="1200" dirty="0" err="1" smtClean="0">
-                    <a:latin typeface="PT Sans Narrow" charset="-52"/>
-                    <a:ea typeface="PT Sans Narrow" charset="-52"/>
-                    <a:cs typeface="PT Sans Narrow" charset="-52"/>
-                  </a:rPr>
-                  <a:t>scn_session_spike_id.m</a:t>
-                </a:r>
-                <a:r>
-                  <a:rPr kumimoji="1" lang="en-US" altLang="ko-KR" sz="1200" dirty="0" smtClean="0">
-                    <a:latin typeface="PT Sans Narrow" charset="-52"/>
-                    <a:ea typeface="PT Sans Narrow" charset="-52"/>
-                    <a:cs typeface="PT Sans Narrow" charset="-52"/>
-                  </a:rPr>
-                  <a:t> 2) root-mean-square successive differences between images</a:t>
-                </a:r>
-              </a:p>
-            </p:txBody>
-          </p:sp>
-          <p:sp>
-            <p:nvSpPr>
-              <p:cNvPr id="13" name="텍스트 상자 12"/>
-              <p:cNvSpPr txBox="1"/>
-              <p:nvPr/>
-            </p:nvSpPr>
-            <p:spPr>
-              <a:xfrm>
-                <a:off x="601546" y="664935"/>
-                <a:ext cx="1101199" cy="276999"/>
-              </a:xfrm>
-              <a:prstGeom prst="rect">
-                <a:avLst/>
-              </a:prstGeom>
+              </a:solidFill>
+            </a:ln>
+          </p:spPr>
+          <p:style>
+            <a:lnRef idx="2">
+              <a:schemeClr val="accent1">
+                <a:shade val="50000"/>
+              </a:schemeClr>
+            </a:lnRef>
+            <a:fillRef idx="1">
+              <a:schemeClr val="accent1"/>
+            </a:fillRef>
+            <a:effectRef idx="0">
+              <a:schemeClr val="accent1"/>
+            </a:effectRef>
+            <a:fontRef idx="minor">
+              <a:schemeClr val="lt1"/>
+            </a:fontRef>
+          </p:style>
+          <p:txBody>
+            <a:bodyPr rtlCol="0" anchor="ctr"/>
+            <a:lstStyle/>
+            <a:p>
+              <a:pPr algn="ctr"/>
+              <a:endParaRPr kumimoji="1" lang="ko-KR" altLang="en-US"/>
+            </a:p>
+          </p:txBody>
+        </p:sp>
+        <p:sp>
+          <p:nvSpPr>
+            <p:cNvPr id="22" name="텍스트 상자 21"/>
+            <p:cNvSpPr txBox="1"/>
+            <p:nvPr/>
+          </p:nvSpPr>
+          <p:spPr>
+            <a:xfrm>
+              <a:off x="509599" y="998691"/>
+              <a:ext cx="2914426" cy="2308324"/>
+            </a:xfrm>
+            <a:prstGeom prst="rect">
+              <a:avLst/>
+            </a:prstGeom>
+            <a:noFill/>
+          </p:spPr>
+          <p:txBody>
+            <a:bodyPr wrap="square" rtlCol="0">
+              <a:spAutoFit/>
+            </a:bodyPr>
+            <a:lstStyle/>
+            <a:p>
+              <a:r>
+                <a:rPr kumimoji="1" lang="en-US" altLang="ko-KR" sz="1200" b="1" dirty="0">
+                  <a:solidFill>
+                    <a:srgbClr val="0070C0"/>
+                  </a:solidFill>
+                  <a:latin typeface="PT Sans Narrow" charset="-52"/>
+                  <a:ea typeface="PT Sans Narrow" charset="-52"/>
+                  <a:cs typeface="PT Sans Narrow" charset="-52"/>
+                </a:rPr>
+                <a:t>Functional images </a:t>
+              </a:r>
+            </a:p>
+            <a:p>
+              <a:r>
+                <a:rPr kumimoji="1" lang="en-US" altLang="ko-KR" sz="1200" dirty="0">
+                  <a:solidFill>
+                    <a:srgbClr val="0070C0"/>
+                  </a:solidFill>
+                  <a:latin typeface="PT Sans Narrow" charset="-52"/>
+                  <a:ea typeface="PT Sans Narrow" charset="-52"/>
+                  <a:cs typeface="PT Sans Narrow" charset="-52"/>
+                </a:rPr>
+                <a:t>EPI normalization</a:t>
+              </a:r>
+            </a:p>
+            <a:p>
+              <a:endParaRPr kumimoji="1" lang="en-US" altLang="ko-KR" sz="1200" b="1" dirty="0">
+                <a:latin typeface="PT Sans Narrow" charset="-52"/>
+                <a:ea typeface="PT Sans Narrow" charset="-52"/>
+                <a:cs typeface="PT Sans Narrow" charset="-52"/>
+              </a:endParaRPr>
+            </a:p>
+            <a:p>
+              <a:r>
+                <a:rPr kumimoji="1" lang="en-US" altLang="ko-KR" sz="1200" b="1" dirty="0">
+                  <a:latin typeface="PT Sans Narrow" charset="-52"/>
+                  <a:ea typeface="PT Sans Narrow" charset="-52"/>
+                  <a:cs typeface="PT Sans Narrow" charset="-52"/>
+                </a:rPr>
+                <a:t>SKIP THIS (b7: </a:t>
+              </a:r>
+              <a:r>
+                <a:rPr kumimoji="1" lang="en-US" altLang="ko-KR" sz="1200" b="1" dirty="0" err="1">
+                  <a:latin typeface="PT Sans Narrow" charset="-52"/>
+                  <a:ea typeface="PT Sans Narrow" charset="-52"/>
+                  <a:cs typeface="PT Sans Narrow" charset="-52"/>
+                </a:rPr>
+                <a:t>coregistration</a:t>
+              </a:r>
+              <a:r>
+                <a:rPr kumimoji="1" lang="en-US" altLang="ko-KR" sz="1200" b="1" dirty="0">
+                  <a:latin typeface="PT Sans Narrow" charset="-52"/>
+                  <a:ea typeface="PT Sans Narrow" charset="-52"/>
+                  <a:cs typeface="PT Sans Narrow" charset="-52"/>
+                </a:rPr>
+                <a:t>)</a:t>
+              </a:r>
+            </a:p>
+            <a:p>
+              <a:endParaRPr kumimoji="1" lang="en-US" altLang="ko-KR" sz="1200" b="1" dirty="0">
+                <a:latin typeface="PT Sans Narrow" charset="-52"/>
+                <a:ea typeface="PT Sans Narrow" charset="-52"/>
+                <a:cs typeface="PT Sans Narrow" charset="-52"/>
+              </a:endParaRPr>
+            </a:p>
+            <a:p>
+              <a:r>
+                <a:rPr kumimoji="1" lang="en-US" altLang="ko-KR" sz="1200" b="1" dirty="0">
+                  <a:latin typeface="PT Sans Narrow" charset="-52"/>
+                  <a:ea typeface="PT Sans Narrow" charset="-52"/>
+                  <a:cs typeface="PT Sans Narrow" charset="-52"/>
+                </a:rPr>
+                <a:t>b8: normalization (use the option, ‘</a:t>
+              </a:r>
+              <a:r>
+                <a:rPr kumimoji="1" lang="en-US" altLang="ko-KR" sz="1200" b="1" dirty="0" err="1">
+                  <a:latin typeface="PT Sans Narrow" charset="-52"/>
+                  <a:ea typeface="PT Sans Narrow" charset="-52"/>
+                  <a:cs typeface="PT Sans Narrow" charset="-52"/>
+                </a:rPr>
+                <a:t>EPInorm</a:t>
+              </a:r>
+              <a:r>
+                <a:rPr kumimoji="1" lang="en-US" altLang="ko-KR" sz="1200" b="1" dirty="0">
+                  <a:latin typeface="PT Sans Narrow" charset="-52"/>
+                  <a:ea typeface="PT Sans Narrow" charset="-52"/>
+                  <a:cs typeface="PT Sans Narrow" charset="-52"/>
+                </a:rPr>
+                <a:t>’)</a:t>
+              </a:r>
+              <a:endParaRPr kumimoji="1" lang="en-US" altLang="ko-KR" sz="1200" dirty="0">
+                <a:latin typeface="PT Sans Narrow" charset="-52"/>
+                <a:ea typeface="PT Sans Narrow" charset="-52"/>
+                <a:cs typeface="PT Sans Narrow" charset="-52"/>
+              </a:endParaRPr>
+            </a:p>
+            <a:p>
+              <a:pPr marL="171450" lvl="1" indent="-171450">
+                <a:buFont typeface="Arial" charset="0"/>
+                <a:buChar char="•"/>
+              </a:pPr>
+              <a:r>
+                <a:rPr kumimoji="1" lang="en-US" altLang="ko-KR" sz="1200" dirty="0">
+                  <a:latin typeface="PT Sans Narrow" charset="-52"/>
+                  <a:ea typeface="PT Sans Narrow" charset="-52"/>
+                  <a:cs typeface="PT Sans Narrow" charset="-52"/>
+                </a:rPr>
+                <a:t>segmentation of the realigned functional images using SPM12’s tissue probability map (</a:t>
+              </a:r>
+              <a:r>
+                <a:rPr kumimoji="1" lang="en-US" altLang="ko-KR" sz="1200" dirty="0" err="1">
+                  <a:latin typeface="PT Sans Narrow" charset="-52"/>
+                  <a:ea typeface="PT Sans Narrow" charset="-52"/>
+                  <a:cs typeface="PT Sans Narrow" charset="-52"/>
+                </a:rPr>
+                <a:t>TPM.nii</a:t>
+              </a:r>
+              <a:r>
+                <a:rPr kumimoji="1" lang="en-US" altLang="ko-KR" sz="1200" dirty="0">
+                  <a:latin typeface="PT Sans Narrow" charset="-52"/>
+                  <a:ea typeface="PT Sans Narrow" charset="-52"/>
+                  <a:cs typeface="PT Sans Narrow" charset="-52"/>
+                </a:rPr>
+                <a:t>)</a:t>
+              </a:r>
+            </a:p>
+            <a:p>
+              <a:pPr marL="171450" lvl="1" indent="-171450">
+                <a:buFont typeface="Arial" charset="0"/>
+                <a:buChar char="•"/>
+              </a:pPr>
+              <a:r>
+                <a:rPr kumimoji="1" lang="en-US" altLang="ko-KR" sz="1200" dirty="0">
+                  <a:latin typeface="PT Sans Narrow" charset="-52"/>
+                  <a:ea typeface="PT Sans Narrow" charset="-52"/>
+                  <a:cs typeface="PT Sans Narrow" charset="-52"/>
+                </a:rPr>
+                <a:t>warping the segmented functional images to MNI template</a:t>
+              </a:r>
+            </a:p>
+            <a:p>
+              <a:pPr marL="171450" lvl="1" indent="-171450">
+                <a:buFont typeface="Arial" charset="0"/>
+                <a:buChar char="•"/>
+              </a:pPr>
+              <a:r>
+                <a:rPr kumimoji="1" lang="en-US" altLang="ko-KR" sz="1200" dirty="0">
+                  <a:latin typeface="PT Sans Narrow" charset="-52"/>
+                  <a:ea typeface="PT Sans Narrow" charset="-52"/>
+                  <a:cs typeface="PT Sans Narrow" charset="-52"/>
+                </a:rPr>
+                <a:t>applying the warping parameter to the functional images</a:t>
+              </a:r>
+            </a:p>
+          </p:txBody>
+        </p:sp>
+        <p:sp>
+          <p:nvSpPr>
+            <p:cNvPr id="23" name="텍스트 상자 22"/>
+            <p:cNvSpPr txBox="1"/>
+            <p:nvPr/>
+          </p:nvSpPr>
+          <p:spPr>
+            <a:xfrm>
+              <a:off x="624854" y="664935"/>
+              <a:ext cx="1054584" cy="276999"/>
+            </a:xfrm>
+            <a:prstGeom prst="rect">
+              <a:avLst/>
+            </a:prstGeom>
+            <a:solidFill>
+              <a:schemeClr val="bg1"/>
+            </a:solidFill>
+          </p:spPr>
+          <p:txBody>
+            <a:bodyPr wrap="none" rtlCol="0">
+              <a:spAutoFit/>
+            </a:bodyPr>
+            <a:lstStyle/>
+            <a:p>
+              <a:pPr algn="ctr"/>
+              <a:r>
+                <a:rPr kumimoji="1" lang="en-US" altLang="ko-KR" sz="1200" b="1" dirty="0">
+                  <a:latin typeface="PT Sans Narrow" charset="-52"/>
+                  <a:ea typeface="PT Sans Narrow" charset="-52"/>
+                  <a:cs typeface="PT Sans Narrow" charset="-52"/>
+                </a:rPr>
+                <a:t>PART 4 (b7-b8) </a:t>
+              </a:r>
+            </a:p>
+          </p:txBody>
+        </p:sp>
+      </p:grpSp>
+      <p:grpSp>
+        <p:nvGrpSpPr>
+          <p:cNvPr id="24" name="그룹 23"/>
+          <p:cNvGrpSpPr/>
+          <p:nvPr/>
+        </p:nvGrpSpPr>
+        <p:grpSpPr>
+          <a:xfrm>
+            <a:off x="5855087" y="3832034"/>
+            <a:ext cx="3165528" cy="2698837"/>
+            <a:chOff x="393192" y="664935"/>
+            <a:chExt cx="3165528" cy="2698837"/>
+          </a:xfrm>
+        </p:grpSpPr>
+        <p:sp>
+          <p:nvSpPr>
+            <p:cNvPr id="25" name="직사각형 24"/>
+            <p:cNvSpPr/>
+            <p:nvPr/>
+          </p:nvSpPr>
+          <p:spPr>
+            <a:xfrm>
+              <a:off x="393192" y="795528"/>
+              <a:ext cx="3165528" cy="2568244"/>
+            </a:xfrm>
+            <a:prstGeom prst="rect">
+              <a:avLst/>
+            </a:prstGeom>
+            <a:noFill/>
+            <a:ln w="19050">
               <a:solidFill>
-                <a:schemeClr val="bg1"/>
+                <a:schemeClr val="tx1">
+                  <a:lumMod val="65000"/>
+                  <a:lumOff val="35000"/>
+                </a:schemeClr>
               </a:solidFill>
-            </p:spPr>
-            <p:txBody>
-              <a:bodyPr wrap="none" rtlCol="0">
-                <a:spAutoFit/>
-              </a:bodyPr>
-              <a:lstStyle/>
-              <a:p>
-                <a:pPr algn="ctr"/>
-                <a:r>
-                  <a:rPr kumimoji="1" lang="en-US" altLang="ko-KR" sz="1200" b="1" dirty="0" smtClean="0">
-                    <a:latin typeface="PT Sans Narrow" charset="-52"/>
-                    <a:ea typeface="PT Sans Narrow" charset="-52"/>
-                    <a:cs typeface="PT Sans Narrow" charset="-52"/>
-                  </a:rPr>
-                  <a:t>PART 2 (b1-b4) </a:t>
-                </a:r>
-              </a:p>
-            </p:txBody>
-          </p:sp>
-        </p:grpSp>
-        <p:grpSp>
-          <p:nvGrpSpPr>
-            <p:cNvPr id="16" name="그룹 15"/>
-            <p:cNvGrpSpPr/>
+            </a:ln>
+          </p:spPr>
+          <p:style>
+            <a:lnRef idx="2">
+              <a:schemeClr val="accent1">
+                <a:shade val="50000"/>
+              </a:schemeClr>
+            </a:lnRef>
+            <a:fillRef idx="1">
+              <a:schemeClr val="accent1"/>
+            </a:fillRef>
+            <a:effectRef idx="0">
+              <a:schemeClr val="accent1"/>
+            </a:effectRef>
+            <a:fontRef idx="minor">
+              <a:schemeClr val="lt1"/>
+            </a:fontRef>
+          </p:style>
+          <p:txBody>
+            <a:bodyPr rtlCol="0" anchor="ctr"/>
+            <a:lstStyle/>
+            <a:p>
+              <a:pPr algn="ctr"/>
+              <a:endParaRPr kumimoji="1" lang="ko-KR" altLang="en-US"/>
+            </a:p>
+          </p:txBody>
+        </p:sp>
+        <p:sp>
+          <p:nvSpPr>
+            <p:cNvPr id="26" name="텍스트 상자 25"/>
+            <p:cNvSpPr txBox="1"/>
             <p:nvPr/>
-          </p:nvGrpSpPr>
-          <p:grpSpPr>
+          </p:nvSpPr>
+          <p:spPr>
             <a:xfrm>
-              <a:off x="2263498" y="4894794"/>
-              <a:ext cx="3165528" cy="2764065"/>
-              <a:chOff x="393192" y="664935"/>
-              <a:chExt cx="3165528" cy="2764065"/>
+              <a:off x="509599" y="998691"/>
+              <a:ext cx="2914426" cy="2308324"/>
             </a:xfrm>
-          </p:grpSpPr>
-          <p:sp>
-            <p:nvSpPr>
-              <p:cNvPr id="17" name="직사각형 16"/>
-              <p:cNvSpPr/>
-              <p:nvPr/>
-            </p:nvSpPr>
-            <p:spPr>
-              <a:xfrm>
-                <a:off x="393192" y="795528"/>
-                <a:ext cx="3165528" cy="2633472"/>
-              </a:xfrm>
-              <a:prstGeom prst="rect">
-                <a:avLst/>
-              </a:prstGeom>
-              <a:noFill/>
-              <a:ln w="19050">
-                <a:solidFill>
-                  <a:schemeClr val="tx1">
-                    <a:lumMod val="65000"/>
-                    <a:lumOff val="35000"/>
-                  </a:schemeClr>
-                </a:solidFill>
-              </a:ln>
-            </p:spPr>
-            <p:style>
-              <a:lnRef idx="2">
-                <a:schemeClr val="accent1">
-                  <a:shade val="50000"/>
-                </a:schemeClr>
-              </a:lnRef>
-              <a:fillRef idx="1">
-                <a:schemeClr val="accent1"/>
-              </a:fillRef>
-              <a:effectRef idx="0">
-                <a:schemeClr val="accent1"/>
-              </a:effectRef>
-              <a:fontRef idx="minor">
-                <a:schemeClr val="lt1"/>
-              </a:fontRef>
-            </p:style>
-            <p:txBody>
-              <a:bodyPr rtlCol="0" anchor="ctr"/>
-              <a:lstStyle/>
-              <a:p>
-                <a:pPr algn="ctr"/>
-                <a:endParaRPr kumimoji="1" lang="ko-KR" altLang="en-US"/>
-              </a:p>
-            </p:txBody>
-          </p:sp>
-          <p:sp>
-            <p:nvSpPr>
-              <p:cNvPr id="18" name="텍스트 상자 17"/>
-              <p:cNvSpPr txBox="1"/>
-              <p:nvPr/>
-            </p:nvSpPr>
-            <p:spPr>
-              <a:xfrm>
-                <a:off x="509599" y="998691"/>
-                <a:ext cx="2914426" cy="2308324"/>
-              </a:xfrm>
-              <a:prstGeom prst="rect">
-                <a:avLst/>
-              </a:prstGeom>
-              <a:noFill/>
-            </p:spPr>
-            <p:txBody>
-              <a:bodyPr wrap="square" rtlCol="0">
-                <a:spAutoFit/>
-              </a:bodyPr>
-              <a:lstStyle/>
-              <a:p>
-                <a:r>
-                  <a:rPr kumimoji="1" lang="en-US" altLang="ko-KR" sz="1200" b="1" dirty="0" smtClean="0">
-                    <a:solidFill>
-                      <a:srgbClr val="0070C0"/>
-                    </a:solidFill>
-                    <a:latin typeface="PT Sans Narrow" charset="-52"/>
-                    <a:ea typeface="PT Sans Narrow" charset="-52"/>
-                    <a:cs typeface="PT Sans Narrow" charset="-52"/>
-                  </a:rPr>
-                  <a:t>Functional images</a:t>
-                </a:r>
-              </a:p>
-              <a:p>
-                <a:r>
-                  <a:rPr kumimoji="1" lang="en-US" altLang="ko-KR" sz="1200" dirty="0" smtClean="0">
-                    <a:solidFill>
-                      <a:srgbClr val="0070C0"/>
-                    </a:solidFill>
-                    <a:latin typeface="PT Sans Narrow" charset="-52"/>
-                    <a:ea typeface="PT Sans Narrow" charset="-52"/>
-                    <a:cs typeface="PT Sans Narrow" charset="-52"/>
-                  </a:rPr>
-                  <a:t>Slice timing and motion correction</a:t>
-                </a:r>
-              </a:p>
-              <a:p>
-                <a:endParaRPr kumimoji="1" lang="en-US" altLang="ko-KR" sz="1200" b="1" dirty="0">
-                  <a:latin typeface="PT Sans Narrow" charset="-52"/>
-                  <a:ea typeface="PT Sans Narrow" charset="-52"/>
-                  <a:cs typeface="PT Sans Narrow" charset="-52"/>
-                </a:endParaRPr>
-              </a:p>
-              <a:p>
-                <a:r>
-                  <a:rPr kumimoji="1" lang="en-US" altLang="ko-KR" sz="1200" b="1" dirty="0" smtClean="0">
-                    <a:latin typeface="PT Sans Narrow" charset="-52"/>
-                    <a:ea typeface="PT Sans Narrow" charset="-52"/>
-                    <a:cs typeface="PT Sans Narrow" charset="-52"/>
-                  </a:rPr>
-                  <a:t>b5: slice timing correction</a:t>
-                </a:r>
-                <a:r>
-                  <a:rPr kumimoji="1" lang="en-US" altLang="ko-KR" sz="1200" dirty="0" smtClean="0">
-                    <a:latin typeface="PT Sans Narrow" charset="-52"/>
-                    <a:ea typeface="PT Sans Narrow" charset="-52"/>
-                    <a:cs typeface="PT Sans Narrow" charset="-52"/>
-                  </a:rPr>
-                  <a:t> </a:t>
-                </a:r>
-              </a:p>
-              <a:p>
-                <a:pPr marL="171450" indent="-171450">
-                  <a:buFont typeface="Arial" charset="0"/>
-                  <a:buChar char="•"/>
-                </a:pPr>
-                <a:r>
-                  <a:rPr kumimoji="1" lang="en-US" altLang="ko-KR" sz="1200" dirty="0" smtClean="0">
-                    <a:latin typeface="PT Sans Narrow" charset="-52"/>
-                    <a:ea typeface="PT Sans Narrow" charset="-52"/>
-                    <a:cs typeface="PT Sans Narrow" charset="-52"/>
-                  </a:rPr>
-                  <a:t>It works with multi-band sequence</a:t>
-                </a:r>
-              </a:p>
-              <a:p>
-                <a:pPr marL="171450" indent="-171450">
-                  <a:buFont typeface="Arial" charset="0"/>
-                  <a:buChar char="•"/>
-                </a:pPr>
-                <a:r>
-                  <a:rPr kumimoji="1" lang="en-US" altLang="ko-KR" sz="1200" dirty="0" smtClean="0">
-                    <a:latin typeface="PT Sans Narrow" charset="-52"/>
-                    <a:ea typeface="PT Sans Narrow" charset="-52"/>
-                    <a:cs typeface="PT Sans Narrow" charset="-52"/>
-                  </a:rPr>
-                  <a:t>It reads the actual acquisition timing from </a:t>
-                </a:r>
-                <a:r>
-                  <a:rPr kumimoji="1" lang="en-US" altLang="ko-KR" sz="1200" dirty="0" err="1" smtClean="0">
-                    <a:latin typeface="PT Sans Narrow" charset="-52"/>
-                    <a:ea typeface="PT Sans Narrow" charset="-52"/>
-                    <a:cs typeface="PT Sans Narrow" charset="-52"/>
-                  </a:rPr>
-                  <a:t>dicom</a:t>
-                </a:r>
-                <a:r>
-                  <a:rPr kumimoji="1" lang="en-US" altLang="ko-KR" sz="1200" dirty="0" smtClean="0">
-                    <a:latin typeface="PT Sans Narrow" charset="-52"/>
-                    <a:ea typeface="PT Sans Narrow" charset="-52"/>
-                    <a:cs typeface="PT Sans Narrow" charset="-52"/>
-                  </a:rPr>
-                  <a:t> header.</a:t>
-                </a:r>
-                <a:endParaRPr kumimoji="1" lang="en-US" altLang="ko-KR" sz="1200" b="1" dirty="0" smtClean="0">
-                  <a:latin typeface="PT Sans Narrow" charset="-52"/>
-                  <a:ea typeface="PT Sans Narrow" charset="-52"/>
-                  <a:cs typeface="PT Sans Narrow" charset="-52"/>
-                </a:endParaRPr>
-              </a:p>
-              <a:p>
-                <a:endParaRPr kumimoji="1" lang="en-US" altLang="ko-KR" sz="1200" b="1" dirty="0" smtClean="0">
-                  <a:latin typeface="PT Sans Narrow" charset="-52"/>
-                  <a:ea typeface="PT Sans Narrow" charset="-52"/>
-                  <a:cs typeface="PT Sans Narrow" charset="-52"/>
-                </a:endParaRPr>
-              </a:p>
-              <a:p>
-                <a:r>
-                  <a:rPr kumimoji="1" lang="en-US" altLang="ko-KR" sz="1200" b="1" dirty="0" smtClean="0">
-                    <a:latin typeface="PT Sans Narrow" charset="-52"/>
-                    <a:ea typeface="PT Sans Narrow" charset="-52"/>
-                    <a:cs typeface="PT Sans Narrow" charset="-52"/>
-                  </a:rPr>
-                  <a:t>b6: motion correction (realignment)</a:t>
-                </a:r>
-              </a:p>
-              <a:p>
-                <a:pPr marL="171450" lvl="1" indent="-171450">
-                  <a:buFont typeface="Arial" charset="0"/>
-                  <a:buChar char="•"/>
-                </a:pPr>
-                <a:r>
-                  <a:rPr kumimoji="1" lang="en-US" altLang="ko-KR" sz="1200" dirty="0" smtClean="0">
-                    <a:latin typeface="PT Sans Narrow" charset="-52"/>
-                    <a:ea typeface="PT Sans Narrow" charset="-52"/>
-                    <a:cs typeface="PT Sans Narrow" charset="-52"/>
-                  </a:rPr>
-                  <a:t>It uses the first functional image or </a:t>
-                </a:r>
-                <a:r>
-                  <a:rPr kumimoji="1" lang="en-US" altLang="ko-KR" sz="1200" dirty="0" err="1" smtClean="0">
-                    <a:latin typeface="PT Sans Narrow" charset="-52"/>
-                    <a:ea typeface="PT Sans Narrow" charset="-52"/>
-                    <a:cs typeface="PT Sans Narrow" charset="-52"/>
-                  </a:rPr>
-                  <a:t>SBRef</a:t>
-                </a:r>
-                <a:r>
-                  <a:rPr kumimoji="1" lang="en-US" altLang="ko-KR" sz="1200" dirty="0" smtClean="0">
-                    <a:latin typeface="PT Sans Narrow" charset="-52"/>
-                    <a:ea typeface="PT Sans Narrow" charset="-52"/>
-                    <a:cs typeface="PT Sans Narrow" charset="-52"/>
-                  </a:rPr>
-                  <a:t> (you can choose) as a reference. </a:t>
-                </a:r>
-              </a:p>
-              <a:p>
-                <a:pPr marL="171450" lvl="1" indent="-171450">
-                  <a:buFont typeface="Arial" charset="0"/>
-                  <a:buChar char="•"/>
-                </a:pPr>
-                <a:r>
-                  <a:rPr kumimoji="1" lang="en-US" altLang="ko-KR" sz="1200" dirty="0" smtClean="0">
-                    <a:latin typeface="PT Sans Narrow" charset="-52"/>
-                    <a:ea typeface="PT Sans Narrow" charset="-52"/>
-                    <a:cs typeface="PT Sans Narrow" charset="-52"/>
-                  </a:rPr>
-                  <a:t>It saves 6 movement parameters for each run</a:t>
-                </a:r>
-              </a:p>
-            </p:txBody>
-          </p:sp>
-          <p:sp>
-            <p:nvSpPr>
-              <p:cNvPr id="19" name="텍스트 상자 18"/>
-              <p:cNvSpPr txBox="1"/>
-              <p:nvPr/>
-            </p:nvSpPr>
-            <p:spPr>
-              <a:xfrm>
-                <a:off x="620782" y="664935"/>
-                <a:ext cx="1062728" cy="276999"/>
-              </a:xfrm>
-              <a:prstGeom prst="rect">
-                <a:avLst/>
-              </a:prstGeom>
-              <a:solidFill>
-                <a:schemeClr val="bg1"/>
-              </a:solidFill>
-            </p:spPr>
-            <p:txBody>
-              <a:bodyPr wrap="none" rtlCol="0">
-                <a:spAutoFit/>
-              </a:bodyPr>
-              <a:lstStyle/>
-              <a:p>
-                <a:pPr algn="ctr"/>
-                <a:r>
-                  <a:rPr kumimoji="1" lang="en-US" altLang="ko-KR" sz="1200" b="1" dirty="0" smtClean="0">
-                    <a:latin typeface="PT Sans Narrow" charset="-52"/>
-                    <a:ea typeface="PT Sans Narrow" charset="-52"/>
-                    <a:cs typeface="PT Sans Narrow" charset="-52"/>
-                  </a:rPr>
-                  <a:t>PART 3 (b5-b6) </a:t>
-                </a:r>
-              </a:p>
-            </p:txBody>
-          </p:sp>
-        </p:grpSp>
-        <p:grpSp>
-          <p:nvGrpSpPr>
-            <p:cNvPr id="20" name="그룹 19"/>
-            <p:cNvGrpSpPr/>
+            <a:prstGeom prst="rect">
+              <a:avLst/>
+            </a:prstGeom>
+            <a:noFill/>
+          </p:spPr>
+          <p:txBody>
+            <a:bodyPr wrap="square" rtlCol="0">
+              <a:spAutoFit/>
+            </a:bodyPr>
+            <a:lstStyle/>
+            <a:p>
+              <a:r>
+                <a:rPr kumimoji="1" lang="en-US" altLang="ko-KR" sz="1200" b="1" dirty="0">
+                  <a:solidFill>
+                    <a:srgbClr val="0070C0"/>
+                  </a:solidFill>
+                  <a:latin typeface="PT Sans Narrow" charset="-52"/>
+                  <a:ea typeface="PT Sans Narrow" charset="-52"/>
+                  <a:cs typeface="PT Sans Narrow" charset="-52"/>
+                </a:rPr>
+                <a:t>Functional images</a:t>
+              </a:r>
+            </a:p>
+            <a:p>
+              <a:r>
+                <a:rPr kumimoji="1" lang="en-US" altLang="ko-KR" sz="1200" dirty="0">
+                  <a:solidFill>
+                    <a:srgbClr val="0070C0"/>
+                  </a:solidFill>
+                  <a:latin typeface="PT Sans Narrow" charset="-52"/>
+                  <a:ea typeface="PT Sans Narrow" charset="-52"/>
+                  <a:cs typeface="PT Sans Narrow" charset="-52"/>
+                </a:rPr>
+                <a:t>Smoothing and ICA-AROMA</a:t>
+              </a:r>
+            </a:p>
+            <a:p>
+              <a:pPr marL="0" lvl="1"/>
+              <a:endParaRPr kumimoji="1" lang="en-US" altLang="ko-KR" sz="1200" dirty="0">
+                <a:latin typeface="PT Sans Narrow" charset="-52"/>
+                <a:ea typeface="PT Sans Narrow" charset="-52"/>
+                <a:cs typeface="PT Sans Narrow" charset="-52"/>
+              </a:endParaRPr>
+            </a:p>
+            <a:p>
+              <a:pPr marL="0" lvl="1"/>
+              <a:r>
+                <a:rPr kumimoji="1" lang="en-US" altLang="ko-KR" sz="1200" b="1" dirty="0">
+                  <a:latin typeface="PT Sans Narrow" charset="-52"/>
+                  <a:ea typeface="PT Sans Narrow" charset="-52"/>
+                  <a:cs typeface="PT Sans Narrow" charset="-52"/>
+                </a:rPr>
+                <a:t>b9: smoothing</a:t>
+              </a:r>
+            </a:p>
+            <a:p>
+              <a:pPr marL="171450" lvl="1" indent="-171450">
+                <a:buFont typeface="Arial" charset="0"/>
+                <a:buChar char="•"/>
+              </a:pPr>
+              <a:r>
+                <a:rPr kumimoji="1" lang="en-US" altLang="ko-KR" sz="1200" dirty="0">
+                  <a:latin typeface="PT Sans Narrow" charset="-52"/>
+                  <a:ea typeface="PT Sans Narrow" charset="-52"/>
+                  <a:cs typeface="PT Sans Narrow" charset="-52"/>
+                </a:rPr>
+                <a:t>smoothing functional images with the FWHM 5 mm smoothing kernel.</a:t>
+              </a:r>
+            </a:p>
+            <a:p>
+              <a:endParaRPr kumimoji="1" lang="en-US" altLang="ko-KR" sz="1200" b="1" dirty="0">
+                <a:latin typeface="PT Sans Narrow" charset="-52"/>
+                <a:ea typeface="PT Sans Narrow" charset="-52"/>
+                <a:cs typeface="PT Sans Narrow" charset="-52"/>
+              </a:endParaRPr>
+            </a:p>
+            <a:p>
+              <a:r>
+                <a:rPr kumimoji="1" lang="en-US" altLang="ko-KR" sz="1200" b="1" dirty="0">
+                  <a:latin typeface="PT Sans Narrow" charset="-52"/>
+                  <a:ea typeface="PT Sans Narrow" charset="-52"/>
+                  <a:cs typeface="PT Sans Narrow" charset="-52"/>
+                </a:rPr>
+                <a:t>b10: ICA-AROMA</a:t>
+              </a:r>
+            </a:p>
+            <a:p>
+              <a:pPr marL="171450" indent="-171450">
+                <a:buFont typeface="Arial" charset="0"/>
+                <a:buChar char="•"/>
+              </a:pPr>
+              <a:r>
+                <a:rPr kumimoji="1" lang="en-US" altLang="ko-KR" sz="1200" dirty="0">
+                  <a:latin typeface="PT Sans Narrow" charset="-52"/>
+                  <a:ea typeface="PT Sans Narrow" charset="-52"/>
+                  <a:cs typeface="PT Sans Narrow" charset="-52"/>
+                </a:rPr>
+                <a:t>A data-driven method to identify and remove motion-related independent components from functional MRI data.</a:t>
+              </a:r>
+            </a:p>
+            <a:p>
+              <a:pPr marL="171450" indent="-171450">
+                <a:buFont typeface="Arial" charset="0"/>
+                <a:buChar char="•"/>
+              </a:pPr>
+              <a:r>
+                <a:rPr kumimoji="1" lang="en-US" altLang="ko-KR" sz="1200" dirty="0">
+                  <a:latin typeface="PT Sans Narrow" charset="-52"/>
+                  <a:ea typeface="PT Sans Narrow" charset="-52"/>
+                  <a:cs typeface="PT Sans Narrow" charset="-52"/>
+                </a:rPr>
+                <a:t>https://</a:t>
+              </a:r>
+              <a:r>
+                <a:rPr kumimoji="1" lang="en-US" altLang="ko-KR" sz="1200" dirty="0" err="1">
+                  <a:latin typeface="PT Sans Narrow" charset="-52"/>
+                  <a:ea typeface="PT Sans Narrow" charset="-52"/>
+                  <a:cs typeface="PT Sans Narrow" charset="-52"/>
+                </a:rPr>
+                <a:t>github.com</a:t>
+              </a:r>
+              <a:r>
+                <a:rPr kumimoji="1" lang="en-US" altLang="ko-KR" sz="1200" dirty="0">
+                  <a:latin typeface="PT Sans Narrow" charset="-52"/>
+                  <a:ea typeface="PT Sans Narrow" charset="-52"/>
+                  <a:cs typeface="PT Sans Narrow" charset="-52"/>
+                </a:rPr>
+                <a:t>/</a:t>
+              </a:r>
+              <a:r>
+                <a:rPr kumimoji="1" lang="en-US" altLang="ko-KR" sz="1200" dirty="0" err="1">
+                  <a:latin typeface="PT Sans Narrow" charset="-52"/>
+                  <a:ea typeface="PT Sans Narrow" charset="-52"/>
+                  <a:cs typeface="PT Sans Narrow" charset="-52"/>
+                </a:rPr>
+                <a:t>rhr-pruim</a:t>
+              </a:r>
+              <a:r>
+                <a:rPr kumimoji="1" lang="en-US" altLang="ko-KR" sz="1200" dirty="0">
+                  <a:latin typeface="PT Sans Narrow" charset="-52"/>
+                  <a:ea typeface="PT Sans Narrow" charset="-52"/>
+                  <a:cs typeface="PT Sans Narrow" charset="-52"/>
+                </a:rPr>
+                <a:t>/ICA-AROMA</a:t>
+              </a:r>
+            </a:p>
+          </p:txBody>
+        </p:sp>
+        <p:sp>
+          <p:nvSpPr>
+            <p:cNvPr id="27" name="텍스트 상자 26"/>
+            <p:cNvSpPr txBox="1"/>
             <p:nvPr/>
-          </p:nvGrpSpPr>
-          <p:grpSpPr>
+          </p:nvSpPr>
+          <p:spPr>
             <a:xfrm>
-              <a:off x="5855087" y="664935"/>
-              <a:ext cx="3165528" cy="2793882"/>
-              <a:chOff x="393192" y="664935"/>
-              <a:chExt cx="3165528" cy="2793882"/>
+              <a:off x="599944" y="664935"/>
+              <a:ext cx="1104406" cy="276999"/>
             </a:xfrm>
-          </p:grpSpPr>
-          <p:sp>
-            <p:nvSpPr>
-              <p:cNvPr id="21" name="직사각형 20"/>
-              <p:cNvSpPr/>
-              <p:nvPr/>
-            </p:nvSpPr>
-            <p:spPr>
-              <a:xfrm>
-                <a:off x="393192" y="795528"/>
-                <a:ext cx="3165528" cy="2663289"/>
-              </a:xfrm>
-              <a:prstGeom prst="rect">
-                <a:avLst/>
-              </a:prstGeom>
-              <a:noFill/>
-              <a:ln w="19050">
-                <a:solidFill>
-                  <a:schemeClr val="tx1">
-                    <a:lumMod val="65000"/>
-                    <a:lumOff val="35000"/>
-                  </a:schemeClr>
-                </a:solidFill>
-              </a:ln>
-            </p:spPr>
-            <p:style>
-              <a:lnRef idx="2">
-                <a:schemeClr val="accent1">
-                  <a:shade val="50000"/>
-                </a:schemeClr>
-              </a:lnRef>
-              <a:fillRef idx="1">
-                <a:schemeClr val="accent1"/>
-              </a:fillRef>
-              <a:effectRef idx="0">
-                <a:schemeClr val="accent1"/>
-              </a:effectRef>
-              <a:fontRef idx="minor">
-                <a:schemeClr val="lt1"/>
-              </a:fontRef>
-            </p:style>
-            <p:txBody>
-              <a:bodyPr rtlCol="0" anchor="ctr"/>
-              <a:lstStyle/>
-              <a:p>
-                <a:pPr algn="ctr"/>
-                <a:endParaRPr kumimoji="1" lang="ko-KR" altLang="en-US"/>
-              </a:p>
-            </p:txBody>
-          </p:sp>
-          <p:sp>
-            <p:nvSpPr>
-              <p:cNvPr id="22" name="텍스트 상자 21"/>
-              <p:cNvSpPr txBox="1"/>
-              <p:nvPr/>
-            </p:nvSpPr>
-            <p:spPr>
-              <a:xfrm>
-                <a:off x="509599" y="998691"/>
-                <a:ext cx="2914426" cy="2308324"/>
-              </a:xfrm>
-              <a:prstGeom prst="rect">
-                <a:avLst/>
-              </a:prstGeom>
-              <a:noFill/>
-            </p:spPr>
-            <p:txBody>
-              <a:bodyPr wrap="square" rtlCol="0">
-                <a:spAutoFit/>
-              </a:bodyPr>
-              <a:lstStyle/>
-              <a:p>
-                <a:r>
-                  <a:rPr kumimoji="1" lang="en-US" altLang="ko-KR" sz="1200" b="1" dirty="0" smtClean="0">
-                    <a:solidFill>
-                      <a:srgbClr val="0070C0"/>
-                    </a:solidFill>
-                    <a:latin typeface="PT Sans Narrow" charset="-52"/>
-                    <a:ea typeface="PT Sans Narrow" charset="-52"/>
-                    <a:cs typeface="PT Sans Narrow" charset="-52"/>
-                  </a:rPr>
-                  <a:t>Functional images </a:t>
-                </a:r>
-              </a:p>
-              <a:p>
-                <a:r>
-                  <a:rPr kumimoji="1" lang="en-US" altLang="ko-KR" sz="1200" dirty="0" smtClean="0">
-                    <a:solidFill>
-                      <a:srgbClr val="0070C0"/>
-                    </a:solidFill>
-                    <a:latin typeface="PT Sans Narrow" charset="-52"/>
-                    <a:ea typeface="PT Sans Narrow" charset="-52"/>
-                    <a:cs typeface="PT Sans Narrow" charset="-52"/>
-                  </a:rPr>
-                  <a:t>EPI normalization</a:t>
-                </a:r>
-              </a:p>
-              <a:p>
-                <a:endParaRPr kumimoji="1" lang="en-US" altLang="ko-KR" sz="1200" b="1" dirty="0" smtClean="0">
-                  <a:latin typeface="PT Sans Narrow" charset="-52"/>
-                  <a:ea typeface="PT Sans Narrow" charset="-52"/>
-                  <a:cs typeface="PT Sans Narrow" charset="-52"/>
-                </a:endParaRPr>
-              </a:p>
-              <a:p>
-                <a:r>
-                  <a:rPr kumimoji="1" lang="en-US" altLang="ko-KR" sz="1200" b="1" dirty="0" smtClean="0">
-                    <a:latin typeface="PT Sans Narrow" charset="-52"/>
-                    <a:ea typeface="PT Sans Narrow" charset="-52"/>
-                    <a:cs typeface="PT Sans Narrow" charset="-52"/>
-                  </a:rPr>
-                  <a:t>SKIP THIS (b7: </a:t>
-                </a:r>
-                <a:r>
-                  <a:rPr kumimoji="1" lang="en-US" altLang="ko-KR" sz="1200" b="1" dirty="0" err="1" smtClean="0">
-                    <a:latin typeface="PT Sans Narrow" charset="-52"/>
-                    <a:ea typeface="PT Sans Narrow" charset="-52"/>
-                    <a:cs typeface="PT Sans Narrow" charset="-52"/>
-                  </a:rPr>
-                  <a:t>coregistration</a:t>
-                </a:r>
-                <a:r>
-                  <a:rPr kumimoji="1" lang="en-US" altLang="ko-KR" sz="1200" b="1" dirty="0" smtClean="0">
-                    <a:latin typeface="PT Sans Narrow" charset="-52"/>
-                    <a:ea typeface="PT Sans Narrow" charset="-52"/>
-                    <a:cs typeface="PT Sans Narrow" charset="-52"/>
-                  </a:rPr>
-                  <a:t>)</a:t>
-                </a:r>
-              </a:p>
-              <a:p>
-                <a:endParaRPr kumimoji="1" lang="en-US" altLang="ko-KR" sz="1200" b="1" dirty="0" smtClean="0">
-                  <a:latin typeface="PT Sans Narrow" charset="-52"/>
-                  <a:ea typeface="PT Sans Narrow" charset="-52"/>
-                  <a:cs typeface="PT Sans Narrow" charset="-52"/>
-                </a:endParaRPr>
-              </a:p>
-              <a:p>
-                <a:r>
-                  <a:rPr kumimoji="1" lang="en-US" altLang="ko-KR" sz="1200" b="1" dirty="0" smtClean="0">
-                    <a:latin typeface="PT Sans Narrow" charset="-52"/>
-                    <a:ea typeface="PT Sans Narrow" charset="-52"/>
-                    <a:cs typeface="PT Sans Narrow" charset="-52"/>
-                  </a:rPr>
-                  <a:t>b8: normalization (use the option, ‘</a:t>
-                </a:r>
-                <a:r>
-                  <a:rPr kumimoji="1" lang="en-US" altLang="ko-KR" sz="1200" b="1" dirty="0" err="1" smtClean="0">
-                    <a:latin typeface="PT Sans Narrow" charset="-52"/>
-                    <a:ea typeface="PT Sans Narrow" charset="-52"/>
-                    <a:cs typeface="PT Sans Narrow" charset="-52"/>
-                  </a:rPr>
-                  <a:t>EPInorm</a:t>
-                </a:r>
-                <a:r>
-                  <a:rPr kumimoji="1" lang="en-US" altLang="ko-KR" sz="1200" b="1" dirty="0" smtClean="0">
-                    <a:latin typeface="PT Sans Narrow" charset="-52"/>
-                    <a:ea typeface="PT Sans Narrow" charset="-52"/>
-                    <a:cs typeface="PT Sans Narrow" charset="-52"/>
-                  </a:rPr>
-                  <a:t>’)</a:t>
-                </a:r>
-                <a:endParaRPr kumimoji="1" lang="en-US" altLang="ko-KR" sz="1200" dirty="0" smtClean="0">
-                  <a:latin typeface="PT Sans Narrow" charset="-52"/>
-                  <a:ea typeface="PT Sans Narrow" charset="-52"/>
-                  <a:cs typeface="PT Sans Narrow" charset="-52"/>
-                </a:endParaRPr>
-              </a:p>
-              <a:p>
-                <a:pPr marL="171450" lvl="1" indent="-171450">
-                  <a:buFont typeface="Arial" charset="0"/>
-                  <a:buChar char="•"/>
-                </a:pPr>
-                <a:r>
-                  <a:rPr kumimoji="1" lang="en-US" altLang="ko-KR" sz="1200" dirty="0">
-                    <a:latin typeface="PT Sans Narrow" charset="-52"/>
-                    <a:ea typeface="PT Sans Narrow" charset="-52"/>
-                    <a:cs typeface="PT Sans Narrow" charset="-52"/>
-                  </a:rPr>
-                  <a:t>s</a:t>
-                </a:r>
-                <a:r>
-                  <a:rPr kumimoji="1" lang="en-US" altLang="ko-KR" sz="1200" dirty="0" smtClean="0">
-                    <a:latin typeface="PT Sans Narrow" charset="-52"/>
-                    <a:ea typeface="PT Sans Narrow" charset="-52"/>
-                    <a:cs typeface="PT Sans Narrow" charset="-52"/>
-                  </a:rPr>
-                  <a:t>egmentation of the realigned functional images using SPM12’s tissue probability map (</a:t>
-                </a:r>
-                <a:r>
-                  <a:rPr kumimoji="1" lang="en-US" altLang="ko-KR" sz="1200" dirty="0" err="1" smtClean="0">
-                    <a:latin typeface="PT Sans Narrow" charset="-52"/>
-                    <a:ea typeface="PT Sans Narrow" charset="-52"/>
-                    <a:cs typeface="PT Sans Narrow" charset="-52"/>
-                  </a:rPr>
-                  <a:t>TPM.nii</a:t>
-                </a:r>
-                <a:r>
-                  <a:rPr kumimoji="1" lang="en-US" altLang="ko-KR" sz="1200" dirty="0" smtClean="0">
-                    <a:latin typeface="PT Sans Narrow" charset="-52"/>
-                    <a:ea typeface="PT Sans Narrow" charset="-52"/>
-                    <a:cs typeface="PT Sans Narrow" charset="-52"/>
-                  </a:rPr>
-                  <a:t>)</a:t>
-                </a:r>
-              </a:p>
-              <a:p>
-                <a:pPr marL="171450" lvl="1" indent="-171450">
-                  <a:buFont typeface="Arial" charset="0"/>
-                  <a:buChar char="•"/>
-                </a:pPr>
-                <a:r>
-                  <a:rPr kumimoji="1" lang="en-US" altLang="ko-KR" sz="1200" dirty="0">
-                    <a:latin typeface="PT Sans Narrow" charset="-52"/>
-                    <a:ea typeface="PT Sans Narrow" charset="-52"/>
-                    <a:cs typeface="PT Sans Narrow" charset="-52"/>
-                  </a:rPr>
-                  <a:t>w</a:t>
-                </a:r>
-                <a:r>
-                  <a:rPr kumimoji="1" lang="en-US" altLang="ko-KR" sz="1200" dirty="0" smtClean="0">
-                    <a:latin typeface="PT Sans Narrow" charset="-52"/>
-                    <a:ea typeface="PT Sans Narrow" charset="-52"/>
-                    <a:cs typeface="PT Sans Narrow" charset="-52"/>
-                  </a:rPr>
-                  <a:t>arping the segmented functional images to MNI template</a:t>
-                </a:r>
-              </a:p>
-              <a:p>
-                <a:pPr marL="171450" lvl="1" indent="-171450">
-                  <a:buFont typeface="Arial" charset="0"/>
-                  <a:buChar char="•"/>
-                </a:pPr>
-                <a:r>
-                  <a:rPr kumimoji="1" lang="en-US" altLang="ko-KR" sz="1200" dirty="0">
-                    <a:latin typeface="PT Sans Narrow" charset="-52"/>
-                    <a:ea typeface="PT Sans Narrow" charset="-52"/>
-                    <a:cs typeface="PT Sans Narrow" charset="-52"/>
-                  </a:rPr>
-                  <a:t>a</a:t>
-                </a:r>
-                <a:r>
-                  <a:rPr kumimoji="1" lang="en-US" altLang="ko-KR" sz="1200" dirty="0" smtClean="0">
-                    <a:latin typeface="PT Sans Narrow" charset="-52"/>
-                    <a:ea typeface="PT Sans Narrow" charset="-52"/>
-                    <a:cs typeface="PT Sans Narrow" charset="-52"/>
-                  </a:rPr>
-                  <a:t>pplying the warping parameter to the functional images</a:t>
-                </a:r>
-                <a:endParaRPr kumimoji="1" lang="en-US" altLang="ko-KR" sz="1200" dirty="0">
-                  <a:latin typeface="PT Sans Narrow" charset="-52"/>
-                  <a:ea typeface="PT Sans Narrow" charset="-52"/>
-                  <a:cs typeface="PT Sans Narrow" charset="-52"/>
-                </a:endParaRPr>
-              </a:p>
-            </p:txBody>
-          </p:sp>
-          <p:sp>
-            <p:nvSpPr>
-              <p:cNvPr id="23" name="텍스트 상자 22"/>
-              <p:cNvSpPr txBox="1"/>
-              <p:nvPr/>
-            </p:nvSpPr>
-            <p:spPr>
-              <a:xfrm>
-                <a:off x="624854" y="664935"/>
-                <a:ext cx="1054584" cy="276999"/>
-              </a:xfrm>
-              <a:prstGeom prst="rect">
-                <a:avLst/>
-              </a:prstGeom>
-              <a:solidFill>
-                <a:schemeClr val="bg1"/>
-              </a:solidFill>
-            </p:spPr>
-            <p:txBody>
-              <a:bodyPr wrap="none" rtlCol="0">
-                <a:spAutoFit/>
-              </a:bodyPr>
-              <a:lstStyle/>
-              <a:p>
-                <a:pPr algn="ctr"/>
-                <a:r>
-                  <a:rPr kumimoji="1" lang="en-US" altLang="ko-KR" sz="1200" b="1" dirty="0" smtClean="0">
-                    <a:latin typeface="PT Sans Narrow" charset="-52"/>
-                    <a:ea typeface="PT Sans Narrow" charset="-52"/>
-                    <a:cs typeface="PT Sans Narrow" charset="-52"/>
-                  </a:rPr>
-                  <a:t>PART 4 (b7-b8) </a:t>
-                </a:r>
-              </a:p>
-            </p:txBody>
-          </p:sp>
-        </p:grpSp>
-        <p:grpSp>
-          <p:nvGrpSpPr>
-            <p:cNvPr id="24" name="그룹 23"/>
-            <p:cNvGrpSpPr/>
-            <p:nvPr/>
-          </p:nvGrpSpPr>
-          <p:grpSpPr>
-            <a:xfrm>
-              <a:off x="5855087" y="3832034"/>
-              <a:ext cx="3165528" cy="2698837"/>
-              <a:chOff x="393192" y="664935"/>
-              <a:chExt cx="3165528" cy="2698837"/>
-            </a:xfrm>
-          </p:grpSpPr>
-          <p:sp>
-            <p:nvSpPr>
-              <p:cNvPr id="25" name="직사각형 24"/>
-              <p:cNvSpPr/>
-              <p:nvPr/>
-            </p:nvSpPr>
-            <p:spPr>
-              <a:xfrm>
-                <a:off x="393192" y="795528"/>
-                <a:ext cx="3165528" cy="2568244"/>
-              </a:xfrm>
-              <a:prstGeom prst="rect">
-                <a:avLst/>
-              </a:prstGeom>
-              <a:noFill/>
-              <a:ln w="19050">
-                <a:solidFill>
-                  <a:schemeClr val="tx1">
-                    <a:lumMod val="65000"/>
-                    <a:lumOff val="35000"/>
-                  </a:schemeClr>
-                </a:solidFill>
-              </a:ln>
-            </p:spPr>
-            <p:style>
-              <a:lnRef idx="2">
-                <a:schemeClr val="accent1">
-                  <a:shade val="50000"/>
-                </a:schemeClr>
-              </a:lnRef>
-              <a:fillRef idx="1">
-                <a:schemeClr val="accent1"/>
-              </a:fillRef>
-              <a:effectRef idx="0">
-                <a:schemeClr val="accent1"/>
-              </a:effectRef>
-              <a:fontRef idx="minor">
-                <a:schemeClr val="lt1"/>
-              </a:fontRef>
-            </p:style>
-            <p:txBody>
-              <a:bodyPr rtlCol="0" anchor="ctr"/>
-              <a:lstStyle/>
-              <a:p>
-                <a:pPr algn="ctr"/>
-                <a:endParaRPr kumimoji="1" lang="ko-KR" altLang="en-US"/>
-              </a:p>
-            </p:txBody>
-          </p:sp>
-          <p:sp>
-            <p:nvSpPr>
-              <p:cNvPr id="26" name="텍스트 상자 25"/>
-              <p:cNvSpPr txBox="1"/>
-              <p:nvPr/>
-            </p:nvSpPr>
-            <p:spPr>
-              <a:xfrm>
-                <a:off x="509599" y="998691"/>
-                <a:ext cx="2914426" cy="2308324"/>
-              </a:xfrm>
-              <a:prstGeom prst="rect">
-                <a:avLst/>
-              </a:prstGeom>
-              <a:noFill/>
-            </p:spPr>
-            <p:txBody>
-              <a:bodyPr wrap="square" rtlCol="0">
-                <a:spAutoFit/>
-              </a:bodyPr>
-              <a:lstStyle/>
-              <a:p>
-                <a:r>
-                  <a:rPr kumimoji="1" lang="en-US" altLang="ko-KR" sz="1200" b="1" dirty="0" smtClean="0">
-                    <a:solidFill>
-                      <a:srgbClr val="0070C0"/>
-                    </a:solidFill>
-                    <a:latin typeface="PT Sans Narrow" charset="-52"/>
-                    <a:ea typeface="PT Sans Narrow" charset="-52"/>
-                    <a:cs typeface="PT Sans Narrow" charset="-52"/>
-                  </a:rPr>
-                  <a:t>Functional images</a:t>
-                </a:r>
-              </a:p>
-              <a:p>
-                <a:r>
-                  <a:rPr kumimoji="1" lang="en-US" altLang="ko-KR" sz="1200" dirty="0" smtClean="0">
-                    <a:solidFill>
-                      <a:srgbClr val="0070C0"/>
-                    </a:solidFill>
-                    <a:latin typeface="PT Sans Narrow" charset="-52"/>
-                    <a:ea typeface="PT Sans Narrow" charset="-52"/>
-                    <a:cs typeface="PT Sans Narrow" charset="-52"/>
-                  </a:rPr>
-                  <a:t>Smoothing and ICA-AROMA</a:t>
-                </a:r>
-              </a:p>
-              <a:p>
-                <a:pPr marL="0" lvl="1"/>
-                <a:endParaRPr kumimoji="1" lang="en-US" altLang="ko-KR" sz="1200" dirty="0" smtClean="0">
-                  <a:latin typeface="PT Sans Narrow" charset="-52"/>
-                  <a:ea typeface="PT Sans Narrow" charset="-52"/>
-                  <a:cs typeface="PT Sans Narrow" charset="-52"/>
-                </a:endParaRPr>
-              </a:p>
-              <a:p>
-                <a:pPr marL="0" lvl="1"/>
-                <a:r>
-                  <a:rPr kumimoji="1" lang="en-US" altLang="ko-KR" sz="1200" b="1" dirty="0" smtClean="0">
-                    <a:latin typeface="PT Sans Narrow" charset="-52"/>
-                    <a:ea typeface="PT Sans Narrow" charset="-52"/>
-                    <a:cs typeface="PT Sans Narrow" charset="-52"/>
-                  </a:rPr>
-                  <a:t>b9: smoothing</a:t>
-                </a:r>
-              </a:p>
-              <a:p>
-                <a:pPr marL="171450" lvl="1" indent="-171450">
-                  <a:buFont typeface="Arial" charset="0"/>
-                  <a:buChar char="•"/>
-                </a:pPr>
-                <a:r>
-                  <a:rPr kumimoji="1" lang="en-US" altLang="ko-KR" sz="1200" dirty="0" smtClean="0">
-                    <a:latin typeface="PT Sans Narrow" charset="-52"/>
-                    <a:ea typeface="PT Sans Narrow" charset="-52"/>
-                    <a:cs typeface="PT Sans Narrow" charset="-52"/>
-                  </a:rPr>
-                  <a:t>smoothing functional images with the FWHM 5 mm smoothing kernel.</a:t>
-                </a:r>
-              </a:p>
-              <a:p>
-                <a:endParaRPr kumimoji="1" lang="en-US" altLang="ko-KR" sz="1200" b="1" dirty="0" smtClean="0">
-                  <a:latin typeface="PT Sans Narrow" charset="-52"/>
-                  <a:ea typeface="PT Sans Narrow" charset="-52"/>
-                  <a:cs typeface="PT Sans Narrow" charset="-52"/>
-                </a:endParaRPr>
-              </a:p>
-              <a:p>
-                <a:r>
-                  <a:rPr kumimoji="1" lang="en-US" altLang="ko-KR" sz="1200" b="1" dirty="0">
-                    <a:latin typeface="PT Sans Narrow" charset="-52"/>
-                    <a:ea typeface="PT Sans Narrow" charset="-52"/>
-                    <a:cs typeface="PT Sans Narrow" charset="-52"/>
-                  </a:rPr>
-                  <a:t>b</a:t>
-                </a:r>
-                <a:r>
-                  <a:rPr kumimoji="1" lang="en-US" altLang="ko-KR" sz="1200" b="1" dirty="0" smtClean="0">
-                    <a:latin typeface="PT Sans Narrow" charset="-52"/>
-                    <a:ea typeface="PT Sans Narrow" charset="-52"/>
-                    <a:cs typeface="PT Sans Narrow" charset="-52"/>
-                  </a:rPr>
-                  <a:t>10: ICA-AROMA</a:t>
-                </a:r>
-              </a:p>
-              <a:p>
-                <a:pPr marL="171450" indent="-171450">
-                  <a:buFont typeface="Arial" charset="0"/>
-                  <a:buChar char="•"/>
-                </a:pPr>
-                <a:r>
-                  <a:rPr kumimoji="1" lang="en-US" altLang="ko-KR" sz="1200" dirty="0" smtClean="0">
-                    <a:latin typeface="PT Sans Narrow" charset="-52"/>
-                    <a:ea typeface="PT Sans Narrow" charset="-52"/>
-                    <a:cs typeface="PT Sans Narrow" charset="-52"/>
-                  </a:rPr>
-                  <a:t>A data-driven method to identify and remove motion-related independent components from functional MRI data.</a:t>
-                </a:r>
-              </a:p>
-              <a:p>
-                <a:pPr marL="171450" indent="-171450">
-                  <a:buFont typeface="Arial" charset="0"/>
-                  <a:buChar char="•"/>
-                </a:pPr>
-                <a:r>
-                  <a:rPr kumimoji="1" lang="en-US" altLang="ko-KR" sz="1200" dirty="0" smtClean="0">
-                    <a:latin typeface="PT Sans Narrow" charset="-52"/>
-                    <a:ea typeface="PT Sans Narrow" charset="-52"/>
-                    <a:cs typeface="PT Sans Narrow" charset="-52"/>
-                  </a:rPr>
-                  <a:t>https://</a:t>
-                </a:r>
-                <a:r>
-                  <a:rPr kumimoji="1" lang="en-US" altLang="ko-KR" sz="1200" dirty="0" err="1" smtClean="0">
-                    <a:latin typeface="PT Sans Narrow" charset="-52"/>
-                    <a:ea typeface="PT Sans Narrow" charset="-52"/>
-                    <a:cs typeface="PT Sans Narrow" charset="-52"/>
-                  </a:rPr>
-                  <a:t>github.com</a:t>
-                </a:r>
-                <a:r>
-                  <a:rPr kumimoji="1" lang="en-US" altLang="ko-KR" sz="1200" dirty="0" smtClean="0">
-                    <a:latin typeface="PT Sans Narrow" charset="-52"/>
-                    <a:ea typeface="PT Sans Narrow" charset="-52"/>
-                    <a:cs typeface="PT Sans Narrow" charset="-52"/>
-                  </a:rPr>
-                  <a:t>/</a:t>
-                </a:r>
-                <a:r>
-                  <a:rPr kumimoji="1" lang="en-US" altLang="ko-KR" sz="1200" dirty="0" err="1" smtClean="0">
-                    <a:latin typeface="PT Sans Narrow" charset="-52"/>
-                    <a:ea typeface="PT Sans Narrow" charset="-52"/>
-                    <a:cs typeface="PT Sans Narrow" charset="-52"/>
-                  </a:rPr>
-                  <a:t>rhr-pruim</a:t>
-                </a:r>
-                <a:r>
-                  <a:rPr kumimoji="1" lang="en-US" altLang="ko-KR" sz="1200" dirty="0" smtClean="0">
-                    <a:latin typeface="PT Sans Narrow" charset="-52"/>
-                    <a:ea typeface="PT Sans Narrow" charset="-52"/>
-                    <a:cs typeface="PT Sans Narrow" charset="-52"/>
-                  </a:rPr>
-                  <a:t>/ICA-AROMA</a:t>
-                </a:r>
-              </a:p>
-            </p:txBody>
-          </p:sp>
-          <p:sp>
-            <p:nvSpPr>
-              <p:cNvPr id="27" name="텍스트 상자 26"/>
-              <p:cNvSpPr txBox="1"/>
-              <p:nvPr/>
-            </p:nvSpPr>
-            <p:spPr>
-              <a:xfrm>
-                <a:off x="599944" y="664935"/>
-                <a:ext cx="1104406" cy="276999"/>
-              </a:xfrm>
-              <a:prstGeom prst="rect">
-                <a:avLst/>
-              </a:prstGeom>
-              <a:solidFill>
-                <a:schemeClr val="bg1"/>
-              </a:solidFill>
-            </p:spPr>
-            <p:txBody>
-              <a:bodyPr wrap="none" rtlCol="0">
-                <a:spAutoFit/>
-              </a:bodyPr>
-              <a:lstStyle/>
-              <a:p>
-                <a:pPr algn="ctr"/>
-                <a:r>
-                  <a:rPr kumimoji="1" lang="en-US" altLang="ko-KR" sz="1200" b="1" dirty="0" smtClean="0">
-                    <a:latin typeface="PT Sans Narrow" charset="-52"/>
-                    <a:ea typeface="PT Sans Narrow" charset="-52"/>
-                    <a:cs typeface="PT Sans Narrow" charset="-52"/>
-                  </a:rPr>
-                  <a:t>PART 5 (b9-b10)</a:t>
-                </a:r>
-              </a:p>
-            </p:txBody>
-          </p:sp>
-        </p:grpSp>
+            <a:prstGeom prst="rect">
+              <a:avLst/>
+            </a:prstGeom>
+            <a:solidFill>
+              <a:schemeClr val="bg1"/>
+            </a:solidFill>
+          </p:spPr>
+          <p:txBody>
+            <a:bodyPr wrap="none" rtlCol="0">
+              <a:spAutoFit/>
+            </a:bodyPr>
+            <a:lstStyle/>
+            <a:p>
+              <a:pPr algn="ctr"/>
+              <a:r>
+                <a:rPr kumimoji="1" lang="en-US" altLang="ko-KR" sz="1200" b="1" dirty="0">
+                  <a:latin typeface="PT Sans Narrow" charset="-52"/>
+                  <a:ea typeface="PT Sans Narrow" charset="-52"/>
+                  <a:cs typeface="PT Sans Narrow" charset="-52"/>
+                </a:rPr>
+                <a:t>PART 5 (b9-b10)</a:t>
+              </a:r>
+            </a:p>
+          </p:txBody>
+        </p:sp>
       </p:grpSp>
     </p:spTree>
     <p:extLst>
@@ -6892,14 +6712,14 @@
               <a:p>
                 <a:pPr algn="ctr"/>
                 <a:r>
-                  <a:rPr kumimoji="1" lang="en-US" altLang="ko-KR" sz="1200" dirty="0" err="1" smtClean="0">
+                  <a:rPr kumimoji="1" lang="en-US" altLang="ko-KR" sz="1200" dirty="0" err="1">
                     <a:latin typeface="PT Sans Narrow" charset="-52"/>
                     <a:ea typeface="PT Sans Narrow" charset="-52"/>
                     <a:cs typeface="PT Sans Narrow" charset="-52"/>
                   </a:rPr>
                   <a:t>mean_before_preproc.png</a:t>
                 </a:r>
-                <a:endParaRPr kumimoji="1" lang="en-US" altLang="ko-KR" sz="1200" dirty="0" smtClean="0">
+                <a:endParaRPr kumimoji="1" lang="en-US" altLang="ko-KR" sz="1200" dirty="0">
                   <a:latin typeface="PT Sans Narrow" charset="-52"/>
                   <a:ea typeface="PT Sans Narrow" charset="-52"/>
                   <a:cs typeface="PT Sans Narrow" charset="-52"/>
@@ -6963,14 +6783,14 @@
               <a:p>
                 <a:pPr algn="ctr"/>
                 <a:r>
-                  <a:rPr kumimoji="1" lang="en-US" altLang="ko-KR" sz="1200" dirty="0" err="1" smtClean="0">
+                  <a:rPr kumimoji="1" lang="en-US" altLang="ko-KR" sz="1200" dirty="0" err="1">
                     <a:latin typeface="PT Sans Narrow" charset="-52"/>
                     <a:ea typeface="PT Sans Narrow" charset="-52"/>
                     <a:cs typeface="PT Sans Narrow" charset="-52"/>
                   </a:rPr>
                   <a:t>dc_func_sbref_files.png</a:t>
                 </a:r>
-                <a:endParaRPr kumimoji="1" lang="en-US" altLang="ko-KR" sz="1200" dirty="0" smtClean="0">
+                <a:endParaRPr kumimoji="1" lang="en-US" altLang="ko-KR" sz="1200" dirty="0">
                   <a:latin typeface="PT Sans Narrow" charset="-52"/>
                   <a:ea typeface="PT Sans Narrow" charset="-52"/>
                   <a:cs typeface="PT Sans Narrow" charset="-52"/>
@@ -7009,17 +6829,9 @@
                     <a:ea typeface="PT Sans Narrow" charset="-52"/>
                     <a:cs typeface="PT Sans Narrow" charset="-52"/>
                   </a:rPr>
-                  <a:t>s</a:t>
-                </a:r>
-                <a:r>
-                  <a:rPr kumimoji="1" lang="en-US" altLang="ko-KR" sz="1200" smtClean="0">
-                    <a:latin typeface="PT Sans Narrow" charset="-52"/>
-                    <a:ea typeface="PT Sans Narrow" charset="-52"/>
-                    <a:cs typeface="PT Sans Narrow" charset="-52"/>
-                  </a:rPr>
-                  <a:t>egmentation.png</a:t>
-                </a:r>
-                <a:endParaRPr kumimoji="1" lang="en-US" altLang="ko-KR" sz="1200" dirty="0" smtClean="0">
+                  <a:t>segmentation.png</a:t>
+                </a:r>
+                <a:endParaRPr kumimoji="1" lang="en-US" altLang="ko-KR" sz="1200" dirty="0">
                   <a:latin typeface="PT Sans Narrow" charset="-52"/>
                   <a:ea typeface="PT Sans Narrow" charset="-52"/>
                   <a:cs typeface="PT Sans Narrow" charset="-52"/>
@@ -7097,14 +6909,14 @@
                 <a:p>
                   <a:pPr algn="ctr"/>
                   <a:r>
-                    <a:rPr kumimoji="1" lang="en-US" altLang="ko-KR" sz="1200" smtClean="0">
+                    <a:rPr kumimoji="1" lang="en-US" altLang="ko-KR" sz="1200">
                       <a:latin typeface="PT Sans Narrow" charset="-52"/>
                       <a:ea typeface="PT Sans Narrow" charset="-52"/>
                       <a:cs typeface="PT Sans Narrow" charset="-52"/>
                     </a:rPr>
                     <a:t>mean_swr_func_bold.png</a:t>
                   </a:r>
-                  <a:endParaRPr kumimoji="1" lang="en-US" altLang="ko-KR" sz="1200" dirty="0" smtClean="0">
+                  <a:endParaRPr kumimoji="1" lang="en-US" altLang="ko-KR" sz="1200" dirty="0">
                     <a:latin typeface="PT Sans Narrow" charset="-52"/>
                     <a:ea typeface="PT Sans Narrow" charset="-52"/>
                     <a:cs typeface="PT Sans Narrow" charset="-52"/>
@@ -7135,41 +6947,22 @@
               <a:lstStyle/>
               <a:p>
                 <a:r>
-                  <a:rPr lang="en-US" altLang="ko-KR" sz="1200" dirty="0" smtClean="0">
+                  <a:rPr lang="en-US" altLang="ko-KR" sz="1200" dirty="0">
                     <a:latin typeface="PT Sans Narrow" charset="-52"/>
                     <a:ea typeface="PT Sans Narrow" charset="-52"/>
                     <a:cs typeface="PT Sans Narrow" charset="-52"/>
                   </a:rPr>
                   <a:t>qc_diary_dc_sub-caps003_task-CAPS_run-01_bold.txt</a:t>
                 </a:r>
-                <a:endParaRPr lang="en-US" altLang="ko-KR" sz="1200" dirty="0">
+              </a:p>
+              <a:p>
+                <a:endParaRPr lang="en-US" altLang="ko-KR" sz="1100" dirty="0">
                   <a:latin typeface="PT Sans Narrow" charset="-52"/>
                   <a:ea typeface="PT Sans Narrow" charset="-52"/>
                   <a:cs typeface="PT Sans Narrow" charset="-52"/>
                 </a:endParaRPr>
               </a:p>
               <a:p>
-                <a:endParaRPr lang="en-US" altLang="ko-KR" sz="1100" dirty="0">
-                  <a:latin typeface="PT Sans Narrow" charset="-52"/>
-                  <a:ea typeface="PT Sans Narrow" charset="-52"/>
-                  <a:cs typeface="PT Sans Narrow" charset="-52"/>
-                </a:endParaRPr>
-              </a:p>
-              <a:p>
-                <a:r>
-                  <a:rPr lang="ko-KR" altLang="en-US" sz="1100" dirty="0" smtClean="0">
-                    <a:solidFill>
-                      <a:schemeClr val="tx1">
-                        <a:lumMod val="50000"/>
-                        <a:lumOff val="50000"/>
-                      </a:schemeClr>
-                    </a:solidFill>
-                    <a:latin typeface="PT Sans Narrow" charset="-52"/>
-                    <a:ea typeface="PT Sans Narrow" charset="-52"/>
-                    <a:cs typeface="PT Sans Narrow" charset="-52"/>
-                  </a:rPr>
-                  <a:t>Session   </a:t>
-                </a:r>
                 <a:r>
                   <a:rPr lang="ko-KR" altLang="en-US" sz="1100" dirty="0">
                     <a:solidFill>
@@ -7182,9 +6975,9 @@
                     <a:ea typeface="PT Sans Narrow" charset="-52"/>
                     <a:cs typeface="PT Sans Narrow" charset="-52"/>
                   </a:rPr>
-                  <a:t>1:  72 Potential outliers	</a:t>
-                </a:r>
-                <a:endParaRPr lang="en-US" altLang="ko-KR" sz="1100" dirty="0" smtClean="0">
+                  <a:t>Session   1:  72 Potential outliers	</a:t>
+                </a:r>
+                <a:endParaRPr lang="en-US" altLang="ko-KR" sz="1100" dirty="0">
                   <a:solidFill>
                     <a:schemeClr val="tx1">
                       <a:lumMod val="50000"/>
@@ -7197,20 +6990,6 @@
                 </a:endParaRPr>
               </a:p>
               <a:p>
-                <a:r>
-                  <a:rPr lang="ko-KR" altLang="en-US" sz="1100" dirty="0" smtClean="0">
-                    <a:solidFill>
-                      <a:schemeClr val="tx1">
-                        <a:lumMod val="50000"/>
-                        <a:lumOff val="50000"/>
-                      </a:schemeClr>
-                    </a:solidFill>
-                    <a:latin typeface="PT Sans Narrow" charset="-52"/>
-                    <a:ea typeface="PT Sans Narrow" charset="-52"/>
-                    <a:cs typeface="PT Sans Narrow" charset="-52"/>
-                  </a:rPr>
-                  <a:t>%</a:t>
-                </a:r>
                 <a:r>
                   <a:rPr lang="ko-KR" altLang="en-US" sz="1100" dirty="0">
                     <a:solidFill>
@@ -7223,9 +7002,9 @@
                     <a:ea typeface="PT Sans Narrow" charset="-52"/>
                     <a:cs typeface="PT Sans Narrow" charset="-52"/>
                   </a:rPr>
-                  <a:t>Spikes: 2.78	</a:t>
-                </a:r>
-                <a:endParaRPr lang="en-US" altLang="ko-KR" sz="1100" dirty="0" smtClean="0">
+                  <a:t>%Spikes: 2.78	</a:t>
+                </a:r>
+                <a:endParaRPr lang="en-US" altLang="ko-KR" sz="1100" dirty="0">
                   <a:solidFill>
                     <a:schemeClr val="tx1">
                       <a:lumMod val="50000"/>
@@ -7238,20 +7017,6 @@
                 </a:endParaRPr>
               </a:p>
               <a:p>
-                <a:r>
-                  <a:rPr lang="ko-KR" altLang="en-US" sz="1100" dirty="0" smtClean="0">
-                    <a:solidFill>
-                      <a:schemeClr val="tx1">
-                        <a:lumMod val="50000"/>
-                        <a:lumOff val="50000"/>
-                      </a:schemeClr>
-                    </a:solidFill>
-                    <a:latin typeface="PT Sans Narrow" charset="-52"/>
-                    <a:ea typeface="PT Sans Narrow" charset="-52"/>
-                    <a:cs typeface="PT Sans Narrow" charset="-52"/>
-                  </a:rPr>
-                  <a:t>Global </a:t>
-                </a:r>
                 <a:r>
                   <a:rPr lang="ko-KR" altLang="en-US" sz="1100" dirty="0">
                     <a:solidFill>
@@ -7264,23 +7029,9 @@
                     <a:ea typeface="PT Sans Narrow" charset="-52"/>
                     <a:cs typeface="PT Sans Narrow" charset="-52"/>
                   </a:rPr>
-                  <a:t>SNR (Mean/STD): </a:t>
-                </a:r>
-                <a:r>
-                  <a:rPr lang="ko-KR" altLang="en-US" sz="1100" dirty="0" smtClean="0">
-                    <a:solidFill>
-                      <a:schemeClr val="tx1">
-                        <a:lumMod val="50000"/>
-                        <a:lumOff val="50000"/>
-                      </a:schemeClr>
-                    </a:solidFill>
-                    <a:latin typeface="PT Sans Narrow" charset="-52"/>
-                    <a:ea typeface="PT Sans Narrow" charset="-52"/>
-                    <a:cs typeface="PT Sans Narrow" charset="-52"/>
-                  </a:rPr>
-                  <a:t>299.12</a:t>
-                </a:r>
-                <a:endParaRPr lang="en-US" altLang="ko-KR" sz="1100" dirty="0" smtClean="0">
+                  <a:t>Global SNR (Mean/STD): 299.12</a:t>
+                </a:r>
+                <a:endParaRPr lang="en-US" altLang="ko-KR" sz="1100" dirty="0">
                   <a:solidFill>
                     <a:schemeClr val="tx1">
                       <a:lumMod val="50000"/>
@@ -7293,20 +7044,6 @@
                 </a:endParaRPr>
               </a:p>
               <a:p>
-                <a:r>
-                  <a:rPr lang="ko-KR" altLang="en-US" sz="1100" dirty="0" smtClean="0">
-                    <a:solidFill>
-                      <a:schemeClr val="tx1">
-                        <a:lumMod val="50000"/>
-                        <a:lumOff val="50000"/>
-                      </a:schemeClr>
-                    </a:solidFill>
-                    <a:latin typeface="PT Sans Narrow" charset="-52"/>
-                    <a:ea typeface="PT Sans Narrow" charset="-52"/>
-                    <a:cs typeface="PT Sans Narrow" charset="-52"/>
-                  </a:rPr>
-                  <a:t>Added  </a:t>
-                </a:r>
                 <a:r>
                   <a:rPr lang="ko-KR" altLang="en-US" sz="1100" dirty="0">
                     <a:solidFill>
@@ -7319,7 +7056,7 @@
                     <a:ea typeface="PT Sans Narrow" charset="-52"/>
                     <a:cs typeface="PT Sans Narrow" charset="-52"/>
                   </a:rPr>
-                  <a:t>72 global/mahal outlier covariates to covariates field.Added  72 global/mahal outlier covariates to covariates field.Outliers in RMSSD images:   0%, 59 imgs.</a:t>
+                  <a:t>Added  72 global/mahal outlier covariates to covariates field.Added  72 global/mahal outlier covariates to covariates field.Outliers in RMSSD images:   0%, 59 imgs.</a:t>
                 </a:r>
               </a:p>
             </p:txBody>
@@ -7409,7 +7146,7 @@
               <a:lstStyle/>
               <a:p>
                 <a:r>
-                  <a:rPr kumimoji="1" lang="en-US" altLang="ko-KR" sz="1600" b="1" dirty="0" smtClean="0">
+                  <a:rPr kumimoji="1" lang="en-US" altLang="ko-KR" sz="1600" b="1" dirty="0">
                     <a:solidFill>
                       <a:srgbClr val="C00000"/>
                     </a:solidFill>

--- a/examples/pipeline_overview.pptx
+++ b/examples/pipeline_overview.pptx
@@ -5002,143 +5002,45 @@
           </a:prstGeom>
         </p:spPr>
       </p:pic>
-      <p:sp>
-        <p:nvSpPr>
-          <p:cNvPr id="28" name="직사각형 27"/>
-          <p:cNvSpPr/>
-          <p:nvPr/>
-        </p:nvSpPr>
-        <p:spPr>
-          <a:xfrm>
-            <a:off x="197489" y="106017"/>
-            <a:ext cx="9052529" cy="7426160"/>
-          </a:xfrm>
-          <a:prstGeom prst="rect">
-            <a:avLst/>
-          </a:prstGeom>
-          <a:solidFill>
-            <a:schemeClr val="bg1"/>
-          </a:solidFill>
-          <a:ln>
-            <a:noFill/>
-          </a:ln>
-        </p:spPr>
-        <p:style>
-          <a:lnRef idx="2">
-            <a:schemeClr val="accent1">
-              <a:shade val="50000"/>
-            </a:schemeClr>
-          </a:lnRef>
-          <a:fillRef idx="1">
-            <a:schemeClr val="accent1"/>
-          </a:fillRef>
-          <a:effectRef idx="0">
-            <a:schemeClr val="accent1"/>
-          </a:effectRef>
-          <a:fontRef idx="minor">
-            <a:schemeClr val="lt1"/>
-          </a:fontRef>
-        </p:style>
-        <p:txBody>
-          <a:bodyPr rtlCol="0" anchor="ctr"/>
-          <a:lstStyle/>
-          <a:p>
-            <a:pPr algn="ctr"/>
-            <a:endParaRPr kumimoji="1" lang="ko-KR" altLang="en-US" dirty="0"/>
-          </a:p>
-        </p:txBody>
-      </p:sp>
-      <p:sp>
-        <p:nvSpPr>
-          <p:cNvPr id="4" name="텍스트 상자 3"/>
-          <p:cNvSpPr txBox="1"/>
-          <p:nvPr/>
-        </p:nvSpPr>
-        <p:spPr>
-          <a:xfrm>
-            <a:off x="223993" y="175550"/>
-            <a:ext cx="2195729" cy="338554"/>
-          </a:xfrm>
-          <a:prstGeom prst="rect">
-            <a:avLst/>
-          </a:prstGeom>
-          <a:noFill/>
-        </p:spPr>
-        <p:txBody>
-          <a:bodyPr wrap="none" rtlCol="0">
-            <a:spAutoFit/>
-          </a:bodyPr>
-          <a:lstStyle/>
-          <a:p>
-            <a:r>
-              <a:rPr kumimoji="1" lang="en-US" altLang="ko-KR" sz="1600" dirty="0">
-                <a:solidFill>
-                  <a:srgbClr val="C00000"/>
-                </a:solidFill>
-                <a:latin typeface="PT Sans Narrow" charset="-52"/>
-                <a:ea typeface="PT Sans Narrow" charset="-52"/>
-                <a:cs typeface="PT Sans Narrow" charset="-52"/>
-              </a:rPr>
-              <a:t>Option 2.  </a:t>
-            </a:r>
-            <a:r>
-              <a:rPr kumimoji="1" lang="en-US" altLang="ko-KR" sz="1600" b="1" dirty="0">
-                <a:solidFill>
-                  <a:srgbClr val="C00000"/>
-                </a:solidFill>
-                <a:latin typeface="PT Sans Narrow" charset="-52"/>
-                <a:ea typeface="PT Sans Narrow" charset="-52"/>
-                <a:cs typeface="PT Sans Narrow" charset="-52"/>
-              </a:rPr>
-              <a:t>EPI normalization</a:t>
-            </a:r>
-            <a:endParaRPr kumimoji="1" lang="ko-KR" altLang="en-US" sz="1600" b="1" dirty="0">
-              <a:solidFill>
-                <a:srgbClr val="C00000"/>
-              </a:solidFill>
-              <a:latin typeface="PT Sans Narrow" charset="-52"/>
-              <a:ea typeface="PT Sans Narrow" charset="-52"/>
-              <a:cs typeface="PT Sans Narrow" charset="-52"/>
-            </a:endParaRPr>
-          </a:p>
-        </p:txBody>
-      </p:sp>
       <p:grpSp>
         <p:nvGrpSpPr>
-          <p:cNvPr id="9" name="그룹 8"/>
+          <p:cNvPr id="3" name="그룹 2">
+            <a:extLst>
+              <a:ext uri="{FF2B5EF4-FFF2-40B4-BE49-F238E27FC236}">
+                <a16:creationId xmlns:a16="http://schemas.microsoft.com/office/drawing/2014/main" id="{46854FCC-7632-7542-81A5-3695A1DBBC91}"/>
+              </a:ext>
+            </a:extLst>
+          </p:cNvPr>
           <p:cNvGrpSpPr/>
           <p:nvPr/>
         </p:nvGrpSpPr>
         <p:grpSpPr>
           <a:xfrm>
-            <a:off x="393192" y="664935"/>
-            <a:ext cx="1517904" cy="1841861"/>
-            <a:chOff x="393192" y="664935"/>
-            <a:chExt cx="1517904" cy="1841861"/>
+            <a:off x="197489" y="106017"/>
+            <a:ext cx="9052529" cy="7426160"/>
+            <a:chOff x="197489" y="106017"/>
+            <a:chExt cx="9052529" cy="7426160"/>
           </a:xfrm>
         </p:grpSpPr>
         <p:sp>
           <p:nvSpPr>
-            <p:cNvPr id="7" name="직사각형 6"/>
+            <p:cNvPr id="28" name="직사각형 27"/>
             <p:cNvSpPr/>
             <p:nvPr/>
           </p:nvSpPr>
           <p:spPr>
             <a:xfrm>
-              <a:off x="393192" y="795528"/>
-              <a:ext cx="1517904" cy="1609344"/>
+              <a:off x="197489" y="106017"/>
+              <a:ext cx="9052529" cy="7426160"/>
             </a:xfrm>
             <a:prstGeom prst="rect">
               <a:avLst/>
             </a:prstGeom>
-            <a:noFill/>
-            <a:ln w="19050">
-              <a:solidFill>
-                <a:schemeClr val="tx1">
-                  <a:lumMod val="65000"/>
-                  <a:lumOff val="35000"/>
-                </a:schemeClr>
-              </a:solidFill>
+            <a:solidFill>
+              <a:schemeClr val="bg1"/>
+            </a:solidFill>
+            <a:ln>
+              <a:noFill/>
             </a:ln>
           </p:spPr>
           <p:style>
@@ -5162,20 +5064,20 @@
             <a:lstStyle/>
             <a:p>
               <a:pPr algn="ctr"/>
-              <a:endParaRPr kumimoji="1" lang="ko-KR" altLang="en-US"/>
+              <a:endParaRPr kumimoji="1" lang="ko-KR" altLang="en-US" dirty="0"/>
             </a:p>
           </p:txBody>
         </p:sp>
         <p:sp>
           <p:nvSpPr>
-            <p:cNvPr id="8" name="텍스트 상자 7"/>
+            <p:cNvPr id="4" name="텍스트 상자 3"/>
             <p:cNvSpPr txBox="1"/>
             <p:nvPr/>
           </p:nvSpPr>
           <p:spPr>
             <a:xfrm>
-              <a:off x="457290" y="998691"/>
-              <a:ext cx="1444662" cy="1508105"/>
+              <a:off x="223993" y="175550"/>
+              <a:ext cx="2195729" cy="338554"/>
             </a:xfrm>
             <a:prstGeom prst="rect">
               <a:avLst/>
@@ -5183,114 +5085,37 @@
             <a:noFill/>
           </p:spPr>
           <p:txBody>
-            <a:bodyPr wrap="square" rtlCol="0">
+            <a:bodyPr wrap="none" rtlCol="0">
               <a:spAutoFit/>
             </a:bodyPr>
             <a:lstStyle/>
             <a:p>
               <a:r>
-                <a:rPr kumimoji="1" lang="en-US" altLang="ko-KR" sz="1200" b="1" dirty="0">
+                <a:rPr kumimoji="1" lang="en-US" altLang="ko-KR" sz="1600" dirty="0">
                   <a:solidFill>
-                    <a:srgbClr val="0070C0"/>
+                    <a:srgbClr val="C00000"/>
                   </a:solidFill>
                   <a:latin typeface="PT Sans Narrow" charset="-52"/>
                   <a:ea typeface="PT Sans Narrow" charset="-52"/>
                   <a:cs typeface="PT Sans Narrow" charset="-52"/>
                 </a:rPr>
-                <a:t>DICOM to NIFTI </a:t>
+                <a:t>Option 2.  </a:t>
               </a:r>
-            </a:p>
-            <a:p>
               <a:r>
-                <a:rPr kumimoji="1" lang="en-US" altLang="ko-KR" sz="1200" dirty="0">
+                <a:rPr kumimoji="1" lang="en-US" altLang="ko-KR" sz="1600" b="1" dirty="0">
                   <a:solidFill>
-                    <a:srgbClr val="0070C0"/>
+                    <a:srgbClr val="C00000"/>
                   </a:solidFill>
                   <a:latin typeface="PT Sans Narrow" charset="-52"/>
                   <a:ea typeface="PT Sans Narrow" charset="-52"/>
                   <a:cs typeface="PT Sans Narrow" charset="-52"/>
                 </a:rPr>
-                <a:t>in a BIDS format</a:t>
+                <a:t>EPI normalization</a:t>
               </a:r>
-            </a:p>
-            <a:p>
-              <a:endParaRPr kumimoji="1" lang="en-US" altLang="ko-KR" sz="800" dirty="0">
-                <a:latin typeface="PT Sans Narrow" charset="-52"/>
-                <a:ea typeface="PT Sans Narrow" charset="-52"/>
-                <a:cs typeface="PT Sans Narrow" charset="-52"/>
-              </a:endParaRPr>
-            </a:p>
-            <a:p>
-              <a:pPr marL="171450" indent="-171450">
-                <a:buFont typeface="Arial" charset="0"/>
-                <a:buChar char="•"/>
-              </a:pPr>
-              <a:r>
-                <a:rPr kumimoji="1" lang="en-US" altLang="ko-KR" sz="1200" dirty="0">
-                  <a:latin typeface="PT Sans Narrow" charset="-52"/>
-                  <a:ea typeface="PT Sans Narrow" charset="-52"/>
-                  <a:cs typeface="PT Sans Narrow" charset="-52"/>
-                </a:rPr>
-                <a:t>a1: make directory</a:t>
-              </a:r>
-            </a:p>
-            <a:p>
-              <a:pPr marL="171450" indent="-171450">
-                <a:buFont typeface="Arial" charset="0"/>
-                <a:buChar char="•"/>
-              </a:pPr>
-              <a:r>
-                <a:rPr kumimoji="1" lang="en-US" altLang="ko-KR" sz="1200" dirty="0">
-                  <a:latin typeface="PT Sans Narrow" charset="-52"/>
-                  <a:ea typeface="PT Sans Narrow" charset="-52"/>
-                  <a:cs typeface="PT Sans Narrow" charset="-52"/>
-                </a:rPr>
-                <a:t>a2: Structural</a:t>
-              </a:r>
-            </a:p>
-            <a:p>
-              <a:pPr marL="171450" indent="-171450">
-                <a:buFont typeface="Arial" charset="0"/>
-                <a:buChar char="•"/>
-              </a:pPr>
-              <a:r>
-                <a:rPr kumimoji="1" lang="en-US" altLang="ko-KR" sz="1200" dirty="0">
-                  <a:latin typeface="PT Sans Narrow" charset="-52"/>
-                  <a:ea typeface="PT Sans Narrow" charset="-52"/>
-                  <a:cs typeface="PT Sans Narrow" charset="-52"/>
-                </a:rPr>
-                <a:t>a3: Functional</a:t>
-              </a:r>
-            </a:p>
-            <a:p>
-              <a:pPr marL="171450" indent="-171450">
-                <a:buFont typeface="Arial" charset="0"/>
-                <a:buChar char="•"/>
-              </a:pPr>
-              <a:r>
-                <a:rPr kumimoji="1" lang="en-US" altLang="ko-KR" sz="1200" dirty="0">
-                  <a:latin typeface="PT Sans Narrow" charset="-52"/>
-                  <a:ea typeface="PT Sans Narrow" charset="-52"/>
-                  <a:cs typeface="PT Sans Narrow" charset="-52"/>
-                </a:rPr>
-                <a:t>a4: </a:t>
-              </a:r>
-              <a:r>
-                <a:rPr kumimoji="1" lang="en-US" altLang="ko-KR" sz="1200" dirty="0" err="1">
-                  <a:latin typeface="PT Sans Narrow" charset="-52"/>
-                  <a:ea typeface="PT Sans Narrow" charset="-52"/>
-                  <a:cs typeface="PT Sans Narrow" charset="-52"/>
-                </a:rPr>
-                <a:t>Fieldmap</a:t>
-              </a:r>
-              <a:endParaRPr kumimoji="1" lang="en-US" altLang="ko-KR" sz="1200" dirty="0">
-                <a:latin typeface="PT Sans Narrow" charset="-52"/>
-                <a:ea typeface="PT Sans Narrow" charset="-52"/>
-                <a:cs typeface="PT Sans Narrow" charset="-52"/>
-              </a:endParaRPr>
-            </a:p>
-            <a:p>
-              <a:endParaRPr kumimoji="1" lang="ko-KR" altLang="en-US" sz="1200" dirty="0">
+              <a:endParaRPr kumimoji="1" lang="ko-KR" altLang="en-US" sz="1600" b="1" dirty="0">
+                <a:solidFill>
+                  <a:srgbClr val="C00000"/>
+                </a:solidFill>
                 <a:latin typeface="PT Sans Narrow" charset="-52"/>
                 <a:ea typeface="PT Sans Narrow" charset="-52"/>
                 <a:cs typeface="PT Sans Narrow" charset="-52"/>
@@ -5298,1259 +5123,1455 @@
             </a:p>
           </p:txBody>
         </p:sp>
-        <p:sp>
-          <p:nvSpPr>
-            <p:cNvPr id="5" name="텍스트 상자 4"/>
-            <p:cNvSpPr txBox="1"/>
+        <p:grpSp>
+          <p:nvGrpSpPr>
+            <p:cNvPr id="9" name="그룹 8"/>
+            <p:cNvGrpSpPr/>
             <p:nvPr/>
-          </p:nvSpPr>
-          <p:spPr>
+          </p:nvGrpSpPr>
+          <p:grpSpPr>
             <a:xfrm>
-              <a:off x="641619" y="664935"/>
-              <a:ext cx="1021050" cy="276999"/>
+              <a:off x="393192" y="664935"/>
+              <a:ext cx="1517904" cy="1841861"/>
+              <a:chOff x="393192" y="664935"/>
+              <a:chExt cx="1517904" cy="1841861"/>
             </a:xfrm>
-            <a:prstGeom prst="rect">
-              <a:avLst/>
-            </a:prstGeom>
-            <a:solidFill>
-              <a:schemeClr val="bg1"/>
-            </a:solidFill>
-          </p:spPr>
-          <p:txBody>
-            <a:bodyPr wrap="none" rtlCol="0">
-              <a:spAutoFit/>
-            </a:bodyPr>
-            <a:lstStyle/>
-            <a:p>
-              <a:pPr algn="ctr"/>
-              <a:r>
-                <a:rPr kumimoji="1" lang="en-US" altLang="ko-KR" sz="1200" b="1" dirty="0">
+          </p:grpSpPr>
+          <p:sp>
+            <p:nvSpPr>
+              <p:cNvPr id="7" name="직사각형 6"/>
+              <p:cNvSpPr/>
+              <p:nvPr/>
+            </p:nvSpPr>
+            <p:spPr>
+              <a:xfrm>
+                <a:off x="393192" y="795528"/>
+                <a:ext cx="1517904" cy="1609344"/>
+              </a:xfrm>
+              <a:prstGeom prst="rect">
+                <a:avLst/>
+              </a:prstGeom>
+              <a:noFill/>
+              <a:ln w="19050">
+                <a:solidFill>
+                  <a:schemeClr val="tx1">
+                    <a:lumMod val="65000"/>
+                    <a:lumOff val="35000"/>
+                  </a:schemeClr>
+                </a:solidFill>
+              </a:ln>
+            </p:spPr>
+            <p:style>
+              <a:lnRef idx="2">
+                <a:schemeClr val="accent1">
+                  <a:shade val="50000"/>
+                </a:schemeClr>
+              </a:lnRef>
+              <a:fillRef idx="1">
+                <a:schemeClr val="accent1"/>
+              </a:fillRef>
+              <a:effectRef idx="0">
+                <a:schemeClr val="accent1"/>
+              </a:effectRef>
+              <a:fontRef idx="minor">
+                <a:schemeClr val="lt1"/>
+              </a:fontRef>
+            </p:style>
+            <p:txBody>
+              <a:bodyPr rtlCol="0" anchor="ctr"/>
+              <a:lstStyle/>
+              <a:p>
+                <a:pPr algn="ctr"/>
+                <a:endParaRPr kumimoji="1" lang="ko-KR" altLang="en-US"/>
+              </a:p>
+            </p:txBody>
+          </p:sp>
+          <p:sp>
+            <p:nvSpPr>
+              <p:cNvPr id="8" name="텍스트 상자 7"/>
+              <p:cNvSpPr txBox="1"/>
+              <p:nvPr/>
+            </p:nvSpPr>
+            <p:spPr>
+              <a:xfrm>
+                <a:off x="457290" y="998691"/>
+                <a:ext cx="1444662" cy="1508105"/>
+              </a:xfrm>
+              <a:prstGeom prst="rect">
+                <a:avLst/>
+              </a:prstGeom>
+              <a:noFill/>
+            </p:spPr>
+            <p:txBody>
+              <a:bodyPr wrap="square" rtlCol="0">
+                <a:spAutoFit/>
+              </a:bodyPr>
+              <a:lstStyle/>
+              <a:p>
+                <a:r>
+                  <a:rPr kumimoji="1" lang="en-US" altLang="ko-KR" sz="1200" b="1" dirty="0">
+                    <a:solidFill>
+                      <a:srgbClr val="0070C0"/>
+                    </a:solidFill>
+                    <a:latin typeface="PT Sans Narrow" charset="-52"/>
+                    <a:ea typeface="PT Sans Narrow" charset="-52"/>
+                    <a:cs typeface="PT Sans Narrow" charset="-52"/>
+                  </a:rPr>
+                  <a:t>DICOM to NIFTI </a:t>
+                </a:r>
+              </a:p>
+              <a:p>
+                <a:r>
+                  <a:rPr kumimoji="1" lang="en-US" altLang="ko-KR" sz="1200" dirty="0">
+                    <a:solidFill>
+                      <a:srgbClr val="0070C0"/>
+                    </a:solidFill>
+                    <a:latin typeface="PT Sans Narrow" charset="-52"/>
+                    <a:ea typeface="PT Sans Narrow" charset="-52"/>
+                    <a:cs typeface="PT Sans Narrow" charset="-52"/>
+                  </a:rPr>
+                  <a:t>in a BIDS format</a:t>
+                </a:r>
+              </a:p>
+              <a:p>
+                <a:endParaRPr kumimoji="1" lang="en-US" altLang="ko-KR" sz="800" dirty="0">
                   <a:latin typeface="PT Sans Narrow" charset="-52"/>
                   <a:ea typeface="PT Sans Narrow" charset="-52"/>
                   <a:cs typeface="PT Sans Narrow" charset="-52"/>
-                </a:rPr>
-                <a:t>PART 1 (a1-a4)</a:t>
-              </a:r>
-            </a:p>
-          </p:txBody>
-        </p:sp>
-      </p:grpSp>
-      <p:grpSp>
-        <p:nvGrpSpPr>
-          <p:cNvPr id="10" name="그룹 9"/>
-          <p:cNvGrpSpPr/>
-          <p:nvPr/>
-        </p:nvGrpSpPr>
-        <p:grpSpPr>
-          <a:xfrm>
-            <a:off x="2263498" y="664935"/>
-            <a:ext cx="3165528" cy="3444098"/>
-            <a:chOff x="393192" y="664935"/>
-            <a:chExt cx="3165528" cy="3444098"/>
-          </a:xfrm>
-        </p:grpSpPr>
-        <p:sp>
-          <p:nvSpPr>
-            <p:cNvPr id="11" name="직사각형 10"/>
-            <p:cNvSpPr/>
-            <p:nvPr/>
-          </p:nvSpPr>
-          <p:spPr>
-            <a:xfrm>
-              <a:off x="393192" y="795528"/>
-              <a:ext cx="3165528" cy="3313505"/>
-            </a:xfrm>
-            <a:prstGeom prst="rect">
-              <a:avLst/>
-            </a:prstGeom>
-            <a:noFill/>
-            <a:ln w="19050">
-              <a:solidFill>
-                <a:schemeClr val="tx1">
-                  <a:lumMod val="65000"/>
-                  <a:lumOff val="35000"/>
-                </a:schemeClr>
-              </a:solidFill>
-            </a:ln>
-          </p:spPr>
-          <p:style>
-            <a:lnRef idx="2">
-              <a:schemeClr val="accent1">
-                <a:shade val="50000"/>
-              </a:schemeClr>
-            </a:lnRef>
-            <a:fillRef idx="1">
-              <a:schemeClr val="accent1"/>
-            </a:fillRef>
-            <a:effectRef idx="0">
-              <a:schemeClr val="accent1"/>
-            </a:effectRef>
-            <a:fontRef idx="minor">
-              <a:schemeClr val="lt1"/>
-            </a:fontRef>
-          </p:style>
-          <p:txBody>
-            <a:bodyPr rtlCol="0" anchor="ctr"/>
-            <a:lstStyle/>
-            <a:p>
-              <a:pPr algn="ctr"/>
-              <a:endParaRPr kumimoji="1" lang="ko-KR" altLang="en-US"/>
-            </a:p>
-          </p:txBody>
-        </p:sp>
-        <p:sp>
-          <p:nvSpPr>
-            <p:cNvPr id="12" name="텍스트 상자 11"/>
-            <p:cNvSpPr txBox="1"/>
-            <p:nvPr/>
-          </p:nvSpPr>
-          <p:spPr>
-            <a:xfrm>
-              <a:off x="509599" y="998691"/>
-              <a:ext cx="2914426" cy="3046988"/>
-            </a:xfrm>
-            <a:prstGeom prst="rect">
-              <a:avLst/>
-            </a:prstGeom>
-            <a:noFill/>
-          </p:spPr>
-          <p:txBody>
-            <a:bodyPr wrap="square" rtlCol="0">
-              <a:spAutoFit/>
-            </a:bodyPr>
-            <a:lstStyle/>
-            <a:p>
-              <a:r>
-                <a:rPr kumimoji="1" lang="en-US" altLang="ko-KR" sz="1200" b="1" dirty="0">
-                  <a:solidFill>
-                    <a:srgbClr val="0070C0"/>
-                  </a:solidFill>
+                </a:endParaRPr>
+              </a:p>
+              <a:p>
+                <a:pPr marL="171450" indent="-171450">
+                  <a:buFont typeface="Arial" charset="0"/>
+                  <a:buChar char="•"/>
+                </a:pPr>
+                <a:r>
+                  <a:rPr kumimoji="1" lang="en-US" altLang="ko-KR" sz="1200" dirty="0">
+                    <a:latin typeface="PT Sans Narrow" charset="-52"/>
+                    <a:ea typeface="PT Sans Narrow" charset="-52"/>
+                    <a:cs typeface="PT Sans Narrow" charset="-52"/>
+                  </a:rPr>
+                  <a:t>a1: make directory</a:t>
+                </a:r>
+              </a:p>
+              <a:p>
+                <a:pPr marL="171450" indent="-171450">
+                  <a:buFont typeface="Arial" charset="0"/>
+                  <a:buChar char="•"/>
+                </a:pPr>
+                <a:r>
+                  <a:rPr kumimoji="1" lang="en-US" altLang="ko-KR" sz="1200" dirty="0">
+                    <a:latin typeface="PT Sans Narrow" charset="-52"/>
+                    <a:ea typeface="PT Sans Narrow" charset="-52"/>
+                    <a:cs typeface="PT Sans Narrow" charset="-52"/>
+                  </a:rPr>
+                  <a:t>a2: Structural</a:t>
+                </a:r>
+              </a:p>
+              <a:p>
+                <a:pPr marL="171450" indent="-171450">
+                  <a:buFont typeface="Arial" charset="0"/>
+                  <a:buChar char="•"/>
+                </a:pPr>
+                <a:r>
+                  <a:rPr kumimoji="1" lang="en-US" altLang="ko-KR" sz="1200" dirty="0">
+                    <a:latin typeface="PT Sans Narrow" charset="-52"/>
+                    <a:ea typeface="PT Sans Narrow" charset="-52"/>
+                    <a:cs typeface="PT Sans Narrow" charset="-52"/>
+                  </a:rPr>
+                  <a:t>a3: Functional</a:t>
+                </a:r>
+              </a:p>
+              <a:p>
+                <a:pPr marL="171450" indent="-171450">
+                  <a:buFont typeface="Arial" charset="0"/>
+                  <a:buChar char="•"/>
+                </a:pPr>
+                <a:r>
+                  <a:rPr kumimoji="1" lang="en-US" altLang="ko-KR" sz="1200" dirty="0">
+                    <a:latin typeface="PT Sans Narrow" charset="-52"/>
+                    <a:ea typeface="PT Sans Narrow" charset="-52"/>
+                    <a:cs typeface="PT Sans Narrow" charset="-52"/>
+                  </a:rPr>
+                  <a:t>a4: </a:t>
+                </a:r>
+                <a:r>
+                  <a:rPr kumimoji="1" lang="en-US" altLang="ko-KR" sz="1200" dirty="0" err="1">
+                    <a:latin typeface="PT Sans Narrow" charset="-52"/>
+                    <a:ea typeface="PT Sans Narrow" charset="-52"/>
+                    <a:cs typeface="PT Sans Narrow" charset="-52"/>
+                  </a:rPr>
+                  <a:t>Fieldmap</a:t>
+                </a:r>
+                <a:endParaRPr kumimoji="1" lang="en-US" altLang="ko-KR" sz="1200" dirty="0">
                   <a:latin typeface="PT Sans Narrow" charset="-52"/>
                   <a:ea typeface="PT Sans Narrow" charset="-52"/>
                   <a:cs typeface="PT Sans Narrow" charset="-52"/>
-                </a:rPr>
-                <a:t>Functional images</a:t>
-              </a:r>
-            </a:p>
-            <a:p>
-              <a:r>
-                <a:rPr kumimoji="1" lang="en-US" altLang="ko-KR" sz="1200" dirty="0">
-                  <a:solidFill>
-                    <a:srgbClr val="0070C0"/>
-                  </a:solidFill>
+                </a:endParaRPr>
+              </a:p>
+              <a:p>
+                <a:endParaRPr kumimoji="1" lang="ko-KR" altLang="en-US" sz="1200" dirty="0">
                   <a:latin typeface="PT Sans Narrow" charset="-52"/>
                   <a:ea typeface="PT Sans Narrow" charset="-52"/>
                   <a:cs typeface="PT Sans Narrow" charset="-52"/>
-                </a:rPr>
-                <a:t>QC (outlier detection)</a:t>
-              </a:r>
-            </a:p>
-            <a:p>
-              <a:endParaRPr kumimoji="1" lang="en-US" altLang="ko-KR" sz="1200" b="1" dirty="0">
-                <a:latin typeface="PT Sans Narrow" charset="-52"/>
-                <a:ea typeface="PT Sans Narrow" charset="-52"/>
-                <a:cs typeface="PT Sans Narrow" charset="-52"/>
-              </a:endParaRPr>
-            </a:p>
-            <a:p>
-              <a:r>
-                <a:rPr kumimoji="1" lang="en-US" altLang="ko-KR" sz="1200" b="1" dirty="0">
+                </a:endParaRPr>
+              </a:p>
+            </p:txBody>
+          </p:sp>
+          <p:sp>
+            <p:nvSpPr>
+              <p:cNvPr id="5" name="텍스트 상자 4"/>
+              <p:cNvSpPr txBox="1"/>
+              <p:nvPr/>
+            </p:nvSpPr>
+            <p:spPr>
+              <a:xfrm>
+                <a:off x="641619" y="664935"/>
+                <a:ext cx="1021050" cy="276999"/>
+              </a:xfrm>
+              <a:prstGeom prst="rect">
+                <a:avLst/>
+              </a:prstGeom>
+              <a:solidFill>
+                <a:schemeClr val="bg1"/>
+              </a:solidFill>
+            </p:spPr>
+            <p:txBody>
+              <a:bodyPr wrap="none" rtlCol="0">
+                <a:spAutoFit/>
+              </a:bodyPr>
+              <a:lstStyle/>
+              <a:p>
+                <a:pPr algn="ctr"/>
+                <a:r>
+                  <a:rPr kumimoji="1" lang="en-US" altLang="ko-KR" sz="1200" b="1" dirty="0">
+                    <a:latin typeface="PT Sans Narrow" charset="-52"/>
+                    <a:ea typeface="PT Sans Narrow" charset="-52"/>
+                    <a:cs typeface="PT Sans Narrow" charset="-52"/>
+                  </a:rPr>
+                  <a:t>PART 1 (a1-a4)</a:t>
+                </a:r>
+              </a:p>
+            </p:txBody>
+          </p:sp>
+        </p:grpSp>
+        <p:grpSp>
+          <p:nvGrpSpPr>
+            <p:cNvPr id="10" name="그룹 9"/>
+            <p:cNvGrpSpPr/>
+            <p:nvPr/>
+          </p:nvGrpSpPr>
+          <p:grpSpPr>
+            <a:xfrm>
+              <a:off x="2263498" y="664935"/>
+              <a:ext cx="3165528" cy="3444098"/>
+              <a:chOff x="393192" y="664935"/>
+              <a:chExt cx="3165528" cy="3444098"/>
+            </a:xfrm>
+          </p:grpSpPr>
+          <p:sp>
+            <p:nvSpPr>
+              <p:cNvPr id="11" name="직사각형 10"/>
+              <p:cNvSpPr/>
+              <p:nvPr/>
+            </p:nvSpPr>
+            <p:spPr>
+              <a:xfrm>
+                <a:off x="393192" y="795528"/>
+                <a:ext cx="3165528" cy="3313505"/>
+              </a:xfrm>
+              <a:prstGeom prst="rect">
+                <a:avLst/>
+              </a:prstGeom>
+              <a:noFill/>
+              <a:ln w="19050">
+                <a:solidFill>
+                  <a:schemeClr val="tx1">
+                    <a:lumMod val="65000"/>
+                    <a:lumOff val="35000"/>
+                  </a:schemeClr>
+                </a:solidFill>
+              </a:ln>
+            </p:spPr>
+            <p:style>
+              <a:lnRef idx="2">
+                <a:schemeClr val="accent1">
+                  <a:shade val="50000"/>
+                </a:schemeClr>
+              </a:lnRef>
+              <a:fillRef idx="1">
+                <a:schemeClr val="accent1"/>
+              </a:fillRef>
+              <a:effectRef idx="0">
+                <a:schemeClr val="accent1"/>
+              </a:effectRef>
+              <a:fontRef idx="minor">
+                <a:schemeClr val="lt1"/>
+              </a:fontRef>
+            </p:style>
+            <p:txBody>
+              <a:bodyPr rtlCol="0" anchor="ctr"/>
+              <a:lstStyle/>
+              <a:p>
+                <a:pPr algn="ctr"/>
+                <a:endParaRPr kumimoji="1" lang="ko-KR" altLang="en-US"/>
+              </a:p>
+            </p:txBody>
+          </p:sp>
+          <p:sp>
+            <p:nvSpPr>
+              <p:cNvPr id="12" name="텍스트 상자 11"/>
+              <p:cNvSpPr txBox="1"/>
+              <p:nvPr/>
+            </p:nvSpPr>
+            <p:spPr>
+              <a:xfrm>
+                <a:off x="509599" y="998691"/>
+                <a:ext cx="2914426" cy="3046988"/>
+              </a:xfrm>
+              <a:prstGeom prst="rect">
+                <a:avLst/>
+              </a:prstGeom>
+              <a:noFill/>
+            </p:spPr>
+            <p:txBody>
+              <a:bodyPr wrap="square" rtlCol="0">
+                <a:spAutoFit/>
+              </a:bodyPr>
+              <a:lstStyle/>
+              <a:p>
+                <a:r>
+                  <a:rPr kumimoji="1" lang="en-US" altLang="ko-KR" sz="1200" b="1" dirty="0">
+                    <a:solidFill>
+                      <a:srgbClr val="0070C0"/>
+                    </a:solidFill>
+                    <a:latin typeface="PT Sans Narrow" charset="-52"/>
+                    <a:ea typeface="PT Sans Narrow" charset="-52"/>
+                    <a:cs typeface="PT Sans Narrow" charset="-52"/>
+                  </a:rPr>
+                  <a:t>Functional images</a:t>
+                </a:r>
+              </a:p>
+              <a:p>
+                <a:r>
+                  <a:rPr kumimoji="1" lang="en-US" altLang="ko-KR" sz="1200" dirty="0">
+                    <a:solidFill>
+                      <a:srgbClr val="0070C0"/>
+                    </a:solidFill>
+                    <a:latin typeface="PT Sans Narrow" charset="-52"/>
+                    <a:ea typeface="PT Sans Narrow" charset="-52"/>
+                    <a:cs typeface="PT Sans Narrow" charset="-52"/>
+                  </a:rPr>
+                  <a:t>QC (outlier detection)</a:t>
+                </a:r>
+              </a:p>
+              <a:p>
+                <a:endParaRPr kumimoji="1" lang="en-US" altLang="ko-KR" sz="1200" b="1" dirty="0">
                   <a:latin typeface="PT Sans Narrow" charset="-52"/>
                   <a:ea typeface="PT Sans Narrow" charset="-52"/>
                   <a:cs typeface="PT Sans Narrow" charset="-52"/>
-                </a:rPr>
-                <a:t>b1: </a:t>
-              </a:r>
-              <a:r>
-                <a:rPr kumimoji="1" lang="en-US" altLang="ko-KR" sz="1200" dirty="0">
+                </a:endParaRPr>
+              </a:p>
+              <a:p>
+                <a:r>
+                  <a:rPr kumimoji="1" lang="en-US" altLang="ko-KR" sz="1200" b="1" dirty="0">
+                    <a:latin typeface="PT Sans Narrow" charset="-52"/>
+                    <a:ea typeface="PT Sans Narrow" charset="-52"/>
+                    <a:cs typeface="PT Sans Narrow" charset="-52"/>
+                  </a:rPr>
+                  <a:t>b1: </a:t>
+                </a:r>
+                <a:r>
+                  <a:rPr kumimoji="1" lang="en-US" altLang="ko-KR" sz="1200" dirty="0">
+                    <a:latin typeface="PT Sans Narrow" charset="-52"/>
+                    <a:ea typeface="PT Sans Narrow" charset="-52"/>
+                    <a:cs typeface="PT Sans Narrow" charset="-52"/>
+                  </a:rPr>
+                  <a:t>Make directories</a:t>
+                </a:r>
+                <a:endParaRPr kumimoji="1" lang="ko-KR" altLang="en-US" sz="1200" dirty="0">
                   <a:latin typeface="PT Sans Narrow" charset="-52"/>
                   <a:ea typeface="PT Sans Narrow" charset="-52"/>
                   <a:cs typeface="PT Sans Narrow" charset="-52"/>
-                </a:rPr>
-                <a:t>Make directories</a:t>
-              </a:r>
-              <a:endParaRPr kumimoji="1" lang="ko-KR" altLang="en-US" sz="1200" dirty="0">
-                <a:latin typeface="PT Sans Narrow" charset="-52"/>
-                <a:ea typeface="PT Sans Narrow" charset="-52"/>
-                <a:cs typeface="PT Sans Narrow" charset="-52"/>
-              </a:endParaRPr>
-            </a:p>
-            <a:p>
-              <a:endParaRPr kumimoji="1" lang="en-US" altLang="ko-KR" sz="1200" dirty="0">
-                <a:latin typeface="PT Sans Narrow" charset="-52"/>
-                <a:ea typeface="PT Sans Narrow" charset="-52"/>
-                <a:cs typeface="PT Sans Narrow" charset="-52"/>
-              </a:endParaRPr>
-            </a:p>
-            <a:p>
-              <a:r>
-                <a:rPr kumimoji="1" lang="en-US" altLang="ko-KR" sz="1200" b="1" dirty="0">
+                </a:endParaRPr>
+              </a:p>
+              <a:p>
+                <a:endParaRPr kumimoji="1" lang="en-US" altLang="ko-KR" sz="1200" dirty="0">
                   <a:latin typeface="PT Sans Narrow" charset="-52"/>
                   <a:ea typeface="PT Sans Narrow" charset="-52"/>
                   <a:cs typeface="PT Sans Narrow" charset="-52"/>
-                </a:rPr>
-                <a:t>b2: implicit mask and mean images</a:t>
-              </a:r>
-            </a:p>
-            <a:p>
-              <a:pPr marL="180975" lvl="1" indent="-173038">
-                <a:buFont typeface="Arial" charset="0"/>
-                <a:buChar char="•"/>
-              </a:pPr>
-              <a:r>
-                <a:rPr kumimoji="1" lang="en-US" altLang="ko-KR" sz="1200" dirty="0">
+                </a:endParaRPr>
+              </a:p>
+              <a:p>
+                <a:r>
+                  <a:rPr kumimoji="1" lang="en-US" altLang="ko-KR" sz="1200" b="1" dirty="0">
+                    <a:latin typeface="PT Sans Narrow" charset="-52"/>
+                    <a:ea typeface="PT Sans Narrow" charset="-52"/>
+                    <a:cs typeface="PT Sans Narrow" charset="-52"/>
+                  </a:rPr>
+                  <a:t>b2: implicit mask and mean images</a:t>
+                </a:r>
+              </a:p>
+              <a:p>
+                <a:pPr marL="180975" lvl="1" indent="-173038">
+                  <a:buFont typeface="Arial" charset="0"/>
+                  <a:buChar char="•"/>
+                </a:pPr>
+                <a:r>
+                  <a:rPr kumimoji="1" lang="en-US" altLang="ko-KR" sz="1200" dirty="0">
+                    <a:latin typeface="PT Sans Narrow" charset="-52"/>
+                    <a:ea typeface="PT Sans Narrow" charset="-52"/>
+                    <a:cs typeface="PT Sans Narrow" charset="-52"/>
+                  </a:rPr>
+                  <a:t>create an implicit mask image</a:t>
+                </a:r>
+              </a:p>
+              <a:p>
+                <a:pPr marL="180975" lvl="1" indent="-173038">
+                  <a:buFont typeface="Arial" charset="0"/>
+                  <a:buChar char="•"/>
+                </a:pPr>
+                <a:r>
+                  <a:rPr kumimoji="1" lang="en-US" altLang="ko-KR" sz="1200" dirty="0">
+                    <a:latin typeface="PT Sans Narrow" charset="-52"/>
+                    <a:ea typeface="PT Sans Narrow" charset="-52"/>
+                    <a:cs typeface="PT Sans Narrow" charset="-52"/>
+                  </a:rPr>
+                  <a:t>save mean images and </a:t>
+                </a:r>
+                <a:r>
+                  <a:rPr kumimoji="1" lang="en-US" altLang="ko-KR" sz="1200" dirty="0" err="1">
+                    <a:latin typeface="PT Sans Narrow" charset="-52"/>
+                    <a:ea typeface="PT Sans Narrow" charset="-52"/>
+                    <a:cs typeface="PT Sans Narrow" charset="-52"/>
+                  </a:rPr>
+                  <a:t>SBRef</a:t>
+                </a:r>
+                <a:r>
+                  <a:rPr kumimoji="1" lang="en-US" altLang="ko-KR" sz="1200" dirty="0">
+                    <a:latin typeface="PT Sans Narrow" charset="-52"/>
+                    <a:ea typeface="PT Sans Narrow" charset="-52"/>
+                    <a:cs typeface="PT Sans Narrow" charset="-52"/>
+                  </a:rPr>
+                  <a:t> (before </a:t>
+                </a:r>
+                <a:r>
+                  <a:rPr kumimoji="1" lang="en-US" altLang="ko-KR" sz="1200" dirty="0" err="1">
+                    <a:latin typeface="PT Sans Narrow" charset="-52"/>
+                    <a:ea typeface="PT Sans Narrow" charset="-52"/>
+                    <a:cs typeface="PT Sans Narrow" charset="-52"/>
+                  </a:rPr>
+                  <a:t>preproc</a:t>
+                </a:r>
+                <a:r>
+                  <a:rPr kumimoji="1" lang="en-US" altLang="ko-KR" sz="1200" dirty="0">
+                    <a:latin typeface="PT Sans Narrow" charset="-52"/>
+                    <a:ea typeface="PT Sans Narrow" charset="-52"/>
+                    <a:cs typeface="PT Sans Narrow" charset="-52"/>
+                  </a:rPr>
+                  <a:t>) as </a:t>
+                </a:r>
+                <a:r>
+                  <a:rPr kumimoji="1" lang="en-US" altLang="ko-KR" sz="1200" dirty="0" err="1">
+                    <a:latin typeface="PT Sans Narrow" charset="-52"/>
+                    <a:ea typeface="PT Sans Narrow" charset="-52"/>
+                    <a:cs typeface="PT Sans Narrow" charset="-52"/>
+                  </a:rPr>
+                  <a:t>png</a:t>
+                </a:r>
+                <a:r>
+                  <a:rPr kumimoji="1" lang="en-US" altLang="ko-KR" sz="1200" dirty="0">
+                    <a:latin typeface="PT Sans Narrow" charset="-52"/>
+                    <a:ea typeface="PT Sans Narrow" charset="-52"/>
+                    <a:cs typeface="PT Sans Narrow" charset="-52"/>
+                  </a:rPr>
+                  <a:t> in qc directories</a:t>
+                </a:r>
+              </a:p>
+              <a:p>
+                <a:pPr marL="171450" indent="-171450">
+                  <a:buFont typeface="Arial" charset="0"/>
+                  <a:buChar char="•"/>
+                </a:pPr>
+                <a:endParaRPr kumimoji="1" lang="en-US" altLang="ko-KR" sz="1200" dirty="0">
                   <a:latin typeface="PT Sans Narrow" charset="-52"/>
                   <a:ea typeface="PT Sans Narrow" charset="-52"/>
                   <a:cs typeface="PT Sans Narrow" charset="-52"/>
-                </a:rPr>
-                <a:t>create an implicit mask image</a:t>
-              </a:r>
-            </a:p>
-            <a:p>
-              <a:pPr marL="180975" lvl="1" indent="-173038">
-                <a:buFont typeface="Arial" charset="0"/>
-                <a:buChar char="•"/>
-              </a:pPr>
-              <a:r>
-                <a:rPr kumimoji="1" lang="en-US" altLang="ko-KR" sz="1200" dirty="0">
+                </a:endParaRPr>
+              </a:p>
+              <a:p>
+                <a:r>
+                  <a:rPr kumimoji="1" lang="en-US" altLang="ko-KR" sz="1200" b="1" dirty="0">
+                    <a:latin typeface="PT Sans Narrow" charset="-52"/>
+                    <a:ea typeface="PT Sans Narrow" charset="-52"/>
+                    <a:cs typeface="PT Sans Narrow" charset="-52"/>
+                  </a:rPr>
+                  <a:t>b3: outlier detection</a:t>
+                </a:r>
+              </a:p>
+              <a:p>
+                <a:pPr marL="180975" lvl="1" indent="-173038">
+                  <a:buFont typeface="Arial" charset="0"/>
+                  <a:buChar char="•"/>
+                </a:pPr>
+                <a:r>
+                  <a:rPr kumimoji="1" lang="en-US" altLang="ko-KR" sz="1200" dirty="0">
+                    <a:latin typeface="PT Sans Narrow" charset="-52"/>
+                    <a:ea typeface="PT Sans Narrow" charset="-52"/>
+                    <a:cs typeface="PT Sans Narrow" charset="-52"/>
+                  </a:rPr>
+                  <a:t>outlier detection based on 1) </a:t>
+                </a:r>
+                <a:r>
+                  <a:rPr kumimoji="1" lang="en-US" altLang="ko-KR" sz="1200" dirty="0" err="1">
+                    <a:latin typeface="PT Sans Narrow" charset="-52"/>
+                    <a:ea typeface="PT Sans Narrow" charset="-52"/>
+                    <a:cs typeface="PT Sans Narrow" charset="-52"/>
+                  </a:rPr>
+                  <a:t>mahalanobis</a:t>
+                </a:r>
+                <a:r>
+                  <a:rPr kumimoji="1" lang="en-US" altLang="ko-KR" sz="1200" dirty="0">
+                    <a:latin typeface="PT Sans Narrow" charset="-52"/>
+                    <a:ea typeface="PT Sans Narrow" charset="-52"/>
+                    <a:cs typeface="PT Sans Narrow" charset="-52"/>
+                  </a:rPr>
+                  <a:t> distance across global mean for slices and spatial STD for slices, as in </a:t>
+                </a:r>
+                <a:r>
+                  <a:rPr kumimoji="1" lang="en-US" altLang="ko-KR" sz="1200" dirty="0" err="1">
+                    <a:latin typeface="PT Sans Narrow" charset="-52"/>
+                    <a:ea typeface="PT Sans Narrow" charset="-52"/>
+                    <a:cs typeface="PT Sans Narrow" charset="-52"/>
+                  </a:rPr>
+                  <a:t>scn_session_spike_id.m</a:t>
+                </a:r>
+                <a:r>
+                  <a:rPr kumimoji="1" lang="en-US" altLang="ko-KR" sz="1200" dirty="0">
+                    <a:latin typeface="PT Sans Narrow" charset="-52"/>
+                    <a:ea typeface="PT Sans Narrow" charset="-52"/>
+                    <a:cs typeface="PT Sans Narrow" charset="-52"/>
+                  </a:rPr>
+                  <a:t> 2) root-mean-square successive differences between images</a:t>
+                </a:r>
+              </a:p>
+            </p:txBody>
+          </p:sp>
+          <p:sp>
+            <p:nvSpPr>
+              <p:cNvPr id="13" name="텍스트 상자 12"/>
+              <p:cNvSpPr txBox="1"/>
+              <p:nvPr/>
+            </p:nvSpPr>
+            <p:spPr>
+              <a:xfrm>
+                <a:off x="620782" y="664935"/>
+                <a:ext cx="1062728" cy="276999"/>
+              </a:xfrm>
+              <a:prstGeom prst="rect">
+                <a:avLst/>
+              </a:prstGeom>
+              <a:solidFill>
+                <a:schemeClr val="bg1"/>
+              </a:solidFill>
+            </p:spPr>
+            <p:txBody>
+              <a:bodyPr wrap="none" rtlCol="0">
+                <a:spAutoFit/>
+              </a:bodyPr>
+              <a:lstStyle/>
+              <a:p>
+                <a:pPr algn="ctr"/>
+                <a:r>
+                  <a:rPr kumimoji="1" lang="en-US" altLang="ko-KR" sz="1200" b="1" dirty="0">
+                    <a:latin typeface="PT Sans Narrow" charset="-52"/>
+                    <a:ea typeface="PT Sans Narrow" charset="-52"/>
+                    <a:cs typeface="PT Sans Narrow" charset="-52"/>
+                  </a:rPr>
+                  <a:t>PART 2 (b1-b3) </a:t>
+                </a:r>
+              </a:p>
+            </p:txBody>
+          </p:sp>
+        </p:grpSp>
+        <p:grpSp>
+          <p:nvGrpSpPr>
+            <p:cNvPr id="16" name="그룹 15"/>
+            <p:cNvGrpSpPr/>
+            <p:nvPr/>
+          </p:nvGrpSpPr>
+          <p:grpSpPr>
+            <a:xfrm>
+              <a:off x="2263498" y="4228369"/>
+              <a:ext cx="3165528" cy="3196078"/>
+              <a:chOff x="393192" y="664935"/>
+              <a:chExt cx="3165528" cy="3196078"/>
+            </a:xfrm>
+          </p:grpSpPr>
+          <p:sp>
+            <p:nvSpPr>
+              <p:cNvPr id="17" name="직사각형 16"/>
+              <p:cNvSpPr/>
+              <p:nvPr/>
+            </p:nvSpPr>
+            <p:spPr>
+              <a:xfrm>
+                <a:off x="393192" y="795527"/>
+                <a:ext cx="3165528" cy="2979485"/>
+              </a:xfrm>
+              <a:prstGeom prst="rect">
+                <a:avLst/>
+              </a:prstGeom>
+              <a:noFill/>
+              <a:ln w="19050">
+                <a:solidFill>
+                  <a:schemeClr val="tx1">
+                    <a:lumMod val="65000"/>
+                    <a:lumOff val="35000"/>
+                  </a:schemeClr>
+                </a:solidFill>
+              </a:ln>
+            </p:spPr>
+            <p:style>
+              <a:lnRef idx="2">
+                <a:schemeClr val="accent1">
+                  <a:shade val="50000"/>
+                </a:schemeClr>
+              </a:lnRef>
+              <a:fillRef idx="1">
+                <a:schemeClr val="accent1"/>
+              </a:fillRef>
+              <a:effectRef idx="0">
+                <a:schemeClr val="accent1"/>
+              </a:effectRef>
+              <a:fontRef idx="minor">
+                <a:schemeClr val="lt1"/>
+              </a:fontRef>
+            </p:style>
+            <p:txBody>
+              <a:bodyPr rtlCol="0" anchor="ctr"/>
+              <a:lstStyle/>
+              <a:p>
+                <a:pPr algn="ctr"/>
+                <a:endParaRPr kumimoji="1" lang="ko-KR" altLang="en-US"/>
+              </a:p>
+            </p:txBody>
+          </p:sp>
+          <p:sp>
+            <p:nvSpPr>
+              <p:cNvPr id="18" name="텍스트 상자 17"/>
+              <p:cNvSpPr txBox="1"/>
+              <p:nvPr/>
+            </p:nvSpPr>
+            <p:spPr>
+              <a:xfrm>
+                <a:off x="509599" y="998691"/>
+                <a:ext cx="2914426" cy="2862322"/>
+              </a:xfrm>
+              <a:prstGeom prst="rect">
+                <a:avLst/>
+              </a:prstGeom>
+              <a:noFill/>
+            </p:spPr>
+            <p:txBody>
+              <a:bodyPr wrap="square" rtlCol="0">
+                <a:spAutoFit/>
+              </a:bodyPr>
+              <a:lstStyle/>
+              <a:p>
+                <a:r>
+                  <a:rPr kumimoji="1" lang="en-US" altLang="ko-KR" sz="1200" b="1" dirty="0">
+                    <a:solidFill>
+                      <a:srgbClr val="0070C0"/>
+                    </a:solidFill>
+                    <a:latin typeface="PT Sans Narrow" charset="-52"/>
+                    <a:ea typeface="PT Sans Narrow" charset="-52"/>
+                    <a:cs typeface="PT Sans Narrow" charset="-52"/>
+                  </a:rPr>
+                  <a:t>Functional images</a:t>
+                </a:r>
+              </a:p>
+              <a:p>
+                <a:r>
+                  <a:rPr kumimoji="1" lang="en-US" altLang="ko-KR" sz="1200" dirty="0">
+                    <a:solidFill>
+                      <a:srgbClr val="0070C0"/>
+                    </a:solidFill>
+                    <a:latin typeface="PT Sans Narrow" charset="-52"/>
+                    <a:ea typeface="PT Sans Narrow" charset="-52"/>
+                    <a:cs typeface="PT Sans Narrow" charset="-52"/>
+                  </a:rPr>
+                  <a:t>Slice timing, motion, distortion correction</a:t>
+                </a:r>
+              </a:p>
+              <a:p>
+                <a:endParaRPr kumimoji="1" lang="en-US" altLang="ko-KR" sz="1200" b="1" dirty="0">
                   <a:latin typeface="PT Sans Narrow" charset="-52"/>
                   <a:ea typeface="PT Sans Narrow" charset="-52"/>
                   <a:cs typeface="PT Sans Narrow" charset="-52"/>
-                </a:rPr>
-                <a:t>save mean images and </a:t>
-              </a:r>
-              <a:r>
-                <a:rPr kumimoji="1" lang="en-US" altLang="ko-KR" sz="1200" dirty="0" err="1">
+                </a:endParaRPr>
+              </a:p>
+              <a:p>
+                <a:r>
+                  <a:rPr kumimoji="1" lang="en-US" altLang="ko-KR" sz="1200" b="1" dirty="0">
+                    <a:latin typeface="PT Sans Narrow" charset="-52"/>
+                    <a:ea typeface="PT Sans Narrow" charset="-52"/>
+                    <a:cs typeface="PT Sans Narrow" charset="-52"/>
+                  </a:rPr>
+                  <a:t>b4: slice timing correction</a:t>
+                </a:r>
+                <a:r>
+                  <a:rPr kumimoji="1" lang="en-US" altLang="ko-KR" sz="1200" dirty="0">
+                    <a:latin typeface="PT Sans Narrow" charset="-52"/>
+                    <a:ea typeface="PT Sans Narrow" charset="-52"/>
+                    <a:cs typeface="PT Sans Narrow" charset="-52"/>
+                  </a:rPr>
+                  <a:t> </a:t>
+                </a:r>
+              </a:p>
+              <a:p>
+                <a:pPr marL="171450" indent="-171450">
+                  <a:buFont typeface="Arial" charset="0"/>
+                  <a:buChar char="•"/>
+                </a:pPr>
+                <a:r>
+                  <a:rPr kumimoji="1" lang="en-US" altLang="ko-KR" sz="1200" dirty="0">
+                    <a:latin typeface="PT Sans Narrow" charset="-52"/>
+                    <a:ea typeface="PT Sans Narrow" charset="-52"/>
+                    <a:cs typeface="PT Sans Narrow" charset="-52"/>
+                  </a:rPr>
+                  <a:t>It works with multi-band sequence</a:t>
+                </a:r>
+              </a:p>
+              <a:p>
+                <a:pPr marL="171450" indent="-171450">
+                  <a:buFont typeface="Arial" charset="0"/>
+                  <a:buChar char="•"/>
+                </a:pPr>
+                <a:r>
+                  <a:rPr kumimoji="1" lang="en-US" altLang="ko-KR" sz="1200" dirty="0">
+                    <a:latin typeface="PT Sans Narrow" charset="-52"/>
+                    <a:ea typeface="PT Sans Narrow" charset="-52"/>
+                    <a:cs typeface="PT Sans Narrow" charset="-52"/>
+                  </a:rPr>
+                  <a:t>It reads the actual acquisition timing from </a:t>
+                </a:r>
+                <a:r>
+                  <a:rPr kumimoji="1" lang="en-US" altLang="ko-KR" sz="1200" dirty="0" err="1">
+                    <a:latin typeface="PT Sans Narrow" charset="-52"/>
+                    <a:ea typeface="PT Sans Narrow" charset="-52"/>
+                    <a:cs typeface="PT Sans Narrow" charset="-52"/>
+                  </a:rPr>
+                  <a:t>dicom</a:t>
+                </a:r>
+                <a:r>
+                  <a:rPr kumimoji="1" lang="en-US" altLang="ko-KR" sz="1200" dirty="0">
+                    <a:latin typeface="PT Sans Narrow" charset="-52"/>
+                    <a:ea typeface="PT Sans Narrow" charset="-52"/>
+                    <a:cs typeface="PT Sans Narrow" charset="-52"/>
+                  </a:rPr>
+                  <a:t> header.</a:t>
+                </a:r>
+                <a:endParaRPr kumimoji="1" lang="en-US" altLang="ko-KR" sz="1200" b="1" dirty="0">
                   <a:latin typeface="PT Sans Narrow" charset="-52"/>
                   <a:ea typeface="PT Sans Narrow" charset="-52"/>
                   <a:cs typeface="PT Sans Narrow" charset="-52"/>
-                </a:rPr>
-                <a:t>SBRef</a:t>
-              </a:r>
-              <a:r>
-                <a:rPr kumimoji="1" lang="en-US" altLang="ko-KR" sz="1200" dirty="0">
+                </a:endParaRPr>
+              </a:p>
+              <a:p>
+                <a:endParaRPr kumimoji="1" lang="en-US" altLang="ko-KR" sz="1200" b="1" dirty="0">
                   <a:latin typeface="PT Sans Narrow" charset="-52"/>
                   <a:ea typeface="PT Sans Narrow" charset="-52"/>
                   <a:cs typeface="PT Sans Narrow" charset="-52"/>
-                </a:rPr>
-                <a:t> (before </a:t>
-              </a:r>
-              <a:r>
-                <a:rPr kumimoji="1" lang="en-US" altLang="ko-KR" sz="1200" dirty="0" err="1">
+                </a:endParaRPr>
+              </a:p>
+              <a:p>
+                <a:r>
+                  <a:rPr kumimoji="1" lang="en-US" altLang="ko-KR" sz="1200" b="1" dirty="0">
+                    <a:latin typeface="PT Sans Narrow" charset="-52"/>
+                    <a:ea typeface="PT Sans Narrow" charset="-52"/>
+                    <a:cs typeface="PT Sans Narrow" charset="-52"/>
+                  </a:rPr>
+                  <a:t>b5: motion correction (realignment)</a:t>
+                </a:r>
+              </a:p>
+              <a:p>
+                <a:pPr marL="171450" lvl="1" indent="-171450">
+                  <a:buFont typeface="Arial" charset="0"/>
+                  <a:buChar char="•"/>
+                </a:pPr>
+                <a:r>
+                  <a:rPr kumimoji="1" lang="en-US" altLang="ko-KR" sz="1200" dirty="0">
+                    <a:latin typeface="PT Sans Narrow" charset="-52"/>
+                    <a:ea typeface="PT Sans Narrow" charset="-52"/>
+                    <a:cs typeface="PT Sans Narrow" charset="-52"/>
+                  </a:rPr>
+                  <a:t>It uses the first functional image or </a:t>
+                </a:r>
+                <a:r>
+                  <a:rPr kumimoji="1" lang="en-US" altLang="ko-KR" sz="1200" dirty="0" err="1">
+                    <a:latin typeface="PT Sans Narrow" charset="-52"/>
+                    <a:ea typeface="PT Sans Narrow" charset="-52"/>
+                    <a:cs typeface="PT Sans Narrow" charset="-52"/>
+                  </a:rPr>
+                  <a:t>SBRef</a:t>
+                </a:r>
+                <a:r>
+                  <a:rPr kumimoji="1" lang="en-US" altLang="ko-KR" sz="1200" dirty="0">
+                    <a:latin typeface="PT Sans Narrow" charset="-52"/>
+                    <a:ea typeface="PT Sans Narrow" charset="-52"/>
+                    <a:cs typeface="PT Sans Narrow" charset="-52"/>
+                  </a:rPr>
+                  <a:t> (you can choose) as a reference. </a:t>
+                </a:r>
+              </a:p>
+              <a:p>
+                <a:pPr marL="171450" lvl="1" indent="-171450">
+                  <a:buFont typeface="Arial" charset="0"/>
+                  <a:buChar char="•"/>
+                </a:pPr>
+                <a:r>
+                  <a:rPr kumimoji="1" lang="en-US" altLang="ko-KR" sz="1200" dirty="0">
+                    <a:latin typeface="PT Sans Narrow" charset="-52"/>
+                    <a:ea typeface="PT Sans Narrow" charset="-52"/>
+                    <a:cs typeface="PT Sans Narrow" charset="-52"/>
+                  </a:rPr>
+                  <a:t>It saves 6 movement parameters for each run</a:t>
+                </a:r>
+              </a:p>
+              <a:p>
+                <a:pPr marL="171450" lvl="1" indent="-171450">
+                  <a:buFont typeface="Arial" charset="0"/>
+                  <a:buChar char="•"/>
+                </a:pPr>
+                <a:endParaRPr kumimoji="1" lang="en-US" altLang="ko-KR" sz="1200" dirty="0">
                   <a:latin typeface="PT Sans Narrow" charset="-52"/>
                   <a:ea typeface="PT Sans Narrow" charset="-52"/>
                   <a:cs typeface="PT Sans Narrow" charset="-52"/>
-                </a:rPr>
-                <a:t>preproc</a:t>
-              </a:r>
-              <a:r>
-                <a:rPr kumimoji="1" lang="en-US" altLang="ko-KR" sz="1200" dirty="0">
+                </a:endParaRPr>
+              </a:p>
+              <a:p>
+                <a:pPr marL="0" lvl="1"/>
+                <a:r>
+                  <a:rPr kumimoji="1" lang="en-US" altLang="ko-KR" sz="1200" b="1" dirty="0">
+                    <a:latin typeface="PT Sans Narrow" charset="-52"/>
+                    <a:ea typeface="PT Sans Narrow" charset="-52"/>
+                    <a:cs typeface="PT Sans Narrow" charset="-52"/>
+                  </a:rPr>
+                  <a:t>b6: distortion correction</a:t>
+                </a:r>
+                <a:r>
+                  <a:rPr kumimoji="1" lang="en-US" altLang="ko-KR" sz="1200" dirty="0">
+                    <a:latin typeface="PT Sans Narrow" charset="-52"/>
+                    <a:ea typeface="PT Sans Narrow" charset="-52"/>
+                    <a:cs typeface="PT Sans Narrow" charset="-52"/>
+                  </a:rPr>
+                  <a:t> (using FSL’s </a:t>
+                </a:r>
+                <a:r>
+                  <a:rPr kumimoji="1" lang="en-US" altLang="ko-KR" sz="1200" dirty="0" err="1">
+                    <a:latin typeface="PT Sans Narrow" charset="-52"/>
+                    <a:ea typeface="PT Sans Narrow" charset="-52"/>
+                    <a:cs typeface="PT Sans Narrow" charset="-52"/>
+                  </a:rPr>
+                  <a:t>topup</a:t>
+                </a:r>
+                <a:r>
+                  <a:rPr kumimoji="1" lang="en-US" altLang="ko-KR" sz="1200" dirty="0">
+                    <a:latin typeface="PT Sans Narrow" charset="-52"/>
+                    <a:ea typeface="PT Sans Narrow" charset="-52"/>
+                    <a:cs typeface="PT Sans Narrow" charset="-52"/>
+                  </a:rPr>
+                  <a:t>)</a:t>
+                </a:r>
+              </a:p>
+              <a:p>
+                <a:pPr marL="171450" lvl="1" indent="-171450">
+                  <a:buFont typeface="Arial" charset="0"/>
+                  <a:buChar char="•"/>
+                </a:pPr>
+                <a:endParaRPr kumimoji="1" lang="en-US" altLang="ko-KR" sz="1200" dirty="0">
                   <a:latin typeface="PT Sans Narrow" charset="-52"/>
                   <a:ea typeface="PT Sans Narrow" charset="-52"/>
                   <a:cs typeface="PT Sans Narrow" charset="-52"/>
-                </a:rPr>
-                <a:t>) as </a:t>
-              </a:r>
-              <a:r>
-                <a:rPr kumimoji="1" lang="en-US" altLang="ko-KR" sz="1200" dirty="0" err="1">
+                </a:endParaRPr>
+              </a:p>
+            </p:txBody>
+          </p:sp>
+          <p:sp>
+            <p:nvSpPr>
+              <p:cNvPr id="19" name="텍스트 상자 18"/>
+              <p:cNvSpPr txBox="1"/>
+              <p:nvPr/>
+            </p:nvSpPr>
+            <p:spPr>
+              <a:xfrm>
+                <a:off x="620782" y="664935"/>
+                <a:ext cx="1062728" cy="276999"/>
+              </a:xfrm>
+              <a:prstGeom prst="rect">
+                <a:avLst/>
+              </a:prstGeom>
+              <a:solidFill>
+                <a:schemeClr val="bg1"/>
+              </a:solidFill>
+            </p:spPr>
+            <p:txBody>
+              <a:bodyPr wrap="none" rtlCol="0">
+                <a:spAutoFit/>
+              </a:bodyPr>
+              <a:lstStyle/>
+              <a:p>
+                <a:pPr algn="ctr"/>
+                <a:r>
+                  <a:rPr kumimoji="1" lang="en-US" altLang="ko-KR" sz="1200" b="1" dirty="0">
+                    <a:latin typeface="PT Sans Narrow" charset="-52"/>
+                    <a:ea typeface="PT Sans Narrow" charset="-52"/>
+                    <a:cs typeface="PT Sans Narrow" charset="-52"/>
+                  </a:rPr>
+                  <a:t>PART 3 (b4-b6) </a:t>
+                </a:r>
+              </a:p>
+            </p:txBody>
+          </p:sp>
+        </p:grpSp>
+        <p:grpSp>
+          <p:nvGrpSpPr>
+            <p:cNvPr id="20" name="그룹 19"/>
+            <p:cNvGrpSpPr/>
+            <p:nvPr/>
+          </p:nvGrpSpPr>
+          <p:grpSpPr>
+            <a:xfrm>
+              <a:off x="5855087" y="664935"/>
+              <a:ext cx="3165528" cy="2793882"/>
+              <a:chOff x="393192" y="664935"/>
+              <a:chExt cx="3165528" cy="2793882"/>
+            </a:xfrm>
+          </p:grpSpPr>
+          <p:sp>
+            <p:nvSpPr>
+              <p:cNvPr id="21" name="직사각형 20"/>
+              <p:cNvSpPr/>
+              <p:nvPr/>
+            </p:nvSpPr>
+            <p:spPr>
+              <a:xfrm>
+                <a:off x="393192" y="795528"/>
+                <a:ext cx="3165528" cy="2663289"/>
+              </a:xfrm>
+              <a:prstGeom prst="rect">
+                <a:avLst/>
+              </a:prstGeom>
+              <a:noFill/>
+              <a:ln w="19050">
+                <a:solidFill>
+                  <a:schemeClr val="tx1">
+                    <a:lumMod val="65000"/>
+                    <a:lumOff val="35000"/>
+                  </a:schemeClr>
+                </a:solidFill>
+              </a:ln>
+            </p:spPr>
+            <p:style>
+              <a:lnRef idx="2">
+                <a:schemeClr val="accent1">
+                  <a:shade val="50000"/>
+                </a:schemeClr>
+              </a:lnRef>
+              <a:fillRef idx="1">
+                <a:schemeClr val="accent1"/>
+              </a:fillRef>
+              <a:effectRef idx="0">
+                <a:schemeClr val="accent1"/>
+              </a:effectRef>
+              <a:fontRef idx="minor">
+                <a:schemeClr val="lt1"/>
+              </a:fontRef>
+            </p:style>
+            <p:txBody>
+              <a:bodyPr rtlCol="0" anchor="ctr"/>
+              <a:lstStyle/>
+              <a:p>
+                <a:pPr algn="ctr"/>
+                <a:endParaRPr kumimoji="1" lang="ko-KR" altLang="en-US"/>
+              </a:p>
+            </p:txBody>
+          </p:sp>
+          <p:sp>
+            <p:nvSpPr>
+              <p:cNvPr id="22" name="텍스트 상자 21"/>
+              <p:cNvSpPr txBox="1"/>
+              <p:nvPr/>
+            </p:nvSpPr>
+            <p:spPr>
+              <a:xfrm>
+                <a:off x="509599" y="998691"/>
+                <a:ext cx="2914426" cy="2308324"/>
+              </a:xfrm>
+              <a:prstGeom prst="rect">
+                <a:avLst/>
+              </a:prstGeom>
+              <a:noFill/>
+            </p:spPr>
+            <p:txBody>
+              <a:bodyPr wrap="square" rtlCol="0">
+                <a:spAutoFit/>
+              </a:bodyPr>
+              <a:lstStyle/>
+              <a:p>
+                <a:r>
+                  <a:rPr kumimoji="1" lang="en-US" altLang="ko-KR" sz="1200" b="1" dirty="0">
+                    <a:solidFill>
+                      <a:srgbClr val="0070C0"/>
+                    </a:solidFill>
+                    <a:latin typeface="PT Sans Narrow" charset="-52"/>
+                    <a:ea typeface="PT Sans Narrow" charset="-52"/>
+                    <a:cs typeface="PT Sans Narrow" charset="-52"/>
+                  </a:rPr>
+                  <a:t>Functional images </a:t>
+                </a:r>
+              </a:p>
+              <a:p>
+                <a:r>
+                  <a:rPr kumimoji="1" lang="en-US" altLang="ko-KR" sz="1200" dirty="0">
+                    <a:solidFill>
+                      <a:srgbClr val="0070C0"/>
+                    </a:solidFill>
+                    <a:latin typeface="PT Sans Narrow" charset="-52"/>
+                    <a:ea typeface="PT Sans Narrow" charset="-52"/>
+                    <a:cs typeface="PT Sans Narrow" charset="-52"/>
+                  </a:rPr>
+                  <a:t>EPI normalization</a:t>
+                </a:r>
+              </a:p>
+              <a:p>
+                <a:endParaRPr kumimoji="1" lang="en-US" altLang="ko-KR" sz="1200" b="1" dirty="0">
                   <a:latin typeface="PT Sans Narrow" charset="-52"/>
                   <a:ea typeface="PT Sans Narrow" charset="-52"/>
                   <a:cs typeface="PT Sans Narrow" charset="-52"/>
-                </a:rPr>
-                <a:t>png</a:t>
-              </a:r>
-              <a:r>
-                <a:rPr kumimoji="1" lang="en-US" altLang="ko-KR" sz="1200" dirty="0">
+                </a:endParaRPr>
+              </a:p>
+              <a:p>
+                <a:r>
+                  <a:rPr kumimoji="1" lang="en-US" altLang="ko-KR" sz="1200" b="1" dirty="0">
+                    <a:latin typeface="PT Sans Narrow" charset="-52"/>
+                    <a:ea typeface="PT Sans Narrow" charset="-52"/>
+                    <a:cs typeface="PT Sans Narrow" charset="-52"/>
+                  </a:rPr>
+                  <a:t>SKIP THIS (b7: </a:t>
+                </a:r>
+                <a:r>
+                  <a:rPr kumimoji="1" lang="en-US" altLang="ko-KR" sz="1200" b="1" dirty="0" err="1">
+                    <a:latin typeface="PT Sans Narrow" charset="-52"/>
+                    <a:ea typeface="PT Sans Narrow" charset="-52"/>
+                    <a:cs typeface="PT Sans Narrow" charset="-52"/>
+                  </a:rPr>
+                  <a:t>coregistration</a:t>
+                </a:r>
+                <a:r>
+                  <a:rPr kumimoji="1" lang="en-US" altLang="ko-KR" sz="1200" b="1" dirty="0">
+                    <a:latin typeface="PT Sans Narrow" charset="-52"/>
+                    <a:ea typeface="PT Sans Narrow" charset="-52"/>
+                    <a:cs typeface="PT Sans Narrow" charset="-52"/>
+                  </a:rPr>
+                  <a:t>)</a:t>
+                </a:r>
+              </a:p>
+              <a:p>
+                <a:endParaRPr kumimoji="1" lang="en-US" altLang="ko-KR" sz="1200" b="1" dirty="0">
                   <a:latin typeface="PT Sans Narrow" charset="-52"/>
                   <a:ea typeface="PT Sans Narrow" charset="-52"/>
                   <a:cs typeface="PT Sans Narrow" charset="-52"/>
-                </a:rPr>
-                <a:t> in qc directories</a:t>
-              </a:r>
-            </a:p>
-            <a:p>
-              <a:pPr marL="171450" indent="-171450">
-                <a:buFont typeface="Arial" charset="0"/>
-                <a:buChar char="•"/>
-              </a:pPr>
-              <a:endParaRPr kumimoji="1" lang="en-US" altLang="ko-KR" sz="1200" dirty="0">
-                <a:latin typeface="PT Sans Narrow" charset="-52"/>
-                <a:ea typeface="PT Sans Narrow" charset="-52"/>
-                <a:cs typeface="PT Sans Narrow" charset="-52"/>
-              </a:endParaRPr>
-            </a:p>
-            <a:p>
-              <a:r>
-                <a:rPr kumimoji="1" lang="en-US" altLang="ko-KR" sz="1200" b="1" dirty="0">
+                </a:endParaRPr>
+              </a:p>
+              <a:p>
+                <a:r>
+                  <a:rPr kumimoji="1" lang="en-US" altLang="ko-KR" sz="1200" b="1" dirty="0">
+                    <a:latin typeface="PT Sans Narrow" charset="-52"/>
+                    <a:ea typeface="PT Sans Narrow" charset="-52"/>
+                    <a:cs typeface="PT Sans Narrow" charset="-52"/>
+                  </a:rPr>
+                  <a:t>b8: normalization (use the option, ‘</a:t>
+                </a:r>
+                <a:r>
+                  <a:rPr kumimoji="1" lang="en-US" altLang="ko-KR" sz="1200" b="1" dirty="0" err="1">
+                    <a:latin typeface="PT Sans Narrow" charset="-52"/>
+                    <a:ea typeface="PT Sans Narrow" charset="-52"/>
+                    <a:cs typeface="PT Sans Narrow" charset="-52"/>
+                  </a:rPr>
+                  <a:t>EPInorm</a:t>
+                </a:r>
+                <a:r>
+                  <a:rPr kumimoji="1" lang="en-US" altLang="ko-KR" sz="1200" b="1" dirty="0">
+                    <a:latin typeface="PT Sans Narrow" charset="-52"/>
+                    <a:ea typeface="PT Sans Narrow" charset="-52"/>
+                    <a:cs typeface="PT Sans Narrow" charset="-52"/>
+                  </a:rPr>
+                  <a:t>’)</a:t>
+                </a:r>
+                <a:endParaRPr kumimoji="1" lang="en-US" altLang="ko-KR" sz="1200" dirty="0">
                   <a:latin typeface="PT Sans Narrow" charset="-52"/>
                   <a:ea typeface="PT Sans Narrow" charset="-52"/>
                   <a:cs typeface="PT Sans Narrow" charset="-52"/>
-                </a:rPr>
-                <a:t>b3: outlier detection</a:t>
-              </a:r>
-            </a:p>
-            <a:p>
-              <a:pPr marL="180975" lvl="1" indent="-173038">
-                <a:buFont typeface="Arial" charset="0"/>
-                <a:buChar char="•"/>
-              </a:pPr>
-              <a:r>
-                <a:rPr kumimoji="1" lang="en-US" altLang="ko-KR" sz="1200" dirty="0">
+                </a:endParaRPr>
+              </a:p>
+              <a:p>
+                <a:pPr marL="171450" lvl="1" indent="-171450">
+                  <a:buFont typeface="Arial" charset="0"/>
+                  <a:buChar char="•"/>
+                </a:pPr>
+                <a:r>
+                  <a:rPr kumimoji="1" lang="en-US" altLang="ko-KR" sz="1200" dirty="0">
+                    <a:latin typeface="PT Sans Narrow" charset="-52"/>
+                    <a:ea typeface="PT Sans Narrow" charset="-52"/>
+                    <a:cs typeface="PT Sans Narrow" charset="-52"/>
+                  </a:rPr>
+                  <a:t>segmentation of the realigned functional images using SPM12’s tissue probability map (</a:t>
+                </a:r>
+                <a:r>
+                  <a:rPr kumimoji="1" lang="en-US" altLang="ko-KR" sz="1200" dirty="0" err="1">
+                    <a:latin typeface="PT Sans Narrow" charset="-52"/>
+                    <a:ea typeface="PT Sans Narrow" charset="-52"/>
+                    <a:cs typeface="PT Sans Narrow" charset="-52"/>
+                  </a:rPr>
+                  <a:t>TPM.nii</a:t>
+                </a:r>
+                <a:r>
+                  <a:rPr kumimoji="1" lang="en-US" altLang="ko-KR" sz="1200" dirty="0">
+                    <a:latin typeface="PT Sans Narrow" charset="-52"/>
+                    <a:ea typeface="PT Sans Narrow" charset="-52"/>
+                    <a:cs typeface="PT Sans Narrow" charset="-52"/>
+                  </a:rPr>
+                  <a:t>)</a:t>
+                </a:r>
+              </a:p>
+              <a:p>
+                <a:pPr marL="171450" lvl="1" indent="-171450">
+                  <a:buFont typeface="Arial" charset="0"/>
+                  <a:buChar char="•"/>
+                </a:pPr>
+                <a:r>
+                  <a:rPr kumimoji="1" lang="en-US" altLang="ko-KR" sz="1200" dirty="0">
+                    <a:latin typeface="PT Sans Narrow" charset="-52"/>
+                    <a:ea typeface="PT Sans Narrow" charset="-52"/>
+                    <a:cs typeface="PT Sans Narrow" charset="-52"/>
+                  </a:rPr>
+                  <a:t>warping the segmented functional images to MNI template</a:t>
+                </a:r>
+              </a:p>
+              <a:p>
+                <a:pPr marL="171450" lvl="1" indent="-171450">
+                  <a:buFont typeface="Arial" charset="0"/>
+                  <a:buChar char="•"/>
+                </a:pPr>
+                <a:r>
+                  <a:rPr kumimoji="1" lang="en-US" altLang="ko-KR" sz="1200" dirty="0">
+                    <a:latin typeface="PT Sans Narrow" charset="-52"/>
+                    <a:ea typeface="PT Sans Narrow" charset="-52"/>
+                    <a:cs typeface="PT Sans Narrow" charset="-52"/>
+                  </a:rPr>
+                  <a:t>applying the warping parameter to the functional images</a:t>
+                </a:r>
+              </a:p>
+            </p:txBody>
+          </p:sp>
+          <p:sp>
+            <p:nvSpPr>
+              <p:cNvPr id="23" name="텍스트 상자 22"/>
+              <p:cNvSpPr txBox="1"/>
+              <p:nvPr/>
+            </p:nvSpPr>
+            <p:spPr>
+              <a:xfrm>
+                <a:off x="624854" y="664935"/>
+                <a:ext cx="1054584" cy="276999"/>
+              </a:xfrm>
+              <a:prstGeom prst="rect">
+                <a:avLst/>
+              </a:prstGeom>
+              <a:solidFill>
+                <a:schemeClr val="bg1"/>
+              </a:solidFill>
+            </p:spPr>
+            <p:txBody>
+              <a:bodyPr wrap="none" rtlCol="0">
+                <a:spAutoFit/>
+              </a:bodyPr>
+              <a:lstStyle/>
+              <a:p>
+                <a:pPr algn="ctr"/>
+                <a:r>
+                  <a:rPr kumimoji="1" lang="en-US" altLang="ko-KR" sz="1200" b="1" dirty="0">
+                    <a:latin typeface="PT Sans Narrow" charset="-52"/>
+                    <a:ea typeface="PT Sans Narrow" charset="-52"/>
+                    <a:cs typeface="PT Sans Narrow" charset="-52"/>
+                  </a:rPr>
+                  <a:t>PART 4 (b7-b8) </a:t>
+                </a:r>
+              </a:p>
+            </p:txBody>
+          </p:sp>
+        </p:grpSp>
+        <p:grpSp>
+          <p:nvGrpSpPr>
+            <p:cNvPr id="24" name="그룹 23"/>
+            <p:cNvGrpSpPr/>
+            <p:nvPr/>
+          </p:nvGrpSpPr>
+          <p:grpSpPr>
+            <a:xfrm>
+              <a:off x="5855087" y="3832034"/>
+              <a:ext cx="3165528" cy="2698837"/>
+              <a:chOff x="393192" y="664935"/>
+              <a:chExt cx="3165528" cy="2698837"/>
+            </a:xfrm>
+          </p:grpSpPr>
+          <p:sp>
+            <p:nvSpPr>
+              <p:cNvPr id="25" name="직사각형 24"/>
+              <p:cNvSpPr/>
+              <p:nvPr/>
+            </p:nvSpPr>
+            <p:spPr>
+              <a:xfrm>
+                <a:off x="393192" y="795528"/>
+                <a:ext cx="3165528" cy="2568244"/>
+              </a:xfrm>
+              <a:prstGeom prst="rect">
+                <a:avLst/>
+              </a:prstGeom>
+              <a:noFill/>
+              <a:ln w="19050">
+                <a:solidFill>
+                  <a:schemeClr val="tx1">
+                    <a:lumMod val="65000"/>
+                    <a:lumOff val="35000"/>
+                  </a:schemeClr>
+                </a:solidFill>
+              </a:ln>
+            </p:spPr>
+            <p:style>
+              <a:lnRef idx="2">
+                <a:schemeClr val="accent1">
+                  <a:shade val="50000"/>
+                </a:schemeClr>
+              </a:lnRef>
+              <a:fillRef idx="1">
+                <a:schemeClr val="accent1"/>
+              </a:fillRef>
+              <a:effectRef idx="0">
+                <a:schemeClr val="accent1"/>
+              </a:effectRef>
+              <a:fontRef idx="minor">
+                <a:schemeClr val="lt1"/>
+              </a:fontRef>
+            </p:style>
+            <p:txBody>
+              <a:bodyPr rtlCol="0" anchor="ctr"/>
+              <a:lstStyle/>
+              <a:p>
+                <a:pPr algn="ctr"/>
+                <a:endParaRPr kumimoji="1" lang="ko-KR" altLang="en-US"/>
+              </a:p>
+            </p:txBody>
+          </p:sp>
+          <p:sp>
+            <p:nvSpPr>
+              <p:cNvPr id="26" name="텍스트 상자 25"/>
+              <p:cNvSpPr txBox="1"/>
+              <p:nvPr/>
+            </p:nvSpPr>
+            <p:spPr>
+              <a:xfrm>
+                <a:off x="509599" y="998691"/>
+                <a:ext cx="2914426" cy="2308324"/>
+              </a:xfrm>
+              <a:prstGeom prst="rect">
+                <a:avLst/>
+              </a:prstGeom>
+              <a:noFill/>
+            </p:spPr>
+            <p:txBody>
+              <a:bodyPr wrap="square" rtlCol="0">
+                <a:spAutoFit/>
+              </a:bodyPr>
+              <a:lstStyle/>
+              <a:p>
+                <a:r>
+                  <a:rPr kumimoji="1" lang="en-US" altLang="ko-KR" sz="1200" b="1" dirty="0">
+                    <a:solidFill>
+                      <a:srgbClr val="0070C0"/>
+                    </a:solidFill>
+                    <a:latin typeface="PT Sans Narrow" charset="-52"/>
+                    <a:ea typeface="PT Sans Narrow" charset="-52"/>
+                    <a:cs typeface="PT Sans Narrow" charset="-52"/>
+                  </a:rPr>
+                  <a:t>Functional images</a:t>
+                </a:r>
+              </a:p>
+              <a:p>
+                <a:r>
+                  <a:rPr kumimoji="1" lang="en-US" altLang="ko-KR" sz="1200" dirty="0">
+                    <a:solidFill>
+                      <a:srgbClr val="0070C0"/>
+                    </a:solidFill>
+                    <a:latin typeface="PT Sans Narrow" charset="-52"/>
+                    <a:ea typeface="PT Sans Narrow" charset="-52"/>
+                    <a:cs typeface="PT Sans Narrow" charset="-52"/>
+                  </a:rPr>
+                  <a:t>Smoothing and ICA-AROMA</a:t>
+                </a:r>
+              </a:p>
+              <a:p>
+                <a:pPr marL="0" lvl="1"/>
+                <a:endParaRPr kumimoji="1" lang="en-US" altLang="ko-KR" sz="1200" dirty="0">
                   <a:latin typeface="PT Sans Narrow" charset="-52"/>
                   <a:ea typeface="PT Sans Narrow" charset="-52"/>
                   <a:cs typeface="PT Sans Narrow" charset="-52"/>
-                </a:rPr>
-                <a:t>outlier detection based on 1) </a:t>
-              </a:r>
-              <a:r>
-                <a:rPr kumimoji="1" lang="en-US" altLang="ko-KR" sz="1200" dirty="0" err="1">
+                </a:endParaRPr>
+              </a:p>
+              <a:p>
+                <a:pPr marL="0" lvl="1"/>
+                <a:r>
+                  <a:rPr kumimoji="1" lang="en-US" altLang="ko-KR" sz="1200" b="1" dirty="0">
+                    <a:latin typeface="PT Sans Narrow" charset="-52"/>
+                    <a:ea typeface="PT Sans Narrow" charset="-52"/>
+                    <a:cs typeface="PT Sans Narrow" charset="-52"/>
+                  </a:rPr>
+                  <a:t>b9: smoothing</a:t>
+                </a:r>
+              </a:p>
+              <a:p>
+                <a:pPr marL="171450" lvl="1" indent="-171450">
+                  <a:buFont typeface="Arial" charset="0"/>
+                  <a:buChar char="•"/>
+                </a:pPr>
+                <a:r>
+                  <a:rPr kumimoji="1" lang="en-US" altLang="ko-KR" sz="1200" dirty="0">
+                    <a:latin typeface="PT Sans Narrow" charset="-52"/>
+                    <a:ea typeface="PT Sans Narrow" charset="-52"/>
+                    <a:cs typeface="PT Sans Narrow" charset="-52"/>
+                  </a:rPr>
+                  <a:t>smoothing functional images with the FWHM 5 mm smoothing kernel.</a:t>
+                </a:r>
+              </a:p>
+              <a:p>
+                <a:endParaRPr kumimoji="1" lang="en-US" altLang="ko-KR" sz="1200" b="1" dirty="0">
                   <a:latin typeface="PT Sans Narrow" charset="-52"/>
                   <a:ea typeface="PT Sans Narrow" charset="-52"/>
                   <a:cs typeface="PT Sans Narrow" charset="-52"/>
-                </a:rPr>
-                <a:t>mahalanobis</a:t>
-              </a:r>
-              <a:r>
-                <a:rPr kumimoji="1" lang="en-US" altLang="ko-KR" sz="1200" dirty="0">
-                  <a:latin typeface="PT Sans Narrow" charset="-52"/>
-                  <a:ea typeface="PT Sans Narrow" charset="-52"/>
-                  <a:cs typeface="PT Sans Narrow" charset="-52"/>
-                </a:rPr>
-                <a:t> distance across global mean for slices and spatial STD for slices, as in </a:t>
-              </a:r>
-              <a:r>
-                <a:rPr kumimoji="1" lang="en-US" altLang="ko-KR" sz="1200" dirty="0" err="1">
-                  <a:latin typeface="PT Sans Narrow" charset="-52"/>
-                  <a:ea typeface="PT Sans Narrow" charset="-52"/>
-                  <a:cs typeface="PT Sans Narrow" charset="-52"/>
-                </a:rPr>
-                <a:t>scn_session_spike_id.m</a:t>
-              </a:r>
-              <a:r>
-                <a:rPr kumimoji="1" lang="en-US" altLang="ko-KR" sz="1200" dirty="0">
-                  <a:latin typeface="PT Sans Narrow" charset="-52"/>
-                  <a:ea typeface="PT Sans Narrow" charset="-52"/>
-                  <a:cs typeface="PT Sans Narrow" charset="-52"/>
-                </a:rPr>
-                <a:t> 2) root-mean-square successive differences between images</a:t>
-              </a:r>
-            </a:p>
-          </p:txBody>
-        </p:sp>
-        <p:sp>
-          <p:nvSpPr>
-            <p:cNvPr id="13" name="텍스트 상자 12"/>
-            <p:cNvSpPr txBox="1"/>
-            <p:nvPr/>
-          </p:nvSpPr>
-          <p:spPr>
-            <a:xfrm>
-              <a:off x="620782" y="664935"/>
-              <a:ext cx="1062728" cy="276999"/>
-            </a:xfrm>
-            <a:prstGeom prst="rect">
-              <a:avLst/>
-            </a:prstGeom>
-            <a:solidFill>
-              <a:schemeClr val="bg1"/>
-            </a:solidFill>
-          </p:spPr>
-          <p:txBody>
-            <a:bodyPr wrap="none" rtlCol="0">
-              <a:spAutoFit/>
-            </a:bodyPr>
-            <a:lstStyle/>
-            <a:p>
-              <a:pPr algn="ctr"/>
-              <a:r>
-                <a:rPr kumimoji="1" lang="en-US" altLang="ko-KR" sz="1200" b="1" dirty="0">
-                  <a:latin typeface="PT Sans Narrow" charset="-52"/>
-                  <a:ea typeface="PT Sans Narrow" charset="-52"/>
-                  <a:cs typeface="PT Sans Narrow" charset="-52"/>
-                </a:rPr>
-                <a:t>PART 2 (b1-b3) </a:t>
-              </a:r>
-            </a:p>
-          </p:txBody>
-        </p:sp>
-      </p:grpSp>
-      <p:grpSp>
-        <p:nvGrpSpPr>
-          <p:cNvPr id="16" name="그룹 15"/>
-          <p:cNvGrpSpPr/>
-          <p:nvPr/>
-        </p:nvGrpSpPr>
-        <p:grpSpPr>
-          <a:xfrm>
-            <a:off x="2263498" y="4228369"/>
-            <a:ext cx="3165528" cy="3196078"/>
-            <a:chOff x="393192" y="664935"/>
-            <a:chExt cx="3165528" cy="3196078"/>
-          </a:xfrm>
-        </p:grpSpPr>
-        <p:sp>
-          <p:nvSpPr>
-            <p:cNvPr id="17" name="직사각형 16"/>
-            <p:cNvSpPr/>
-            <p:nvPr/>
-          </p:nvSpPr>
-          <p:spPr>
-            <a:xfrm>
-              <a:off x="393192" y="795527"/>
-              <a:ext cx="3165528" cy="2979485"/>
-            </a:xfrm>
-            <a:prstGeom prst="rect">
-              <a:avLst/>
-            </a:prstGeom>
-            <a:noFill/>
-            <a:ln w="19050">
+                </a:endParaRPr>
+              </a:p>
+              <a:p>
+                <a:r>
+                  <a:rPr kumimoji="1" lang="en-US" altLang="ko-KR" sz="1200" b="1" dirty="0">
+                    <a:latin typeface="PT Sans Narrow" charset="-52"/>
+                    <a:ea typeface="PT Sans Narrow" charset="-52"/>
+                    <a:cs typeface="PT Sans Narrow" charset="-52"/>
+                  </a:rPr>
+                  <a:t>b10: ICA-AROMA</a:t>
+                </a:r>
+              </a:p>
+              <a:p>
+                <a:pPr marL="171450" indent="-171450">
+                  <a:buFont typeface="Arial" charset="0"/>
+                  <a:buChar char="•"/>
+                </a:pPr>
+                <a:r>
+                  <a:rPr kumimoji="1" lang="en-US" altLang="ko-KR" sz="1200" dirty="0">
+                    <a:latin typeface="PT Sans Narrow" charset="-52"/>
+                    <a:ea typeface="PT Sans Narrow" charset="-52"/>
+                    <a:cs typeface="PT Sans Narrow" charset="-52"/>
+                  </a:rPr>
+                  <a:t>A data-driven method to identify and remove motion-related independent components from functional MRI data.</a:t>
+                </a:r>
+              </a:p>
+              <a:p>
+                <a:pPr marL="171450" indent="-171450">
+                  <a:buFont typeface="Arial" charset="0"/>
+                  <a:buChar char="•"/>
+                </a:pPr>
+                <a:r>
+                  <a:rPr kumimoji="1" lang="en-US" altLang="ko-KR" sz="1200" dirty="0">
+                    <a:latin typeface="PT Sans Narrow" charset="-52"/>
+                    <a:ea typeface="PT Sans Narrow" charset="-52"/>
+                    <a:cs typeface="PT Sans Narrow" charset="-52"/>
+                  </a:rPr>
+                  <a:t>https://</a:t>
+                </a:r>
+                <a:r>
+                  <a:rPr kumimoji="1" lang="en-US" altLang="ko-KR" sz="1200" dirty="0" err="1">
+                    <a:latin typeface="PT Sans Narrow" charset="-52"/>
+                    <a:ea typeface="PT Sans Narrow" charset="-52"/>
+                    <a:cs typeface="PT Sans Narrow" charset="-52"/>
+                  </a:rPr>
+                  <a:t>github.com</a:t>
+                </a:r>
+                <a:r>
+                  <a:rPr kumimoji="1" lang="en-US" altLang="ko-KR" sz="1200" dirty="0">
+                    <a:latin typeface="PT Sans Narrow" charset="-52"/>
+                    <a:ea typeface="PT Sans Narrow" charset="-52"/>
+                    <a:cs typeface="PT Sans Narrow" charset="-52"/>
+                  </a:rPr>
+                  <a:t>/</a:t>
+                </a:r>
+                <a:r>
+                  <a:rPr kumimoji="1" lang="en-US" altLang="ko-KR" sz="1200" dirty="0" err="1">
+                    <a:latin typeface="PT Sans Narrow" charset="-52"/>
+                    <a:ea typeface="PT Sans Narrow" charset="-52"/>
+                    <a:cs typeface="PT Sans Narrow" charset="-52"/>
+                  </a:rPr>
+                  <a:t>rhr-pruim</a:t>
+                </a:r>
+                <a:r>
+                  <a:rPr kumimoji="1" lang="en-US" altLang="ko-KR" sz="1200" dirty="0">
+                    <a:latin typeface="PT Sans Narrow" charset="-52"/>
+                    <a:ea typeface="PT Sans Narrow" charset="-52"/>
+                    <a:cs typeface="PT Sans Narrow" charset="-52"/>
+                  </a:rPr>
+                  <a:t>/ICA-AROMA</a:t>
+                </a:r>
+              </a:p>
+            </p:txBody>
+          </p:sp>
+          <p:sp>
+            <p:nvSpPr>
+              <p:cNvPr id="27" name="텍스트 상자 26"/>
+              <p:cNvSpPr txBox="1"/>
+              <p:nvPr/>
+            </p:nvSpPr>
+            <p:spPr>
+              <a:xfrm>
+                <a:off x="599944" y="664935"/>
+                <a:ext cx="1104406" cy="276999"/>
+              </a:xfrm>
+              <a:prstGeom prst="rect">
+                <a:avLst/>
+              </a:prstGeom>
               <a:solidFill>
-                <a:schemeClr val="tx1">
-                  <a:lumMod val="65000"/>
-                  <a:lumOff val="35000"/>
-                </a:schemeClr>
+                <a:schemeClr val="bg1"/>
               </a:solidFill>
-            </a:ln>
-          </p:spPr>
-          <p:style>
-            <a:lnRef idx="2">
-              <a:schemeClr val="accent1">
-                <a:shade val="50000"/>
-              </a:schemeClr>
-            </a:lnRef>
-            <a:fillRef idx="1">
-              <a:schemeClr val="accent1"/>
-            </a:fillRef>
-            <a:effectRef idx="0">
-              <a:schemeClr val="accent1"/>
-            </a:effectRef>
-            <a:fontRef idx="minor">
-              <a:schemeClr val="lt1"/>
-            </a:fontRef>
-          </p:style>
-          <p:txBody>
-            <a:bodyPr rtlCol="0" anchor="ctr"/>
-            <a:lstStyle/>
-            <a:p>
-              <a:pPr algn="ctr"/>
-              <a:endParaRPr kumimoji="1" lang="ko-KR" altLang="en-US"/>
-            </a:p>
-          </p:txBody>
-        </p:sp>
-        <p:sp>
-          <p:nvSpPr>
-            <p:cNvPr id="18" name="텍스트 상자 17"/>
-            <p:cNvSpPr txBox="1"/>
-            <p:nvPr/>
-          </p:nvSpPr>
-          <p:spPr>
-            <a:xfrm>
-              <a:off x="509599" y="998691"/>
-              <a:ext cx="2914426" cy="2862322"/>
-            </a:xfrm>
-            <a:prstGeom prst="rect">
-              <a:avLst/>
-            </a:prstGeom>
-            <a:noFill/>
-          </p:spPr>
-          <p:txBody>
-            <a:bodyPr wrap="square" rtlCol="0">
-              <a:spAutoFit/>
-            </a:bodyPr>
-            <a:lstStyle/>
-            <a:p>
-              <a:r>
-                <a:rPr kumimoji="1" lang="en-US" altLang="ko-KR" sz="1200" b="1" dirty="0">
-                  <a:solidFill>
-                    <a:srgbClr val="0070C0"/>
-                  </a:solidFill>
-                  <a:latin typeface="PT Sans Narrow" charset="-52"/>
-                  <a:ea typeface="PT Sans Narrow" charset="-52"/>
-                  <a:cs typeface="PT Sans Narrow" charset="-52"/>
-                </a:rPr>
-                <a:t>Functional images</a:t>
-              </a:r>
-            </a:p>
-            <a:p>
-              <a:r>
-                <a:rPr kumimoji="1" lang="en-US" altLang="ko-KR" sz="1200" dirty="0">
-                  <a:solidFill>
-                    <a:srgbClr val="0070C0"/>
-                  </a:solidFill>
-                  <a:latin typeface="PT Sans Narrow" charset="-52"/>
-                  <a:ea typeface="PT Sans Narrow" charset="-52"/>
-                  <a:cs typeface="PT Sans Narrow" charset="-52"/>
-                </a:rPr>
-                <a:t>Slice timing, motion, distortion correction</a:t>
-              </a:r>
-            </a:p>
-            <a:p>
-              <a:endParaRPr kumimoji="1" lang="en-US" altLang="ko-KR" sz="1200" b="1" dirty="0">
-                <a:latin typeface="PT Sans Narrow" charset="-52"/>
-                <a:ea typeface="PT Sans Narrow" charset="-52"/>
-                <a:cs typeface="PT Sans Narrow" charset="-52"/>
-              </a:endParaRPr>
-            </a:p>
-            <a:p>
-              <a:r>
-                <a:rPr kumimoji="1" lang="en-US" altLang="ko-KR" sz="1200" b="1" dirty="0">
-                  <a:latin typeface="PT Sans Narrow" charset="-52"/>
-                  <a:ea typeface="PT Sans Narrow" charset="-52"/>
-                  <a:cs typeface="PT Sans Narrow" charset="-52"/>
-                </a:rPr>
-                <a:t>b4: slice timing correction</a:t>
-              </a:r>
-              <a:r>
-                <a:rPr kumimoji="1" lang="en-US" altLang="ko-KR" sz="1200" dirty="0">
-                  <a:latin typeface="PT Sans Narrow" charset="-52"/>
-                  <a:ea typeface="PT Sans Narrow" charset="-52"/>
-                  <a:cs typeface="PT Sans Narrow" charset="-52"/>
-                </a:rPr>
-                <a:t> </a:t>
-              </a:r>
-            </a:p>
-            <a:p>
-              <a:pPr marL="171450" indent="-171450">
-                <a:buFont typeface="Arial" charset="0"/>
-                <a:buChar char="•"/>
-              </a:pPr>
-              <a:r>
-                <a:rPr kumimoji="1" lang="en-US" altLang="ko-KR" sz="1200" dirty="0">
-                  <a:latin typeface="PT Sans Narrow" charset="-52"/>
-                  <a:ea typeface="PT Sans Narrow" charset="-52"/>
-                  <a:cs typeface="PT Sans Narrow" charset="-52"/>
-                </a:rPr>
-                <a:t>It works with multi-band sequence</a:t>
-              </a:r>
-            </a:p>
-            <a:p>
-              <a:pPr marL="171450" indent="-171450">
-                <a:buFont typeface="Arial" charset="0"/>
-                <a:buChar char="•"/>
-              </a:pPr>
-              <a:r>
-                <a:rPr kumimoji="1" lang="en-US" altLang="ko-KR" sz="1200" dirty="0">
-                  <a:latin typeface="PT Sans Narrow" charset="-52"/>
-                  <a:ea typeface="PT Sans Narrow" charset="-52"/>
-                  <a:cs typeface="PT Sans Narrow" charset="-52"/>
-                </a:rPr>
-                <a:t>It reads the actual acquisition timing from </a:t>
-              </a:r>
-              <a:r>
-                <a:rPr kumimoji="1" lang="en-US" altLang="ko-KR" sz="1200" dirty="0" err="1">
-                  <a:latin typeface="PT Sans Narrow" charset="-52"/>
-                  <a:ea typeface="PT Sans Narrow" charset="-52"/>
-                  <a:cs typeface="PT Sans Narrow" charset="-52"/>
-                </a:rPr>
-                <a:t>dicom</a:t>
-              </a:r>
-              <a:r>
-                <a:rPr kumimoji="1" lang="en-US" altLang="ko-KR" sz="1200" dirty="0">
-                  <a:latin typeface="PT Sans Narrow" charset="-52"/>
-                  <a:ea typeface="PT Sans Narrow" charset="-52"/>
-                  <a:cs typeface="PT Sans Narrow" charset="-52"/>
-                </a:rPr>
-                <a:t> header.</a:t>
-              </a:r>
-              <a:endParaRPr kumimoji="1" lang="en-US" altLang="ko-KR" sz="1200" b="1" dirty="0">
-                <a:latin typeface="PT Sans Narrow" charset="-52"/>
-                <a:ea typeface="PT Sans Narrow" charset="-52"/>
-                <a:cs typeface="PT Sans Narrow" charset="-52"/>
-              </a:endParaRPr>
-            </a:p>
-            <a:p>
-              <a:endParaRPr kumimoji="1" lang="en-US" altLang="ko-KR" sz="1200" b="1" dirty="0">
-                <a:latin typeface="PT Sans Narrow" charset="-52"/>
-                <a:ea typeface="PT Sans Narrow" charset="-52"/>
-                <a:cs typeface="PT Sans Narrow" charset="-52"/>
-              </a:endParaRPr>
-            </a:p>
-            <a:p>
-              <a:r>
-                <a:rPr kumimoji="1" lang="en-US" altLang="ko-KR" sz="1200" b="1" dirty="0">
-                  <a:latin typeface="PT Sans Narrow" charset="-52"/>
-                  <a:ea typeface="PT Sans Narrow" charset="-52"/>
-                  <a:cs typeface="PT Sans Narrow" charset="-52"/>
-                </a:rPr>
-                <a:t>b5: motion correction (realignment)</a:t>
-              </a:r>
-            </a:p>
-            <a:p>
-              <a:pPr marL="171450" lvl="1" indent="-171450">
-                <a:buFont typeface="Arial" charset="0"/>
-                <a:buChar char="•"/>
-              </a:pPr>
-              <a:r>
-                <a:rPr kumimoji="1" lang="en-US" altLang="ko-KR" sz="1200" dirty="0">
-                  <a:latin typeface="PT Sans Narrow" charset="-52"/>
-                  <a:ea typeface="PT Sans Narrow" charset="-52"/>
-                  <a:cs typeface="PT Sans Narrow" charset="-52"/>
-                </a:rPr>
-                <a:t>It uses the first functional image or </a:t>
-              </a:r>
-              <a:r>
-                <a:rPr kumimoji="1" lang="en-US" altLang="ko-KR" sz="1200" dirty="0" err="1">
-                  <a:latin typeface="PT Sans Narrow" charset="-52"/>
-                  <a:ea typeface="PT Sans Narrow" charset="-52"/>
-                  <a:cs typeface="PT Sans Narrow" charset="-52"/>
-                </a:rPr>
-                <a:t>SBRef</a:t>
-              </a:r>
-              <a:r>
-                <a:rPr kumimoji="1" lang="en-US" altLang="ko-KR" sz="1200" dirty="0">
-                  <a:latin typeface="PT Sans Narrow" charset="-52"/>
-                  <a:ea typeface="PT Sans Narrow" charset="-52"/>
-                  <a:cs typeface="PT Sans Narrow" charset="-52"/>
-                </a:rPr>
-                <a:t> (you can choose) as a reference. </a:t>
-              </a:r>
-            </a:p>
-            <a:p>
-              <a:pPr marL="171450" lvl="1" indent="-171450">
-                <a:buFont typeface="Arial" charset="0"/>
-                <a:buChar char="•"/>
-              </a:pPr>
-              <a:r>
-                <a:rPr kumimoji="1" lang="en-US" altLang="ko-KR" sz="1200" dirty="0">
-                  <a:latin typeface="PT Sans Narrow" charset="-52"/>
-                  <a:ea typeface="PT Sans Narrow" charset="-52"/>
-                  <a:cs typeface="PT Sans Narrow" charset="-52"/>
-                </a:rPr>
-                <a:t>It saves 6 movement parameters for each run</a:t>
-              </a:r>
-            </a:p>
-            <a:p>
-              <a:pPr marL="171450" lvl="1" indent="-171450">
-                <a:buFont typeface="Arial" charset="0"/>
-                <a:buChar char="•"/>
-              </a:pPr>
-              <a:endParaRPr kumimoji="1" lang="en-US" altLang="ko-KR" sz="1200" dirty="0">
-                <a:latin typeface="PT Sans Narrow" charset="-52"/>
-                <a:ea typeface="PT Sans Narrow" charset="-52"/>
-                <a:cs typeface="PT Sans Narrow" charset="-52"/>
-              </a:endParaRPr>
-            </a:p>
-            <a:p>
-              <a:pPr marL="0" lvl="1"/>
-              <a:r>
-                <a:rPr kumimoji="1" lang="en-US" altLang="ko-KR" sz="1200" b="1" dirty="0">
-                  <a:latin typeface="PT Sans Narrow" charset="-52"/>
-                  <a:ea typeface="PT Sans Narrow" charset="-52"/>
-                  <a:cs typeface="PT Sans Narrow" charset="-52"/>
-                </a:rPr>
-                <a:t>b6: distortion correction</a:t>
-              </a:r>
-              <a:r>
-                <a:rPr kumimoji="1" lang="en-US" altLang="ko-KR" sz="1200" dirty="0">
-                  <a:latin typeface="PT Sans Narrow" charset="-52"/>
-                  <a:ea typeface="PT Sans Narrow" charset="-52"/>
-                  <a:cs typeface="PT Sans Narrow" charset="-52"/>
-                </a:rPr>
-                <a:t> (using FSL’s </a:t>
-              </a:r>
-              <a:r>
-                <a:rPr kumimoji="1" lang="en-US" altLang="ko-KR" sz="1200" dirty="0" err="1">
-                  <a:latin typeface="PT Sans Narrow" charset="-52"/>
-                  <a:ea typeface="PT Sans Narrow" charset="-52"/>
-                  <a:cs typeface="PT Sans Narrow" charset="-52"/>
-                </a:rPr>
-                <a:t>topup</a:t>
-              </a:r>
-              <a:r>
-                <a:rPr kumimoji="1" lang="en-US" altLang="ko-KR" sz="1200" dirty="0">
-                  <a:latin typeface="PT Sans Narrow" charset="-52"/>
-                  <a:ea typeface="PT Sans Narrow" charset="-52"/>
-                  <a:cs typeface="PT Sans Narrow" charset="-52"/>
-                </a:rPr>
-                <a:t>)</a:t>
-              </a:r>
-            </a:p>
-            <a:p>
-              <a:pPr marL="171450" lvl="1" indent="-171450">
-                <a:buFont typeface="Arial" charset="0"/>
-                <a:buChar char="•"/>
-              </a:pPr>
-              <a:endParaRPr kumimoji="1" lang="en-US" altLang="ko-KR" sz="1200" dirty="0">
-                <a:latin typeface="PT Sans Narrow" charset="-52"/>
-                <a:ea typeface="PT Sans Narrow" charset="-52"/>
-                <a:cs typeface="PT Sans Narrow" charset="-52"/>
-              </a:endParaRPr>
-            </a:p>
-          </p:txBody>
-        </p:sp>
-        <p:sp>
-          <p:nvSpPr>
-            <p:cNvPr id="19" name="텍스트 상자 18"/>
-            <p:cNvSpPr txBox="1"/>
-            <p:nvPr/>
-          </p:nvSpPr>
-          <p:spPr>
-            <a:xfrm>
-              <a:off x="620782" y="664935"/>
-              <a:ext cx="1062728" cy="276999"/>
-            </a:xfrm>
-            <a:prstGeom prst="rect">
-              <a:avLst/>
-            </a:prstGeom>
-            <a:solidFill>
-              <a:schemeClr val="bg1"/>
-            </a:solidFill>
-          </p:spPr>
-          <p:txBody>
-            <a:bodyPr wrap="none" rtlCol="0">
-              <a:spAutoFit/>
-            </a:bodyPr>
-            <a:lstStyle/>
-            <a:p>
-              <a:pPr algn="ctr"/>
-              <a:r>
-                <a:rPr kumimoji="1" lang="en-US" altLang="ko-KR" sz="1200" b="1" dirty="0">
-                  <a:latin typeface="PT Sans Narrow" charset="-52"/>
-                  <a:ea typeface="PT Sans Narrow" charset="-52"/>
-                  <a:cs typeface="PT Sans Narrow" charset="-52"/>
-                </a:rPr>
-                <a:t>PART 3 (b4-b6) </a:t>
-              </a:r>
-            </a:p>
-          </p:txBody>
-        </p:sp>
-      </p:grpSp>
-      <p:grpSp>
-        <p:nvGrpSpPr>
-          <p:cNvPr id="20" name="그룹 19"/>
-          <p:cNvGrpSpPr/>
-          <p:nvPr/>
-        </p:nvGrpSpPr>
-        <p:grpSpPr>
-          <a:xfrm>
-            <a:off x="5855087" y="664935"/>
-            <a:ext cx="3165528" cy="2793882"/>
-            <a:chOff x="393192" y="664935"/>
-            <a:chExt cx="3165528" cy="2793882"/>
-          </a:xfrm>
-        </p:grpSpPr>
-        <p:sp>
-          <p:nvSpPr>
-            <p:cNvPr id="21" name="직사각형 20"/>
-            <p:cNvSpPr/>
-            <p:nvPr/>
-          </p:nvSpPr>
-          <p:spPr>
-            <a:xfrm>
-              <a:off x="393192" y="795528"/>
-              <a:ext cx="3165528" cy="2663289"/>
-            </a:xfrm>
-            <a:prstGeom prst="rect">
-              <a:avLst/>
-            </a:prstGeom>
-            <a:noFill/>
-            <a:ln w="19050">
-              <a:solidFill>
-                <a:schemeClr val="tx1">
-                  <a:lumMod val="65000"/>
-                  <a:lumOff val="35000"/>
-                </a:schemeClr>
-              </a:solidFill>
-            </a:ln>
-          </p:spPr>
-          <p:style>
-            <a:lnRef idx="2">
-              <a:schemeClr val="accent1">
-                <a:shade val="50000"/>
-              </a:schemeClr>
-            </a:lnRef>
-            <a:fillRef idx="1">
-              <a:schemeClr val="accent1"/>
-            </a:fillRef>
-            <a:effectRef idx="0">
-              <a:schemeClr val="accent1"/>
-            </a:effectRef>
-            <a:fontRef idx="minor">
-              <a:schemeClr val="lt1"/>
-            </a:fontRef>
-          </p:style>
-          <p:txBody>
-            <a:bodyPr rtlCol="0" anchor="ctr"/>
-            <a:lstStyle/>
-            <a:p>
-              <a:pPr algn="ctr"/>
-              <a:endParaRPr kumimoji="1" lang="ko-KR" altLang="en-US"/>
-            </a:p>
-          </p:txBody>
-        </p:sp>
-        <p:sp>
-          <p:nvSpPr>
-            <p:cNvPr id="22" name="텍스트 상자 21"/>
-            <p:cNvSpPr txBox="1"/>
-            <p:nvPr/>
-          </p:nvSpPr>
-          <p:spPr>
-            <a:xfrm>
-              <a:off x="509599" y="998691"/>
-              <a:ext cx="2914426" cy="2308324"/>
-            </a:xfrm>
-            <a:prstGeom prst="rect">
-              <a:avLst/>
-            </a:prstGeom>
-            <a:noFill/>
-          </p:spPr>
-          <p:txBody>
-            <a:bodyPr wrap="square" rtlCol="0">
-              <a:spAutoFit/>
-            </a:bodyPr>
-            <a:lstStyle/>
-            <a:p>
-              <a:r>
-                <a:rPr kumimoji="1" lang="en-US" altLang="ko-KR" sz="1200" b="1" dirty="0">
-                  <a:solidFill>
-                    <a:srgbClr val="0070C0"/>
-                  </a:solidFill>
-                  <a:latin typeface="PT Sans Narrow" charset="-52"/>
-                  <a:ea typeface="PT Sans Narrow" charset="-52"/>
-                  <a:cs typeface="PT Sans Narrow" charset="-52"/>
-                </a:rPr>
-                <a:t>Functional images </a:t>
-              </a:r>
-            </a:p>
-            <a:p>
-              <a:r>
-                <a:rPr kumimoji="1" lang="en-US" altLang="ko-KR" sz="1200" dirty="0">
-                  <a:solidFill>
-                    <a:srgbClr val="0070C0"/>
-                  </a:solidFill>
-                  <a:latin typeface="PT Sans Narrow" charset="-52"/>
-                  <a:ea typeface="PT Sans Narrow" charset="-52"/>
-                  <a:cs typeface="PT Sans Narrow" charset="-52"/>
-                </a:rPr>
-                <a:t>EPI normalization</a:t>
-              </a:r>
-            </a:p>
-            <a:p>
-              <a:endParaRPr kumimoji="1" lang="en-US" altLang="ko-KR" sz="1200" b="1" dirty="0">
-                <a:latin typeface="PT Sans Narrow" charset="-52"/>
-                <a:ea typeface="PT Sans Narrow" charset="-52"/>
-                <a:cs typeface="PT Sans Narrow" charset="-52"/>
-              </a:endParaRPr>
-            </a:p>
-            <a:p>
-              <a:r>
-                <a:rPr kumimoji="1" lang="en-US" altLang="ko-KR" sz="1200" b="1" dirty="0">
-                  <a:latin typeface="PT Sans Narrow" charset="-52"/>
-                  <a:ea typeface="PT Sans Narrow" charset="-52"/>
-                  <a:cs typeface="PT Sans Narrow" charset="-52"/>
-                </a:rPr>
-                <a:t>SKIP THIS (b7: </a:t>
-              </a:r>
-              <a:r>
-                <a:rPr kumimoji="1" lang="en-US" altLang="ko-KR" sz="1200" b="1" dirty="0" err="1">
-                  <a:latin typeface="PT Sans Narrow" charset="-52"/>
-                  <a:ea typeface="PT Sans Narrow" charset="-52"/>
-                  <a:cs typeface="PT Sans Narrow" charset="-52"/>
-                </a:rPr>
-                <a:t>coregistration</a:t>
-              </a:r>
-              <a:r>
-                <a:rPr kumimoji="1" lang="en-US" altLang="ko-KR" sz="1200" b="1" dirty="0">
-                  <a:latin typeface="PT Sans Narrow" charset="-52"/>
-                  <a:ea typeface="PT Sans Narrow" charset="-52"/>
-                  <a:cs typeface="PT Sans Narrow" charset="-52"/>
-                </a:rPr>
-                <a:t>)</a:t>
-              </a:r>
-            </a:p>
-            <a:p>
-              <a:endParaRPr kumimoji="1" lang="en-US" altLang="ko-KR" sz="1200" b="1" dirty="0">
-                <a:latin typeface="PT Sans Narrow" charset="-52"/>
-                <a:ea typeface="PT Sans Narrow" charset="-52"/>
-                <a:cs typeface="PT Sans Narrow" charset="-52"/>
-              </a:endParaRPr>
-            </a:p>
-            <a:p>
-              <a:r>
-                <a:rPr kumimoji="1" lang="en-US" altLang="ko-KR" sz="1200" b="1" dirty="0">
-                  <a:latin typeface="PT Sans Narrow" charset="-52"/>
-                  <a:ea typeface="PT Sans Narrow" charset="-52"/>
-                  <a:cs typeface="PT Sans Narrow" charset="-52"/>
-                </a:rPr>
-                <a:t>b8: normalization (use the option, ‘</a:t>
-              </a:r>
-              <a:r>
-                <a:rPr kumimoji="1" lang="en-US" altLang="ko-KR" sz="1200" b="1" dirty="0" err="1">
-                  <a:latin typeface="PT Sans Narrow" charset="-52"/>
-                  <a:ea typeface="PT Sans Narrow" charset="-52"/>
-                  <a:cs typeface="PT Sans Narrow" charset="-52"/>
-                </a:rPr>
-                <a:t>EPInorm</a:t>
-              </a:r>
-              <a:r>
-                <a:rPr kumimoji="1" lang="en-US" altLang="ko-KR" sz="1200" b="1" dirty="0">
-                  <a:latin typeface="PT Sans Narrow" charset="-52"/>
-                  <a:ea typeface="PT Sans Narrow" charset="-52"/>
-                  <a:cs typeface="PT Sans Narrow" charset="-52"/>
-                </a:rPr>
-                <a:t>’)</a:t>
-              </a:r>
-              <a:endParaRPr kumimoji="1" lang="en-US" altLang="ko-KR" sz="1200" dirty="0">
-                <a:latin typeface="PT Sans Narrow" charset="-52"/>
-                <a:ea typeface="PT Sans Narrow" charset="-52"/>
-                <a:cs typeface="PT Sans Narrow" charset="-52"/>
-              </a:endParaRPr>
-            </a:p>
-            <a:p>
-              <a:pPr marL="171450" lvl="1" indent="-171450">
-                <a:buFont typeface="Arial" charset="0"/>
-                <a:buChar char="•"/>
-              </a:pPr>
-              <a:r>
-                <a:rPr kumimoji="1" lang="en-US" altLang="ko-KR" sz="1200" dirty="0">
-                  <a:latin typeface="PT Sans Narrow" charset="-52"/>
-                  <a:ea typeface="PT Sans Narrow" charset="-52"/>
-                  <a:cs typeface="PT Sans Narrow" charset="-52"/>
-                </a:rPr>
-                <a:t>segmentation of the realigned functional images using SPM12’s tissue probability map (</a:t>
-              </a:r>
-              <a:r>
-                <a:rPr kumimoji="1" lang="en-US" altLang="ko-KR" sz="1200" dirty="0" err="1">
-                  <a:latin typeface="PT Sans Narrow" charset="-52"/>
-                  <a:ea typeface="PT Sans Narrow" charset="-52"/>
-                  <a:cs typeface="PT Sans Narrow" charset="-52"/>
-                </a:rPr>
-                <a:t>TPM.nii</a:t>
-              </a:r>
-              <a:r>
-                <a:rPr kumimoji="1" lang="en-US" altLang="ko-KR" sz="1200" dirty="0">
-                  <a:latin typeface="PT Sans Narrow" charset="-52"/>
-                  <a:ea typeface="PT Sans Narrow" charset="-52"/>
-                  <a:cs typeface="PT Sans Narrow" charset="-52"/>
-                </a:rPr>
-                <a:t>)</a:t>
-              </a:r>
-            </a:p>
-            <a:p>
-              <a:pPr marL="171450" lvl="1" indent="-171450">
-                <a:buFont typeface="Arial" charset="0"/>
-                <a:buChar char="•"/>
-              </a:pPr>
-              <a:r>
-                <a:rPr kumimoji="1" lang="en-US" altLang="ko-KR" sz="1200" dirty="0">
-                  <a:latin typeface="PT Sans Narrow" charset="-52"/>
-                  <a:ea typeface="PT Sans Narrow" charset="-52"/>
-                  <a:cs typeface="PT Sans Narrow" charset="-52"/>
-                </a:rPr>
-                <a:t>warping the segmented functional images to MNI template</a:t>
-              </a:r>
-            </a:p>
-            <a:p>
-              <a:pPr marL="171450" lvl="1" indent="-171450">
-                <a:buFont typeface="Arial" charset="0"/>
-                <a:buChar char="•"/>
-              </a:pPr>
-              <a:r>
-                <a:rPr kumimoji="1" lang="en-US" altLang="ko-KR" sz="1200" dirty="0">
-                  <a:latin typeface="PT Sans Narrow" charset="-52"/>
-                  <a:ea typeface="PT Sans Narrow" charset="-52"/>
-                  <a:cs typeface="PT Sans Narrow" charset="-52"/>
-                </a:rPr>
-                <a:t>applying the warping parameter to the functional images</a:t>
-              </a:r>
-            </a:p>
-          </p:txBody>
-        </p:sp>
-        <p:sp>
-          <p:nvSpPr>
-            <p:cNvPr id="23" name="텍스트 상자 22"/>
-            <p:cNvSpPr txBox="1"/>
-            <p:nvPr/>
-          </p:nvSpPr>
-          <p:spPr>
-            <a:xfrm>
-              <a:off x="624854" y="664935"/>
-              <a:ext cx="1054584" cy="276999"/>
-            </a:xfrm>
-            <a:prstGeom prst="rect">
-              <a:avLst/>
-            </a:prstGeom>
-            <a:solidFill>
-              <a:schemeClr val="bg1"/>
-            </a:solidFill>
-          </p:spPr>
-          <p:txBody>
-            <a:bodyPr wrap="none" rtlCol="0">
-              <a:spAutoFit/>
-            </a:bodyPr>
-            <a:lstStyle/>
-            <a:p>
-              <a:pPr algn="ctr"/>
-              <a:r>
-                <a:rPr kumimoji="1" lang="en-US" altLang="ko-KR" sz="1200" b="1" dirty="0">
-                  <a:latin typeface="PT Sans Narrow" charset="-52"/>
-                  <a:ea typeface="PT Sans Narrow" charset="-52"/>
-                  <a:cs typeface="PT Sans Narrow" charset="-52"/>
-                </a:rPr>
-                <a:t>PART 4 (b7-b8) </a:t>
-              </a:r>
-            </a:p>
-          </p:txBody>
-        </p:sp>
-      </p:grpSp>
-      <p:grpSp>
-        <p:nvGrpSpPr>
-          <p:cNvPr id="24" name="그룹 23"/>
-          <p:cNvGrpSpPr/>
-          <p:nvPr/>
-        </p:nvGrpSpPr>
-        <p:grpSpPr>
-          <a:xfrm>
-            <a:off x="5855087" y="3832034"/>
-            <a:ext cx="3165528" cy="2698837"/>
-            <a:chOff x="393192" y="664935"/>
-            <a:chExt cx="3165528" cy="2698837"/>
-          </a:xfrm>
-        </p:grpSpPr>
-        <p:sp>
-          <p:nvSpPr>
-            <p:cNvPr id="25" name="직사각형 24"/>
-            <p:cNvSpPr/>
-            <p:nvPr/>
-          </p:nvSpPr>
-          <p:spPr>
-            <a:xfrm>
-              <a:off x="393192" y="795528"/>
-              <a:ext cx="3165528" cy="2568244"/>
-            </a:xfrm>
-            <a:prstGeom prst="rect">
-              <a:avLst/>
-            </a:prstGeom>
-            <a:noFill/>
-            <a:ln w="19050">
-              <a:solidFill>
-                <a:schemeClr val="tx1">
-                  <a:lumMod val="65000"/>
-                  <a:lumOff val="35000"/>
-                </a:schemeClr>
-              </a:solidFill>
-            </a:ln>
-          </p:spPr>
-          <p:style>
-            <a:lnRef idx="2">
-              <a:schemeClr val="accent1">
-                <a:shade val="50000"/>
-              </a:schemeClr>
-            </a:lnRef>
-            <a:fillRef idx="1">
-              <a:schemeClr val="accent1"/>
-            </a:fillRef>
-            <a:effectRef idx="0">
-              <a:schemeClr val="accent1"/>
-            </a:effectRef>
-            <a:fontRef idx="minor">
-              <a:schemeClr val="lt1"/>
-            </a:fontRef>
-          </p:style>
-          <p:txBody>
-            <a:bodyPr rtlCol="0" anchor="ctr"/>
-            <a:lstStyle/>
-            <a:p>
-              <a:pPr algn="ctr"/>
-              <a:endParaRPr kumimoji="1" lang="ko-KR" altLang="en-US"/>
-            </a:p>
-          </p:txBody>
-        </p:sp>
-        <p:sp>
-          <p:nvSpPr>
-            <p:cNvPr id="26" name="텍스트 상자 25"/>
-            <p:cNvSpPr txBox="1"/>
-            <p:nvPr/>
-          </p:nvSpPr>
-          <p:spPr>
-            <a:xfrm>
-              <a:off x="509599" y="998691"/>
-              <a:ext cx="2914426" cy="2308324"/>
-            </a:xfrm>
-            <a:prstGeom prst="rect">
-              <a:avLst/>
-            </a:prstGeom>
-            <a:noFill/>
-          </p:spPr>
-          <p:txBody>
-            <a:bodyPr wrap="square" rtlCol="0">
-              <a:spAutoFit/>
-            </a:bodyPr>
-            <a:lstStyle/>
-            <a:p>
-              <a:r>
-                <a:rPr kumimoji="1" lang="en-US" altLang="ko-KR" sz="1200" b="1" dirty="0">
-                  <a:solidFill>
-                    <a:srgbClr val="0070C0"/>
-                  </a:solidFill>
-                  <a:latin typeface="PT Sans Narrow" charset="-52"/>
-                  <a:ea typeface="PT Sans Narrow" charset="-52"/>
-                  <a:cs typeface="PT Sans Narrow" charset="-52"/>
-                </a:rPr>
-                <a:t>Functional images</a:t>
-              </a:r>
-            </a:p>
-            <a:p>
-              <a:r>
-                <a:rPr kumimoji="1" lang="en-US" altLang="ko-KR" sz="1200" dirty="0">
-                  <a:solidFill>
-                    <a:srgbClr val="0070C0"/>
-                  </a:solidFill>
-                  <a:latin typeface="PT Sans Narrow" charset="-52"/>
-                  <a:ea typeface="PT Sans Narrow" charset="-52"/>
-                  <a:cs typeface="PT Sans Narrow" charset="-52"/>
-                </a:rPr>
-                <a:t>Smoothing and ICA-AROMA</a:t>
-              </a:r>
-            </a:p>
-            <a:p>
-              <a:pPr marL="0" lvl="1"/>
-              <a:endParaRPr kumimoji="1" lang="en-US" altLang="ko-KR" sz="1200" dirty="0">
-                <a:latin typeface="PT Sans Narrow" charset="-52"/>
-                <a:ea typeface="PT Sans Narrow" charset="-52"/>
-                <a:cs typeface="PT Sans Narrow" charset="-52"/>
-              </a:endParaRPr>
-            </a:p>
-            <a:p>
-              <a:pPr marL="0" lvl="1"/>
-              <a:r>
-                <a:rPr kumimoji="1" lang="en-US" altLang="ko-KR" sz="1200" b="1" dirty="0">
-                  <a:latin typeface="PT Sans Narrow" charset="-52"/>
-                  <a:ea typeface="PT Sans Narrow" charset="-52"/>
-                  <a:cs typeface="PT Sans Narrow" charset="-52"/>
-                </a:rPr>
-                <a:t>b9: smoothing</a:t>
-              </a:r>
-            </a:p>
-            <a:p>
-              <a:pPr marL="171450" lvl="1" indent="-171450">
-                <a:buFont typeface="Arial" charset="0"/>
-                <a:buChar char="•"/>
-              </a:pPr>
-              <a:r>
-                <a:rPr kumimoji="1" lang="en-US" altLang="ko-KR" sz="1200" dirty="0">
-                  <a:latin typeface="PT Sans Narrow" charset="-52"/>
-                  <a:ea typeface="PT Sans Narrow" charset="-52"/>
-                  <a:cs typeface="PT Sans Narrow" charset="-52"/>
-                </a:rPr>
-                <a:t>smoothing functional images with the FWHM 5 mm smoothing kernel.</a:t>
-              </a:r>
-            </a:p>
-            <a:p>
-              <a:endParaRPr kumimoji="1" lang="en-US" altLang="ko-KR" sz="1200" b="1" dirty="0">
-                <a:latin typeface="PT Sans Narrow" charset="-52"/>
-                <a:ea typeface="PT Sans Narrow" charset="-52"/>
-                <a:cs typeface="PT Sans Narrow" charset="-52"/>
-              </a:endParaRPr>
-            </a:p>
-            <a:p>
-              <a:r>
-                <a:rPr kumimoji="1" lang="en-US" altLang="ko-KR" sz="1200" b="1" dirty="0">
-                  <a:latin typeface="PT Sans Narrow" charset="-52"/>
-                  <a:ea typeface="PT Sans Narrow" charset="-52"/>
-                  <a:cs typeface="PT Sans Narrow" charset="-52"/>
-                </a:rPr>
-                <a:t>b10: ICA-AROMA</a:t>
-              </a:r>
-            </a:p>
-            <a:p>
-              <a:pPr marL="171450" indent="-171450">
-                <a:buFont typeface="Arial" charset="0"/>
-                <a:buChar char="•"/>
-              </a:pPr>
-              <a:r>
-                <a:rPr kumimoji="1" lang="en-US" altLang="ko-KR" sz="1200" dirty="0">
-                  <a:latin typeface="PT Sans Narrow" charset="-52"/>
-                  <a:ea typeface="PT Sans Narrow" charset="-52"/>
-                  <a:cs typeface="PT Sans Narrow" charset="-52"/>
-                </a:rPr>
-                <a:t>A data-driven method to identify and remove motion-related independent components from functional MRI data.</a:t>
-              </a:r>
-            </a:p>
-            <a:p>
-              <a:pPr marL="171450" indent="-171450">
-                <a:buFont typeface="Arial" charset="0"/>
-                <a:buChar char="•"/>
-              </a:pPr>
-              <a:r>
-                <a:rPr kumimoji="1" lang="en-US" altLang="ko-KR" sz="1200" dirty="0">
-                  <a:latin typeface="PT Sans Narrow" charset="-52"/>
-                  <a:ea typeface="PT Sans Narrow" charset="-52"/>
-                  <a:cs typeface="PT Sans Narrow" charset="-52"/>
-                </a:rPr>
-                <a:t>https://</a:t>
-              </a:r>
-              <a:r>
-                <a:rPr kumimoji="1" lang="en-US" altLang="ko-KR" sz="1200" dirty="0" err="1">
-                  <a:latin typeface="PT Sans Narrow" charset="-52"/>
-                  <a:ea typeface="PT Sans Narrow" charset="-52"/>
-                  <a:cs typeface="PT Sans Narrow" charset="-52"/>
-                </a:rPr>
-                <a:t>github.com</a:t>
-              </a:r>
-              <a:r>
-                <a:rPr kumimoji="1" lang="en-US" altLang="ko-KR" sz="1200" dirty="0">
-                  <a:latin typeface="PT Sans Narrow" charset="-52"/>
-                  <a:ea typeface="PT Sans Narrow" charset="-52"/>
-                  <a:cs typeface="PT Sans Narrow" charset="-52"/>
-                </a:rPr>
-                <a:t>/</a:t>
-              </a:r>
-              <a:r>
-                <a:rPr kumimoji="1" lang="en-US" altLang="ko-KR" sz="1200" dirty="0" err="1">
-                  <a:latin typeface="PT Sans Narrow" charset="-52"/>
-                  <a:ea typeface="PT Sans Narrow" charset="-52"/>
-                  <a:cs typeface="PT Sans Narrow" charset="-52"/>
-                </a:rPr>
-                <a:t>rhr-pruim</a:t>
-              </a:r>
-              <a:r>
-                <a:rPr kumimoji="1" lang="en-US" altLang="ko-KR" sz="1200" dirty="0">
-                  <a:latin typeface="PT Sans Narrow" charset="-52"/>
-                  <a:ea typeface="PT Sans Narrow" charset="-52"/>
-                  <a:cs typeface="PT Sans Narrow" charset="-52"/>
-                </a:rPr>
-                <a:t>/ICA-AROMA</a:t>
-              </a:r>
-            </a:p>
-          </p:txBody>
-        </p:sp>
-        <p:sp>
-          <p:nvSpPr>
-            <p:cNvPr id="27" name="텍스트 상자 26"/>
-            <p:cNvSpPr txBox="1"/>
-            <p:nvPr/>
-          </p:nvSpPr>
-          <p:spPr>
-            <a:xfrm>
-              <a:off x="599944" y="664935"/>
-              <a:ext cx="1104406" cy="276999"/>
-            </a:xfrm>
-            <a:prstGeom prst="rect">
-              <a:avLst/>
-            </a:prstGeom>
-            <a:solidFill>
-              <a:schemeClr val="bg1"/>
-            </a:solidFill>
-          </p:spPr>
-          <p:txBody>
-            <a:bodyPr wrap="none" rtlCol="0">
-              <a:spAutoFit/>
-            </a:bodyPr>
-            <a:lstStyle/>
-            <a:p>
-              <a:pPr algn="ctr"/>
-              <a:r>
-                <a:rPr kumimoji="1" lang="en-US" altLang="ko-KR" sz="1200" b="1" dirty="0">
-                  <a:latin typeface="PT Sans Narrow" charset="-52"/>
-                  <a:ea typeface="PT Sans Narrow" charset="-52"/>
-                  <a:cs typeface="PT Sans Narrow" charset="-52"/>
-                </a:rPr>
-                <a:t>PART 5 (b9-b10)</a:t>
-              </a:r>
-            </a:p>
-          </p:txBody>
-        </p:sp>
+            </p:spPr>
+            <p:txBody>
+              <a:bodyPr wrap="none" rtlCol="0">
+                <a:spAutoFit/>
+              </a:bodyPr>
+              <a:lstStyle/>
+              <a:p>
+                <a:pPr algn="ctr"/>
+                <a:r>
+                  <a:rPr kumimoji="1" lang="en-US" altLang="ko-KR" sz="1200" b="1" dirty="0">
+                    <a:latin typeface="PT Sans Narrow" charset="-52"/>
+                    <a:ea typeface="PT Sans Narrow" charset="-52"/>
+                    <a:cs typeface="PT Sans Narrow" charset="-52"/>
+                  </a:rPr>
+                  <a:t>PART 5 (b9-b10)</a:t>
+                </a:r>
+              </a:p>
+            </p:txBody>
+          </p:sp>
+        </p:grpSp>
       </p:grpSp>
     </p:spTree>
     <p:extLst>
